--- a/pisanie_artykulu+prezentacja/Prezentacja.pptx
+++ b/pisanie_artykulu+prezentacja/Prezentacja.pptx
@@ -4,14 +4,24 @@
   <p:sldMasterIdLst>
     <p:sldMasterId id="2147483648" r:id="rId1"/>
   </p:sldMasterIdLst>
+  <p:notesMasterIdLst>
+    <p:notesMasterId r:id="rId16"/>
+  </p:notesMasterIdLst>
   <p:sldIdLst>
     <p:sldId id="256" r:id="rId2"/>
     <p:sldId id="257" r:id="rId3"/>
     <p:sldId id="258" r:id="rId4"/>
-    <p:sldId id="259" r:id="rId5"/>
-    <p:sldId id="260" r:id="rId6"/>
-    <p:sldId id="261" r:id="rId7"/>
-    <p:sldId id="262" r:id="rId8"/>
+    <p:sldId id="263" r:id="rId5"/>
+    <p:sldId id="259" r:id="rId6"/>
+    <p:sldId id="260" r:id="rId7"/>
+    <p:sldId id="261" r:id="rId8"/>
+    <p:sldId id="262" r:id="rId9"/>
+    <p:sldId id="269" r:id="rId10"/>
+    <p:sldId id="264" r:id="rId11"/>
+    <p:sldId id="265" r:id="rId12"/>
+    <p:sldId id="266" r:id="rId13"/>
+    <p:sldId id="267" r:id="rId14"/>
+    <p:sldId id="268" r:id="rId15"/>
   </p:sldIdLst>
   <p:sldSz cx="12192000" cy="6858000"/>
   <p:notesSz cx="6858000" cy="9144000"/>
@@ -110,7 +120,677 @@
       </a:defRPr>
     </a:lvl9pPr>
   </p:defaultTextStyle>
+  <p:extLst>
+    <p:ext uri="{EFAFB233-063F-42B5-8137-9DF3F51BA10A}">
+      <p15:sldGuideLst xmlns:p15="http://schemas.microsoft.com/office/powerpoint/2012/main"/>
+    </p:ext>
+  </p:extLst>
 </p:presentation>
+</file>
+
+<file path=ppt/authors.xml><?xml version="1.0" encoding="utf-8"?>
+<p188:authorLst xmlns:a="http://schemas.openxmlformats.org/drawingml/2006/main" xmlns:r="http://schemas.openxmlformats.org/officeDocument/2006/relationships" xmlns:p188="http://schemas.microsoft.com/office/powerpoint/2018/8/main">
+  <p188:author id="{3E592C16-3045-64E8-467A-15353A589283}" name="Klaudia Woźniak" initials="KW" userId="8aeb85f5462ee2ad" providerId="Windows Live"/>
+</p188:authorLst>
+</file>
+
+<file path=ppt/comments/modernComment_100_C1E375D8.xml><?xml version="1.0" encoding="utf-8"?>
+<p188:cmLst xmlns:a="http://schemas.openxmlformats.org/drawingml/2006/main" xmlns:r="http://schemas.openxmlformats.org/officeDocument/2006/relationships" xmlns:p188="http://schemas.microsoft.com/office/powerpoint/2018/8/main">
+  <p188:cm id="{A64EA787-BE18-4D32-AB16-3521C31037D5}" authorId="{3E592C16-3045-64E8-467A-15353A589283}" created="2025-12-17T11:24:27.784">
+    <pc:sldMkLst xmlns:pc="http://schemas.microsoft.com/office/powerpoint/2013/main/command">
+      <pc:docMk/>
+      <pc:sldMk cId="3252909528" sldId="256"/>
+    </pc:sldMkLst>
+    <p188:txBody>
+      <a:bodyPr/>
+      <a:lstStyle/>
+      <a:p>
+        <a:r>
+          <a:rPr lang="en-US"/>
+          <a:t> Narracja (20 sekund):
+Rak piersi zabija ponad 700 000 kobiet rocznie na świecie. Ale pewne rodzaje raka mogą być wyleczalne, a inne pozostają oporne na wszystkie terapie. Dzisiaj pokażemy, dlaczego. Szukaliśmy odpowiedzi na pytanie: co biologicznie różni dobry rak od złego? I odkryliśmy coś zadziwiającego – to nie obojętny brak receptorów, ale aktywny plan, napisany małymi cząsteczkami RNA.</a:t>
+        </a:r>
+      </a:p>
+    </p188:txBody>
+  </p188:cm>
+</p188:cmLst>
+</file>
+
+<file path=ppt/comments/modernComment_101_8FA35F5C.xml><?xml version="1.0" encoding="utf-8"?>
+<p188:cmLst xmlns:a="http://schemas.openxmlformats.org/drawingml/2006/main" xmlns:r="http://schemas.openxmlformats.org/officeDocument/2006/relationships" xmlns:p188="http://schemas.microsoft.com/office/powerpoint/2018/8/main">
+  <p188:cm id="{3775CB4C-AE7B-46F0-8869-0A6028D117E5}" authorId="{3E592C16-3045-64E8-467A-15353A589283}" created="2025-12-17T11:24:41.008">
+    <ac:deMkLst xmlns:ac="http://schemas.microsoft.com/office/drawing/2013/main/command">
+      <pc:docMk xmlns:pc="http://schemas.microsoft.com/office/powerpoint/2013/main/command"/>
+      <pc:sldMk xmlns:pc="http://schemas.microsoft.com/office/powerpoint/2013/main/command" cId="2409848668" sldId="257"/>
+      <ac:spMk id="2" creationId="{F9738B88-3C9E-334E-C76D-CF3A7D99DA9A}"/>
+    </ac:deMkLst>
+    <p188:txBody>
+      <a:bodyPr/>
+      <a:lstStyle/>
+      <a:p>
+        <a:r>
+          <a:rPr lang="en-US"/>
+          <a:t>
+Narracja (70 sekund):
+Każdego roku 700 000 kobiet na świecie umiera z powodu raka piersi. Ale nie wszystkie umierają z tej samej przyczyny.
+Rak piersi to cztery różne choroby. Luminal A – to najłagodniejsza. 92% pacjentek żyje 5 lat. Mamy dla niej terapię – receptory hormonalne, więc możemy dać leki hormonalne.
+HER2-positive – był problem, ale Trastuzumab to rozwiązał. Teraz też 65-75% przeżycia.
+Ale jest czwarta grupa: Basal-like, zwana też TNBC – Triple Negative. Bez receptorów ŻADNYCH. Przeżycie: zaledwie 28%. To znaczy – nie wiemy jak je leczyć.
+Czyli pytanie brzmi: Dlaczego te guzy nie mają receptorów? Czy to przypadek? Czy może... aktywna liczba zabijająca te receptory?
+To jest pytanie, na które chcieliśmy odpowiedzieć.</a:t>
+        </a:r>
+      </a:p>
+    </p188:txBody>
+  </p188:cm>
+</p188:cmLst>
+</file>
+
+<file path=ppt/comments/modernComment_102_7F05E948.xml><?xml version="1.0" encoding="utf-8"?>
+<p188:cmLst xmlns:a="http://schemas.openxmlformats.org/drawingml/2006/main" xmlns:r="http://schemas.openxmlformats.org/officeDocument/2006/relationships" xmlns:p188="http://schemas.microsoft.com/office/powerpoint/2018/8/main">
+  <p188:cm id="{AC15E423-5E34-4EB9-97DB-E746F12382A0}" authorId="{3E592C16-3045-64E8-467A-15353A589283}" created="2025-12-17T11:33:06.518">
+    <pc:sldMkLst xmlns:pc="http://schemas.microsoft.com/office/powerpoint/2013/main/command">
+      <pc:docMk/>
+      <pc:sldMk cId="2131093832" sldId="258"/>
+    </pc:sldMkLst>
+    <p188:txBody>
+      <a:bodyPr/>
+      <a:lstStyle/>
+      <a:p>
+        <a:r>
+          <a:rPr lang="en-US"/>
+          <a:t>I CZĘŚĆ
+Narracja (45 sekund):
+Wiecie dlaczego klasyczne badania DNA/RNA tracą 70% informacji?
+Większość projektów sekwencjonuje gen, mierzy mRNA i mówi: 'gotowe'. Ale białko – to, co naprawdę pracuje w komórce – może być całkowicie inne!
+To jak mierzyć ile fabryka produkuje części, ignorując robotników, którzy je niszczą. miRNA to robotnicy.
+</a:t>
+        </a:r>
+      </a:p>
+    </p188:txBody>
+  </p188:cm>
+</p188:cmLst>
+</file>
+
+<file path=ppt/comments/modernComment_103_9A386AA9.xml><?xml version="1.0" encoding="utf-8"?>
+<p188:cmLst xmlns:a="http://schemas.openxmlformats.org/drawingml/2006/main" xmlns:r="http://schemas.openxmlformats.org/officeDocument/2006/relationships" xmlns:p188="http://schemas.microsoft.com/office/powerpoint/2018/8/main">
+  <p188:cm id="{68057BF5-58A5-4CE1-A0B8-5E02FFCDDA7B}" authorId="{3E592C16-3045-64E8-467A-15353A589283}" created="2025-12-17T11:34:38.469">
+    <pc:sldMkLst xmlns:pc="http://schemas.microsoft.com/office/powerpoint/2013/main/command">
+      <pc:docMk/>
+      <pc:sldMk cId="2587388585" sldId="259"/>
+    </pc:sldMkLst>
+    <p188:txBody>
+      <a:bodyPr/>
+      <a:lstStyle/>
+      <a:p>
+        <a:r>
+          <a:rPr lang="en-US"/>
+          <a:t>
+Narracja (75 sekund):
+"To jest moment 'eureka'. Na tym volcano plote widzicie:
+Po lewej stronie (górnie): nasze miRNA. Zaczęły się rozmnażać. miR-17: +2.4 fold, miR-20a: +2.1 fold, miR-210: +3.8 fold! To znaczy – ekspresja tych miRNA EKSPLODOWAŁA w Basal-like.
+Po prawej stronie (dolnie): receptory. Zaczęły znikać. ESR1: −1.8 fold (zmniejszona o połowę) FOXA1: −2.1 fold (zmniejszona niemal trzykrotnie!)
+Ale czekajcie. Może to zbieg okoliczności? Może ESR1 mRNA jest tam, a białko jakoś naturalnie się rozkłada?
+PANEL B pokazuje: NIE. To nie zbieg. miRNA NAPRAWDĘ tłumią białka. Widzicie: gdzie miRNA wysoki (Basal – wiersze na górze), tam protein niski (kolory niebieskie). To jest AKTYWNA SUPRESJA. To jest jak 'hamulec' naciskany przez miRNA.
+PANEL C to mechanizm. W normalnym raku (Luminal A) FOXA1 i ESR1 pracują. Receptory sterują transkrypcją. Guz jest kontrolowany.
+Ale w Basal-like? miRNA 17/20a zabija ESR1. Brak FOXA1 = brak dostępu do DNA. Brak ER = brak terapii. Brak kontroli = guz rośnie agresywnie.
+To jest pułapka: guzy celowo wyłączają swoje hamulce poprzez miRNA!"</a:t>
+        </a:r>
+      </a:p>
+    </p188:txBody>
+  </p188:cm>
+</p188:cmLst>
+</file>
+
+<file path=ppt/comments/modernComment_104_2575A281.xml><?xml version="1.0" encoding="utf-8"?>
+<p188:cmLst xmlns:a="http://schemas.openxmlformats.org/drawingml/2006/main" xmlns:r="http://schemas.openxmlformats.org/officeDocument/2006/relationships" xmlns:p188="http://schemas.microsoft.com/office/powerpoint/2018/8/main">
+  <p188:cm id="{D7610100-2DB5-4218-AB25-6F467A95CDB7}" authorId="{3E592C16-3045-64E8-467A-15353A589283}" created="2025-12-17T11:35:02.960">
+    <pc:sldMkLst xmlns:pc="http://schemas.microsoft.com/office/powerpoint/2013/main/command">
+      <pc:docMk/>
+      <pc:sldMk cId="628466305" sldId="260"/>
+    </pc:sldMkLst>
+    <p188:txBody>
+      <a:bodyPr/>
+      <a:lstStyle/>
+      <a:p>
+        <a:r>
+          <a:rPr lang="en-US"/>
+          <a:t>
+Narracja (60 sekund):
+"Ale czekajcie – odkryliśmy coś dziwnego.
+Luminal B ma receptory. Dokładnie jak Luminal A. Więc czemu pacjentki gorzej przeżywają?
+Odpowiedź: to nie jest czystość receptorów. To TEMPO wzrostu.
+Zobaczcie Boxplot: Luminal A ma niski Ki-67 (marker proliferacji). Guzy rosną powoli. Są 'leniwą'. Receptory je hamują.
+Luminal B? Inny zwierzak. Ki-67 TAK wysoki! To znaczy – guzy rosną szybko. Tak szybko, że zanim hormonalna terapia zadziała, guz już się rozprzestrzeniła.
+Dlaczego Ki-67 wysoki w B? Nasza analiza mówi: miR-210.
+miR-210 to miRNA-responsive na niedotlenienie. To marker 'głodnych' guzów, które rosną szybko bez tlenu.
+Ta miR-210 zabija receptor progesteronu (PGR). Bez PGR? Brak hamowania proliferacji. Guz robi co chce.
+To jest 'dobry rak z złą osobowością'. Luminal B: 'Mam receptory, ale brakuje mi hamulców!'"</a:t>
+        </a:r>
+      </a:p>
+    </p188:txBody>
+  </p188:cm>
+</p188:cmLst>
+</file>
+
+<file path=ppt/comments/modernComment_105_44455D2C.xml><?xml version="1.0" encoding="utf-8"?>
+<p188:cmLst xmlns:a="http://schemas.openxmlformats.org/drawingml/2006/main" xmlns:r="http://schemas.openxmlformats.org/officeDocument/2006/relationships" xmlns:p188="http://schemas.microsoft.com/office/powerpoint/2018/8/main">
+  <p188:cm id="{FF49C712-C36C-4F63-A84F-C657CDB615B5}" authorId="{3E592C16-3045-64E8-467A-15353A589283}" created="2025-12-17T11:35:20.240">
+    <pc:sldMkLst xmlns:pc="http://schemas.microsoft.com/office/powerpoint/2013/main/command">
+      <pc:docMk/>
+      <pc:sldMk cId="1145396524" sldId="261"/>
+    </pc:sldMkLst>
+    <p188:txBody>
+      <a:bodyPr/>
+      <a:lstStyle/>
+      <a:p>
+        <a:r>
+          <a:rPr lang="en-US"/>
+          <a:t>
+Narracja (60 sekund):
+"No dobrze, teoria. Ale czy to faktycznie przewiduje przeżycie?
+Sprawdziliśmy. I musimy być uczciwi.
+Forest Plot – to Model Coxa. Włożyliśmy ALL: stadium, wiek, PAM50 subtype, nasz miRNA score.
+Rezultat? Stadium wygrywa. HR = 2.31. To znaczy: pacjentka ze Stage III ma dwa razy wyższe ryzyko zgonu niż Stage I. To DOMINANT faktor.
+miRNA score? HR = 1.18. To jest mniejszy efekt. Ale nie zero. To jest MARGINALNIE istotne (p = 0.068). Na granicy.
+Teraz Kaplan-Meier. Górna krzywa – stratyfikacja po Stadium. DRAMATYCZNA różnica. To jest co wiemy od 20 lat. Stadium działa.
+Dolna krzywa – ale to ciekawe. Jeśli patrzmy TYLKO na pacjentki z TNBC i stratyfikujemy po miRNA score? Jest różnica. p = 0.042.
+Co to oznacza? Że w raku już wykrytym, miRNA mogą dać dodatkową wskazówkę. Dwie pacjentki o tym samym stadium – ale różny miRNA score – mogą mieć różne wyniki.
+To nie rewolucja. Ale to wskazówka."</a:t>
+        </a:r>
+      </a:p>
+    </p188:txBody>
+  </p188:cm>
+</p188:cmLst>
+</file>
+
+<file path=ppt/comments/modernComment_106_EFA09FBA.xml><?xml version="1.0" encoding="utf-8"?>
+<p188:cmLst xmlns:a="http://schemas.openxmlformats.org/drawingml/2006/main" xmlns:r="http://schemas.openxmlformats.org/officeDocument/2006/relationships" xmlns:p188="http://schemas.microsoft.com/office/powerpoint/2018/8/main">
+  <p188:cm id="{D88B57FE-D0A2-45B4-9F19-5411193BF7F7}" authorId="{3E592C16-3045-64E8-467A-15353A589283}" created="2025-12-17T11:35:51.528">
+    <pc:sldMkLst xmlns:pc="http://schemas.microsoft.com/office/powerpoint/2013/main/command">
+      <pc:docMk/>
+      <pc:sldMk cId="4020281274" sldId="262"/>
+    </pc:sldMkLst>
+    <p188:txBody>
+      <a:bodyPr/>
+      <a:lstStyle/>
+      <a:p>
+        <a:r>
+          <a:rPr lang="en-US"/>
+          <a:t>
+Narracja (75 sekund):
+"Podsumowanie w trzech ramkach.
+RAMA 1 – Odkrycie. Udało nam się pokazać, że agresywny rak piersi to nie 'szansa' genetyczna, ale aktywnie utrzymywany fenotyp. Guzy wyłączają swoje hamulce (receptory) poprzez miRNA. To jest mechanizm – nie tylko opis.
+RAMA 2 – Ale uczciwości. Zrobiliśmy modelowanie. Nie zrobiliśmy eksperymentu. Nie wiemy na 100%, że miRNA faktycznie tłumią ESR1. To jest korelacja, nie przyczynowość. I nasze badania na TCGA – to tertiarne centra, 10 lat temu. Mogą nie reprezentować populacji. Więc musimy powiedzieć: to potrzebuje validacji.
+RAMA 3 – Droga naprzód. Jeśli mamy rację – a myślimy że mamy – to otwiera drogę do nowych leków. Anti-miRNA są już używane w innych chorobach (hep C). Mogą działać tutaj. Mogą 'przywrócić' receptory i sprawić, że TNBC będzie podatny na hormonalną terapię. To jest nadzieja na leczenie, które jest mniej toksyczne niż chemoterapia.
+Ale – musimy być realiści. To wymaga lat pracy. Eksperymentów. Badań na pacjentach.
+TAKE-HOME: Znaleźliśmy LOCK. Teraz szukamy KEY."
+</a:t>
+        </a:r>
+      </a:p>
+    </p188:txBody>
+  </p188:cm>
+</p188:cmLst>
+</file>
+
+<file path=ppt/comments/modernComment_107_1324D860.xml><?xml version="1.0" encoding="utf-8"?>
+<p188:cmLst xmlns:a="http://schemas.openxmlformats.org/drawingml/2006/main" xmlns:r="http://schemas.openxmlformats.org/officeDocument/2006/relationships" xmlns:p188="http://schemas.microsoft.com/office/powerpoint/2018/8/main">
+  <p188:cm id="{B57AD1A0-5BC4-4383-87A3-8F9E58FE312D}" authorId="{3E592C16-3045-64E8-467A-15353A589283}" created="2025-12-17T11:33:18.378">
+    <pc:sldMkLst xmlns:pc="http://schemas.microsoft.com/office/powerpoint/2013/main/command">
+      <pc:docMk/>
+      <pc:sldMk cId="321181792" sldId="263"/>
+    </pc:sldMkLst>
+    <p188:txBody>
+      <a:bodyPr/>
+      <a:lstStyle/>
+      <a:p>
+        <a:r>
+          <a:rPr lang="en-US"/>
+          <a:t>II CZĘŚĆ
+W tym projekcie poszliśmy poniżej. Zmierzyliśmy z 1,200 próbek:
+Jaki kod mRNA
+Jaki faktycznie jest białkiem
+A najważniejsze: CO TYCH BIAŁEK UBYWA – czyli miRNA
+Integracja trzech warstw pozwala nam odpowiedzieć: 'Dlaczego ESR1 białko zniknęło w Basal-like guzach?'
+Spoiler: To miRNA!</a:t>
+        </a:r>
+      </a:p>
+    </p188:txBody>
+  </p188:cm>
+</p188:cmLst>
+</file>
+
+<file path=ppt/notesMasters/notesMaster1.xml><?xml version="1.0" encoding="utf-8"?>
+<p:notesMaster xmlns:a="http://schemas.openxmlformats.org/drawingml/2006/main" xmlns:r="http://schemas.openxmlformats.org/officeDocument/2006/relationships" xmlns:p="http://schemas.openxmlformats.org/presentationml/2006/main">
+  <p:cSld>
+    <p:bg>
+      <p:bgRef idx="1001">
+        <a:schemeClr val="bg1"/>
+      </p:bgRef>
+    </p:bg>
+    <p:spTree>
+      <p:nvGrpSpPr>
+        <p:cNvPr id="1" name=""/>
+        <p:cNvGrpSpPr/>
+        <p:nvPr/>
+      </p:nvGrpSpPr>
+      <p:grpSpPr>
+        <a:xfrm>
+          <a:off x="0" y="0"/>
+          <a:ext cx="0" cy="0"/>
+          <a:chOff x="0" y="0"/>
+          <a:chExt cx="0" cy="0"/>
+        </a:xfrm>
+      </p:grpSpPr>
+      <p:sp>
+        <p:nvSpPr>
+          <p:cNvPr id="2" name="Symbol zastępczy nagłówka 1"/>
+          <p:cNvSpPr>
+            <a:spLocks noGrp="1"/>
+          </p:cNvSpPr>
+          <p:nvPr>
+            <p:ph type="hdr" sz="quarter"/>
+          </p:nvPr>
+        </p:nvSpPr>
+        <p:spPr>
+          <a:xfrm>
+            <a:off x="0" y="0"/>
+            <a:ext cx="2971800" cy="458788"/>
+          </a:xfrm>
+          <a:prstGeom prst="rect">
+            <a:avLst/>
+          </a:prstGeom>
+        </p:spPr>
+        <p:txBody>
+          <a:bodyPr vert="horz" lIns="91440" tIns="45720" rIns="91440" bIns="45720" rtlCol="0"/>
+          <a:lstStyle>
+            <a:lvl1pPr algn="l">
+              <a:defRPr sz="1200"/>
+            </a:lvl1pPr>
+          </a:lstStyle>
+          <a:p>
+            <a:endParaRPr lang="en-US"/>
+          </a:p>
+        </p:txBody>
+      </p:sp>
+      <p:sp>
+        <p:nvSpPr>
+          <p:cNvPr id="3" name="Symbol zastępczy daty 2"/>
+          <p:cNvSpPr>
+            <a:spLocks noGrp="1"/>
+          </p:cNvSpPr>
+          <p:nvPr>
+            <p:ph type="dt" idx="1"/>
+          </p:nvPr>
+        </p:nvSpPr>
+        <p:spPr>
+          <a:xfrm>
+            <a:off x="3884613" y="0"/>
+            <a:ext cx="2971800" cy="458788"/>
+          </a:xfrm>
+          <a:prstGeom prst="rect">
+            <a:avLst/>
+          </a:prstGeom>
+        </p:spPr>
+        <p:txBody>
+          <a:bodyPr vert="horz" lIns="91440" tIns="45720" rIns="91440" bIns="45720" rtlCol="0"/>
+          <a:lstStyle>
+            <a:lvl1pPr algn="r">
+              <a:defRPr sz="1200"/>
+            </a:lvl1pPr>
+          </a:lstStyle>
+          <a:p>
+            <a:fld id="{8ADA2362-0B84-486E-AE4F-62C391FBA256}" type="datetimeFigureOut">
+              <a:rPr lang="en-US" smtClean="0"/>
+              <a:t>12/17/2025</a:t>
+            </a:fld>
+            <a:endParaRPr lang="en-US"/>
+          </a:p>
+        </p:txBody>
+      </p:sp>
+      <p:sp>
+        <p:nvSpPr>
+          <p:cNvPr id="4" name="Symbol zastępczy obrazu slajdu 3"/>
+          <p:cNvSpPr>
+            <a:spLocks noGrp="1" noRot="1" noChangeAspect="1"/>
+          </p:cNvSpPr>
+          <p:nvPr>
+            <p:ph type="sldImg" idx="2"/>
+          </p:nvPr>
+        </p:nvSpPr>
+        <p:spPr>
+          <a:xfrm>
+            <a:off x="685800" y="1143000"/>
+            <a:ext cx="5486400" cy="3086100"/>
+          </a:xfrm>
+          <a:prstGeom prst="rect">
+            <a:avLst/>
+          </a:prstGeom>
+          <a:noFill/>
+          <a:ln w="12700">
+            <a:solidFill>
+              <a:prstClr val="black"/>
+            </a:solidFill>
+          </a:ln>
+        </p:spPr>
+        <p:txBody>
+          <a:bodyPr vert="horz" lIns="91440" tIns="45720" rIns="91440" bIns="45720" rtlCol="0" anchor="ctr"/>
+          <a:lstStyle/>
+          <a:p>
+            <a:endParaRPr lang="en-US"/>
+          </a:p>
+        </p:txBody>
+      </p:sp>
+      <p:sp>
+        <p:nvSpPr>
+          <p:cNvPr id="5" name="Symbol zastępczy notatek 4"/>
+          <p:cNvSpPr>
+            <a:spLocks noGrp="1"/>
+          </p:cNvSpPr>
+          <p:nvPr>
+            <p:ph type="body" sz="quarter" idx="3"/>
+          </p:nvPr>
+        </p:nvSpPr>
+        <p:spPr>
+          <a:xfrm>
+            <a:off x="685800" y="4400550"/>
+            <a:ext cx="5486400" cy="3600450"/>
+          </a:xfrm>
+          <a:prstGeom prst="rect">
+            <a:avLst/>
+          </a:prstGeom>
+        </p:spPr>
+        <p:txBody>
+          <a:bodyPr vert="horz" lIns="91440" tIns="45720" rIns="91440" bIns="45720" rtlCol="0"/>
+          <a:lstStyle/>
+          <a:p>
+            <a:pPr lvl="0"/>
+            <a:r>
+              <a:rPr lang="pl-PL"/>
+              <a:t>Kliknij, aby edytować style wzorca tekstu</a:t>
+            </a:r>
+          </a:p>
+          <a:p>
+            <a:pPr lvl="1"/>
+            <a:r>
+              <a:rPr lang="pl-PL"/>
+              <a:t>Drugi poziom</a:t>
+            </a:r>
+          </a:p>
+          <a:p>
+            <a:pPr lvl="2"/>
+            <a:r>
+              <a:rPr lang="pl-PL"/>
+              <a:t>Trzeci poziom</a:t>
+            </a:r>
+          </a:p>
+          <a:p>
+            <a:pPr lvl="3"/>
+            <a:r>
+              <a:rPr lang="pl-PL"/>
+              <a:t>Czwarty poziom</a:t>
+            </a:r>
+          </a:p>
+          <a:p>
+            <a:pPr lvl="4"/>
+            <a:r>
+              <a:rPr lang="pl-PL"/>
+              <a:t>Piąty poziom</a:t>
+            </a:r>
+            <a:endParaRPr lang="en-US"/>
+          </a:p>
+        </p:txBody>
+      </p:sp>
+      <p:sp>
+        <p:nvSpPr>
+          <p:cNvPr id="6" name="Symbol zastępczy stopki 5"/>
+          <p:cNvSpPr>
+            <a:spLocks noGrp="1"/>
+          </p:cNvSpPr>
+          <p:nvPr>
+            <p:ph type="ftr" sz="quarter" idx="4"/>
+          </p:nvPr>
+        </p:nvSpPr>
+        <p:spPr>
+          <a:xfrm>
+            <a:off x="0" y="8685213"/>
+            <a:ext cx="2971800" cy="458787"/>
+          </a:xfrm>
+          <a:prstGeom prst="rect">
+            <a:avLst/>
+          </a:prstGeom>
+        </p:spPr>
+        <p:txBody>
+          <a:bodyPr vert="horz" lIns="91440" tIns="45720" rIns="91440" bIns="45720" rtlCol="0" anchor="b"/>
+          <a:lstStyle>
+            <a:lvl1pPr algn="l">
+              <a:defRPr sz="1200"/>
+            </a:lvl1pPr>
+          </a:lstStyle>
+          <a:p>
+            <a:endParaRPr lang="en-US"/>
+          </a:p>
+        </p:txBody>
+      </p:sp>
+      <p:sp>
+        <p:nvSpPr>
+          <p:cNvPr id="7" name="Symbol zastępczy numeru slajdu 6"/>
+          <p:cNvSpPr>
+            <a:spLocks noGrp="1"/>
+          </p:cNvSpPr>
+          <p:nvPr>
+            <p:ph type="sldNum" sz="quarter" idx="5"/>
+          </p:nvPr>
+        </p:nvSpPr>
+        <p:spPr>
+          <a:xfrm>
+            <a:off x="3884613" y="8685213"/>
+            <a:ext cx="2971800" cy="458787"/>
+          </a:xfrm>
+          <a:prstGeom prst="rect">
+            <a:avLst/>
+          </a:prstGeom>
+        </p:spPr>
+        <p:txBody>
+          <a:bodyPr vert="horz" lIns="91440" tIns="45720" rIns="91440" bIns="45720" rtlCol="0" anchor="b"/>
+          <a:lstStyle>
+            <a:lvl1pPr algn="r">
+              <a:defRPr sz="1200"/>
+            </a:lvl1pPr>
+          </a:lstStyle>
+          <a:p>
+            <a:fld id="{ABA97DA8-01C1-4F17-9024-F98A07732284}" type="slidenum">
+              <a:rPr lang="en-US" smtClean="0"/>
+              <a:t>‹#›</a:t>
+            </a:fld>
+            <a:endParaRPr lang="en-US"/>
+          </a:p>
+        </p:txBody>
+      </p:sp>
+    </p:spTree>
+    <p:extLst>
+      <p:ext uri="{BB962C8B-B14F-4D97-AF65-F5344CB8AC3E}">
+        <p14:creationId xmlns:p14="http://schemas.microsoft.com/office/powerpoint/2010/main" val="1872319171"/>
+      </p:ext>
+    </p:extLst>
+  </p:cSld>
+  <p:clrMap bg1="lt1" tx1="dk1" bg2="lt2" tx2="dk2" accent1="accent1" accent2="accent2" accent3="accent3" accent4="accent4" accent5="accent5" accent6="accent6" hlink="hlink" folHlink="folHlink"/>
+  <p:notesStyle>
+    <a:lvl1pPr marL="0" algn="l" defTabSz="914400" rtl="0" eaLnBrk="1" latinLnBrk="0" hangingPunct="1">
+      <a:defRPr sz="1200" kern="1200">
+        <a:solidFill>
+          <a:schemeClr val="tx1"/>
+        </a:solidFill>
+        <a:latin typeface="+mn-lt"/>
+        <a:ea typeface="+mn-ea"/>
+        <a:cs typeface="+mn-cs"/>
+      </a:defRPr>
+    </a:lvl1pPr>
+    <a:lvl2pPr marL="457200" algn="l" defTabSz="914400" rtl="0" eaLnBrk="1" latinLnBrk="0" hangingPunct="1">
+      <a:defRPr sz="1200" kern="1200">
+        <a:solidFill>
+          <a:schemeClr val="tx1"/>
+        </a:solidFill>
+        <a:latin typeface="+mn-lt"/>
+        <a:ea typeface="+mn-ea"/>
+        <a:cs typeface="+mn-cs"/>
+      </a:defRPr>
+    </a:lvl2pPr>
+    <a:lvl3pPr marL="914400" algn="l" defTabSz="914400" rtl="0" eaLnBrk="1" latinLnBrk="0" hangingPunct="1">
+      <a:defRPr sz="1200" kern="1200">
+        <a:solidFill>
+          <a:schemeClr val="tx1"/>
+        </a:solidFill>
+        <a:latin typeface="+mn-lt"/>
+        <a:ea typeface="+mn-ea"/>
+        <a:cs typeface="+mn-cs"/>
+      </a:defRPr>
+    </a:lvl3pPr>
+    <a:lvl4pPr marL="1371600" algn="l" defTabSz="914400" rtl="0" eaLnBrk="1" latinLnBrk="0" hangingPunct="1">
+      <a:defRPr sz="1200" kern="1200">
+        <a:solidFill>
+          <a:schemeClr val="tx1"/>
+        </a:solidFill>
+        <a:latin typeface="+mn-lt"/>
+        <a:ea typeface="+mn-ea"/>
+        <a:cs typeface="+mn-cs"/>
+      </a:defRPr>
+    </a:lvl4pPr>
+    <a:lvl5pPr marL="1828800" algn="l" defTabSz="914400" rtl="0" eaLnBrk="1" latinLnBrk="0" hangingPunct="1">
+      <a:defRPr sz="1200" kern="1200">
+        <a:solidFill>
+          <a:schemeClr val="tx1"/>
+        </a:solidFill>
+        <a:latin typeface="+mn-lt"/>
+        <a:ea typeface="+mn-ea"/>
+        <a:cs typeface="+mn-cs"/>
+      </a:defRPr>
+    </a:lvl5pPr>
+    <a:lvl6pPr marL="2286000" algn="l" defTabSz="914400" rtl="0" eaLnBrk="1" latinLnBrk="0" hangingPunct="1">
+      <a:defRPr sz="1200" kern="1200">
+        <a:solidFill>
+          <a:schemeClr val="tx1"/>
+        </a:solidFill>
+        <a:latin typeface="+mn-lt"/>
+        <a:ea typeface="+mn-ea"/>
+        <a:cs typeface="+mn-cs"/>
+      </a:defRPr>
+    </a:lvl6pPr>
+    <a:lvl7pPr marL="2743200" algn="l" defTabSz="914400" rtl="0" eaLnBrk="1" latinLnBrk="0" hangingPunct="1">
+      <a:defRPr sz="1200" kern="1200">
+        <a:solidFill>
+          <a:schemeClr val="tx1"/>
+        </a:solidFill>
+        <a:latin typeface="+mn-lt"/>
+        <a:ea typeface="+mn-ea"/>
+        <a:cs typeface="+mn-cs"/>
+      </a:defRPr>
+    </a:lvl7pPr>
+    <a:lvl8pPr marL="3200400" algn="l" defTabSz="914400" rtl="0" eaLnBrk="1" latinLnBrk="0" hangingPunct="1">
+      <a:defRPr sz="1200" kern="1200">
+        <a:solidFill>
+          <a:schemeClr val="tx1"/>
+        </a:solidFill>
+        <a:latin typeface="+mn-lt"/>
+        <a:ea typeface="+mn-ea"/>
+        <a:cs typeface="+mn-cs"/>
+      </a:defRPr>
+    </a:lvl8pPr>
+    <a:lvl9pPr marL="3657600" algn="l" defTabSz="914400" rtl="0" eaLnBrk="1" latinLnBrk="0" hangingPunct="1">
+      <a:defRPr sz="1200" kern="1200">
+        <a:solidFill>
+          <a:schemeClr val="tx1"/>
+        </a:solidFill>
+        <a:latin typeface="+mn-lt"/>
+        <a:ea typeface="+mn-ea"/>
+        <a:cs typeface="+mn-cs"/>
+      </a:defRPr>
+    </a:lvl9pPr>
+  </p:notesStyle>
+</p:notesMaster>
+</file>
+
+<file path=ppt/notesSlides/notesSlide1.xml><?xml version="1.0" encoding="utf-8"?>
+<p:notes xmlns:a="http://schemas.openxmlformats.org/drawingml/2006/main" xmlns:r="http://schemas.openxmlformats.org/officeDocument/2006/relationships" xmlns:p="http://schemas.openxmlformats.org/presentationml/2006/main">
+  <p:cSld>
+    <p:spTree>
+      <p:nvGrpSpPr>
+        <p:cNvPr id="1" name=""/>
+        <p:cNvGrpSpPr/>
+        <p:nvPr/>
+      </p:nvGrpSpPr>
+      <p:grpSpPr>
+        <a:xfrm>
+          <a:off x="0" y="0"/>
+          <a:ext cx="0" cy="0"/>
+          <a:chOff x="0" y="0"/>
+          <a:chExt cx="0" cy="0"/>
+        </a:xfrm>
+      </p:grpSpPr>
+      <p:sp>
+        <p:nvSpPr>
+          <p:cNvPr id="2" name="Symbol zastępczy obrazu slajdu 1"/>
+          <p:cNvSpPr>
+            <a:spLocks noGrp="1" noRot="1" noChangeAspect="1"/>
+          </p:cNvSpPr>
+          <p:nvPr>
+            <p:ph type="sldImg"/>
+          </p:nvPr>
+        </p:nvSpPr>
+        <p:spPr/>
+      </p:sp>
+      <p:sp>
+        <p:nvSpPr>
+          <p:cNvPr id="3" name="Symbol zastępczy notatek 2"/>
+          <p:cNvSpPr>
+            <a:spLocks noGrp="1"/>
+          </p:cNvSpPr>
+          <p:nvPr>
+            <p:ph type="body" idx="1"/>
+          </p:nvPr>
+        </p:nvSpPr>
+        <p:spPr/>
+        <p:txBody>
+          <a:bodyPr/>
+          <a:lstStyle/>
+          <a:p>
+            <a:endParaRPr lang="en-US" dirty="0"/>
+          </a:p>
+        </p:txBody>
+      </p:sp>
+      <p:sp>
+        <p:nvSpPr>
+          <p:cNvPr id="4" name="Symbol zastępczy numeru slajdu 3"/>
+          <p:cNvSpPr>
+            <a:spLocks noGrp="1"/>
+          </p:cNvSpPr>
+          <p:nvPr>
+            <p:ph type="sldNum" sz="quarter" idx="5"/>
+          </p:nvPr>
+        </p:nvSpPr>
+        <p:spPr/>
+        <p:txBody>
+          <a:bodyPr/>
+          <a:lstStyle/>
+          <a:p>
+            <a:fld id="{ABA97DA8-01C1-4F17-9024-F98A07732284}" type="slidenum">
+              <a:rPr lang="en-US" smtClean="0"/>
+              <a:t>5</a:t>
+            </a:fld>
+            <a:endParaRPr lang="en-US"/>
+          </a:p>
+        </p:txBody>
+      </p:sp>
+    </p:spTree>
+    <p:extLst>
+      <p:ext uri="{BB962C8B-B14F-4D97-AF65-F5344CB8AC3E}">
+        <p14:creationId xmlns:p14="http://schemas.microsoft.com/office/powerpoint/2010/main" val="1570837919"/>
+      </p:ext>
+    </p:extLst>
+  </p:cSld>
+  <p:clrMapOvr>
+    <a:masterClrMapping/>
+  </p:clrMapOvr>
+</p:notes>
 </file>
 
 <file path=ppt/slideLayouts/slideLayout1.xml><?xml version="1.0" encoding="utf-8"?>
@@ -260,7 +940,7 @@
           <a:p>
             <a:fld id="{4A78709E-93D2-5347-AAE3-99222C270FD6}" type="datetimeFigureOut">
               <a:rPr lang="pl-PL" smtClean="0"/>
-              <a:t>14.12.2025</a:t>
+              <a:t>17.12.2025</a:t>
             </a:fld>
             <a:endParaRPr lang="pl-PL"/>
           </a:p>
@@ -458,7 +1138,7 @@
           <a:p>
             <a:fld id="{4A78709E-93D2-5347-AAE3-99222C270FD6}" type="datetimeFigureOut">
               <a:rPr lang="pl-PL" smtClean="0"/>
-              <a:t>14.12.2025</a:t>
+              <a:t>17.12.2025</a:t>
             </a:fld>
             <a:endParaRPr lang="pl-PL"/>
           </a:p>
@@ -666,7 +1346,7 @@
           <a:p>
             <a:fld id="{4A78709E-93D2-5347-AAE3-99222C270FD6}" type="datetimeFigureOut">
               <a:rPr lang="pl-PL" smtClean="0"/>
-              <a:t>14.12.2025</a:t>
+              <a:t>17.12.2025</a:t>
             </a:fld>
             <a:endParaRPr lang="pl-PL"/>
           </a:p>
@@ -864,7 +1544,7 @@
           <a:p>
             <a:fld id="{4A78709E-93D2-5347-AAE3-99222C270FD6}" type="datetimeFigureOut">
               <a:rPr lang="pl-PL" smtClean="0"/>
-              <a:t>14.12.2025</a:t>
+              <a:t>17.12.2025</a:t>
             </a:fld>
             <a:endParaRPr lang="pl-PL"/>
           </a:p>
@@ -1139,7 +1819,7 @@
           <a:p>
             <a:fld id="{4A78709E-93D2-5347-AAE3-99222C270FD6}" type="datetimeFigureOut">
               <a:rPr lang="pl-PL" smtClean="0"/>
-              <a:t>14.12.2025</a:t>
+              <a:t>17.12.2025</a:t>
             </a:fld>
             <a:endParaRPr lang="pl-PL"/>
           </a:p>
@@ -1404,7 +2084,7 @@
           <a:p>
             <a:fld id="{4A78709E-93D2-5347-AAE3-99222C270FD6}" type="datetimeFigureOut">
               <a:rPr lang="pl-PL" smtClean="0"/>
-              <a:t>14.12.2025</a:t>
+              <a:t>17.12.2025</a:t>
             </a:fld>
             <a:endParaRPr lang="pl-PL"/>
           </a:p>
@@ -1816,7 +2496,7 @@
           <a:p>
             <a:fld id="{4A78709E-93D2-5347-AAE3-99222C270FD6}" type="datetimeFigureOut">
               <a:rPr lang="pl-PL" smtClean="0"/>
-              <a:t>14.12.2025</a:t>
+              <a:t>17.12.2025</a:t>
             </a:fld>
             <a:endParaRPr lang="pl-PL"/>
           </a:p>
@@ -1957,7 +2637,7 @@
           <a:p>
             <a:fld id="{4A78709E-93D2-5347-AAE3-99222C270FD6}" type="datetimeFigureOut">
               <a:rPr lang="pl-PL" smtClean="0"/>
-              <a:t>14.12.2025</a:t>
+              <a:t>17.12.2025</a:t>
             </a:fld>
             <a:endParaRPr lang="pl-PL"/>
           </a:p>
@@ -2070,7 +2750,7 @@
           <a:p>
             <a:fld id="{4A78709E-93D2-5347-AAE3-99222C270FD6}" type="datetimeFigureOut">
               <a:rPr lang="pl-PL" smtClean="0"/>
-              <a:t>14.12.2025</a:t>
+              <a:t>17.12.2025</a:t>
             </a:fld>
             <a:endParaRPr lang="pl-PL"/>
           </a:p>
@@ -2381,7 +3061,7 @@
           <a:p>
             <a:fld id="{4A78709E-93D2-5347-AAE3-99222C270FD6}" type="datetimeFigureOut">
               <a:rPr lang="pl-PL" smtClean="0"/>
-              <a:t>14.12.2025</a:t>
+              <a:t>17.12.2025</a:t>
             </a:fld>
             <a:endParaRPr lang="pl-PL"/>
           </a:p>
@@ -2669,7 +3349,7 @@
           <a:p>
             <a:fld id="{4A78709E-93D2-5347-AAE3-99222C270FD6}" type="datetimeFigureOut">
               <a:rPr lang="pl-PL" smtClean="0"/>
-              <a:t>14.12.2025</a:t>
+              <a:t>17.12.2025</a:t>
             </a:fld>
             <a:endParaRPr lang="pl-PL"/>
           </a:p>
@@ -2910,7 +3590,7 @@
           <a:p>
             <a:fld id="{4A78709E-93D2-5347-AAE3-99222C270FD6}" type="datetimeFigureOut">
               <a:rPr lang="pl-PL" smtClean="0"/>
-              <a:t>14.12.2025</a:t>
+              <a:t>17.12.2025</a:t>
             </a:fld>
             <a:endParaRPr lang="pl-PL"/>
           </a:p>
@@ -3369,39 +4049,7 @@
                   <a:schemeClr val="bg1"/>
                 </a:solidFill>
               </a:rPr>
-              <a:t>Zintegrowana analiza </a:t>
-            </a:r>
-            <a:r>
-              <a:rPr lang="pl-PL" sz="3200" b="1" dirty="0" err="1">
-                <a:solidFill>
-                  <a:schemeClr val="bg1"/>
-                </a:solidFill>
-              </a:rPr>
-              <a:t>multiomiczna</a:t>
-            </a:r>
-            <a:r>
-              <a:rPr lang="pl-PL" sz="3200" b="1" dirty="0">
-                <a:solidFill>
-                  <a:schemeClr val="bg1"/>
-                </a:solidFill>
-              </a:rPr>
-              <a:t> podtypów raka piersi: rola sieci regulacyjnych sterowanych przez </a:t>
-            </a:r>
-            <a:r>
-              <a:rPr lang="pl-PL" sz="3200" b="1" dirty="0" err="1">
-                <a:solidFill>
-                  <a:schemeClr val="bg1"/>
-                </a:solidFill>
-              </a:rPr>
-              <a:t>miRNA</a:t>
-            </a:r>
-            <a:r>
-              <a:rPr lang="pl-PL" sz="3200" b="1" dirty="0">
-                <a:solidFill>
-                  <a:schemeClr val="bg1"/>
-                </a:solidFill>
-              </a:rPr>
-              <a:t> w przeżyciu pacjentów</a:t>
+              <a:t>Zintegrowana analiza multiomiczna podtypów raka piersi: rola sieci regulacyjnych sterowanych przez miRNA w przeżyciu pacjentów</a:t>
             </a:r>
           </a:p>
         </p:txBody>
@@ -3460,21 +4108,8 @@
                   <a:schemeClr val="bg1"/>
                 </a:solidFill>
               </a:rPr>
-              <a:t>Opiekun naukowy: Karol </a:t>
-            </a:r>
-            <a:r>
-              <a:rPr lang="pl-PL" sz="1800" dirty="0" err="1">
-                <a:solidFill>
-                  <a:schemeClr val="bg1"/>
-                </a:solidFill>
-              </a:rPr>
-              <a:t>Flisikowski</a:t>
-            </a:r>
-            <a:endParaRPr lang="pl-PL" sz="1800" dirty="0">
-              <a:solidFill>
-                <a:schemeClr val="bg1"/>
-              </a:solidFill>
-            </a:endParaRPr>
+              <a:t>Opiekun naukowy: Karol Flisikowski</a:t>
+            </a:r>
           </a:p>
           <a:p>
             <a:r>
@@ -3503,7 +4138,7 @@
           <p:nvPr/>
         </p:nvPicPr>
         <p:blipFill>
-          <a:blip r:embed="rId2">
+          <a:blip r:embed="rId3">
             <a:lum bright="70000" contrast="-70000"/>
           </a:blip>
           <a:stretch>
@@ -3535,15 +4170,26 @@
   <p:clrMapOvr>
     <a:masterClrMapping/>
   </p:clrMapOvr>
+  <p:extLst>
+    <p:ext uri="{6950BFC3-D8DA-4A85-94F7-54DA5524770B}">
+      <p188:commentRel xmlns:p188="http://schemas.microsoft.com/office/powerpoint/2018/8/main" r:id="rId2"/>
+    </p:ext>
+  </p:extLst>
 </p:sld>
 </file>
 
-<file path=ppt/slides/slide2.xml><?xml version="1.0" encoding="utf-8"?>
+<file path=ppt/slides/slide10.xml><?xml version="1.0" encoding="utf-8"?>
 <p:sld xmlns:a="http://schemas.openxmlformats.org/drawingml/2006/main" xmlns:r="http://schemas.openxmlformats.org/officeDocument/2006/relationships" xmlns:p="http://schemas.openxmlformats.org/presentationml/2006/main">
   <p:cSld>
     <p:spTree>
       <p:nvGrpSpPr>
-        <p:cNvPr id="1" name=""/>
+        <p:cNvPr id="1" name="">
+          <a:extLst>
+            <a:ext uri="{FF2B5EF4-FFF2-40B4-BE49-F238E27FC236}">
+              <a16:creationId xmlns:a16="http://schemas.microsoft.com/office/drawing/2014/main" id="{A9D809E7-F45E-FF30-7DCC-14E80EAAF249}"/>
+            </a:ext>
+          </a:extLst>
+        </p:cNvPr>
         <p:cNvGrpSpPr/>
         <p:nvPr/>
       </p:nvGrpSpPr>
@@ -3560,7 +4206,7 @@
           <p:cNvPr id="2" name="Tytuł 1">
             <a:extLst>
               <a:ext uri="{FF2B5EF4-FFF2-40B4-BE49-F238E27FC236}">
-                <a16:creationId xmlns:a16="http://schemas.microsoft.com/office/drawing/2014/main" id="{F9738B88-3C9E-334E-C76D-CF3A7D99DA9A}"/>
+                <a16:creationId xmlns:a16="http://schemas.microsoft.com/office/drawing/2014/main" id="{74860CF3-1A85-0CA6-0F6F-A51F3D19FABD}"/>
               </a:ext>
             </a:extLst>
           </p:cNvPr>
@@ -3592,7 +4238,7 @@
                 </a:solidFill>
                 <a:effectLst/>
               </a:rPr>
-              <a:t>Cztery twarze raka piersi – Dlaczego leki działają dla jednych, a nie dla innych?</a:t>
+              <a:t>Pytania? Dyskusja</a:t>
             </a:r>
             <a:endParaRPr lang="pl-PL" sz="2800" b="1" dirty="0">
               <a:solidFill>
@@ -3609,7 +4255,7 @@
           <p:cNvPr id="11" name="Symbol zastępczy zawartości 10" descr="Obraz zawierający zrzut ekranu, Czcionka, Grafika, tekst&#10;&#10;Opis wygenerowany automatycznie">
             <a:extLst>
               <a:ext uri="{FF2B5EF4-FFF2-40B4-BE49-F238E27FC236}">
-                <a16:creationId xmlns:a16="http://schemas.microsoft.com/office/drawing/2014/main" id="{46D80C71-A10F-D7AA-EE52-6D9F4EDE7A51}"/>
+                <a16:creationId xmlns:a16="http://schemas.microsoft.com/office/drawing/2014/main" id="{614EC074-6C26-6FE6-4C67-4AD656149AAA}"/>
               </a:ext>
             </a:extLst>
           </p:cNvPr>
@@ -3638,7 +4284,7 @@
           <p:cNvPr id="14" name="Łącznik prosty 13">
             <a:extLst>
               <a:ext uri="{FF2B5EF4-FFF2-40B4-BE49-F238E27FC236}">
-                <a16:creationId xmlns:a16="http://schemas.microsoft.com/office/drawing/2014/main" id="{F4B14A33-E755-D357-DC4E-5CF0312101D4}"/>
+                <a16:creationId xmlns:a16="http://schemas.microsoft.com/office/drawing/2014/main" id="{BE4B0262-4C24-A92E-BB2D-CF7B186F738F}"/>
               </a:ext>
             </a:extLst>
           </p:cNvPr>
@@ -3681,10 +4327,123 @@
           </a:fontRef>
         </p:style>
       </p:cxnSp>
+      <p:sp>
+        <p:nvSpPr>
+          <p:cNvPr id="4" name="pole tekstowe 3">
+            <a:extLst>
+              <a:ext uri="{FF2B5EF4-FFF2-40B4-BE49-F238E27FC236}">
+                <a16:creationId xmlns:a16="http://schemas.microsoft.com/office/drawing/2014/main" id="{05AA3A12-06A4-44E8-5E5D-25619774062C}"/>
+              </a:ext>
+            </a:extLst>
+          </p:cNvPr>
+          <p:cNvSpPr txBox="1"/>
+          <p:nvPr/>
+        </p:nvSpPr>
+        <p:spPr>
+          <a:xfrm>
+            <a:off x="3294657" y="3083035"/>
+            <a:ext cx="6453186" cy="646331"/>
+          </a:xfrm>
+          <a:prstGeom prst="rect">
+            <a:avLst/>
+          </a:prstGeom>
+          <a:noFill/>
+        </p:spPr>
+        <p:txBody>
+          <a:bodyPr wrap="square">
+            <a:spAutoFit/>
+          </a:bodyPr>
+          <a:lstStyle/>
+          <a:p>
+            <a:pPr algn="l">
+              <a:spcAft>
+                <a:spcPts val="1200"/>
+              </a:spcAft>
+            </a:pPr>
+            <a:r>
+              <a:rPr lang="pl-PL" sz="3200" b="1" i="0" dirty="0">
+                <a:solidFill>
+                  <a:srgbClr val="003766"/>
+                </a:solidFill>
+                <a:effectLst/>
+                <a:latin typeface="-apple-system"/>
+              </a:rPr>
+              <a:t>Co chcielibyście </a:t>
+            </a:r>
+            <a:r>
+              <a:rPr lang="pl-PL" sz="3600" b="1" i="0" dirty="0">
+                <a:solidFill>
+                  <a:srgbClr val="003766"/>
+                </a:solidFill>
+                <a:effectLst/>
+                <a:latin typeface="-apple-system"/>
+              </a:rPr>
+              <a:t>wiedzieć</a:t>
+            </a:r>
+            <a:r>
+              <a:rPr lang="pl-PL" sz="3200" b="1" i="0" dirty="0">
+                <a:solidFill>
+                  <a:srgbClr val="003766"/>
+                </a:solidFill>
+                <a:effectLst/>
+                <a:latin typeface="-apple-system"/>
+              </a:rPr>
+              <a:t>?</a:t>
+            </a:r>
+          </a:p>
+        </p:txBody>
+      </p:sp>
+      <p:pic>
+        <p:nvPicPr>
+          <p:cNvPr id="1028" name="Picture 4" descr="Ikona pytanie | Wektor Premium">
+            <a:extLst>
+              <a:ext uri="{FF2B5EF4-FFF2-40B4-BE49-F238E27FC236}">
+                <a16:creationId xmlns:a16="http://schemas.microsoft.com/office/drawing/2014/main" id="{BDD0D25E-FE98-C76F-5511-A943D568D36C}"/>
+              </a:ext>
+            </a:extLst>
+          </p:cNvPr>
+          <p:cNvPicPr>
+            <a:picLocks noChangeAspect="1" noChangeArrowheads="1"/>
+          </p:cNvPicPr>
+          <p:nvPr/>
+        </p:nvPicPr>
+        <p:blipFill>
+          <a:blip r:embed="rId3">
+            <a:extLst>
+              <a:ext uri="{28A0092B-C50C-407E-A947-70E740481C1C}">
+                <a14:useLocalDpi xmlns:a14="http://schemas.microsoft.com/office/drawing/2010/main" val="0"/>
+              </a:ext>
+            </a:extLst>
+          </a:blip>
+          <a:srcRect/>
+          <a:stretch>
+            <a:fillRect/>
+          </a:stretch>
+        </p:blipFill>
+        <p:spPr bwMode="auto">
+          <a:xfrm>
+            <a:off x="8059584" y="1767901"/>
+            <a:ext cx="2309718" cy="2309718"/>
+          </a:xfrm>
+          <a:prstGeom prst="rect">
+            <a:avLst/>
+          </a:prstGeom>
+          <a:noFill/>
+          <a:extLst>
+            <a:ext uri="{909E8E84-426E-40DD-AFC4-6F175D3DCCD1}">
+              <a14:hiddenFill xmlns:a14="http://schemas.microsoft.com/office/drawing/2010/main">
+                <a:solidFill>
+                  <a:srgbClr val="FFFFFF"/>
+                </a:solidFill>
+              </a14:hiddenFill>
+            </a:ext>
+          </a:extLst>
+        </p:spPr>
+      </p:pic>
     </p:spTree>
     <p:extLst>
       <p:ext uri="{BB962C8B-B14F-4D97-AF65-F5344CB8AC3E}">
-        <p14:creationId xmlns:p14="http://schemas.microsoft.com/office/powerpoint/2010/main" val="2409848668"/>
+        <p14:creationId xmlns:p14="http://schemas.microsoft.com/office/powerpoint/2010/main" val="3257795943"/>
       </p:ext>
     </p:extLst>
   </p:cSld>
@@ -3694,12 +4453,18 @@
 </p:sld>
 </file>
 
-<file path=ppt/slides/slide3.xml><?xml version="1.0" encoding="utf-8"?>
+<file path=ppt/slides/slide11.xml><?xml version="1.0" encoding="utf-8"?>
 <p:sld xmlns:a="http://schemas.openxmlformats.org/drawingml/2006/main" xmlns:r="http://schemas.openxmlformats.org/officeDocument/2006/relationships" xmlns:p="http://schemas.openxmlformats.org/presentationml/2006/main">
   <p:cSld>
     <p:spTree>
       <p:nvGrpSpPr>
-        <p:cNvPr id="1" name=""/>
+        <p:cNvPr id="1" name="">
+          <a:extLst>
+            <a:ext uri="{FF2B5EF4-FFF2-40B4-BE49-F238E27FC236}">
+              <a16:creationId xmlns:a16="http://schemas.microsoft.com/office/drawing/2014/main" id="{D5F0D84D-2F8C-065B-2FAF-8110DB200199}"/>
+            </a:ext>
+          </a:extLst>
+        </p:cNvPr>
         <p:cNvGrpSpPr/>
         <p:nvPr/>
       </p:nvGrpSpPr>
@@ -3716,7 +4481,7 @@
           <p:cNvPr id="2" name="Tytuł 1">
             <a:extLst>
               <a:ext uri="{FF2B5EF4-FFF2-40B4-BE49-F238E27FC236}">
-                <a16:creationId xmlns:a16="http://schemas.microsoft.com/office/drawing/2014/main" id="{F9738B88-3C9E-334E-C76D-CF3A7D99DA9A}"/>
+                <a16:creationId xmlns:a16="http://schemas.microsoft.com/office/drawing/2014/main" id="{BB20D055-3DCD-4C4A-2DF1-C9C386D5AB51}"/>
               </a:ext>
             </a:extLst>
           </p:cNvPr>
@@ -3729,13 +4494,13 @@
         </p:nvSpPr>
         <p:spPr>
           <a:xfrm>
-            <a:off x="5439105" y="420782"/>
-            <a:ext cx="6952586" cy="1199821"/>
+            <a:off x="5249917" y="420782"/>
+            <a:ext cx="7178566" cy="1199821"/>
           </a:xfrm>
         </p:spPr>
         <p:txBody>
           <a:bodyPr>
-            <a:noAutofit/>
+            <a:normAutofit/>
           </a:bodyPr>
           <a:lstStyle/>
           <a:p>
@@ -3748,50 +4513,7 @@
                 </a:solidFill>
                 <a:effectLst/>
               </a:rPr>
-              <a:t>Dlaczego musimy patrzeć poniżej </a:t>
-            </a:r>
-            <a:r>
-              <a:rPr lang="pl-PL" sz="2800" b="1" i="0" dirty="0" err="1">
-                <a:solidFill>
-                  <a:schemeClr val="accent1">
-                    <a:lumMod val="50000"/>
-                  </a:schemeClr>
-                </a:solidFill>
-                <a:effectLst/>
-              </a:rPr>
-              <a:t>transkryptomu</a:t>
-            </a:r>
-            <a:r>
-              <a:rPr lang="pl-PL" sz="2800" b="1" i="0" dirty="0">
-                <a:solidFill>
-                  <a:schemeClr val="accent1">
-                    <a:lumMod val="50000"/>
-                  </a:schemeClr>
-                </a:solidFill>
-                <a:effectLst/>
-              </a:rPr>
-              <a:t>? </a:t>
-            </a:r>
-            <a:br>
-              <a:rPr lang="pl-PL" sz="2800" b="1" i="0" dirty="0">
-                <a:solidFill>
-                  <a:schemeClr val="accent1">
-                    <a:lumMod val="50000"/>
-                  </a:schemeClr>
-                </a:solidFill>
-                <a:effectLst/>
-              </a:rPr>
-            </a:br>
-            <a:r>
-              <a:rPr lang="pl-PL" sz="2800" b="1" i="0" dirty="0">
-                <a:solidFill>
-                  <a:schemeClr val="accent1">
-                    <a:lumMod val="50000"/>
-                  </a:schemeClr>
-                </a:solidFill>
-                <a:effectLst/>
-              </a:rPr>
-              <a:t>(DNA → RNA ≠ RNA → Białko)</a:t>
+              <a:t>Pytania? Dyskusja</a:t>
             </a:r>
             <a:endParaRPr lang="pl-PL" sz="2800" b="1" dirty="0">
               <a:solidFill>
@@ -3808,7 +4530,7 @@
           <p:cNvPr id="11" name="Symbol zastępczy zawartości 10" descr="Obraz zawierający zrzut ekranu, Czcionka, Grafika, tekst&#10;&#10;Opis wygenerowany automatycznie">
             <a:extLst>
               <a:ext uri="{FF2B5EF4-FFF2-40B4-BE49-F238E27FC236}">
-                <a16:creationId xmlns:a16="http://schemas.microsoft.com/office/drawing/2014/main" id="{46D80C71-A10F-D7AA-EE52-6D9F4EDE7A51}"/>
+                <a16:creationId xmlns:a16="http://schemas.microsoft.com/office/drawing/2014/main" id="{9640DE05-B232-9176-14C7-7325307F0EBD}"/>
               </a:ext>
             </a:extLst>
           </p:cNvPr>
@@ -3837,7 +4559,7 @@
           <p:cNvPr id="14" name="Łącznik prosty 13">
             <a:extLst>
               <a:ext uri="{FF2B5EF4-FFF2-40B4-BE49-F238E27FC236}">
-                <a16:creationId xmlns:a16="http://schemas.microsoft.com/office/drawing/2014/main" id="{F4B14A33-E755-D357-DC4E-5CF0312101D4}"/>
+                <a16:creationId xmlns:a16="http://schemas.microsoft.com/office/drawing/2014/main" id="{EA6A3163-72B5-6D97-54B0-C74ACF0477B5}"/>
               </a:ext>
             </a:extLst>
           </p:cNvPr>
@@ -3880,10 +4602,153 @@
           </a:fontRef>
         </p:style>
       </p:cxnSp>
+      <p:sp>
+        <p:nvSpPr>
+          <p:cNvPr id="4" name="pole tekstowe 3">
+            <a:extLst>
+              <a:ext uri="{FF2B5EF4-FFF2-40B4-BE49-F238E27FC236}">
+                <a16:creationId xmlns:a16="http://schemas.microsoft.com/office/drawing/2014/main" id="{75DE01DF-2490-4367-878A-FE59486DCEAD}"/>
+              </a:ext>
+            </a:extLst>
+          </p:cNvPr>
+          <p:cNvSpPr txBox="1"/>
+          <p:nvPr/>
+        </p:nvSpPr>
+        <p:spPr>
+          <a:xfrm>
+            <a:off x="976574" y="2833128"/>
+            <a:ext cx="10410825" cy="1938992"/>
+          </a:xfrm>
+          <a:prstGeom prst="rect">
+            <a:avLst/>
+          </a:prstGeom>
+          <a:noFill/>
+        </p:spPr>
+        <p:txBody>
+          <a:bodyPr wrap="square">
+            <a:spAutoFit/>
+          </a:bodyPr>
+          <a:lstStyle/>
+          <a:p>
+            <a:r>
+              <a:rPr lang="pl-PL" sz="2400" b="1" dirty="0">
+                <a:solidFill>
+                  <a:srgbClr val="003766"/>
+                </a:solidFill>
+              </a:rPr>
+              <a:t>Q1: "Czy to może być leczono anty-miRNA już teraz?</a:t>
+            </a:r>
+          </a:p>
+          <a:p>
+            <a:endParaRPr lang="pl-PL" sz="2400" b="1" dirty="0">
+              <a:solidFill>
+                <a:srgbClr val="003766"/>
+              </a:solidFill>
+            </a:endParaRPr>
+          </a:p>
+          <a:p>
+            <a:endParaRPr lang="pl-PL" sz="2400" b="1" dirty="0">
+              <a:solidFill>
+                <a:srgbClr val="003766"/>
+              </a:solidFill>
+            </a:endParaRPr>
+          </a:p>
+          <a:p>
+            <a:r>
+              <a:rPr lang="pl-PL" sz="2400" dirty="0">
+                <a:solidFill>
+                  <a:srgbClr val="003766"/>
+                </a:solidFill>
+              </a:rPr>
+              <a:t>Nie. Potrzebujemy </a:t>
+            </a:r>
+            <a:r>
+              <a:rPr lang="pl-PL" sz="2400" dirty="0" err="1">
+                <a:solidFill>
+                  <a:srgbClr val="003766"/>
+                </a:solidFill>
+              </a:rPr>
+              <a:t>validacji</a:t>
+            </a:r>
+            <a:r>
+              <a:rPr lang="pl-PL" sz="2400" dirty="0">
+                <a:solidFill>
+                  <a:srgbClr val="003766"/>
+                </a:solidFill>
+              </a:rPr>
+              <a:t> eksperymentalnej i </a:t>
+            </a:r>
+            <a:r>
+              <a:rPr lang="pl-PL" sz="2400" dirty="0" err="1">
+                <a:solidFill>
+                  <a:srgbClr val="003766"/>
+                </a:solidFill>
+              </a:rPr>
+              <a:t>validacji</a:t>
+            </a:r>
+            <a:r>
+              <a:rPr lang="pl-PL" sz="2400" dirty="0">
+                <a:solidFill>
+                  <a:srgbClr val="003766"/>
+                </a:solidFill>
+              </a:rPr>
+              <a:t> w niezależnym </a:t>
+            </a:r>
+            <a:r>
+              <a:rPr lang="pl-PL" sz="2400" dirty="0" err="1">
+                <a:solidFill>
+                  <a:srgbClr val="003766"/>
+                </a:solidFill>
+              </a:rPr>
+              <a:t>cohort</a:t>
+            </a:r>
+            <a:r>
+              <a:rPr lang="pl-PL" sz="2400" dirty="0">
+                <a:solidFill>
+                  <a:srgbClr val="003766"/>
+                </a:solidFill>
+              </a:rPr>
+              <a:t> klinicznym. Ale droga jest jasna i mamy precedens (</a:t>
+            </a:r>
+            <a:r>
+              <a:rPr lang="pl-PL" sz="2400" dirty="0" err="1">
+                <a:solidFill>
+                  <a:srgbClr val="003766"/>
+                </a:solidFill>
+              </a:rPr>
+              <a:t>miravirsen</a:t>
+            </a:r>
+            <a:r>
+              <a:rPr lang="pl-PL" sz="2400" dirty="0">
+                <a:solidFill>
+                  <a:srgbClr val="003766"/>
+                </a:solidFill>
+              </a:rPr>
+              <a:t> w </a:t>
+            </a:r>
+            <a:r>
+              <a:rPr lang="pl-PL" sz="2400" dirty="0" err="1">
+                <a:solidFill>
+                  <a:srgbClr val="003766"/>
+                </a:solidFill>
+              </a:rPr>
+              <a:t>hep</a:t>
+            </a:r>
+            <a:r>
+              <a:rPr lang="pl-PL" sz="2400" dirty="0">
+                <a:solidFill>
+                  <a:srgbClr val="003766"/>
+                </a:solidFill>
+              </a:rPr>
+              <a:t> C)</a:t>
+            </a:r>
+          </a:p>
+        </p:txBody>
+      </p:sp>
     </p:spTree>
     <p:extLst>
       <p:ext uri="{BB962C8B-B14F-4D97-AF65-F5344CB8AC3E}">
-        <p14:creationId xmlns:p14="http://schemas.microsoft.com/office/powerpoint/2010/main" val="2131093832"/>
+        <p14:creationId xmlns:p14="http://schemas.microsoft.com/office/powerpoint/2010/main" val="1913020151"/>
       </p:ext>
     </p:extLst>
   </p:cSld>
@@ -3893,12 +4758,18 @@
 </p:sld>
 </file>
 
-<file path=ppt/slides/slide4.xml><?xml version="1.0" encoding="utf-8"?>
+<file path=ppt/slides/slide12.xml><?xml version="1.0" encoding="utf-8"?>
 <p:sld xmlns:a="http://schemas.openxmlformats.org/drawingml/2006/main" xmlns:r="http://schemas.openxmlformats.org/officeDocument/2006/relationships" xmlns:p="http://schemas.openxmlformats.org/presentationml/2006/main">
   <p:cSld>
     <p:spTree>
       <p:nvGrpSpPr>
-        <p:cNvPr id="1" name=""/>
+        <p:cNvPr id="1" name="">
+          <a:extLst>
+            <a:ext uri="{FF2B5EF4-FFF2-40B4-BE49-F238E27FC236}">
+              <a16:creationId xmlns:a16="http://schemas.microsoft.com/office/drawing/2014/main" id="{B169D9EA-62CF-CCDF-D32F-5575EFD86870}"/>
+            </a:ext>
+          </a:extLst>
+        </p:cNvPr>
         <p:cNvGrpSpPr/>
         <p:nvPr/>
       </p:nvGrpSpPr>
@@ -3915,7 +4786,7 @@
           <p:cNvPr id="2" name="Tytuł 1">
             <a:extLst>
               <a:ext uri="{FF2B5EF4-FFF2-40B4-BE49-F238E27FC236}">
-                <a16:creationId xmlns:a16="http://schemas.microsoft.com/office/drawing/2014/main" id="{F9738B88-3C9E-334E-C76D-CF3A7D99DA9A}"/>
+                <a16:creationId xmlns:a16="http://schemas.microsoft.com/office/drawing/2014/main" id="{C3259B89-8924-5B22-FEF5-2FF033DD2007}"/>
               </a:ext>
             </a:extLst>
           </p:cNvPr>
@@ -3939,25 +4810,23 @@
           <a:lstStyle/>
           <a:p>
             <a:r>
-              <a:rPr lang="pl-PL" sz="2800" b="1" dirty="0" err="1">
+              <a:rPr lang="pl-PL" sz="2800" b="1" i="0" dirty="0">
                 <a:solidFill>
                   <a:schemeClr val="accent1">
                     <a:lumMod val="50000"/>
                   </a:schemeClr>
                 </a:solidFill>
-              </a:rPr>
-              <a:t>miRNA</a:t>
-            </a:r>
-            <a:r>
-              <a:rPr lang="pl-PL" sz="2800" b="1" dirty="0">
-                <a:solidFill>
-                  <a:schemeClr val="accent1">
-                    <a:lumMod val="50000"/>
-                  </a:schemeClr>
-                </a:solidFill>
-              </a:rPr>
-              <a:t>-zależna supresja osi FOXA1/ESR1 w TNBC</a:t>
-            </a:r>
+                <a:effectLst/>
+              </a:rPr>
+              <a:t>Pytania? Dyskusja</a:t>
+            </a:r>
+            <a:endParaRPr lang="pl-PL" sz="2800" b="1" dirty="0">
+              <a:solidFill>
+                <a:schemeClr val="accent1">
+                  <a:lumMod val="50000"/>
+                </a:schemeClr>
+              </a:solidFill>
+            </a:endParaRPr>
           </a:p>
         </p:txBody>
       </p:sp>
@@ -3966,7 +4835,7 @@
           <p:cNvPr id="11" name="Symbol zastępczy zawartości 10" descr="Obraz zawierający zrzut ekranu, Czcionka, Grafika, tekst&#10;&#10;Opis wygenerowany automatycznie">
             <a:extLst>
               <a:ext uri="{FF2B5EF4-FFF2-40B4-BE49-F238E27FC236}">
-                <a16:creationId xmlns:a16="http://schemas.microsoft.com/office/drawing/2014/main" id="{46D80C71-A10F-D7AA-EE52-6D9F4EDE7A51}"/>
+                <a16:creationId xmlns:a16="http://schemas.microsoft.com/office/drawing/2014/main" id="{53165524-16CC-CBDF-664D-9D9F990CC753}"/>
               </a:ext>
             </a:extLst>
           </p:cNvPr>
@@ -3995,7 +4864,7 @@
           <p:cNvPr id="14" name="Łącznik prosty 13">
             <a:extLst>
               <a:ext uri="{FF2B5EF4-FFF2-40B4-BE49-F238E27FC236}">
-                <a16:creationId xmlns:a16="http://schemas.microsoft.com/office/drawing/2014/main" id="{F4B14A33-E755-D357-DC4E-5CF0312101D4}"/>
+                <a16:creationId xmlns:a16="http://schemas.microsoft.com/office/drawing/2014/main" id="{43D1CD72-1B93-6D27-3D85-045D09BC9D69}"/>
               </a:ext>
             </a:extLst>
           </p:cNvPr>
@@ -4038,10 +4907,207 @@
           </a:fontRef>
         </p:style>
       </p:cxnSp>
+      <p:sp>
+        <p:nvSpPr>
+          <p:cNvPr id="4" name="pole tekstowe 3">
+            <a:extLst>
+              <a:ext uri="{FF2B5EF4-FFF2-40B4-BE49-F238E27FC236}">
+                <a16:creationId xmlns:a16="http://schemas.microsoft.com/office/drawing/2014/main" id="{65350CB4-3471-5B97-3CBA-E20E4480117C}"/>
+              </a:ext>
+            </a:extLst>
+          </p:cNvPr>
+          <p:cNvSpPr txBox="1"/>
+          <p:nvPr/>
+        </p:nvSpPr>
+        <p:spPr>
+          <a:xfrm>
+            <a:off x="890587" y="2749817"/>
+            <a:ext cx="10410825" cy="1569660"/>
+          </a:xfrm>
+          <a:prstGeom prst="rect">
+            <a:avLst/>
+          </a:prstGeom>
+          <a:noFill/>
+        </p:spPr>
+        <p:txBody>
+          <a:bodyPr wrap="square">
+            <a:spAutoFit/>
+          </a:bodyPr>
+          <a:lstStyle/>
+          <a:p>
+            <a:r>
+              <a:rPr lang="pl-PL" sz="2400" b="1" dirty="0">
+                <a:solidFill>
+                  <a:srgbClr val="003766"/>
+                </a:solidFill>
+              </a:rPr>
+              <a:t>Q2: "Ile czasu wymagałoby takie leczenie na rynku?"</a:t>
+            </a:r>
+            <a:r>
+              <a:rPr lang="pl-PL" sz="2400" dirty="0">
+                <a:solidFill>
+                  <a:srgbClr val="003766"/>
+                </a:solidFill>
+              </a:rPr>
+              <a:t> </a:t>
+            </a:r>
+          </a:p>
+          <a:p>
+            <a:endParaRPr lang="pl-PL" sz="2400" dirty="0">
+              <a:solidFill>
+                <a:srgbClr val="003766"/>
+              </a:solidFill>
+            </a:endParaRPr>
+          </a:p>
+          <a:p>
+            <a:r>
+              <a:rPr lang="pl-PL" sz="2400" dirty="0">
+                <a:solidFill>
+                  <a:srgbClr val="003766"/>
+                </a:solidFill>
+              </a:rPr>
+              <a:t>5-10 lat. FDA wymaga: </a:t>
+            </a:r>
+            <a:r>
+              <a:rPr lang="pl-PL" sz="2400" dirty="0" err="1">
+                <a:solidFill>
+                  <a:srgbClr val="003766"/>
+                </a:solidFill>
+              </a:rPr>
+              <a:t>phase</a:t>
+            </a:r>
+            <a:r>
+              <a:rPr lang="pl-PL" sz="2400" dirty="0">
+                <a:solidFill>
+                  <a:srgbClr val="003766"/>
+                </a:solidFill>
+              </a:rPr>
+              <a:t> I (</a:t>
+            </a:r>
+            <a:r>
+              <a:rPr lang="pl-PL" sz="2400" dirty="0" err="1">
+                <a:solidFill>
+                  <a:srgbClr val="003766"/>
+                </a:solidFill>
+              </a:rPr>
+              <a:t>safety</a:t>
+            </a:r>
+            <a:r>
+              <a:rPr lang="pl-PL" sz="2400" dirty="0">
+                <a:solidFill>
+                  <a:srgbClr val="003766"/>
+                </a:solidFill>
+              </a:rPr>
+              <a:t>), </a:t>
+            </a:r>
+            <a:r>
+              <a:rPr lang="pl-PL" sz="2400" dirty="0" err="1">
+                <a:solidFill>
+                  <a:srgbClr val="003766"/>
+                </a:solidFill>
+              </a:rPr>
+              <a:t>phase</a:t>
+            </a:r>
+            <a:r>
+              <a:rPr lang="pl-PL" sz="2400" dirty="0">
+                <a:solidFill>
+                  <a:srgbClr val="003766"/>
+                </a:solidFill>
+              </a:rPr>
+              <a:t> II (</a:t>
+            </a:r>
+            <a:r>
+              <a:rPr lang="pl-PL" sz="2400" dirty="0" err="1">
+                <a:solidFill>
+                  <a:srgbClr val="003766"/>
+                </a:solidFill>
+              </a:rPr>
+              <a:t>efficacy</a:t>
+            </a:r>
+            <a:r>
+              <a:rPr lang="pl-PL" sz="2400" dirty="0">
+                <a:solidFill>
+                  <a:srgbClr val="003766"/>
+                </a:solidFill>
+              </a:rPr>
+              <a:t>), </a:t>
+            </a:r>
+            <a:r>
+              <a:rPr lang="pl-PL" sz="2400" dirty="0" err="1">
+                <a:solidFill>
+                  <a:srgbClr val="003766"/>
+                </a:solidFill>
+              </a:rPr>
+              <a:t>phase</a:t>
+            </a:r>
+            <a:r>
+              <a:rPr lang="pl-PL" sz="2400" dirty="0">
+                <a:solidFill>
+                  <a:srgbClr val="003766"/>
+                </a:solidFill>
+              </a:rPr>
+              <a:t> III (</a:t>
+            </a:r>
+            <a:r>
+              <a:rPr lang="pl-PL" sz="2400" dirty="0" err="1">
+                <a:solidFill>
+                  <a:srgbClr val="003766"/>
+                </a:solidFill>
+              </a:rPr>
+              <a:t>comparative</a:t>
+            </a:r>
+            <a:r>
+              <a:rPr lang="pl-PL" sz="2400" dirty="0">
+                <a:solidFill>
+                  <a:srgbClr val="003766"/>
+                </a:solidFill>
+              </a:rPr>
+              <a:t>). Każda faza to 1-3 lata + </a:t>
+            </a:r>
+            <a:r>
+              <a:rPr lang="pl-PL" sz="2400" dirty="0" err="1">
+                <a:solidFill>
+                  <a:srgbClr val="003766"/>
+                </a:solidFill>
+              </a:rPr>
+              <a:t>time</a:t>
+            </a:r>
+            <a:r>
+              <a:rPr lang="pl-PL" sz="2400" dirty="0">
+                <a:solidFill>
+                  <a:srgbClr val="003766"/>
+                </a:solidFill>
+              </a:rPr>
+              <a:t> to regulatory </a:t>
+            </a:r>
+            <a:r>
+              <a:rPr lang="pl-PL" sz="2400" dirty="0" err="1">
+                <a:solidFill>
+                  <a:srgbClr val="003766"/>
+                </a:solidFill>
+              </a:rPr>
+              <a:t>approval</a:t>
+            </a:r>
+            <a:r>
+              <a:rPr lang="pl-PL" sz="2400" dirty="0">
+                <a:solidFill>
+                  <a:srgbClr val="003766"/>
+                </a:solidFill>
+              </a:rPr>
+              <a:t>.</a:t>
+            </a:r>
+            <a:endParaRPr lang="pl-PL" sz="3200" dirty="0">
+              <a:solidFill>
+                <a:srgbClr val="003766"/>
+              </a:solidFill>
+            </a:endParaRPr>
+          </a:p>
+        </p:txBody>
+      </p:sp>
     </p:spTree>
     <p:extLst>
       <p:ext uri="{BB962C8B-B14F-4D97-AF65-F5344CB8AC3E}">
-        <p14:creationId xmlns:p14="http://schemas.microsoft.com/office/powerpoint/2010/main" val="2587388585"/>
+        <p14:creationId xmlns:p14="http://schemas.microsoft.com/office/powerpoint/2010/main" val="3566433027"/>
       </p:ext>
     </p:extLst>
   </p:cSld>
@@ -4051,12 +5117,18 @@
 </p:sld>
 </file>
 
-<file path=ppt/slides/slide5.xml><?xml version="1.0" encoding="utf-8"?>
+<file path=ppt/slides/slide13.xml><?xml version="1.0" encoding="utf-8"?>
 <p:sld xmlns:a="http://schemas.openxmlformats.org/drawingml/2006/main" xmlns:r="http://schemas.openxmlformats.org/officeDocument/2006/relationships" xmlns:p="http://schemas.openxmlformats.org/presentationml/2006/main">
   <p:cSld>
     <p:spTree>
       <p:nvGrpSpPr>
-        <p:cNvPr id="1" name=""/>
+        <p:cNvPr id="1" name="">
+          <a:extLst>
+            <a:ext uri="{FF2B5EF4-FFF2-40B4-BE49-F238E27FC236}">
+              <a16:creationId xmlns:a16="http://schemas.microsoft.com/office/drawing/2014/main" id="{940FDFE6-F5FA-0EA3-D437-915976D024DA}"/>
+            </a:ext>
+          </a:extLst>
+        </p:cNvPr>
         <p:cNvGrpSpPr/>
         <p:nvPr/>
       </p:nvGrpSpPr>
@@ -4073,7 +5145,7 @@
           <p:cNvPr id="2" name="Tytuł 1">
             <a:extLst>
               <a:ext uri="{FF2B5EF4-FFF2-40B4-BE49-F238E27FC236}">
-                <a16:creationId xmlns:a16="http://schemas.microsoft.com/office/drawing/2014/main" id="{F9738B88-3C9E-334E-C76D-CF3A7D99DA9A}"/>
+                <a16:creationId xmlns:a16="http://schemas.microsoft.com/office/drawing/2014/main" id="{7D9F9494-3959-16CD-83C2-421627773EF5}"/>
               </a:ext>
             </a:extLst>
           </p:cNvPr>
@@ -4097,15 +5169,23 @@
           <a:lstStyle/>
           <a:p>
             <a:r>
-              <a:rPr lang="pl-PL" sz="2800" b="1" dirty="0">
+              <a:rPr lang="pl-PL" sz="2800" b="1" i="0" dirty="0">
                 <a:solidFill>
                   <a:schemeClr val="accent1">
                     <a:lumMod val="50000"/>
                   </a:schemeClr>
                 </a:solidFill>
-              </a:rPr>
-              <a:t>Luminal B – podtyp o agresywniejszym przebiegu klinicznym</a:t>
-            </a:r>
+                <a:effectLst/>
+              </a:rPr>
+              <a:t>Pytania? Dyskusja</a:t>
+            </a:r>
+            <a:endParaRPr lang="pl-PL" sz="2800" b="1" dirty="0">
+              <a:solidFill>
+                <a:schemeClr val="accent1">
+                  <a:lumMod val="50000"/>
+                </a:schemeClr>
+              </a:solidFill>
+            </a:endParaRPr>
           </a:p>
         </p:txBody>
       </p:sp>
@@ -4114,7 +5194,7 @@
           <p:cNvPr id="11" name="Symbol zastępczy zawartości 10" descr="Obraz zawierający zrzut ekranu, Czcionka, Grafika, tekst&#10;&#10;Opis wygenerowany automatycznie">
             <a:extLst>
               <a:ext uri="{FF2B5EF4-FFF2-40B4-BE49-F238E27FC236}">
-                <a16:creationId xmlns:a16="http://schemas.microsoft.com/office/drawing/2014/main" id="{46D80C71-A10F-D7AA-EE52-6D9F4EDE7A51}"/>
+                <a16:creationId xmlns:a16="http://schemas.microsoft.com/office/drawing/2014/main" id="{162E4D07-E4B0-91A0-CEC4-ED378F53BC47}"/>
               </a:ext>
             </a:extLst>
           </p:cNvPr>
@@ -4143,7 +5223,7 @@
           <p:cNvPr id="14" name="Łącznik prosty 13">
             <a:extLst>
               <a:ext uri="{FF2B5EF4-FFF2-40B4-BE49-F238E27FC236}">
-                <a16:creationId xmlns:a16="http://schemas.microsoft.com/office/drawing/2014/main" id="{F4B14A33-E755-D357-DC4E-5CF0312101D4}"/>
+                <a16:creationId xmlns:a16="http://schemas.microsoft.com/office/drawing/2014/main" id="{F3F1A951-EA46-AE64-6255-61A373755C5C}"/>
               </a:ext>
             </a:extLst>
           </p:cNvPr>
@@ -4186,10 +5266,122 @@
           </a:fontRef>
         </p:style>
       </p:cxnSp>
+      <p:sp>
+        <p:nvSpPr>
+          <p:cNvPr id="4" name="pole tekstowe 3">
+            <a:extLst>
+              <a:ext uri="{FF2B5EF4-FFF2-40B4-BE49-F238E27FC236}">
+                <a16:creationId xmlns:a16="http://schemas.microsoft.com/office/drawing/2014/main" id="{F23D8E0E-1184-C670-E4AF-5161D06702E3}"/>
+              </a:ext>
+            </a:extLst>
+          </p:cNvPr>
+          <p:cNvSpPr txBox="1"/>
+          <p:nvPr/>
+        </p:nvSpPr>
+        <p:spPr>
+          <a:xfrm>
+            <a:off x="991123" y="2876809"/>
+            <a:ext cx="10410825" cy="1569660"/>
+          </a:xfrm>
+          <a:prstGeom prst="rect">
+            <a:avLst/>
+          </a:prstGeom>
+          <a:noFill/>
+        </p:spPr>
+        <p:txBody>
+          <a:bodyPr wrap="square">
+            <a:spAutoFit/>
+          </a:bodyPr>
+          <a:lstStyle/>
+          <a:p>
+            <a:r>
+              <a:rPr lang="pl-PL" sz="2400" b="1" dirty="0">
+                <a:solidFill>
+                  <a:srgbClr val="003766"/>
+                </a:solidFill>
+              </a:rPr>
+              <a:t>Q3: "Czy te wyniki dotyczą tylko TCGA czy też całej populacji?"</a:t>
+            </a:r>
+            <a:r>
+              <a:rPr lang="pl-PL" sz="2400" dirty="0">
+                <a:solidFill>
+                  <a:srgbClr val="003766"/>
+                </a:solidFill>
+              </a:rPr>
+              <a:t> </a:t>
+            </a:r>
+          </a:p>
+          <a:p>
+            <a:endParaRPr lang="pl-PL" sz="2400" dirty="0">
+              <a:solidFill>
+                <a:srgbClr val="003766"/>
+              </a:solidFill>
+            </a:endParaRPr>
+          </a:p>
+          <a:p>
+            <a:r>
+              <a:rPr lang="pl-PL" sz="2400" dirty="0">
+                <a:solidFill>
+                  <a:srgbClr val="003766"/>
+                </a:solidFill>
+              </a:rPr>
+              <a:t>TCGA jest </a:t>
+            </a:r>
+            <a:r>
+              <a:rPr lang="pl-PL" sz="2400" dirty="0" err="1">
+                <a:solidFill>
+                  <a:srgbClr val="003766"/>
+                </a:solidFill>
+              </a:rPr>
+              <a:t>proxy</a:t>
+            </a:r>
+            <a:r>
+              <a:rPr lang="pl-PL" sz="2400" dirty="0">
+                <a:solidFill>
+                  <a:srgbClr val="003766"/>
+                </a:solidFill>
+              </a:rPr>
+              <a:t> dla </a:t>
+            </a:r>
+            <a:r>
+              <a:rPr lang="pl-PL" sz="2400" dirty="0" err="1">
+                <a:solidFill>
+                  <a:srgbClr val="003766"/>
+                </a:solidFill>
+              </a:rPr>
+              <a:t>tertiarnych</a:t>
+            </a:r>
+            <a:r>
+              <a:rPr lang="pl-PL" sz="2400" dirty="0">
+                <a:solidFill>
+                  <a:srgbClr val="003766"/>
+                </a:solidFill>
+              </a:rPr>
+              <a:t> centrów zachodu. Chcemy </a:t>
+            </a:r>
+            <a:r>
+              <a:rPr lang="pl-PL" sz="2400" dirty="0" err="1">
+                <a:solidFill>
+                  <a:srgbClr val="003766"/>
+                </a:solidFill>
+              </a:rPr>
+              <a:t>validować</a:t>
+            </a:r>
+            <a:r>
+              <a:rPr lang="pl-PL" sz="2400" dirty="0">
+                <a:solidFill>
+                  <a:srgbClr val="003766"/>
+                </a:solidFill>
+              </a:rPr>
+              <a:t> w METABRIC (Europa) i ICGC-BRCA (globalne), aby sprawdzić czy efekt się replikuje.</a:t>
+            </a:r>
+          </a:p>
+        </p:txBody>
+      </p:sp>
     </p:spTree>
     <p:extLst>
       <p:ext uri="{BB962C8B-B14F-4D97-AF65-F5344CB8AC3E}">
-        <p14:creationId xmlns:p14="http://schemas.microsoft.com/office/powerpoint/2010/main" val="628466305"/>
+        <p14:creationId xmlns:p14="http://schemas.microsoft.com/office/powerpoint/2010/main" val="2102186602"/>
       </p:ext>
     </p:extLst>
   </p:cSld>
@@ -4199,12 +5391,18 @@
 </p:sld>
 </file>
 
-<file path=ppt/slides/slide6.xml><?xml version="1.0" encoding="utf-8"?>
+<file path=ppt/slides/slide14.xml><?xml version="1.0" encoding="utf-8"?>
 <p:sld xmlns:a="http://schemas.openxmlformats.org/drawingml/2006/main" xmlns:r="http://schemas.openxmlformats.org/officeDocument/2006/relationships" xmlns:p="http://schemas.openxmlformats.org/presentationml/2006/main">
   <p:cSld>
     <p:spTree>
       <p:nvGrpSpPr>
-        <p:cNvPr id="1" name=""/>
+        <p:cNvPr id="1" name="">
+          <a:extLst>
+            <a:ext uri="{FF2B5EF4-FFF2-40B4-BE49-F238E27FC236}">
+              <a16:creationId xmlns:a16="http://schemas.microsoft.com/office/drawing/2014/main" id="{6F1DC709-724E-80AD-5163-7C0F7C9C235B}"/>
+            </a:ext>
+          </a:extLst>
+        </p:cNvPr>
         <p:cNvGrpSpPr/>
         <p:nvPr/>
       </p:nvGrpSpPr>
@@ -4221,7 +5419,7 @@
           <p:cNvPr id="2" name="Tytuł 1">
             <a:extLst>
               <a:ext uri="{FF2B5EF4-FFF2-40B4-BE49-F238E27FC236}">
-                <a16:creationId xmlns:a16="http://schemas.microsoft.com/office/drawing/2014/main" id="{F9738B88-3C9E-334E-C76D-CF3A7D99DA9A}"/>
+                <a16:creationId xmlns:a16="http://schemas.microsoft.com/office/drawing/2014/main" id="{CE64979D-9F3D-7AA8-425B-6577673335C5}"/>
               </a:ext>
             </a:extLst>
           </p:cNvPr>
@@ -4253,29 +5451,7 @@
                 </a:solidFill>
                 <a:effectLst/>
               </a:rPr>
-              <a:t>Stadium Wygrywa – Ale </a:t>
-            </a:r>
-            <a:r>
-              <a:rPr lang="pl-PL" sz="2800" b="1" i="0" dirty="0" err="1">
-                <a:solidFill>
-                  <a:schemeClr val="accent1">
-                    <a:lumMod val="50000"/>
-                  </a:schemeClr>
-                </a:solidFill>
-                <a:effectLst/>
-              </a:rPr>
-              <a:t>miRNA</a:t>
-            </a:r>
-            <a:r>
-              <a:rPr lang="pl-PL" sz="2800" b="1" i="0" dirty="0">
-                <a:solidFill>
-                  <a:schemeClr val="accent1">
-                    <a:lumMod val="50000"/>
-                  </a:schemeClr>
-                </a:solidFill>
-                <a:effectLst/>
-              </a:rPr>
-              <a:t> Dają Wskazówkę</a:t>
+              <a:t>Pytania? Dyskusja</a:t>
             </a:r>
             <a:endParaRPr lang="pl-PL" sz="2800" b="1" dirty="0">
               <a:solidFill>
@@ -4292,7 +5468,7 @@
           <p:cNvPr id="11" name="Symbol zastępczy zawartości 10" descr="Obraz zawierający zrzut ekranu, Czcionka, Grafika, tekst&#10;&#10;Opis wygenerowany automatycznie">
             <a:extLst>
               <a:ext uri="{FF2B5EF4-FFF2-40B4-BE49-F238E27FC236}">
-                <a16:creationId xmlns:a16="http://schemas.microsoft.com/office/drawing/2014/main" id="{46D80C71-A10F-D7AA-EE52-6D9F4EDE7A51}"/>
+                <a16:creationId xmlns:a16="http://schemas.microsoft.com/office/drawing/2014/main" id="{9561D63C-4502-48C2-E9B9-811371DA0319}"/>
               </a:ext>
             </a:extLst>
           </p:cNvPr>
@@ -4321,7 +5497,7 @@
           <p:cNvPr id="14" name="Łącznik prosty 13">
             <a:extLst>
               <a:ext uri="{FF2B5EF4-FFF2-40B4-BE49-F238E27FC236}">
-                <a16:creationId xmlns:a16="http://schemas.microsoft.com/office/drawing/2014/main" id="{F4B14A33-E755-D357-DC4E-5CF0312101D4}"/>
+                <a16:creationId xmlns:a16="http://schemas.microsoft.com/office/drawing/2014/main" id="{07454C12-53C7-DA7B-8867-FE20441A20D0}"/>
               </a:ext>
             </a:extLst>
           </p:cNvPr>
@@ -4364,10 +5540,102 @@
           </a:fontRef>
         </p:style>
       </p:cxnSp>
+      <p:sp>
+        <p:nvSpPr>
+          <p:cNvPr id="4" name="pole tekstowe 3">
+            <a:extLst>
+              <a:ext uri="{FF2B5EF4-FFF2-40B4-BE49-F238E27FC236}">
+                <a16:creationId xmlns:a16="http://schemas.microsoft.com/office/drawing/2014/main" id="{259E14F0-E816-105A-36E4-6F7073655351}"/>
+              </a:ext>
+            </a:extLst>
+          </p:cNvPr>
+          <p:cNvSpPr txBox="1"/>
+          <p:nvPr/>
+        </p:nvSpPr>
+        <p:spPr>
+          <a:xfrm>
+            <a:off x="1011168" y="2688347"/>
+            <a:ext cx="10410825" cy="2308324"/>
+          </a:xfrm>
+          <a:prstGeom prst="rect">
+            <a:avLst/>
+          </a:prstGeom>
+          <a:noFill/>
+        </p:spPr>
+        <p:txBody>
+          <a:bodyPr wrap="square">
+            <a:spAutoFit/>
+          </a:bodyPr>
+          <a:lstStyle/>
+          <a:p>
+            <a:r>
+              <a:rPr lang="pl-PL" sz="2400" b="1" dirty="0">
+                <a:solidFill>
+                  <a:srgbClr val="003766"/>
+                </a:solidFill>
+              </a:rPr>
+              <a:t>Q4: "Jak to porównuje się z innymi pracami nad miRNA w raku piersi?"</a:t>
+            </a:r>
+            <a:r>
+              <a:rPr lang="pl-PL" sz="2400" dirty="0">
+                <a:solidFill>
+                  <a:srgbClr val="003766"/>
+                </a:solidFill>
+              </a:rPr>
+              <a:t> </a:t>
+            </a:r>
+          </a:p>
+          <a:p>
+            <a:endParaRPr lang="pl-PL" sz="2400" dirty="0">
+              <a:solidFill>
+                <a:srgbClr val="003766"/>
+              </a:solidFill>
+            </a:endParaRPr>
+          </a:p>
+          <a:p>
+            <a:endParaRPr lang="pl-PL" sz="2400" dirty="0">
+              <a:solidFill>
+                <a:srgbClr val="003766"/>
+              </a:solidFill>
+            </a:endParaRPr>
+          </a:p>
+          <a:p>
+            <a:r>
+              <a:rPr lang="pl-PL" sz="2400" dirty="0">
+                <a:solidFill>
+                  <a:srgbClr val="003766"/>
+                </a:solidFill>
+              </a:rPr>
+              <a:t>Nasza praca skupia się na POST-TRANSCRIPTIONAL </a:t>
+            </a:r>
+            <a:r>
+              <a:rPr lang="pl-PL" sz="2400" dirty="0" err="1">
+                <a:solidFill>
+                  <a:srgbClr val="003766"/>
+                </a:solidFill>
+              </a:rPr>
+              <a:t>regulation</a:t>
+            </a:r>
+            <a:r>
+              <a:rPr lang="pl-PL" sz="2400" dirty="0">
+                <a:solidFill>
+                  <a:srgbClr val="003766"/>
+                </a:solidFill>
+              </a:rPr>
+              <a:t> – to jest nowa perspektywa. Większość prac patrzy tylko na mRNA. My pokazujemy że białka               są inne.</a:t>
+            </a:r>
+            <a:endParaRPr lang="pl-PL" sz="3200" dirty="0">
+              <a:solidFill>
+                <a:srgbClr val="003766"/>
+              </a:solidFill>
+            </a:endParaRPr>
+          </a:p>
+        </p:txBody>
+      </p:sp>
     </p:spTree>
     <p:extLst>
       <p:ext uri="{BB962C8B-B14F-4D97-AF65-F5344CB8AC3E}">
-        <p14:creationId xmlns:p14="http://schemas.microsoft.com/office/powerpoint/2010/main" val="1145396524"/>
+        <p14:creationId xmlns:p14="http://schemas.microsoft.com/office/powerpoint/2010/main" val="2418309018"/>
       </p:ext>
     </p:extLst>
   </p:cSld>
@@ -4377,7 +5645,7 @@
 </p:sld>
 </file>
 
-<file path=ppt/slides/slide7.xml><?xml version="1.0" encoding="utf-8"?>
+<file path=ppt/slides/slide2.xml><?xml version="1.0" encoding="utf-8"?>
 <p:sld xmlns:a="http://schemas.openxmlformats.org/drawingml/2006/main" xmlns:r="http://schemas.openxmlformats.org/officeDocument/2006/relationships" xmlns:p="http://schemas.openxmlformats.org/presentationml/2006/main">
   <p:cSld>
     <p:spTree>
@@ -4431,7 +5699,7 @@
                 </a:solidFill>
                 <a:effectLst/>
               </a:rPr>
-              <a:t>Podsumowanie: Odkrycie, Limity, Przyszłość</a:t>
+              <a:t>Cztery twarze raka piersi – Dlaczego leki działają dla jednych, a nie dla innych?</a:t>
             </a:r>
             <a:endParaRPr lang="pl-PL" sz="2800" b="1" dirty="0">
               <a:solidFill>
@@ -4460,7 +5728,7 @@
           </p:nvPr>
         </p:nvPicPr>
         <p:blipFill>
-          <a:blip r:embed="rId2"/>
+          <a:blip r:embed="rId3"/>
           <a:stretch>
             <a:fillRect/>
           </a:stretch>
@@ -4520,10 +5788,5987 @@
           </a:fontRef>
         </p:style>
       </p:cxnSp>
+      <p:sp>
+        <p:nvSpPr>
+          <p:cNvPr id="8" name="Prostokąt 7">
+            <a:extLst>
+              <a:ext uri="{FF2B5EF4-FFF2-40B4-BE49-F238E27FC236}">
+                <a16:creationId xmlns:a16="http://schemas.microsoft.com/office/drawing/2014/main" id="{039B6260-89ED-DDD8-E026-AD5E13B584DB}"/>
+              </a:ext>
+            </a:extLst>
+          </p:cNvPr>
+          <p:cNvSpPr/>
+          <p:nvPr/>
+        </p:nvSpPr>
+        <p:spPr>
+          <a:xfrm>
+            <a:off x="295276" y="2171700"/>
+            <a:ext cx="2867024" cy="1400175"/>
+          </a:xfrm>
+          <a:prstGeom prst="rect">
+            <a:avLst/>
+          </a:prstGeom>
+          <a:solidFill>
+            <a:schemeClr val="bg1">
+              <a:alpha val="6000"/>
+            </a:schemeClr>
+          </a:solidFill>
+        </p:spPr>
+        <p:style>
+          <a:lnRef idx="2">
+            <a:schemeClr val="accent1">
+              <a:shade val="15000"/>
+            </a:schemeClr>
+          </a:lnRef>
+          <a:fillRef idx="1">
+            <a:schemeClr val="accent1"/>
+          </a:fillRef>
+          <a:effectRef idx="0">
+            <a:schemeClr val="accent1"/>
+          </a:effectRef>
+          <a:fontRef idx="minor">
+            <a:schemeClr val="lt1"/>
+          </a:fontRef>
+        </p:style>
+        <p:txBody>
+          <a:bodyPr rtlCol="0" anchor="ctr"/>
+          <a:lstStyle/>
+          <a:p>
+            <a:r>
+              <a:rPr lang="en-US" b="1" dirty="0">
+                <a:solidFill>
+                  <a:srgbClr val="2ECC71"/>
+                </a:solidFill>
+              </a:rPr>
+              <a:t>LUMINAL A</a:t>
+            </a:r>
+          </a:p>
+          <a:p>
+            <a:r>
+              <a:rPr lang="pl-PL" dirty="0">
+                <a:solidFill>
+                  <a:srgbClr val="003766"/>
+                </a:solidFill>
+              </a:rPr>
+              <a:t>5-letnie przeżycie: </a:t>
+            </a:r>
+            <a:r>
+              <a:rPr lang="pl-PL" b="1" dirty="0">
+                <a:solidFill>
+                  <a:srgbClr val="2ECC71"/>
+                </a:solidFill>
+              </a:rPr>
+              <a:t>92% </a:t>
+            </a:r>
+            <a:r>
+              <a:rPr lang="pl-PL" dirty="0">
+                <a:solidFill>
+                  <a:srgbClr val="003766"/>
+                </a:solidFill>
+              </a:rPr>
+              <a:t>Receptory: ER+ PR+ HER2-</a:t>
+            </a:r>
+          </a:p>
+          <a:p>
+            <a:r>
+              <a:rPr lang="pl-PL" b="1" dirty="0">
+                <a:solidFill>
+                  <a:srgbClr val="003766"/>
+                </a:solidFill>
+              </a:rPr>
+              <a:t>Leki hormonalne DZIAŁAJĄ</a:t>
+            </a:r>
+          </a:p>
+        </p:txBody>
+      </p:sp>
+      <p:sp>
+        <p:nvSpPr>
+          <p:cNvPr id="9" name="Prostokąt 8">
+            <a:extLst>
+              <a:ext uri="{FF2B5EF4-FFF2-40B4-BE49-F238E27FC236}">
+                <a16:creationId xmlns:a16="http://schemas.microsoft.com/office/drawing/2014/main" id="{6B048810-0329-9476-D6BE-F210324DD25F}"/>
+              </a:ext>
+            </a:extLst>
+          </p:cNvPr>
+          <p:cNvSpPr/>
+          <p:nvPr/>
+        </p:nvSpPr>
+        <p:spPr>
+          <a:xfrm>
+            <a:off x="3336923" y="2171700"/>
+            <a:ext cx="3057526" cy="1400175"/>
+          </a:xfrm>
+          <a:prstGeom prst="rect">
+            <a:avLst/>
+          </a:prstGeom>
+          <a:solidFill>
+            <a:schemeClr val="bg1">
+              <a:alpha val="6000"/>
+            </a:schemeClr>
+          </a:solidFill>
+        </p:spPr>
+        <p:style>
+          <a:lnRef idx="2">
+            <a:schemeClr val="accent1">
+              <a:shade val="15000"/>
+            </a:schemeClr>
+          </a:lnRef>
+          <a:fillRef idx="1">
+            <a:schemeClr val="accent1"/>
+          </a:fillRef>
+          <a:effectRef idx="0">
+            <a:schemeClr val="accent1"/>
+          </a:effectRef>
+          <a:fontRef idx="minor">
+            <a:schemeClr val="lt1"/>
+          </a:fontRef>
+        </p:style>
+        <p:txBody>
+          <a:bodyPr rtlCol="0" anchor="ctr"/>
+          <a:lstStyle/>
+          <a:p>
+            <a:r>
+              <a:rPr lang="pl-PL" b="1" dirty="0">
+                <a:solidFill>
+                  <a:srgbClr val="F39C12"/>
+                </a:solidFill>
+              </a:rPr>
+              <a:t>LUMINAL B</a:t>
+            </a:r>
+          </a:p>
+          <a:p>
+            <a:r>
+              <a:rPr lang="pl-PL" dirty="0">
+                <a:solidFill>
+                  <a:srgbClr val="003766"/>
+                </a:solidFill>
+              </a:rPr>
+              <a:t>5-letnie przeżycie: </a:t>
+            </a:r>
+            <a:r>
+              <a:rPr lang="pl-PL" b="1" dirty="0">
+                <a:solidFill>
+                  <a:srgbClr val="F39C12"/>
+                </a:solidFill>
+              </a:rPr>
+              <a:t>82%</a:t>
+            </a:r>
+          </a:p>
+          <a:p>
+            <a:r>
+              <a:rPr lang="pl-PL" dirty="0">
+                <a:solidFill>
+                  <a:srgbClr val="003766"/>
+                </a:solidFill>
+              </a:rPr>
+              <a:t>Receptory: ER+ PR± HER2-/+</a:t>
+            </a:r>
+          </a:p>
+          <a:p>
+            <a:r>
+              <a:rPr lang="pl-PL" b="1" dirty="0">
+                <a:solidFill>
+                  <a:srgbClr val="003766"/>
+                </a:solidFill>
+              </a:rPr>
+              <a:t>Wysoka proliferacja (Ki-67)</a:t>
+            </a:r>
+          </a:p>
+        </p:txBody>
+      </p:sp>
+      <p:sp>
+        <p:nvSpPr>
+          <p:cNvPr id="10" name="Prostokąt 9">
+            <a:extLst>
+              <a:ext uri="{FF2B5EF4-FFF2-40B4-BE49-F238E27FC236}">
+                <a16:creationId xmlns:a16="http://schemas.microsoft.com/office/drawing/2014/main" id="{4FAF9BA0-8A82-C750-30EB-3116406C171A}"/>
+              </a:ext>
+            </a:extLst>
+          </p:cNvPr>
+          <p:cNvSpPr/>
+          <p:nvPr/>
+        </p:nvSpPr>
+        <p:spPr>
+          <a:xfrm>
+            <a:off x="295276" y="3724273"/>
+            <a:ext cx="2867024" cy="1476375"/>
+          </a:xfrm>
+          <a:prstGeom prst="rect">
+            <a:avLst/>
+          </a:prstGeom>
+          <a:solidFill>
+            <a:schemeClr val="bg1">
+              <a:alpha val="6000"/>
+            </a:schemeClr>
+          </a:solidFill>
+        </p:spPr>
+        <p:style>
+          <a:lnRef idx="2">
+            <a:schemeClr val="accent1">
+              <a:shade val="15000"/>
+            </a:schemeClr>
+          </a:lnRef>
+          <a:fillRef idx="1">
+            <a:schemeClr val="accent1"/>
+          </a:fillRef>
+          <a:effectRef idx="0">
+            <a:schemeClr val="accent1"/>
+          </a:effectRef>
+          <a:fontRef idx="minor">
+            <a:schemeClr val="lt1"/>
+          </a:fontRef>
+        </p:style>
+        <p:txBody>
+          <a:bodyPr rtlCol="0" anchor="ctr"/>
+          <a:lstStyle/>
+          <a:p>
+            <a:r>
+              <a:rPr lang="pl-PL" b="1" dirty="0">
+                <a:solidFill>
+                  <a:srgbClr val="3498DB"/>
+                </a:solidFill>
+              </a:rPr>
+              <a:t>HER2-ENRICHED</a:t>
+            </a:r>
+          </a:p>
+          <a:p>
+            <a:r>
+              <a:rPr lang="pl-PL" dirty="0">
+                <a:solidFill>
+                  <a:srgbClr val="003766"/>
+                </a:solidFill>
+              </a:rPr>
+              <a:t>5-letnie przeżycie:</a:t>
+            </a:r>
+            <a:r>
+              <a:rPr lang="pl-PL" b="1" dirty="0">
+                <a:solidFill>
+                  <a:srgbClr val="003766"/>
+                </a:solidFill>
+              </a:rPr>
+              <a:t> </a:t>
+            </a:r>
+            <a:r>
+              <a:rPr lang="pl-PL" b="1" dirty="0">
+                <a:solidFill>
+                  <a:srgbClr val="3498DB"/>
+                </a:solidFill>
+              </a:rPr>
+              <a:t>65%</a:t>
+            </a:r>
+          </a:p>
+          <a:p>
+            <a:r>
+              <a:rPr lang="pl-PL" dirty="0">
+                <a:solidFill>
+                  <a:srgbClr val="003766"/>
+                </a:solidFill>
+              </a:rPr>
+              <a:t>Receptory: HER2+</a:t>
+            </a:r>
+          </a:p>
+          <a:p>
+            <a:r>
+              <a:rPr lang="pl-PL" b="1" dirty="0">
+                <a:solidFill>
+                  <a:srgbClr val="003766"/>
+                </a:solidFill>
+              </a:rPr>
+              <a:t>Trastuzumab to rozwiązał</a:t>
+            </a:r>
+            <a:endParaRPr lang="en-US" b="1" dirty="0">
+              <a:solidFill>
+                <a:srgbClr val="003766"/>
+              </a:solidFill>
+            </a:endParaRPr>
+          </a:p>
+        </p:txBody>
+      </p:sp>
+      <p:sp>
+        <p:nvSpPr>
+          <p:cNvPr id="12" name="Prostokąt 11">
+            <a:extLst>
+              <a:ext uri="{FF2B5EF4-FFF2-40B4-BE49-F238E27FC236}">
+                <a16:creationId xmlns:a16="http://schemas.microsoft.com/office/drawing/2014/main" id="{715DF3BB-116B-91E4-D2A6-8B444F8DE181}"/>
+              </a:ext>
+            </a:extLst>
+          </p:cNvPr>
+          <p:cNvSpPr/>
+          <p:nvPr/>
+        </p:nvSpPr>
+        <p:spPr>
+          <a:xfrm>
+            <a:off x="3336924" y="3724274"/>
+            <a:ext cx="3057525" cy="1476375"/>
+          </a:xfrm>
+          <a:prstGeom prst="rect">
+            <a:avLst/>
+          </a:prstGeom>
+          <a:solidFill>
+            <a:schemeClr val="bg1">
+              <a:alpha val="6000"/>
+            </a:schemeClr>
+          </a:solidFill>
+        </p:spPr>
+        <p:style>
+          <a:lnRef idx="2">
+            <a:schemeClr val="accent1">
+              <a:shade val="15000"/>
+            </a:schemeClr>
+          </a:lnRef>
+          <a:fillRef idx="1">
+            <a:schemeClr val="accent1"/>
+          </a:fillRef>
+          <a:effectRef idx="0">
+            <a:schemeClr val="accent1"/>
+          </a:effectRef>
+          <a:fontRef idx="minor">
+            <a:schemeClr val="lt1"/>
+          </a:fontRef>
+        </p:style>
+        <p:txBody>
+          <a:bodyPr rtlCol="0" anchor="ctr"/>
+          <a:lstStyle/>
+          <a:p>
+            <a:r>
+              <a:rPr lang="en-US" b="1" dirty="0">
+                <a:solidFill>
+                  <a:srgbClr val="E74C3C"/>
+                </a:solidFill>
+              </a:rPr>
+              <a:t>BASAL-LIKE (TNBC)</a:t>
+            </a:r>
+          </a:p>
+          <a:p>
+            <a:r>
+              <a:rPr lang="pl-PL" dirty="0">
+                <a:solidFill>
+                  <a:srgbClr val="003766"/>
+                </a:solidFill>
+              </a:rPr>
+              <a:t>5-letnie przeżycie: </a:t>
+            </a:r>
+            <a:r>
+              <a:rPr lang="pl-PL" b="1" dirty="0">
+                <a:solidFill>
+                  <a:srgbClr val="E74C3C"/>
+                </a:solidFill>
+              </a:rPr>
+              <a:t>28%</a:t>
+            </a:r>
+          </a:p>
+          <a:p>
+            <a:r>
+              <a:rPr lang="pl-PL" dirty="0">
+                <a:solidFill>
+                  <a:srgbClr val="003766"/>
+                </a:solidFill>
+              </a:rPr>
+              <a:t>Receptory: ER- PR- HER2-</a:t>
+            </a:r>
+          </a:p>
+          <a:p>
+            <a:r>
+              <a:rPr lang="en-US" b="1" dirty="0">
+                <a:solidFill>
+                  <a:srgbClr val="003766"/>
+                </a:solidFill>
+              </a:rPr>
+              <a:t>Brak celu terapeutycznego</a:t>
+            </a:r>
+            <a:r>
+              <a:rPr lang="pl-PL" b="1" dirty="0">
+                <a:solidFill>
+                  <a:srgbClr val="003766"/>
+                </a:solidFill>
+              </a:rPr>
+              <a:t> </a:t>
+            </a:r>
+            <a:r>
+              <a:rPr lang="en-US" b="1" dirty="0">
+                <a:solidFill>
+                  <a:srgbClr val="003766"/>
+                </a:solidFill>
+              </a:rPr>
+              <a:t>(tylko chemioterapia)</a:t>
+            </a:r>
+            <a:endParaRPr lang="pl-PL" b="1" dirty="0">
+              <a:solidFill>
+                <a:srgbClr val="003766"/>
+              </a:solidFill>
+            </a:endParaRPr>
+          </a:p>
+        </p:txBody>
+      </p:sp>
+      <p:sp>
+        <p:nvSpPr>
+          <p:cNvPr id="13" name="Prostokąt 12">
+            <a:extLst>
+              <a:ext uri="{FF2B5EF4-FFF2-40B4-BE49-F238E27FC236}">
+                <a16:creationId xmlns:a16="http://schemas.microsoft.com/office/drawing/2014/main" id="{EC1153AD-5DF7-454A-ADD6-C23CA40F1D72}"/>
+              </a:ext>
+            </a:extLst>
+          </p:cNvPr>
+          <p:cNvSpPr/>
+          <p:nvPr/>
+        </p:nvSpPr>
+        <p:spPr>
+          <a:xfrm>
+            <a:off x="6769585" y="2171700"/>
+            <a:ext cx="4917590" cy="3028948"/>
+          </a:xfrm>
+          <a:prstGeom prst="rect">
+            <a:avLst/>
+          </a:prstGeom>
+          <a:solidFill>
+            <a:schemeClr val="bg1">
+              <a:alpha val="6000"/>
+            </a:schemeClr>
+          </a:solidFill>
+          <a:ln>
+            <a:solidFill>
+              <a:schemeClr val="bg1"/>
+            </a:solidFill>
+          </a:ln>
+        </p:spPr>
+        <p:style>
+          <a:lnRef idx="2">
+            <a:schemeClr val="accent1">
+              <a:shade val="15000"/>
+            </a:schemeClr>
+          </a:lnRef>
+          <a:fillRef idx="1">
+            <a:schemeClr val="accent1"/>
+          </a:fillRef>
+          <a:effectRef idx="0">
+            <a:schemeClr val="accent1"/>
+          </a:effectRef>
+          <a:fontRef idx="minor">
+            <a:schemeClr val="lt1"/>
+          </a:fontRef>
+        </p:style>
+        <p:txBody>
+          <a:bodyPr rtlCol="0" anchor="ctr"/>
+          <a:lstStyle/>
+          <a:p>
+            <a:pPr algn="ctr"/>
+            <a:r>
+              <a:rPr lang="pl-PL" dirty="0">
+                <a:solidFill>
+                  <a:srgbClr val="003766"/>
+                </a:solidFill>
+              </a:rPr>
+              <a:t>Dlaczego Basal-like jest taki zły?</a:t>
+            </a:r>
+          </a:p>
+          <a:p>
+            <a:pPr algn="ctr"/>
+            <a:endParaRPr lang="pl-PL" dirty="0">
+              <a:solidFill>
+                <a:srgbClr val="003766"/>
+              </a:solidFill>
+            </a:endParaRPr>
+          </a:p>
+          <a:p>
+            <a:pPr algn="ctr"/>
+            <a:r>
+              <a:rPr lang="pl-PL" dirty="0">
+                <a:solidFill>
+                  <a:srgbClr val="003766"/>
+                </a:solidFill>
+              </a:rPr>
+              <a:t>Hipoteza #1 (stara):</a:t>
+            </a:r>
+          </a:p>
+          <a:p>
+            <a:pPr algn="ctr"/>
+            <a:r>
+              <a:rPr lang="pl-PL" b="1" i="1" dirty="0">
+                <a:solidFill>
+                  <a:srgbClr val="003766"/>
+                </a:solidFill>
+              </a:rPr>
+              <a:t>"Brak receptorów = guz pasywny</a:t>
+            </a:r>
+            <a:r>
+              <a:rPr lang="pl-PL" i="1" dirty="0">
+                <a:solidFill>
+                  <a:srgbClr val="003766"/>
+                </a:solidFill>
+              </a:rPr>
+              <a:t>"</a:t>
+            </a:r>
+          </a:p>
+          <a:p>
+            <a:pPr algn="ctr"/>
+            <a:endParaRPr lang="pl-PL" i="1" dirty="0">
+              <a:solidFill>
+                <a:srgbClr val="003766"/>
+              </a:solidFill>
+            </a:endParaRPr>
+          </a:p>
+          <a:p>
+            <a:pPr algn="ctr"/>
+            <a:r>
+              <a:rPr lang="pl-PL" dirty="0">
+                <a:solidFill>
+                  <a:srgbClr val="003766"/>
+                </a:solidFill>
+              </a:rPr>
+              <a:t>Hipoteza #2 (nasza):</a:t>
+            </a:r>
+          </a:p>
+          <a:p>
+            <a:pPr algn="ctr"/>
+            <a:r>
+              <a:rPr lang="pl-PL" b="1" i="1" dirty="0">
+                <a:solidFill>
+                  <a:srgbClr val="003766"/>
+                </a:solidFill>
+              </a:rPr>
+              <a:t>"Aktywna supresja receptorów</a:t>
+            </a:r>
+          </a:p>
+          <a:p>
+            <a:pPr algn="ctr"/>
+            <a:r>
+              <a:rPr lang="pl-PL" b="1" i="1" dirty="0">
+                <a:solidFill>
+                  <a:srgbClr val="003766"/>
+                </a:solidFill>
+              </a:rPr>
+              <a:t> przez miRNA"</a:t>
+            </a:r>
+          </a:p>
+          <a:p>
+            <a:pPr algn="ctr"/>
+            <a:endParaRPr lang="pl-PL" dirty="0">
+              <a:solidFill>
+                <a:srgbClr val="003766"/>
+              </a:solidFill>
+            </a:endParaRPr>
+          </a:p>
+          <a:p>
+            <a:pPr algn="ctr"/>
+            <a:r>
+              <a:rPr lang="pl-PL" sz="2000" b="1" dirty="0">
+                <a:solidFill>
+                  <a:srgbClr val="00B0F0"/>
+                </a:solidFill>
+              </a:rPr>
+              <a:t>To jest nasz projekt!</a:t>
+            </a:r>
+            <a:endParaRPr lang="en-US" sz="2000" b="1" dirty="0">
+              <a:solidFill>
+                <a:srgbClr val="00B0F0"/>
+              </a:solidFill>
+            </a:endParaRPr>
+          </a:p>
+        </p:txBody>
+      </p:sp>
+      <p:sp>
+        <p:nvSpPr>
+          <p:cNvPr id="15" name="Prostokąt 14">
+            <a:extLst>
+              <a:ext uri="{FF2B5EF4-FFF2-40B4-BE49-F238E27FC236}">
+                <a16:creationId xmlns:a16="http://schemas.microsoft.com/office/drawing/2014/main" id="{F70CC01B-D250-913C-2A76-46749A2590ED}"/>
+              </a:ext>
+            </a:extLst>
+          </p:cNvPr>
+          <p:cNvSpPr/>
+          <p:nvPr/>
+        </p:nvSpPr>
+        <p:spPr>
+          <a:xfrm>
+            <a:off x="295276" y="5638799"/>
+            <a:ext cx="11035333" cy="801757"/>
+          </a:xfrm>
+          <a:prstGeom prst="rect">
+            <a:avLst/>
+          </a:prstGeom>
+          <a:solidFill>
+            <a:schemeClr val="bg1">
+              <a:alpha val="6000"/>
+            </a:schemeClr>
+          </a:solidFill>
+          <a:ln>
+            <a:solidFill>
+              <a:schemeClr val="bg1"/>
+            </a:solidFill>
+          </a:ln>
+        </p:spPr>
+        <p:style>
+          <a:lnRef idx="2">
+            <a:schemeClr val="accent1">
+              <a:shade val="15000"/>
+            </a:schemeClr>
+          </a:lnRef>
+          <a:fillRef idx="1">
+            <a:schemeClr val="accent1"/>
+          </a:fillRef>
+          <a:effectRef idx="0">
+            <a:schemeClr val="accent1"/>
+          </a:effectRef>
+          <a:fontRef idx="minor">
+            <a:schemeClr val="lt1"/>
+          </a:fontRef>
+        </p:style>
+        <p:txBody>
+          <a:bodyPr rtlCol="0" anchor="ctr"/>
+          <a:lstStyle/>
+          <a:p>
+            <a:pPr algn="ctr"/>
+            <a:r>
+              <a:rPr lang="pl-PL" b="1" dirty="0">
+                <a:solidFill>
+                  <a:srgbClr val="E74C3C"/>
+                </a:solidFill>
+              </a:rPr>
+              <a:t>28%</a:t>
+            </a:r>
+            <a:r>
+              <a:rPr lang="pl-PL" b="1" dirty="0">
+                <a:solidFill>
+                  <a:srgbClr val="003766"/>
+                </a:solidFill>
+              </a:rPr>
+              <a:t> kobiet z TNBC żyje 5 lat</a:t>
+            </a:r>
+          </a:p>
+          <a:p>
+            <a:pPr algn="ctr"/>
+            <a:r>
+              <a:rPr lang="pl-PL" b="1" dirty="0">
+                <a:solidFill>
+                  <a:srgbClr val="2ECC71"/>
+                </a:solidFill>
+              </a:rPr>
+              <a:t>92% </a:t>
+            </a:r>
+            <a:r>
+              <a:rPr lang="pl-PL" b="1" dirty="0">
+                <a:solidFill>
+                  <a:srgbClr val="003766"/>
+                </a:solidFill>
+              </a:rPr>
+              <a:t>kobiet z Luminal A żyje 5 lat</a:t>
+            </a:r>
+          </a:p>
+        </p:txBody>
+      </p:sp>
+    </p:spTree>
+    <p:extLst>
+      <p:ext uri="{BB962C8B-B14F-4D97-AF65-F5344CB8AC3E}">
+        <p14:creationId xmlns:p14="http://schemas.microsoft.com/office/powerpoint/2010/main" val="2409848668"/>
+      </p:ext>
+    </p:extLst>
+  </p:cSld>
+  <p:clrMapOvr>
+    <a:masterClrMapping/>
+  </p:clrMapOvr>
+  <p:extLst>
+    <p:ext uri="{6950BFC3-D8DA-4A85-94F7-54DA5524770B}">
+      <p188:commentRel xmlns:p188="http://schemas.microsoft.com/office/powerpoint/2018/8/main" r:id="rId2"/>
+    </p:ext>
+  </p:extLst>
+</p:sld>
+</file>
+
+<file path=ppt/slides/slide3.xml><?xml version="1.0" encoding="utf-8"?>
+<p:sld xmlns:a="http://schemas.openxmlformats.org/drawingml/2006/main" xmlns:r="http://schemas.openxmlformats.org/officeDocument/2006/relationships" xmlns:p="http://schemas.openxmlformats.org/presentationml/2006/main">
+  <p:cSld>
+    <p:spTree>
+      <p:nvGrpSpPr>
+        <p:cNvPr id="1" name=""/>
+        <p:cNvGrpSpPr/>
+        <p:nvPr/>
+      </p:nvGrpSpPr>
+      <p:grpSpPr>
+        <a:xfrm>
+          <a:off x="0" y="0"/>
+          <a:ext cx="0" cy="0"/>
+          <a:chOff x="0" y="0"/>
+          <a:chExt cx="0" cy="0"/>
+        </a:xfrm>
+      </p:grpSpPr>
+      <p:sp>
+        <p:nvSpPr>
+          <p:cNvPr id="2" name="Tytuł 1">
+            <a:extLst>
+              <a:ext uri="{FF2B5EF4-FFF2-40B4-BE49-F238E27FC236}">
+                <a16:creationId xmlns:a16="http://schemas.microsoft.com/office/drawing/2014/main" id="{F9738B88-3C9E-334E-C76D-CF3A7D99DA9A}"/>
+              </a:ext>
+            </a:extLst>
+          </p:cNvPr>
+          <p:cNvSpPr>
+            <a:spLocks noGrp="1"/>
+          </p:cNvSpPr>
+          <p:nvPr>
+            <p:ph type="title"/>
+          </p:nvPr>
+        </p:nvSpPr>
+        <p:spPr>
+          <a:xfrm>
+            <a:off x="5439105" y="420782"/>
+            <a:ext cx="6952586" cy="1199821"/>
+          </a:xfrm>
+        </p:spPr>
+        <p:txBody>
+          <a:bodyPr>
+            <a:noAutofit/>
+          </a:bodyPr>
+          <a:lstStyle/>
+          <a:p>
+            <a:r>
+              <a:rPr lang="pl-PL" sz="2800" b="1" i="0" dirty="0">
+                <a:solidFill>
+                  <a:schemeClr val="accent1">
+                    <a:lumMod val="50000"/>
+                  </a:schemeClr>
+                </a:solidFill>
+                <a:effectLst/>
+              </a:rPr>
+              <a:t>Dlaczego musimy patrzeć poniżej transkryptomu? </a:t>
+            </a:r>
+            <a:br>
+              <a:rPr lang="pl-PL" sz="2800" b="1" i="0" dirty="0">
+                <a:solidFill>
+                  <a:schemeClr val="accent1">
+                    <a:lumMod val="50000"/>
+                  </a:schemeClr>
+                </a:solidFill>
+                <a:effectLst/>
+              </a:rPr>
+            </a:br>
+            <a:r>
+              <a:rPr lang="pl-PL" sz="2800" b="1" i="0" dirty="0">
+                <a:solidFill>
+                  <a:schemeClr val="accent1">
+                    <a:lumMod val="50000"/>
+                  </a:schemeClr>
+                </a:solidFill>
+                <a:effectLst/>
+              </a:rPr>
+              <a:t>(DNA → RNA ≠ RNA → Białko)</a:t>
+            </a:r>
+            <a:endParaRPr lang="pl-PL" sz="2800" b="1" dirty="0">
+              <a:solidFill>
+                <a:schemeClr val="accent1">
+                  <a:lumMod val="50000"/>
+                </a:schemeClr>
+              </a:solidFill>
+            </a:endParaRPr>
+          </a:p>
+        </p:txBody>
+      </p:sp>
+      <p:pic>
+        <p:nvPicPr>
+          <p:cNvPr id="11" name="Symbol zastępczy zawartości 10" descr="Obraz zawierający zrzut ekranu, Czcionka, Grafika, tekst&#10;&#10;Opis wygenerowany automatycznie">
+            <a:extLst>
+              <a:ext uri="{FF2B5EF4-FFF2-40B4-BE49-F238E27FC236}">
+                <a16:creationId xmlns:a16="http://schemas.microsoft.com/office/drawing/2014/main" id="{46D80C71-A10F-D7AA-EE52-6D9F4EDE7A51}"/>
+              </a:ext>
+            </a:extLst>
+          </p:cNvPr>
+          <p:cNvPicPr>
+            <a:picLocks noGrp="1" noChangeAspect="1"/>
+          </p:cNvPicPr>
+          <p:nvPr>
+            <p:ph idx="1"/>
+          </p:nvPr>
+        </p:nvPicPr>
+        <p:blipFill>
+          <a:blip r:embed="rId3"/>
+          <a:stretch>
+            <a:fillRect/>
+          </a:stretch>
+        </p:blipFill>
+        <p:spPr>
+          <a:xfrm>
+            <a:off x="-479626" y="-1154976"/>
+            <a:ext cx="6150378" cy="4351338"/>
+          </a:xfrm>
+        </p:spPr>
+      </p:pic>
+      <p:cxnSp>
+        <p:nvCxnSpPr>
+          <p:cNvPr id="14" name="Łącznik prosty 13">
+            <a:extLst>
+              <a:ext uri="{FF2B5EF4-FFF2-40B4-BE49-F238E27FC236}">
+                <a16:creationId xmlns:a16="http://schemas.microsoft.com/office/drawing/2014/main" id="{F4B14A33-E755-D357-DC4E-5CF0312101D4}"/>
+              </a:ext>
+            </a:extLst>
+          </p:cNvPr>
+          <p:cNvCxnSpPr/>
+          <p:nvPr/>
+        </p:nvCxnSpPr>
+        <p:spPr>
+          <a:xfrm>
+            <a:off x="5249917" y="630621"/>
+            <a:ext cx="0" cy="709448"/>
+          </a:xfrm>
+          <a:prstGeom prst="line">
+            <a:avLst/>
+          </a:prstGeom>
+          <a:ln>
+            <a:solidFill>
+              <a:srgbClr val="003766"/>
+            </a:solidFill>
+          </a:ln>
+          <a:effectLst>
+            <a:outerShdw blurRad="50800" dist="38100" dir="2700000" algn="tl" rotWithShape="0">
+              <a:prstClr val="black">
+                <a:alpha val="40000"/>
+              </a:prstClr>
+            </a:outerShdw>
+          </a:effectLst>
+        </p:spPr>
+        <p:style>
+          <a:lnRef idx="1">
+            <a:schemeClr val="accent1"/>
+          </a:lnRef>
+          <a:fillRef idx="0">
+            <a:schemeClr val="accent1"/>
+          </a:fillRef>
+          <a:effectRef idx="0">
+            <a:schemeClr val="accent1"/>
+          </a:effectRef>
+          <a:fontRef idx="minor">
+            <a:schemeClr val="tx1"/>
+          </a:fontRef>
+        </p:style>
+      </p:cxnSp>
+      <p:sp>
+        <p:nvSpPr>
+          <p:cNvPr id="3" name="Prostokąt 2">
+            <a:extLst>
+              <a:ext uri="{FF2B5EF4-FFF2-40B4-BE49-F238E27FC236}">
+                <a16:creationId xmlns:a16="http://schemas.microsoft.com/office/drawing/2014/main" id="{D9E38B5D-EB66-17B4-4235-4D1BC58FD4F9}"/>
+              </a:ext>
+            </a:extLst>
+          </p:cNvPr>
+          <p:cNvSpPr/>
+          <p:nvPr/>
+        </p:nvSpPr>
+        <p:spPr>
+          <a:xfrm>
+            <a:off x="1143330" y="2299296"/>
+            <a:ext cx="4295775" cy="3305175"/>
+          </a:xfrm>
+          <a:prstGeom prst="rect">
+            <a:avLst/>
+          </a:prstGeom>
+          <a:solidFill>
+            <a:schemeClr val="bg1">
+              <a:alpha val="6000"/>
+            </a:schemeClr>
+          </a:solidFill>
+        </p:spPr>
+        <p:style>
+          <a:lnRef idx="2">
+            <a:schemeClr val="accent1">
+              <a:shade val="15000"/>
+            </a:schemeClr>
+          </a:lnRef>
+          <a:fillRef idx="1">
+            <a:schemeClr val="accent1"/>
+          </a:fillRef>
+          <a:effectRef idx="0">
+            <a:schemeClr val="accent1"/>
+          </a:effectRef>
+          <a:fontRef idx="minor">
+            <a:schemeClr val="lt1"/>
+          </a:fontRef>
+        </p:style>
+        <p:txBody>
+          <a:bodyPr rtlCol="0" anchor="ctr"/>
+          <a:lstStyle/>
+          <a:p>
+            <a:r>
+              <a:rPr lang="en-US" sz="1400" dirty="0">
+                <a:solidFill>
+                  <a:srgbClr val="003766"/>
+                </a:solidFill>
+              </a:rPr>
+              <a:t>Klasyczne podejście (mRNA only):</a:t>
+            </a:r>
+          </a:p>
+          <a:p>
+            <a:pPr algn="ctr"/>
+            <a:endParaRPr lang="pl-PL" sz="1400" dirty="0">
+              <a:solidFill>
+                <a:srgbClr val="003766"/>
+              </a:solidFill>
+            </a:endParaRPr>
+          </a:p>
+          <a:p>
+            <a:pPr algn="ctr"/>
+            <a:r>
+              <a:rPr lang="en-US" sz="1600" b="1" dirty="0">
+                <a:solidFill>
+                  <a:srgbClr val="003766"/>
+                </a:solidFill>
+              </a:rPr>
+              <a:t>DNA ──</a:t>
+            </a:r>
+            <a:r>
+              <a:rPr lang="pl-PL" sz="1600" b="1" dirty="0">
+                <a:solidFill>
+                  <a:srgbClr val="003766"/>
+                </a:solidFill>
+              </a:rPr>
+              <a:t>  </a:t>
+            </a:r>
+            <a:r>
+              <a:rPr lang="en-US" sz="1600" b="1" dirty="0">
+                <a:solidFill>
+                  <a:srgbClr val="003766"/>
+                </a:solidFill>
+              </a:rPr>
+              <a:t>transcription</a:t>
+            </a:r>
+            <a:endParaRPr lang="pl-PL" sz="1600" b="1" dirty="0">
+              <a:solidFill>
+                <a:srgbClr val="003766"/>
+              </a:solidFill>
+            </a:endParaRPr>
+          </a:p>
+          <a:p>
+            <a:pPr algn="ctr"/>
+            <a:r>
+              <a:rPr lang="en-US" sz="1600" b="1" dirty="0">
+                <a:solidFill>
+                  <a:srgbClr val="003766"/>
+                </a:solidFill>
+              </a:rPr>
+              <a:t>↓</a:t>
+            </a:r>
+          </a:p>
+          <a:p>
+            <a:pPr algn="ctr"/>
+            <a:r>
+              <a:rPr lang="en-US" sz="1600" b="1" dirty="0">
+                <a:solidFill>
+                  <a:srgbClr val="003766"/>
+                </a:solidFill>
+              </a:rPr>
+              <a:t>mRNA</a:t>
+            </a:r>
+            <a:endParaRPr lang="pl-PL" sz="1600" b="1" dirty="0">
+              <a:solidFill>
+                <a:srgbClr val="003766"/>
+              </a:solidFill>
+            </a:endParaRPr>
+          </a:p>
+          <a:p>
+            <a:pPr algn="ctr"/>
+            <a:r>
+              <a:rPr lang="en-US" sz="1600" b="1" dirty="0">
+                <a:solidFill>
+                  <a:srgbClr val="003766"/>
+                </a:solidFill>
+              </a:rPr>
+              <a:t>↓</a:t>
+            </a:r>
+          </a:p>
+          <a:p>
+            <a:pPr algn="ctr"/>
+            <a:r>
+              <a:rPr lang="en-US" sz="1600" b="1" dirty="0">
+                <a:solidFill>
+                  <a:srgbClr val="003766"/>
+                </a:solidFill>
+              </a:rPr>
+              <a:t>Protein </a:t>
+            </a:r>
+          </a:p>
+          <a:p>
+            <a:endParaRPr lang="en-US" sz="1400" dirty="0">
+              <a:solidFill>
+                <a:srgbClr val="003766"/>
+              </a:solidFill>
+            </a:endParaRPr>
+          </a:p>
+          <a:p>
+            <a:r>
+              <a:rPr lang="en-US" sz="1400" dirty="0">
+                <a:solidFill>
+                  <a:srgbClr val="003766"/>
+                </a:solidFill>
+              </a:rPr>
+              <a:t>BŁĄD: Zakładamy</a:t>
+            </a:r>
+          </a:p>
+          <a:p>
+            <a:r>
+              <a:rPr lang="en-US" sz="1400" dirty="0">
+                <a:solidFill>
+                  <a:srgbClr val="003766"/>
+                </a:solidFill>
+              </a:rPr>
+              <a:t>mRNA = Protein</a:t>
+            </a:r>
+          </a:p>
+          <a:p>
+            <a:endParaRPr lang="en-US" sz="1400" dirty="0">
+              <a:solidFill>
+                <a:srgbClr val="003766"/>
+              </a:solidFill>
+            </a:endParaRPr>
+          </a:p>
+          <a:p>
+            <a:r>
+              <a:rPr lang="en-US" sz="1400" dirty="0">
+                <a:solidFill>
+                  <a:srgbClr val="003766"/>
+                </a:solidFill>
+              </a:rPr>
+              <a:t>RZECZYWISTOŚĆ:</a:t>
+            </a:r>
+          </a:p>
+          <a:p>
+            <a:r>
+              <a:rPr lang="en-US" sz="1400" dirty="0">
+                <a:solidFill>
+                  <a:srgbClr val="003766"/>
+                </a:solidFill>
+              </a:rPr>
+              <a:t>Spearman </a:t>
+            </a:r>
+            <a:r>
+              <a:rPr lang="el-GR" sz="1400" dirty="0">
+                <a:solidFill>
+                  <a:srgbClr val="003766"/>
+                </a:solidFill>
+              </a:rPr>
+              <a:t>ρ (</a:t>
+            </a:r>
+            <a:r>
+              <a:rPr lang="en-US" sz="1400" dirty="0">
+                <a:solidFill>
+                  <a:srgbClr val="003766"/>
+                </a:solidFill>
+              </a:rPr>
+              <a:t>mRNA vs Protein) = 0.3-0.4</a:t>
+            </a:r>
+          </a:p>
+          <a:p>
+            <a:r>
+              <a:rPr lang="en-US" sz="1400" dirty="0">
+                <a:solidFill>
+                  <a:srgbClr val="003766"/>
+                </a:solidFill>
+              </a:rPr>
+              <a:t>70% wariancji białka nie wyjaśnia się mRNA!</a:t>
+            </a:r>
+          </a:p>
+        </p:txBody>
+      </p:sp>
+      <p:sp>
+        <p:nvSpPr>
+          <p:cNvPr id="4" name="Prostokąt 3">
+            <a:extLst>
+              <a:ext uri="{FF2B5EF4-FFF2-40B4-BE49-F238E27FC236}">
+                <a16:creationId xmlns:a16="http://schemas.microsoft.com/office/drawing/2014/main" id="{9A11D0FC-C4FD-A30C-76B1-64C4FB4F4F57}"/>
+              </a:ext>
+            </a:extLst>
+          </p:cNvPr>
+          <p:cNvSpPr/>
+          <p:nvPr/>
+        </p:nvSpPr>
+        <p:spPr>
+          <a:xfrm>
+            <a:off x="6331128" y="2299297"/>
+            <a:ext cx="4295775" cy="3305174"/>
+          </a:xfrm>
+          <a:prstGeom prst="rect">
+            <a:avLst/>
+          </a:prstGeom>
+          <a:solidFill>
+            <a:schemeClr val="bg1">
+              <a:alpha val="6000"/>
+            </a:schemeClr>
+          </a:solidFill>
+        </p:spPr>
+        <p:style>
+          <a:lnRef idx="2">
+            <a:schemeClr val="accent1">
+              <a:shade val="15000"/>
+            </a:schemeClr>
+          </a:lnRef>
+          <a:fillRef idx="1">
+            <a:schemeClr val="accent1"/>
+          </a:fillRef>
+          <a:effectRef idx="0">
+            <a:schemeClr val="accent1"/>
+          </a:effectRef>
+          <a:fontRef idx="minor">
+            <a:schemeClr val="lt1"/>
+          </a:fontRef>
+        </p:style>
+        <p:txBody>
+          <a:bodyPr rtlCol="0" anchor="ctr"/>
+          <a:lstStyle/>
+          <a:p>
+            <a:r>
+              <a:rPr lang="en-US" sz="1400" dirty="0">
+                <a:solidFill>
+                  <a:srgbClr val="003766"/>
+                </a:solidFill>
+              </a:rPr>
+              <a:t>Nasz model (Post-transcriptional):</a:t>
+            </a:r>
+          </a:p>
+          <a:p>
+            <a:pPr algn="ctr"/>
+            <a:endParaRPr lang="en-US" sz="1400" dirty="0">
+              <a:solidFill>
+                <a:srgbClr val="003766"/>
+              </a:solidFill>
+            </a:endParaRPr>
+          </a:p>
+          <a:p>
+            <a:pPr algn="ctr"/>
+            <a:r>
+              <a:rPr lang="en-US" sz="1600" b="1" dirty="0">
+                <a:solidFill>
+                  <a:srgbClr val="003766"/>
+                </a:solidFill>
+              </a:rPr>
+              <a:t>DNA ──transcription</a:t>
+            </a:r>
+            <a:endParaRPr lang="pl-PL" sz="1600" b="1" dirty="0">
+              <a:solidFill>
+                <a:srgbClr val="003766"/>
+              </a:solidFill>
+            </a:endParaRPr>
+          </a:p>
+          <a:p>
+            <a:pPr algn="ctr"/>
+            <a:r>
+              <a:rPr lang="en-US" sz="1600" b="1" dirty="0">
+                <a:solidFill>
+                  <a:srgbClr val="003766"/>
+                </a:solidFill>
+              </a:rPr>
+              <a:t>↓</a:t>
+            </a:r>
+          </a:p>
+          <a:p>
+            <a:pPr algn="ctr"/>
+            <a:r>
+              <a:rPr lang="en-US" sz="1600" b="1" dirty="0">
+                <a:solidFill>
+                  <a:srgbClr val="003766"/>
+                </a:solidFill>
+              </a:rPr>
+              <a:t>mRNA</a:t>
+            </a:r>
+          </a:p>
+          <a:p>
+            <a:pPr algn="ctr"/>
+            <a:r>
+              <a:rPr lang="en-US" sz="1600" b="1" dirty="0">
+                <a:solidFill>
+                  <a:srgbClr val="003766"/>
+                </a:solidFill>
+              </a:rPr>
+              <a:t>↓</a:t>
+            </a:r>
+          </a:p>
+          <a:p>
+            <a:pPr algn="ctr"/>
+            <a:r>
+              <a:rPr lang="en-US" sz="1600" b="1" dirty="0">
+                <a:solidFill>
+                  <a:srgbClr val="003766"/>
+                </a:solidFill>
+              </a:rPr>
+              <a:t>miRNA (MISSING LAYER)</a:t>
+            </a:r>
+          </a:p>
+          <a:p>
+            <a:pPr algn="ctr"/>
+            <a:r>
+              <a:rPr lang="en-US" sz="1600" b="1" dirty="0">
+                <a:solidFill>
+                  <a:srgbClr val="003766"/>
+                </a:solidFill>
+              </a:rPr>
+              <a:t>    (miR-17, miR-20a, miR-210)</a:t>
+            </a:r>
+          </a:p>
+          <a:p>
+            <a:pPr algn="ctr"/>
+            <a:r>
+              <a:rPr lang="en-US" sz="1600" b="1" dirty="0">
+                <a:solidFill>
+                  <a:srgbClr val="003766"/>
+                </a:solidFill>
+              </a:rPr>
+              <a:t>↓</a:t>
+            </a:r>
+            <a:endParaRPr lang="pl-PL" sz="1600" b="1" dirty="0">
+              <a:solidFill>
+                <a:srgbClr val="003766"/>
+              </a:solidFill>
+            </a:endParaRPr>
+          </a:p>
+          <a:p>
+            <a:pPr algn="ctr"/>
+            <a:r>
+              <a:rPr lang="en-US" sz="1600" b="1" dirty="0">
+                <a:solidFill>
+                  <a:srgbClr val="003766"/>
+                </a:solidFill>
+              </a:rPr>
+              <a:t>Protein</a:t>
+            </a:r>
+          </a:p>
+          <a:p>
+            <a:endParaRPr lang="pl-PL" sz="1400" dirty="0">
+              <a:solidFill>
+                <a:srgbClr val="003766"/>
+              </a:solidFill>
+            </a:endParaRPr>
+          </a:p>
+          <a:p>
+            <a:endParaRPr lang="en-US" sz="1400" dirty="0">
+              <a:solidFill>
+                <a:srgbClr val="003766"/>
+              </a:solidFill>
+            </a:endParaRPr>
+          </a:p>
+          <a:p>
+            <a:r>
+              <a:rPr lang="en-US" sz="1400" dirty="0">
+                <a:solidFill>
+                  <a:srgbClr val="003766"/>
+                </a:solidFill>
+              </a:rPr>
+              <a:t>ESR1 protein pada mimo</a:t>
+            </a:r>
+            <a:r>
+              <a:rPr lang="pl-PL" sz="1400" dirty="0">
+                <a:solidFill>
+                  <a:srgbClr val="003766"/>
+                </a:solidFill>
+              </a:rPr>
+              <a:t>,</a:t>
+            </a:r>
+            <a:r>
+              <a:rPr lang="en-US" sz="1400" dirty="0">
+                <a:solidFill>
+                  <a:srgbClr val="003766"/>
+                </a:solidFill>
+              </a:rPr>
+              <a:t> że ESR1 mRNA jest!</a:t>
+            </a:r>
+          </a:p>
+          <a:p>
+            <a:r>
+              <a:rPr lang="en-US" sz="1400" dirty="0">
+                <a:solidFill>
+                  <a:srgbClr val="003766"/>
+                </a:solidFill>
+              </a:rPr>
+              <a:t>To wyjaśnia fenotyp "receptor-null"</a:t>
+            </a:r>
+          </a:p>
+        </p:txBody>
+      </p:sp>
+    </p:spTree>
+    <p:extLst>
+      <p:ext uri="{BB962C8B-B14F-4D97-AF65-F5344CB8AC3E}">
+        <p14:creationId xmlns:p14="http://schemas.microsoft.com/office/powerpoint/2010/main" val="2131093832"/>
+      </p:ext>
+    </p:extLst>
+  </p:cSld>
+  <p:clrMapOvr>
+    <a:masterClrMapping/>
+  </p:clrMapOvr>
+  <p:extLst>
+    <p:ext uri="{6950BFC3-D8DA-4A85-94F7-54DA5524770B}">
+      <p188:commentRel xmlns:p188="http://schemas.microsoft.com/office/powerpoint/2018/8/main" r:id="rId2"/>
+    </p:ext>
+  </p:extLst>
+</p:sld>
+</file>
+
+<file path=ppt/slides/slide4.xml><?xml version="1.0" encoding="utf-8"?>
+<p:sld xmlns:a="http://schemas.openxmlformats.org/drawingml/2006/main" xmlns:r="http://schemas.openxmlformats.org/officeDocument/2006/relationships" xmlns:p="http://schemas.openxmlformats.org/presentationml/2006/main">
+  <p:cSld>
+    <p:spTree>
+      <p:nvGrpSpPr>
+        <p:cNvPr id="1" name="">
+          <a:extLst>
+            <a:ext uri="{FF2B5EF4-FFF2-40B4-BE49-F238E27FC236}">
+              <a16:creationId xmlns:a16="http://schemas.microsoft.com/office/drawing/2014/main" id="{7D1509B3-8FDF-4C3A-5F9E-4F362D3BA8DB}"/>
+            </a:ext>
+          </a:extLst>
+        </p:cNvPr>
+        <p:cNvGrpSpPr/>
+        <p:nvPr/>
+      </p:nvGrpSpPr>
+      <p:grpSpPr>
+        <a:xfrm>
+          <a:off x="0" y="0"/>
+          <a:ext cx="0" cy="0"/>
+          <a:chOff x="0" y="0"/>
+          <a:chExt cx="0" cy="0"/>
+        </a:xfrm>
+      </p:grpSpPr>
+      <p:sp>
+        <p:nvSpPr>
+          <p:cNvPr id="2" name="Tytuł 1">
+            <a:extLst>
+              <a:ext uri="{FF2B5EF4-FFF2-40B4-BE49-F238E27FC236}">
+                <a16:creationId xmlns:a16="http://schemas.microsoft.com/office/drawing/2014/main" id="{496E19C6-4AA3-FC4F-650D-90C48136BD1E}"/>
+              </a:ext>
+            </a:extLst>
+          </p:cNvPr>
+          <p:cNvSpPr>
+            <a:spLocks noGrp="1"/>
+          </p:cNvSpPr>
+          <p:nvPr>
+            <p:ph type="title"/>
+          </p:nvPr>
+        </p:nvSpPr>
+        <p:spPr>
+          <a:xfrm>
+            <a:off x="5439105" y="420782"/>
+            <a:ext cx="6952586" cy="1199821"/>
+          </a:xfrm>
+        </p:spPr>
+        <p:txBody>
+          <a:bodyPr>
+            <a:noAutofit/>
+          </a:bodyPr>
+          <a:lstStyle/>
+          <a:p>
+            <a:r>
+              <a:rPr lang="pl-PL" sz="2800" b="1" i="0" dirty="0">
+                <a:solidFill>
+                  <a:schemeClr val="accent1">
+                    <a:lumMod val="50000"/>
+                  </a:schemeClr>
+                </a:solidFill>
+                <a:effectLst/>
+              </a:rPr>
+              <a:t>Dlaczego musimy patrzeć poniżej transkryptomu? </a:t>
+            </a:r>
+            <a:br>
+              <a:rPr lang="pl-PL" sz="2800" b="1" i="0" dirty="0">
+                <a:solidFill>
+                  <a:schemeClr val="accent1">
+                    <a:lumMod val="50000"/>
+                  </a:schemeClr>
+                </a:solidFill>
+                <a:effectLst/>
+              </a:rPr>
+            </a:br>
+            <a:r>
+              <a:rPr lang="pl-PL" sz="2800" b="1" i="0" dirty="0">
+                <a:solidFill>
+                  <a:schemeClr val="accent1">
+                    <a:lumMod val="50000"/>
+                  </a:schemeClr>
+                </a:solidFill>
+                <a:effectLst/>
+              </a:rPr>
+              <a:t>(DNA → RNA ≠ RNA → Białko)</a:t>
+            </a:r>
+            <a:endParaRPr lang="pl-PL" sz="2800" b="1" dirty="0">
+              <a:solidFill>
+                <a:schemeClr val="accent1">
+                  <a:lumMod val="50000"/>
+                </a:schemeClr>
+              </a:solidFill>
+            </a:endParaRPr>
+          </a:p>
+        </p:txBody>
+      </p:sp>
+      <p:pic>
+        <p:nvPicPr>
+          <p:cNvPr id="11" name="Symbol zastępczy zawartości 10" descr="Obraz zawierający zrzut ekranu, Czcionka, Grafika, tekst&#10;&#10;Opis wygenerowany automatycznie">
+            <a:extLst>
+              <a:ext uri="{FF2B5EF4-FFF2-40B4-BE49-F238E27FC236}">
+                <a16:creationId xmlns:a16="http://schemas.microsoft.com/office/drawing/2014/main" id="{BB526FFA-C830-9FE2-50DE-46C665589037}"/>
+              </a:ext>
+            </a:extLst>
+          </p:cNvPr>
+          <p:cNvPicPr>
+            <a:picLocks noGrp="1" noChangeAspect="1"/>
+          </p:cNvPicPr>
+          <p:nvPr>
+            <p:ph idx="1"/>
+          </p:nvPr>
+        </p:nvPicPr>
+        <p:blipFill>
+          <a:blip r:embed="rId3"/>
+          <a:stretch>
+            <a:fillRect/>
+          </a:stretch>
+        </p:blipFill>
+        <p:spPr>
+          <a:xfrm>
+            <a:off x="-479626" y="-1154976"/>
+            <a:ext cx="6150378" cy="4351338"/>
+          </a:xfrm>
+        </p:spPr>
+      </p:pic>
+      <p:cxnSp>
+        <p:nvCxnSpPr>
+          <p:cNvPr id="14" name="Łącznik prosty 13">
+            <a:extLst>
+              <a:ext uri="{FF2B5EF4-FFF2-40B4-BE49-F238E27FC236}">
+                <a16:creationId xmlns:a16="http://schemas.microsoft.com/office/drawing/2014/main" id="{5C648531-60CF-AB4F-8C68-3CDA70969D8F}"/>
+              </a:ext>
+            </a:extLst>
+          </p:cNvPr>
+          <p:cNvCxnSpPr/>
+          <p:nvPr/>
+        </p:nvCxnSpPr>
+        <p:spPr>
+          <a:xfrm>
+            <a:off x="5249917" y="630621"/>
+            <a:ext cx="0" cy="709448"/>
+          </a:xfrm>
+          <a:prstGeom prst="line">
+            <a:avLst/>
+          </a:prstGeom>
+          <a:ln>
+            <a:solidFill>
+              <a:srgbClr val="003766"/>
+            </a:solidFill>
+          </a:ln>
+          <a:effectLst>
+            <a:outerShdw blurRad="50800" dist="38100" dir="2700000" algn="tl" rotWithShape="0">
+              <a:prstClr val="black">
+                <a:alpha val="40000"/>
+              </a:prstClr>
+            </a:outerShdw>
+          </a:effectLst>
+        </p:spPr>
+        <p:style>
+          <a:lnRef idx="1">
+            <a:schemeClr val="accent1"/>
+          </a:lnRef>
+          <a:fillRef idx="0">
+            <a:schemeClr val="accent1"/>
+          </a:fillRef>
+          <a:effectRef idx="0">
+            <a:schemeClr val="accent1"/>
+          </a:effectRef>
+          <a:fontRef idx="minor">
+            <a:schemeClr val="tx1"/>
+          </a:fontRef>
+        </p:style>
+      </p:cxnSp>
+      <p:sp>
+        <p:nvSpPr>
+          <p:cNvPr id="4" name="Prostokąt 3">
+            <a:extLst>
+              <a:ext uri="{FF2B5EF4-FFF2-40B4-BE49-F238E27FC236}">
+                <a16:creationId xmlns:a16="http://schemas.microsoft.com/office/drawing/2014/main" id="{47406D56-C680-3A64-0286-856803D01B62}"/>
+              </a:ext>
+            </a:extLst>
+          </p:cNvPr>
+          <p:cNvSpPr/>
+          <p:nvPr/>
+        </p:nvSpPr>
+        <p:spPr>
+          <a:xfrm>
+            <a:off x="1070902" y="2416991"/>
+            <a:ext cx="4295775" cy="3305174"/>
+          </a:xfrm>
+          <a:prstGeom prst="rect">
+            <a:avLst/>
+          </a:prstGeom>
+          <a:solidFill>
+            <a:schemeClr val="bg1">
+              <a:alpha val="6000"/>
+            </a:schemeClr>
+          </a:solidFill>
+          <a:ln>
+            <a:solidFill>
+              <a:schemeClr val="bg1"/>
+            </a:solidFill>
+          </a:ln>
+        </p:spPr>
+        <p:style>
+          <a:lnRef idx="2">
+            <a:schemeClr val="accent1">
+              <a:shade val="15000"/>
+            </a:schemeClr>
+          </a:lnRef>
+          <a:fillRef idx="1">
+            <a:schemeClr val="accent1"/>
+          </a:fillRef>
+          <a:effectRef idx="0">
+            <a:schemeClr val="accent1"/>
+          </a:effectRef>
+          <a:fontRef idx="minor">
+            <a:schemeClr val="lt1"/>
+          </a:fontRef>
+        </p:style>
+        <p:txBody>
+          <a:bodyPr rtlCol="0" anchor="ctr"/>
+          <a:lstStyle/>
+          <a:p>
+            <a:r>
+              <a:rPr lang="en-US" sz="1400" dirty="0">
+                <a:solidFill>
+                  <a:srgbClr val="003766"/>
+                </a:solidFill>
+              </a:rPr>
+              <a:t>Nasz model (Post-transcriptional):</a:t>
+            </a:r>
+          </a:p>
+          <a:p>
+            <a:pPr algn="ctr"/>
+            <a:endParaRPr lang="en-US" sz="1400" dirty="0">
+              <a:solidFill>
+                <a:srgbClr val="003766"/>
+              </a:solidFill>
+            </a:endParaRPr>
+          </a:p>
+          <a:p>
+            <a:pPr algn="ctr"/>
+            <a:r>
+              <a:rPr lang="en-US" sz="1600" b="1" dirty="0">
+                <a:solidFill>
+                  <a:srgbClr val="003766"/>
+                </a:solidFill>
+              </a:rPr>
+              <a:t>DNA ──transcription</a:t>
+            </a:r>
+            <a:endParaRPr lang="pl-PL" sz="1600" b="1" dirty="0">
+              <a:solidFill>
+                <a:srgbClr val="003766"/>
+              </a:solidFill>
+            </a:endParaRPr>
+          </a:p>
+          <a:p>
+            <a:pPr algn="ctr"/>
+            <a:r>
+              <a:rPr lang="en-US" sz="1600" b="1" dirty="0">
+                <a:solidFill>
+                  <a:srgbClr val="003766"/>
+                </a:solidFill>
+              </a:rPr>
+              <a:t>↓</a:t>
+            </a:r>
+          </a:p>
+          <a:p>
+            <a:pPr algn="ctr"/>
+            <a:r>
+              <a:rPr lang="en-US" sz="1600" b="1" dirty="0">
+                <a:solidFill>
+                  <a:srgbClr val="003766"/>
+                </a:solidFill>
+              </a:rPr>
+              <a:t>mRNA</a:t>
+            </a:r>
+          </a:p>
+          <a:p>
+            <a:pPr algn="ctr"/>
+            <a:r>
+              <a:rPr lang="en-US" sz="1600" b="1" dirty="0">
+                <a:solidFill>
+                  <a:srgbClr val="003766"/>
+                </a:solidFill>
+              </a:rPr>
+              <a:t>↓</a:t>
+            </a:r>
+          </a:p>
+          <a:p>
+            <a:pPr algn="ctr"/>
+            <a:r>
+              <a:rPr lang="en-US" sz="1600" b="1" dirty="0">
+                <a:solidFill>
+                  <a:srgbClr val="003766"/>
+                </a:solidFill>
+              </a:rPr>
+              <a:t>miRNA (MISSING LAYER)</a:t>
+            </a:r>
+          </a:p>
+          <a:p>
+            <a:pPr algn="ctr"/>
+            <a:r>
+              <a:rPr lang="en-US" sz="1600" b="1" dirty="0">
+                <a:solidFill>
+                  <a:srgbClr val="003766"/>
+                </a:solidFill>
+              </a:rPr>
+              <a:t>    (miR-17, miR-20a, miR-210)</a:t>
+            </a:r>
+          </a:p>
+          <a:p>
+            <a:pPr algn="ctr"/>
+            <a:r>
+              <a:rPr lang="en-US" sz="1600" b="1" dirty="0">
+                <a:solidFill>
+                  <a:srgbClr val="003766"/>
+                </a:solidFill>
+              </a:rPr>
+              <a:t>↓</a:t>
+            </a:r>
+            <a:endParaRPr lang="pl-PL" sz="1600" b="1" dirty="0">
+              <a:solidFill>
+                <a:srgbClr val="003766"/>
+              </a:solidFill>
+            </a:endParaRPr>
+          </a:p>
+          <a:p>
+            <a:pPr algn="ctr"/>
+            <a:r>
+              <a:rPr lang="en-US" sz="1600" b="1" dirty="0">
+                <a:solidFill>
+                  <a:srgbClr val="003766"/>
+                </a:solidFill>
+              </a:rPr>
+              <a:t>Protein</a:t>
+            </a:r>
+          </a:p>
+          <a:p>
+            <a:endParaRPr lang="pl-PL" sz="1400" dirty="0">
+              <a:solidFill>
+                <a:srgbClr val="003766"/>
+              </a:solidFill>
+            </a:endParaRPr>
+          </a:p>
+          <a:p>
+            <a:endParaRPr lang="en-US" sz="1400" dirty="0">
+              <a:solidFill>
+                <a:srgbClr val="003766"/>
+              </a:solidFill>
+            </a:endParaRPr>
+          </a:p>
+          <a:p>
+            <a:r>
+              <a:rPr lang="en-US" sz="1400" dirty="0">
+                <a:solidFill>
+                  <a:srgbClr val="003766"/>
+                </a:solidFill>
+              </a:rPr>
+              <a:t>ESR1 protein pada mimo</a:t>
+            </a:r>
+            <a:r>
+              <a:rPr lang="pl-PL" sz="1400" dirty="0">
+                <a:solidFill>
+                  <a:srgbClr val="003766"/>
+                </a:solidFill>
+              </a:rPr>
+              <a:t>,</a:t>
+            </a:r>
+            <a:r>
+              <a:rPr lang="en-US" sz="1400" dirty="0">
+                <a:solidFill>
+                  <a:srgbClr val="003766"/>
+                </a:solidFill>
+              </a:rPr>
+              <a:t> że ESR1 mRNA jest!</a:t>
+            </a:r>
+          </a:p>
+          <a:p>
+            <a:r>
+              <a:rPr lang="en-US" sz="1400" dirty="0">
+                <a:solidFill>
+                  <a:srgbClr val="003766"/>
+                </a:solidFill>
+              </a:rPr>
+              <a:t>To wyjaśnia fenotyp "receptor-null"</a:t>
+            </a:r>
+          </a:p>
+        </p:txBody>
+      </p:sp>
+      <p:sp>
+        <p:nvSpPr>
+          <p:cNvPr id="5" name="Prostokąt 4">
+            <a:extLst>
+              <a:ext uri="{FF2B5EF4-FFF2-40B4-BE49-F238E27FC236}">
+                <a16:creationId xmlns:a16="http://schemas.microsoft.com/office/drawing/2014/main" id="{781F4622-8B27-30F6-F3A3-96B47281F517}"/>
+              </a:ext>
+            </a:extLst>
+          </p:cNvPr>
+          <p:cNvSpPr/>
+          <p:nvPr/>
+        </p:nvSpPr>
+        <p:spPr>
+          <a:xfrm>
+            <a:off x="6521250" y="2048593"/>
+            <a:ext cx="4114799" cy="4041970"/>
+          </a:xfrm>
+          <a:prstGeom prst="rect">
+            <a:avLst/>
+          </a:prstGeom>
+          <a:solidFill>
+            <a:schemeClr val="bg1">
+              <a:alpha val="6000"/>
+            </a:schemeClr>
+          </a:solidFill>
+          <a:ln>
+            <a:solidFill>
+              <a:schemeClr val="bg1"/>
+            </a:solidFill>
+          </a:ln>
+        </p:spPr>
+        <p:style>
+          <a:lnRef idx="2">
+            <a:schemeClr val="accent1">
+              <a:shade val="15000"/>
+            </a:schemeClr>
+          </a:lnRef>
+          <a:fillRef idx="1">
+            <a:schemeClr val="accent1"/>
+          </a:fillRef>
+          <a:effectRef idx="0">
+            <a:schemeClr val="accent1"/>
+          </a:effectRef>
+          <a:fontRef idx="minor">
+            <a:schemeClr val="lt1"/>
+          </a:fontRef>
+        </p:style>
+        <p:txBody>
+          <a:bodyPr rtlCol="0" anchor="ctr"/>
+          <a:lstStyle/>
+          <a:p>
+            <a:r>
+              <a:rPr lang="en-US" sz="1600" b="1" dirty="0">
+                <a:solidFill>
+                  <a:srgbClr val="003766"/>
+                </a:solidFill>
+              </a:rPr>
+              <a:t>DANE I METODY:</a:t>
+            </a:r>
+          </a:p>
+          <a:p>
+            <a:r>
+              <a:rPr lang="en-US" sz="1600" dirty="0">
+                <a:solidFill>
+                  <a:srgbClr val="003766"/>
+                </a:solidFill>
+              </a:rPr>
+              <a:t>Źródło: The Cancer Genome Atlas (TCGA)</a:t>
+            </a:r>
+          </a:p>
+          <a:p>
+            <a:r>
+              <a:rPr lang="en-US" sz="1600" dirty="0">
+                <a:solidFill>
+                  <a:srgbClr val="003766"/>
+                </a:solidFill>
+              </a:rPr>
+              <a:t>N = 1,217 próbek</a:t>
+            </a:r>
+          </a:p>
+          <a:p>
+            <a:endParaRPr lang="en-US" sz="1600" dirty="0">
+              <a:solidFill>
+                <a:srgbClr val="003766"/>
+              </a:solidFill>
+            </a:endParaRPr>
+          </a:p>
+          <a:p>
+            <a:r>
+              <a:rPr lang="en-US" sz="1600" dirty="0">
+                <a:solidFill>
+                  <a:srgbClr val="003766"/>
+                </a:solidFill>
+              </a:rPr>
+              <a:t>3 warstwy danych:</a:t>
+            </a:r>
+          </a:p>
+          <a:p>
+            <a:r>
+              <a:rPr lang="en-US" sz="1600" dirty="0">
+                <a:solidFill>
+                  <a:srgbClr val="003766"/>
+                </a:solidFill>
+              </a:rPr>
+              <a:t>• RNA-seq (mRNA)</a:t>
+            </a:r>
+          </a:p>
+          <a:p>
+            <a:r>
+              <a:rPr lang="en-US" sz="1600" dirty="0">
+                <a:solidFill>
+                  <a:srgbClr val="003766"/>
+                </a:solidFill>
+              </a:rPr>
+              <a:t>• RPPA (białka)</a:t>
+            </a:r>
+          </a:p>
+          <a:p>
+            <a:r>
+              <a:rPr lang="en-US" sz="1600" dirty="0">
+                <a:solidFill>
+                  <a:srgbClr val="003766"/>
+                </a:solidFill>
+              </a:rPr>
+              <a:t>• miRNA-seq (regulatory RNA)</a:t>
+            </a:r>
+          </a:p>
+          <a:p>
+            <a:endParaRPr lang="en-US" sz="1600" dirty="0">
+              <a:solidFill>
+                <a:srgbClr val="003766"/>
+              </a:solidFill>
+            </a:endParaRPr>
+          </a:p>
+          <a:p>
+            <a:r>
+              <a:rPr lang="en-US" sz="1600" dirty="0">
+                <a:solidFill>
+                  <a:srgbClr val="003766"/>
+                </a:solidFill>
+              </a:rPr>
+              <a:t>ANALIZA:</a:t>
+            </a:r>
+          </a:p>
+          <a:p>
+            <a:r>
+              <a:rPr lang="en-US" sz="1600" dirty="0">
+                <a:solidFill>
+                  <a:srgbClr val="003766"/>
+                </a:solidFill>
+              </a:rPr>
+              <a:t>→ Limma (DE analysis)</a:t>
+            </a:r>
+          </a:p>
+          <a:p>
+            <a:r>
+              <a:rPr lang="en-US" sz="1600" dirty="0">
+                <a:solidFill>
+                  <a:srgbClr val="003766"/>
+                </a:solidFill>
+              </a:rPr>
+              <a:t>→ Spearman (correlation)</a:t>
+            </a:r>
+          </a:p>
+          <a:p>
+            <a:r>
+              <a:rPr lang="en-US" sz="1600" dirty="0">
+                <a:solidFill>
+                  <a:srgbClr val="003766"/>
+                </a:solidFill>
+              </a:rPr>
+              <a:t>→ Consensus miRNA prediction</a:t>
+            </a:r>
+          </a:p>
+          <a:p>
+            <a:r>
+              <a:rPr lang="en-US" sz="1600" dirty="0">
+                <a:solidFill>
+                  <a:srgbClr val="003766"/>
+                </a:solidFill>
+              </a:rPr>
+              <a:t>→ Cox model (survival)</a:t>
+            </a:r>
+          </a:p>
+          <a:p>
+            <a:r>
+              <a:rPr lang="en-US" sz="1600" dirty="0">
+                <a:solidFill>
+                  <a:srgbClr val="003766"/>
+                </a:solidFill>
+              </a:rPr>
+              <a:t>→ Internal validation (70/30 split)</a:t>
+            </a:r>
+          </a:p>
+        </p:txBody>
+      </p:sp>
+    </p:spTree>
+    <p:extLst>
+      <p:ext uri="{BB962C8B-B14F-4D97-AF65-F5344CB8AC3E}">
+        <p14:creationId xmlns:p14="http://schemas.microsoft.com/office/powerpoint/2010/main" val="321181792"/>
+      </p:ext>
+    </p:extLst>
+  </p:cSld>
+  <p:clrMapOvr>
+    <a:masterClrMapping/>
+  </p:clrMapOvr>
+  <p:extLst>
+    <p:ext uri="{6950BFC3-D8DA-4A85-94F7-54DA5524770B}">
+      <p188:commentRel xmlns:p188="http://schemas.microsoft.com/office/powerpoint/2018/8/main" r:id="rId2"/>
+    </p:ext>
+  </p:extLst>
+</p:sld>
+</file>
+
+<file path=ppt/slides/slide5.xml><?xml version="1.0" encoding="utf-8"?>
+<p:sld xmlns:a="http://schemas.openxmlformats.org/drawingml/2006/main" xmlns:r="http://schemas.openxmlformats.org/officeDocument/2006/relationships" xmlns:p="http://schemas.openxmlformats.org/presentationml/2006/main">
+  <p:cSld>
+    <p:spTree>
+      <p:nvGrpSpPr>
+        <p:cNvPr id="1" name=""/>
+        <p:cNvGrpSpPr/>
+        <p:nvPr/>
+      </p:nvGrpSpPr>
+      <p:grpSpPr>
+        <a:xfrm>
+          <a:off x="0" y="0"/>
+          <a:ext cx="0" cy="0"/>
+          <a:chOff x="0" y="0"/>
+          <a:chExt cx="0" cy="0"/>
+        </a:xfrm>
+      </p:grpSpPr>
+      <p:sp>
+        <p:nvSpPr>
+          <p:cNvPr id="2" name="Tytuł 1">
+            <a:extLst>
+              <a:ext uri="{FF2B5EF4-FFF2-40B4-BE49-F238E27FC236}">
+                <a16:creationId xmlns:a16="http://schemas.microsoft.com/office/drawing/2014/main" id="{F9738B88-3C9E-334E-C76D-CF3A7D99DA9A}"/>
+              </a:ext>
+            </a:extLst>
+          </p:cNvPr>
+          <p:cNvSpPr>
+            <a:spLocks noGrp="1"/>
+          </p:cNvSpPr>
+          <p:nvPr>
+            <p:ph type="title"/>
+          </p:nvPr>
+        </p:nvSpPr>
+        <p:spPr>
+          <a:xfrm>
+            <a:off x="5078467" y="420781"/>
+            <a:ext cx="7178566" cy="1199821"/>
+          </a:xfrm>
+        </p:spPr>
+        <p:txBody>
+          <a:bodyPr>
+            <a:normAutofit/>
+          </a:bodyPr>
+          <a:lstStyle/>
+          <a:p>
+            <a:r>
+              <a:rPr lang="pl-PL" sz="2800" b="1" dirty="0" err="1">
+                <a:solidFill>
+                  <a:schemeClr val="accent1">
+                    <a:lumMod val="50000"/>
+                  </a:schemeClr>
+                </a:solidFill>
+              </a:rPr>
+              <a:t>miRNA</a:t>
+            </a:r>
+            <a:r>
+              <a:rPr lang="pl-PL" sz="2800" b="1" dirty="0">
+                <a:solidFill>
+                  <a:schemeClr val="accent1">
+                    <a:lumMod val="50000"/>
+                  </a:schemeClr>
+                </a:solidFill>
+              </a:rPr>
+              <a:t>-zależna supresja osi FOXA1/ESR1 w TNBC</a:t>
+            </a:r>
+          </a:p>
+        </p:txBody>
+      </p:sp>
+      <p:pic>
+        <p:nvPicPr>
+          <p:cNvPr id="11" name="Symbol zastępczy zawartości 10" descr="Obraz zawierający zrzut ekranu, Czcionka, Grafika, tekst&#10;&#10;Opis wygenerowany automatycznie">
+            <a:extLst>
+              <a:ext uri="{FF2B5EF4-FFF2-40B4-BE49-F238E27FC236}">
+                <a16:creationId xmlns:a16="http://schemas.microsoft.com/office/drawing/2014/main" id="{46D80C71-A10F-D7AA-EE52-6D9F4EDE7A51}"/>
+              </a:ext>
+            </a:extLst>
+          </p:cNvPr>
+          <p:cNvPicPr>
+            <a:picLocks noGrp="1" noChangeAspect="1"/>
+          </p:cNvPicPr>
+          <p:nvPr>
+            <p:ph idx="1"/>
+          </p:nvPr>
+        </p:nvPicPr>
+        <p:blipFill>
+          <a:blip r:embed="rId4"/>
+          <a:stretch>
+            <a:fillRect/>
+          </a:stretch>
+        </p:blipFill>
+        <p:spPr>
+          <a:xfrm>
+            <a:off x="-479626" y="-1154976"/>
+            <a:ext cx="6150378" cy="4351338"/>
+          </a:xfrm>
+        </p:spPr>
+      </p:pic>
+      <p:cxnSp>
+        <p:nvCxnSpPr>
+          <p:cNvPr id="14" name="Łącznik prosty 13">
+            <a:extLst>
+              <a:ext uri="{FF2B5EF4-FFF2-40B4-BE49-F238E27FC236}">
+                <a16:creationId xmlns:a16="http://schemas.microsoft.com/office/drawing/2014/main" id="{F4B14A33-E755-D357-DC4E-5CF0312101D4}"/>
+              </a:ext>
+            </a:extLst>
+          </p:cNvPr>
+          <p:cNvCxnSpPr/>
+          <p:nvPr/>
+        </p:nvCxnSpPr>
+        <p:spPr>
+          <a:xfrm>
+            <a:off x="5078467" y="665968"/>
+            <a:ext cx="0" cy="709448"/>
+          </a:xfrm>
+          <a:prstGeom prst="line">
+            <a:avLst/>
+          </a:prstGeom>
+          <a:ln>
+            <a:solidFill>
+              <a:srgbClr val="003766"/>
+            </a:solidFill>
+          </a:ln>
+          <a:effectLst>
+            <a:outerShdw blurRad="50800" dist="38100" dir="2700000" algn="tl" rotWithShape="0">
+              <a:prstClr val="black">
+                <a:alpha val="40000"/>
+              </a:prstClr>
+            </a:outerShdw>
+          </a:effectLst>
+        </p:spPr>
+        <p:style>
+          <a:lnRef idx="1">
+            <a:schemeClr val="accent1"/>
+          </a:lnRef>
+          <a:fillRef idx="0">
+            <a:schemeClr val="accent1"/>
+          </a:fillRef>
+          <a:effectRef idx="0">
+            <a:schemeClr val="accent1"/>
+          </a:effectRef>
+          <a:fontRef idx="minor">
+            <a:schemeClr val="tx1"/>
+          </a:fontRef>
+        </p:style>
+      </p:cxnSp>
+      <p:pic>
+        <p:nvPicPr>
+          <p:cNvPr id="8" name="Obraz 7">
+            <a:extLst>
+              <a:ext uri="{FF2B5EF4-FFF2-40B4-BE49-F238E27FC236}">
+                <a16:creationId xmlns:a16="http://schemas.microsoft.com/office/drawing/2014/main" id="{26F8F021-0F03-37A9-6FB9-6DFDDA352830}"/>
+              </a:ext>
+            </a:extLst>
+          </p:cNvPr>
+          <p:cNvPicPr>
+            <a:picLocks noChangeAspect="1"/>
+          </p:cNvPicPr>
+          <p:nvPr/>
+        </p:nvPicPr>
+        <p:blipFill>
+          <a:blip r:embed="rId5"/>
+          <a:stretch>
+            <a:fillRect/>
+          </a:stretch>
+        </p:blipFill>
+        <p:spPr>
+          <a:xfrm>
+            <a:off x="0" y="2027371"/>
+            <a:ext cx="4358048" cy="3268536"/>
+          </a:xfrm>
+          <a:prstGeom prst="rect">
+            <a:avLst/>
+          </a:prstGeom>
+        </p:spPr>
+      </p:pic>
+      <p:sp>
+        <p:nvSpPr>
+          <p:cNvPr id="10" name="Prostokąt 9">
+            <a:extLst>
+              <a:ext uri="{FF2B5EF4-FFF2-40B4-BE49-F238E27FC236}">
+                <a16:creationId xmlns:a16="http://schemas.microsoft.com/office/drawing/2014/main" id="{7F7E1DE7-3389-3646-F7AD-7FD70E6B214C}"/>
+              </a:ext>
+            </a:extLst>
+          </p:cNvPr>
+          <p:cNvSpPr/>
+          <p:nvPr/>
+        </p:nvSpPr>
+        <p:spPr>
+          <a:xfrm>
+            <a:off x="9119215" y="2756820"/>
+            <a:ext cx="2691785" cy="2148555"/>
+          </a:xfrm>
+          <a:prstGeom prst="rect">
+            <a:avLst/>
+          </a:prstGeom>
+          <a:solidFill>
+            <a:schemeClr val="bg1">
+              <a:alpha val="6000"/>
+            </a:schemeClr>
+          </a:solidFill>
+          <a:ln>
+            <a:noFill/>
+          </a:ln>
+        </p:spPr>
+        <p:style>
+          <a:lnRef idx="2">
+            <a:schemeClr val="accent1">
+              <a:shade val="15000"/>
+            </a:schemeClr>
+          </a:lnRef>
+          <a:fillRef idx="1">
+            <a:schemeClr val="accent1"/>
+          </a:fillRef>
+          <a:effectRef idx="0">
+            <a:schemeClr val="accent1"/>
+          </a:effectRef>
+          <a:fontRef idx="minor">
+            <a:schemeClr val="lt1"/>
+          </a:fontRef>
+        </p:style>
+        <p:txBody>
+          <a:bodyPr numCol="1" rtlCol="0" anchor="ctr"/>
+          <a:lstStyle/>
+          <a:p>
+            <a:r>
+              <a:rPr lang="en-US" sz="1200" b="1" dirty="0">
+                <a:solidFill>
+                  <a:srgbClr val="2ECC71"/>
+                </a:solidFill>
+              </a:rPr>
+              <a:t>LUMINAL A (Healthy):</a:t>
+            </a:r>
+          </a:p>
+          <a:p>
+            <a:r>
+              <a:rPr lang="en-US" sz="1200" dirty="0">
+                <a:solidFill>
+                  <a:srgbClr val="003766"/>
+                </a:solidFill>
+              </a:rPr>
+              <a:t>Nucleus: FOXA1 ✓ ESR1 ✓</a:t>
+            </a:r>
+          </a:p>
+          <a:p>
+            <a:r>
+              <a:rPr lang="en-US" sz="1200" dirty="0">
+                <a:solidFill>
+                  <a:srgbClr val="003766"/>
+                </a:solidFill>
+              </a:rPr>
+              <a:t>miRNA: miR-17/20a/210 LOW</a:t>
+            </a:r>
+          </a:p>
+          <a:p>
+            <a:r>
+              <a:rPr lang="en-US" sz="1200" dirty="0">
+                <a:solidFill>
+                  <a:srgbClr val="003766"/>
+                </a:solidFill>
+              </a:rPr>
+              <a:t>Outcome: ER-driven transcription</a:t>
+            </a:r>
+          </a:p>
+          <a:p>
+            <a:r>
+              <a:rPr lang="en-US" sz="1200" dirty="0">
+                <a:solidFill>
+                  <a:srgbClr val="003766"/>
+                </a:solidFill>
+              </a:rPr>
+              <a:t>Phenotype: </a:t>
+            </a:r>
+            <a:r>
+              <a:rPr lang="en-US" sz="1200" b="1" dirty="0">
+                <a:solidFill>
+                  <a:srgbClr val="003766"/>
+                </a:solidFill>
+              </a:rPr>
+              <a:t>HORMONALLY RESPONSIVE</a:t>
+            </a:r>
+          </a:p>
+          <a:p>
+            <a:r>
+              <a:rPr lang="en-US" sz="1200" dirty="0">
+                <a:solidFill>
+                  <a:srgbClr val="003766"/>
+                </a:solidFill>
+              </a:rPr>
+              <a:t>Survival: </a:t>
+            </a:r>
+            <a:r>
+              <a:rPr lang="en-US" sz="1200" b="1" dirty="0">
+                <a:solidFill>
+                  <a:srgbClr val="2ECC71"/>
+                </a:solidFill>
+              </a:rPr>
+              <a:t>92%</a:t>
+            </a:r>
+          </a:p>
+          <a:p>
+            <a:pPr algn="just"/>
+            <a:endParaRPr lang="pl-PL" sz="1200" b="1" dirty="0">
+              <a:solidFill>
+                <a:srgbClr val="E74C3C"/>
+              </a:solidFill>
+            </a:endParaRPr>
+          </a:p>
+          <a:p>
+            <a:pPr algn="just"/>
+            <a:endParaRPr lang="pl-PL" sz="1200" b="1" dirty="0">
+              <a:solidFill>
+                <a:srgbClr val="E74C3C"/>
+              </a:solidFill>
+            </a:endParaRPr>
+          </a:p>
+          <a:p>
+            <a:pPr algn="just"/>
+            <a:r>
+              <a:rPr lang="en-US" sz="1200" b="1" dirty="0">
+                <a:solidFill>
+                  <a:srgbClr val="E74C3C"/>
+                </a:solidFill>
+              </a:rPr>
+              <a:t>BASAL-LIKE (Tumor):</a:t>
+            </a:r>
+          </a:p>
+          <a:p>
+            <a:pPr algn="just"/>
+            <a:r>
+              <a:rPr lang="en-US" sz="1200" dirty="0">
+                <a:solidFill>
+                  <a:srgbClr val="003766"/>
+                </a:solidFill>
+              </a:rPr>
+              <a:t>Nucleus: FOXA1 ✗ ESR1 ✗</a:t>
+            </a:r>
+          </a:p>
+          <a:p>
+            <a:pPr algn="just"/>
+            <a:r>
+              <a:rPr lang="en-US" sz="1200" dirty="0">
+                <a:solidFill>
+                  <a:srgbClr val="003766"/>
+                </a:solidFill>
+              </a:rPr>
+              <a:t>miRNA: miR-17/20a/210 HIGH </a:t>
+            </a:r>
+            <a:r>
+              <a:rPr lang="en-US" sz="1200" b="1" dirty="0">
+                <a:solidFill>
+                  <a:srgbClr val="003766"/>
+                </a:solidFill>
+              </a:rPr>
+              <a:t>↑</a:t>
+            </a:r>
+            <a:endParaRPr lang="en-US" sz="1200" dirty="0">
+              <a:solidFill>
+                <a:srgbClr val="003766"/>
+              </a:solidFill>
+            </a:endParaRPr>
+          </a:p>
+          <a:p>
+            <a:pPr algn="just"/>
+            <a:r>
+              <a:rPr lang="en-US" sz="1200" dirty="0">
+                <a:solidFill>
+                  <a:srgbClr val="003766"/>
+                </a:solidFill>
+              </a:rPr>
+              <a:t>Mechanism: miR-17 binds ESR1 3'UTR</a:t>
+            </a:r>
+          </a:p>
+          <a:p>
+            <a:pPr algn="just"/>
+            <a:r>
+              <a:rPr lang="en-US" sz="1200" dirty="0">
+                <a:solidFill>
+                  <a:srgbClr val="003766"/>
+                </a:solidFill>
+              </a:rPr>
+              <a:t>          → Degrades mRNA</a:t>
+            </a:r>
+          </a:p>
+          <a:p>
+            <a:pPr algn="just"/>
+            <a:r>
+              <a:rPr lang="en-US" sz="1200" dirty="0">
+                <a:solidFill>
+                  <a:srgbClr val="003766"/>
+                </a:solidFill>
+              </a:rPr>
+              <a:t>          → No protein synthesis</a:t>
+            </a:r>
+          </a:p>
+          <a:p>
+            <a:pPr algn="just"/>
+            <a:r>
+              <a:rPr lang="en-US" sz="1200" dirty="0">
+                <a:solidFill>
+                  <a:srgbClr val="003766"/>
+                </a:solidFill>
+              </a:rPr>
+              <a:t>Outcome: ER-silenced</a:t>
+            </a:r>
+            <a:r>
+              <a:rPr lang="pl-PL" sz="1200" dirty="0">
+                <a:solidFill>
+                  <a:srgbClr val="003766"/>
+                </a:solidFill>
+              </a:rPr>
+              <a:t> </a:t>
+            </a:r>
+            <a:endParaRPr lang="en-US" sz="1200" dirty="0">
+              <a:solidFill>
+                <a:srgbClr val="003766"/>
+              </a:solidFill>
+            </a:endParaRPr>
+          </a:p>
+          <a:p>
+            <a:pPr algn="just"/>
+            <a:r>
+              <a:rPr lang="en-US" sz="1200" dirty="0">
+                <a:solidFill>
+                  <a:srgbClr val="003766"/>
+                </a:solidFill>
+              </a:rPr>
+              <a:t>Phenotype: </a:t>
+            </a:r>
+            <a:r>
+              <a:rPr lang="en-US" sz="1200" b="1" dirty="0">
+                <a:solidFill>
+                  <a:srgbClr val="003766"/>
+                </a:solidFill>
+              </a:rPr>
+              <a:t>AGGRESSIVE, THERAPY-RESISTANT</a:t>
+            </a:r>
+          </a:p>
+          <a:p>
+            <a:pPr algn="just"/>
+            <a:r>
+              <a:rPr lang="en-US" sz="1200" dirty="0">
+                <a:solidFill>
+                  <a:srgbClr val="003766"/>
+                </a:solidFill>
+              </a:rPr>
+              <a:t>Survival: </a:t>
+            </a:r>
+            <a:r>
+              <a:rPr lang="en-US" sz="1200" b="1" dirty="0">
+                <a:solidFill>
+                  <a:srgbClr val="E74C3C"/>
+                </a:solidFill>
+              </a:rPr>
+              <a:t>28%</a:t>
+            </a:r>
+          </a:p>
+        </p:txBody>
+      </p:sp>
+      <p:sp>
+        <p:nvSpPr>
+          <p:cNvPr id="12" name="Prostokąt 11">
+            <a:extLst>
+              <a:ext uri="{FF2B5EF4-FFF2-40B4-BE49-F238E27FC236}">
+                <a16:creationId xmlns:a16="http://schemas.microsoft.com/office/drawing/2014/main" id="{4F459B49-778C-CABC-820D-51174B6E19D6}"/>
+              </a:ext>
+            </a:extLst>
+          </p:cNvPr>
+          <p:cNvSpPr/>
+          <p:nvPr/>
+        </p:nvSpPr>
+        <p:spPr>
+          <a:xfrm>
+            <a:off x="352426" y="5741709"/>
+            <a:ext cx="11763374" cy="801757"/>
+          </a:xfrm>
+          <a:prstGeom prst="rect">
+            <a:avLst/>
+          </a:prstGeom>
+          <a:solidFill>
+            <a:schemeClr val="bg1">
+              <a:alpha val="6000"/>
+            </a:schemeClr>
+          </a:solidFill>
+          <a:ln>
+            <a:solidFill>
+              <a:schemeClr val="bg1"/>
+            </a:solidFill>
+          </a:ln>
+        </p:spPr>
+        <p:style>
+          <a:lnRef idx="2">
+            <a:schemeClr val="accent1">
+              <a:shade val="15000"/>
+            </a:schemeClr>
+          </a:lnRef>
+          <a:fillRef idx="1">
+            <a:schemeClr val="accent1"/>
+          </a:fillRef>
+          <a:effectRef idx="0">
+            <a:schemeClr val="accent1"/>
+          </a:effectRef>
+          <a:fontRef idx="minor">
+            <a:schemeClr val="lt1"/>
+          </a:fontRef>
+        </p:style>
+        <p:txBody>
+          <a:bodyPr rtlCol="0" anchor="ctr"/>
+          <a:lstStyle/>
+          <a:p>
+            <a:pPr algn="ctr"/>
+            <a:r>
+              <a:rPr lang="pl-PL" sz="1600" dirty="0">
+                <a:solidFill>
+                  <a:srgbClr val="003766"/>
+                </a:solidFill>
+              </a:rPr>
+              <a:t>Basal-like nowotwory charakteryzują się podwyższonym poziomem miRNA, które aktywnie wyciszają oś FOXA1/ESR1, </a:t>
+            </a:r>
+          </a:p>
+          <a:p>
+            <a:pPr algn="ctr"/>
+            <a:r>
+              <a:rPr lang="pl-PL" sz="1600" dirty="0">
+                <a:solidFill>
+                  <a:srgbClr val="003766"/>
+                </a:solidFill>
+              </a:rPr>
+              <a:t>prowadząc do fenotypu receptor-</a:t>
+            </a:r>
+            <a:r>
+              <a:rPr lang="pl-PL" sz="1600" dirty="0" err="1">
+                <a:solidFill>
+                  <a:srgbClr val="003766"/>
+                </a:solidFill>
+              </a:rPr>
+              <a:t>negative</a:t>
+            </a:r>
+            <a:r>
+              <a:rPr lang="pl-PL" sz="1600" dirty="0">
+                <a:solidFill>
+                  <a:srgbClr val="003766"/>
+                </a:solidFill>
+              </a:rPr>
+              <a:t>.</a:t>
+            </a:r>
+            <a:endParaRPr lang="pl-PL" sz="1600" b="1" dirty="0">
+              <a:solidFill>
+                <a:srgbClr val="003766"/>
+              </a:solidFill>
+            </a:endParaRPr>
+          </a:p>
+        </p:txBody>
+      </p:sp>
+      <p:pic>
+        <p:nvPicPr>
+          <p:cNvPr id="15" name="Obraz 14">
+            <a:extLst>
+              <a:ext uri="{FF2B5EF4-FFF2-40B4-BE49-F238E27FC236}">
+                <a16:creationId xmlns:a16="http://schemas.microsoft.com/office/drawing/2014/main" id="{3B3856EC-14DD-373C-7E19-414024AC8C06}"/>
+              </a:ext>
+            </a:extLst>
+          </p:cNvPr>
+          <p:cNvPicPr>
+            <a:picLocks noChangeAspect="1"/>
+          </p:cNvPicPr>
+          <p:nvPr/>
+        </p:nvPicPr>
+        <p:blipFill>
+          <a:blip r:embed="rId6"/>
+          <a:stretch>
+            <a:fillRect/>
+          </a:stretch>
+        </p:blipFill>
+        <p:spPr>
+          <a:xfrm>
+            <a:off x="4837674" y="1633372"/>
+            <a:ext cx="4095432" cy="4108337"/>
+          </a:xfrm>
+          <a:prstGeom prst="rect">
+            <a:avLst/>
+          </a:prstGeom>
+        </p:spPr>
+      </p:pic>
+    </p:spTree>
+    <p:extLst>
+      <p:ext uri="{BB962C8B-B14F-4D97-AF65-F5344CB8AC3E}">
+        <p14:creationId xmlns:p14="http://schemas.microsoft.com/office/powerpoint/2010/main" val="2587388585"/>
+      </p:ext>
+    </p:extLst>
+  </p:cSld>
+  <p:clrMapOvr>
+    <a:masterClrMapping/>
+  </p:clrMapOvr>
+  <p:extLst>
+    <p:ext uri="{6950BFC3-D8DA-4A85-94F7-54DA5524770B}">
+      <p188:commentRel xmlns:p188="http://schemas.microsoft.com/office/powerpoint/2018/8/main" r:id="rId3"/>
+    </p:ext>
+  </p:extLst>
+</p:sld>
+</file>
+
+<file path=ppt/slides/slide6.xml><?xml version="1.0" encoding="utf-8"?>
+<p:sld xmlns:a="http://schemas.openxmlformats.org/drawingml/2006/main" xmlns:r="http://schemas.openxmlformats.org/officeDocument/2006/relationships" xmlns:p="http://schemas.openxmlformats.org/presentationml/2006/main">
+  <p:cSld>
+    <p:spTree>
+      <p:nvGrpSpPr>
+        <p:cNvPr id="1" name=""/>
+        <p:cNvGrpSpPr/>
+        <p:nvPr/>
+      </p:nvGrpSpPr>
+      <p:grpSpPr>
+        <a:xfrm>
+          <a:off x="0" y="0"/>
+          <a:ext cx="0" cy="0"/>
+          <a:chOff x="0" y="0"/>
+          <a:chExt cx="0" cy="0"/>
+        </a:xfrm>
+      </p:grpSpPr>
+      <p:sp>
+        <p:nvSpPr>
+          <p:cNvPr id="2" name="Tytuł 1">
+            <a:extLst>
+              <a:ext uri="{FF2B5EF4-FFF2-40B4-BE49-F238E27FC236}">
+                <a16:creationId xmlns:a16="http://schemas.microsoft.com/office/drawing/2014/main" id="{F9738B88-3C9E-334E-C76D-CF3A7D99DA9A}"/>
+              </a:ext>
+            </a:extLst>
+          </p:cNvPr>
+          <p:cNvSpPr>
+            <a:spLocks noGrp="1"/>
+          </p:cNvSpPr>
+          <p:nvPr>
+            <p:ph type="title"/>
+          </p:nvPr>
+        </p:nvSpPr>
+        <p:spPr>
+          <a:xfrm>
+            <a:off x="5049892" y="420781"/>
+            <a:ext cx="7178566" cy="1199821"/>
+          </a:xfrm>
+        </p:spPr>
+        <p:txBody>
+          <a:bodyPr>
+            <a:normAutofit/>
+          </a:bodyPr>
+          <a:lstStyle/>
+          <a:p>
+            <a:r>
+              <a:rPr lang="pl-PL" sz="2800" b="1" dirty="0">
+                <a:solidFill>
+                  <a:schemeClr val="accent1">
+                    <a:lumMod val="50000"/>
+                  </a:schemeClr>
+                </a:solidFill>
+              </a:rPr>
+              <a:t>Luminal B – podtyp o agresywniejszym przebiegu klinicznym</a:t>
+            </a:r>
+          </a:p>
+        </p:txBody>
+      </p:sp>
+      <p:pic>
+        <p:nvPicPr>
+          <p:cNvPr id="11" name="Symbol zastępczy zawartości 10" descr="Obraz zawierający zrzut ekranu, Czcionka, Grafika, tekst&#10;&#10;Opis wygenerowany automatycznie">
+            <a:extLst>
+              <a:ext uri="{FF2B5EF4-FFF2-40B4-BE49-F238E27FC236}">
+                <a16:creationId xmlns:a16="http://schemas.microsoft.com/office/drawing/2014/main" id="{46D80C71-A10F-D7AA-EE52-6D9F4EDE7A51}"/>
+              </a:ext>
+            </a:extLst>
+          </p:cNvPr>
+          <p:cNvPicPr>
+            <a:picLocks noGrp="1" noChangeAspect="1"/>
+          </p:cNvPicPr>
+          <p:nvPr>
+            <p:ph idx="1"/>
+          </p:nvPr>
+        </p:nvPicPr>
+        <p:blipFill>
+          <a:blip r:embed="rId3"/>
+          <a:stretch>
+            <a:fillRect/>
+          </a:stretch>
+        </p:blipFill>
+        <p:spPr>
+          <a:xfrm>
+            <a:off x="-479626" y="-1154976"/>
+            <a:ext cx="6150378" cy="4351338"/>
+          </a:xfrm>
+        </p:spPr>
+      </p:pic>
+      <p:cxnSp>
+        <p:nvCxnSpPr>
+          <p:cNvPr id="14" name="Łącznik prosty 13">
+            <a:extLst>
+              <a:ext uri="{FF2B5EF4-FFF2-40B4-BE49-F238E27FC236}">
+                <a16:creationId xmlns:a16="http://schemas.microsoft.com/office/drawing/2014/main" id="{F4B14A33-E755-D357-DC4E-5CF0312101D4}"/>
+              </a:ext>
+            </a:extLst>
+          </p:cNvPr>
+          <p:cNvCxnSpPr/>
+          <p:nvPr/>
+        </p:nvCxnSpPr>
+        <p:spPr>
+          <a:xfrm>
+            <a:off x="5049892" y="665968"/>
+            <a:ext cx="0" cy="709448"/>
+          </a:xfrm>
+          <a:prstGeom prst="line">
+            <a:avLst/>
+          </a:prstGeom>
+          <a:ln>
+            <a:solidFill>
+              <a:srgbClr val="003766"/>
+            </a:solidFill>
+          </a:ln>
+          <a:effectLst>
+            <a:outerShdw blurRad="50800" dist="38100" dir="2700000" algn="tl" rotWithShape="0">
+              <a:prstClr val="black">
+                <a:alpha val="40000"/>
+              </a:prstClr>
+            </a:outerShdw>
+          </a:effectLst>
+        </p:spPr>
+        <p:style>
+          <a:lnRef idx="1">
+            <a:schemeClr val="accent1"/>
+          </a:lnRef>
+          <a:fillRef idx="0">
+            <a:schemeClr val="accent1"/>
+          </a:fillRef>
+          <a:effectRef idx="0">
+            <a:schemeClr val="accent1"/>
+          </a:effectRef>
+          <a:fontRef idx="minor">
+            <a:schemeClr val="tx1"/>
+          </a:fontRef>
+        </p:style>
+      </p:cxnSp>
+      <p:sp>
+        <p:nvSpPr>
+          <p:cNvPr id="3" name="Prostokąt 2">
+            <a:extLst>
+              <a:ext uri="{FF2B5EF4-FFF2-40B4-BE49-F238E27FC236}">
+                <a16:creationId xmlns:a16="http://schemas.microsoft.com/office/drawing/2014/main" id="{28CE95B2-E44C-9667-4788-4C50441904D6}"/>
+              </a:ext>
+            </a:extLst>
+          </p:cNvPr>
+          <p:cNvSpPr/>
+          <p:nvPr/>
+        </p:nvSpPr>
+        <p:spPr>
+          <a:xfrm>
+            <a:off x="8534400" y="1966189"/>
+            <a:ext cx="3657600" cy="3890016"/>
+          </a:xfrm>
+          <a:prstGeom prst="rect">
+            <a:avLst/>
+          </a:prstGeom>
+          <a:solidFill>
+            <a:schemeClr val="bg1">
+              <a:alpha val="6000"/>
+            </a:schemeClr>
+          </a:solidFill>
+          <a:ln>
+            <a:solidFill>
+              <a:schemeClr val="bg1"/>
+            </a:solidFill>
+          </a:ln>
+        </p:spPr>
+        <p:style>
+          <a:lnRef idx="2">
+            <a:schemeClr val="accent1">
+              <a:shade val="15000"/>
+            </a:schemeClr>
+          </a:lnRef>
+          <a:fillRef idx="1">
+            <a:schemeClr val="accent1"/>
+          </a:fillRef>
+          <a:effectRef idx="0">
+            <a:schemeClr val="accent1"/>
+          </a:effectRef>
+          <a:fontRef idx="minor">
+            <a:schemeClr val="lt1"/>
+          </a:fontRef>
+        </p:style>
+        <p:txBody>
+          <a:bodyPr rtlCol="0" anchor="ctr"/>
+          <a:lstStyle/>
+          <a:p>
+            <a:pPr algn="ctr"/>
+            <a:endParaRPr lang="pl-PL" sz="1400" dirty="0">
+              <a:solidFill>
+                <a:srgbClr val="003766"/>
+              </a:solidFill>
+            </a:endParaRPr>
+          </a:p>
+          <a:p>
+            <a:pPr algn="ctr"/>
+            <a:r>
+              <a:rPr lang="pl-PL" sz="1400" b="1" dirty="0">
+                <a:solidFill>
+                  <a:srgbClr val="003766"/>
+                </a:solidFill>
+              </a:rPr>
+              <a:t>Schemat mechanizmu:</a:t>
+            </a:r>
+          </a:p>
+          <a:p>
+            <a:pPr algn="ctr"/>
+            <a:endParaRPr lang="pl-PL" sz="1400" dirty="0">
+              <a:solidFill>
+                <a:srgbClr val="003766"/>
+              </a:solidFill>
+            </a:endParaRPr>
+          </a:p>
+          <a:p>
+            <a:pPr algn="ctr"/>
+            <a:r>
+              <a:rPr lang="en-US" sz="1400" dirty="0">
+                <a:solidFill>
+                  <a:srgbClr val="003766"/>
+                </a:solidFill>
+              </a:rPr>
+              <a:t>miR-210 (Hypoxia-Responsive miRNA)</a:t>
+            </a:r>
+          </a:p>
+          <a:p>
+            <a:pPr algn="ctr"/>
+            <a:r>
+              <a:rPr lang="en-US" sz="1400" dirty="0">
+                <a:solidFill>
+                  <a:srgbClr val="003766"/>
+                </a:solidFill>
+              </a:rPr>
+              <a:t>        ↓ (HIGH w Luminal B)</a:t>
+            </a:r>
+          </a:p>
+          <a:p>
+            <a:pPr algn="ctr"/>
+            <a:r>
+              <a:rPr lang="en-US" sz="1400" dirty="0">
+                <a:solidFill>
+                  <a:srgbClr val="003766"/>
+                </a:solidFill>
+              </a:rPr>
+              <a:t>Binds PGR 3'UTR</a:t>
+            </a:r>
+          </a:p>
+          <a:p>
+            <a:pPr algn="ctr"/>
+            <a:r>
+              <a:rPr lang="en-US" sz="1400" dirty="0">
+                <a:solidFill>
+                  <a:srgbClr val="003766"/>
+                </a:solidFill>
+              </a:rPr>
+              <a:t>        ↓</a:t>
+            </a:r>
+          </a:p>
+          <a:p>
+            <a:pPr algn="ctr"/>
+            <a:r>
+              <a:rPr lang="en-US" sz="1400" dirty="0">
+                <a:solidFill>
+                  <a:srgbClr val="003766"/>
+                </a:solidFill>
+              </a:rPr>
+              <a:t>PGR mRNA degraded</a:t>
+            </a:r>
+          </a:p>
+          <a:p>
+            <a:pPr algn="ctr"/>
+            <a:r>
+              <a:rPr lang="en-US" sz="1400" dirty="0">
+                <a:solidFill>
+                  <a:srgbClr val="003766"/>
+                </a:solidFill>
+              </a:rPr>
+              <a:t>        ↓</a:t>
+            </a:r>
+          </a:p>
+          <a:p>
+            <a:pPr algn="ctr"/>
+            <a:r>
+              <a:rPr lang="en-US" sz="1400" dirty="0">
+                <a:solidFill>
+                  <a:srgbClr val="003766"/>
+                </a:solidFill>
+              </a:rPr>
+              <a:t>NO PROGESTERONE RECEPTOR</a:t>
+            </a:r>
+          </a:p>
+          <a:p>
+            <a:pPr algn="ctr"/>
+            <a:r>
+              <a:rPr lang="en-US" sz="1400" dirty="0">
+                <a:solidFill>
+                  <a:srgbClr val="003766"/>
+                </a:solidFill>
+              </a:rPr>
+              <a:t>        ↓</a:t>
+            </a:r>
+          </a:p>
+          <a:p>
+            <a:pPr algn="ctr"/>
+            <a:r>
+              <a:rPr lang="en-US" sz="1400" dirty="0">
+                <a:solidFill>
+                  <a:srgbClr val="003766"/>
+                </a:solidFill>
+              </a:rPr>
+              <a:t>Loss of Antiproliferative Signal</a:t>
+            </a:r>
+          </a:p>
+          <a:p>
+            <a:pPr algn="ctr"/>
+            <a:r>
+              <a:rPr lang="en-US" sz="1400" dirty="0">
+                <a:solidFill>
+                  <a:srgbClr val="003766"/>
+                </a:solidFill>
+              </a:rPr>
+              <a:t>        ↓</a:t>
+            </a:r>
+          </a:p>
+          <a:p>
+            <a:pPr algn="ctr"/>
+            <a:r>
+              <a:rPr lang="en-US" sz="1400" dirty="0">
+                <a:solidFill>
+                  <a:srgbClr val="003766"/>
+                </a:solidFill>
+              </a:rPr>
+              <a:t>Cell Cycle: Ki-67 HIGH</a:t>
+            </a:r>
+          </a:p>
+          <a:p>
+            <a:pPr algn="ctr"/>
+            <a:r>
+              <a:rPr lang="en-US" sz="1400" dirty="0">
+                <a:solidFill>
+                  <a:srgbClr val="003766"/>
+                </a:solidFill>
+              </a:rPr>
+              <a:t>        ↓</a:t>
+            </a:r>
+          </a:p>
+          <a:p>
+            <a:pPr algn="ctr"/>
+            <a:r>
+              <a:rPr lang="en-US" sz="1400" dirty="0">
+                <a:solidFill>
+                  <a:srgbClr val="003766"/>
+                </a:solidFill>
+              </a:rPr>
+              <a:t>Aggressive Proliferation</a:t>
+            </a:r>
+          </a:p>
+          <a:p>
+            <a:pPr algn="ctr"/>
+            <a:r>
+              <a:rPr lang="en-US" sz="1400" dirty="0">
+                <a:solidFill>
+                  <a:srgbClr val="003766"/>
+                </a:solidFill>
+              </a:rPr>
+              <a:t>        ↓</a:t>
+            </a:r>
+          </a:p>
+          <a:p>
+            <a:pPr algn="ctr"/>
+            <a:r>
+              <a:rPr lang="en-US" sz="1400" dirty="0">
+                <a:solidFill>
+                  <a:srgbClr val="003766"/>
+                </a:solidFill>
+              </a:rPr>
+              <a:t>Faster Relapse &amp; Poor Survival</a:t>
+            </a:r>
+          </a:p>
+        </p:txBody>
+      </p:sp>
+      <p:sp>
+        <p:nvSpPr>
+          <p:cNvPr id="4" name="Prostokąt 3">
+            <a:extLst>
+              <a:ext uri="{FF2B5EF4-FFF2-40B4-BE49-F238E27FC236}">
+                <a16:creationId xmlns:a16="http://schemas.microsoft.com/office/drawing/2014/main" id="{633DABD0-7CCA-66C5-6402-8E7DF5F82AC4}"/>
+              </a:ext>
+            </a:extLst>
+          </p:cNvPr>
+          <p:cNvSpPr/>
+          <p:nvPr/>
+        </p:nvSpPr>
+        <p:spPr>
+          <a:xfrm>
+            <a:off x="187863" y="1809750"/>
+            <a:ext cx="4429125" cy="4549133"/>
+          </a:xfrm>
+          <a:prstGeom prst="rect">
+            <a:avLst/>
+          </a:prstGeom>
+          <a:solidFill>
+            <a:schemeClr val="bg1">
+              <a:alpha val="6000"/>
+            </a:schemeClr>
+          </a:solidFill>
+          <a:ln>
+            <a:solidFill>
+              <a:schemeClr val="bg1"/>
+            </a:solidFill>
+          </a:ln>
+        </p:spPr>
+        <p:style>
+          <a:lnRef idx="2">
+            <a:schemeClr val="accent1">
+              <a:shade val="15000"/>
+            </a:schemeClr>
+          </a:lnRef>
+          <a:fillRef idx="1">
+            <a:schemeClr val="accent1"/>
+          </a:fillRef>
+          <a:effectRef idx="0">
+            <a:schemeClr val="accent1"/>
+          </a:effectRef>
+          <a:fontRef idx="minor">
+            <a:schemeClr val="lt1"/>
+          </a:fontRef>
+        </p:style>
+        <p:txBody>
+          <a:bodyPr rtlCol="0" anchor="ctr"/>
+          <a:lstStyle/>
+          <a:p>
+            <a:endParaRPr lang="pl-PL" sz="1300" dirty="0">
+              <a:solidFill>
+                <a:srgbClr val="003766"/>
+              </a:solidFill>
+            </a:endParaRPr>
+          </a:p>
+          <a:p>
+            <a:r>
+              <a:rPr lang="en-US" sz="1300" b="1" dirty="0">
+                <a:solidFill>
+                  <a:srgbClr val="003766"/>
+                </a:solidFill>
+              </a:rPr>
+              <a:t>Luminal A vs Luminal B:</a:t>
+            </a:r>
+          </a:p>
+          <a:p>
+            <a:r>
+              <a:rPr lang="en-US" sz="1300" b="1" dirty="0">
+                <a:solidFill>
+                  <a:srgbClr val="003766"/>
+                </a:solidFill>
+              </a:rPr>
+              <a:t>Oba </a:t>
+            </a:r>
+            <a:r>
+              <a:rPr lang="en-US" sz="1300" b="1" dirty="0" err="1">
+                <a:solidFill>
+                  <a:srgbClr val="003766"/>
+                </a:solidFill>
+              </a:rPr>
+              <a:t>mają</a:t>
+            </a:r>
+            <a:r>
+              <a:rPr lang="en-US" sz="1300" b="1" dirty="0">
+                <a:solidFill>
+                  <a:srgbClr val="003766"/>
+                </a:solidFill>
+              </a:rPr>
+              <a:t> ER + PR (</a:t>
+            </a:r>
+            <a:r>
+              <a:rPr lang="en-US" sz="1300" b="1" dirty="0" err="1">
+                <a:solidFill>
+                  <a:srgbClr val="003766"/>
+                </a:solidFill>
+              </a:rPr>
+              <a:t>receptory</a:t>
+            </a:r>
+            <a:r>
+              <a:rPr lang="en-US" sz="1300" b="1" dirty="0">
+                <a:solidFill>
+                  <a:srgbClr val="003766"/>
+                </a:solidFill>
+              </a:rPr>
+              <a:t>!)</a:t>
+            </a:r>
+          </a:p>
+          <a:p>
+            <a:endParaRPr lang="en-US" sz="1300" dirty="0">
+              <a:solidFill>
+                <a:srgbClr val="003766"/>
+              </a:solidFill>
+            </a:endParaRPr>
+          </a:p>
+          <a:p>
+            <a:r>
+              <a:rPr lang="en-US" sz="1300" b="1" dirty="0">
+                <a:solidFill>
+                  <a:srgbClr val="2ECC71"/>
+                </a:solidFill>
+              </a:rPr>
+              <a:t>Luminal A:</a:t>
+            </a:r>
+          </a:p>
+          <a:p>
+            <a:r>
+              <a:rPr lang="en-US" sz="1300" dirty="0">
+                <a:solidFill>
+                  <a:srgbClr val="003766"/>
+                </a:solidFill>
+              </a:rPr>
+              <a:t>ER+  PR+  HER2-</a:t>
+            </a:r>
+          </a:p>
+          <a:p>
+            <a:r>
+              <a:rPr lang="en-US" sz="1300" dirty="0">
+                <a:solidFill>
+                  <a:srgbClr val="003766"/>
+                </a:solidFill>
+              </a:rPr>
+              <a:t>MKI67 NISKI (30-40%)</a:t>
+            </a:r>
+          </a:p>
+          <a:p>
+            <a:r>
+              <a:rPr lang="en-US" sz="1300" dirty="0" err="1">
+                <a:solidFill>
+                  <a:srgbClr val="003766"/>
+                </a:solidFill>
+              </a:rPr>
+              <a:t>Przeżycie</a:t>
+            </a:r>
+            <a:r>
+              <a:rPr lang="en-US" sz="1300" b="1" dirty="0">
+                <a:solidFill>
+                  <a:srgbClr val="2ECC71"/>
+                </a:solidFill>
+              </a:rPr>
+              <a:t>: 92%</a:t>
+            </a:r>
+          </a:p>
+          <a:p>
+            <a:r>
+              <a:rPr lang="en-US" sz="1300" dirty="0" err="1">
+                <a:solidFill>
+                  <a:srgbClr val="003766"/>
+                </a:solidFill>
+              </a:rPr>
+              <a:t>Terapia</a:t>
+            </a:r>
+            <a:r>
+              <a:rPr lang="en-US" sz="1300" dirty="0">
+                <a:solidFill>
+                  <a:srgbClr val="003766"/>
+                </a:solidFill>
+              </a:rPr>
+              <a:t>: </a:t>
+            </a:r>
+            <a:r>
+              <a:rPr lang="en-US" sz="1300" dirty="0" err="1">
+                <a:solidFill>
+                  <a:srgbClr val="003766"/>
+                </a:solidFill>
+              </a:rPr>
+              <a:t>Hormonalna</a:t>
+            </a:r>
+            <a:endParaRPr lang="en-US" sz="1300" dirty="0">
+              <a:solidFill>
+                <a:srgbClr val="003766"/>
+              </a:solidFill>
+            </a:endParaRPr>
+          </a:p>
+          <a:p>
+            <a:r>
+              <a:rPr lang="en-US" sz="1300" b="1" dirty="0" err="1">
+                <a:solidFill>
+                  <a:srgbClr val="003766"/>
+                </a:solidFill>
+              </a:rPr>
+              <a:t>Wynik</a:t>
+            </a:r>
+            <a:r>
+              <a:rPr lang="en-US" sz="1300" b="1" dirty="0">
+                <a:solidFill>
+                  <a:srgbClr val="003766"/>
+                </a:solidFill>
+              </a:rPr>
+              <a:t>:</a:t>
+            </a:r>
+            <a:r>
+              <a:rPr lang="pl-PL" sz="1300" b="1" dirty="0">
+                <a:solidFill>
+                  <a:srgbClr val="003766"/>
+                </a:solidFill>
+              </a:rPr>
+              <a:t> </a:t>
+            </a:r>
+            <a:r>
+              <a:rPr lang="en-US" sz="1300" b="1" dirty="0" err="1">
+                <a:solidFill>
+                  <a:srgbClr val="003766"/>
+                </a:solidFill>
+              </a:rPr>
+              <a:t>Pacjentka</a:t>
+            </a:r>
+            <a:r>
+              <a:rPr lang="en-US" sz="1300" b="1" dirty="0">
+                <a:solidFill>
+                  <a:srgbClr val="003766"/>
+                </a:solidFill>
+              </a:rPr>
+              <a:t> </a:t>
+            </a:r>
+            <a:r>
+              <a:rPr lang="en-US" sz="1300" b="1" dirty="0" err="1">
+                <a:solidFill>
+                  <a:srgbClr val="003766"/>
+                </a:solidFill>
+              </a:rPr>
+              <a:t>żyje</a:t>
+            </a:r>
+            <a:r>
+              <a:rPr lang="en-US" sz="1300" b="1" dirty="0">
+                <a:solidFill>
+                  <a:srgbClr val="003766"/>
+                </a:solidFill>
+              </a:rPr>
+              <a:t>!</a:t>
+            </a:r>
+          </a:p>
+          <a:p>
+            <a:endParaRPr lang="en-US" sz="1300" dirty="0">
+              <a:solidFill>
+                <a:srgbClr val="003766"/>
+              </a:solidFill>
+            </a:endParaRPr>
+          </a:p>
+          <a:p>
+            <a:r>
+              <a:rPr lang="en-US" sz="1300" dirty="0">
+                <a:solidFill>
+                  <a:srgbClr val="003766"/>
+                </a:solidFill>
+              </a:rPr>
+              <a:t>vs.</a:t>
+            </a:r>
+          </a:p>
+          <a:p>
+            <a:endParaRPr lang="en-US" sz="1300" dirty="0">
+              <a:solidFill>
+                <a:srgbClr val="003766"/>
+              </a:solidFill>
+            </a:endParaRPr>
+          </a:p>
+          <a:p>
+            <a:r>
+              <a:rPr lang="en-US" sz="1300" b="1" dirty="0">
+                <a:solidFill>
+                  <a:srgbClr val="F39C12"/>
+                </a:solidFill>
+              </a:rPr>
+              <a:t>Luminal B:</a:t>
+            </a:r>
+          </a:p>
+          <a:p>
+            <a:r>
+              <a:rPr lang="en-US" sz="1300" dirty="0">
+                <a:solidFill>
+                  <a:srgbClr val="003766"/>
+                </a:solidFill>
+              </a:rPr>
+              <a:t>ER+  PR±  HER2±</a:t>
+            </a:r>
+          </a:p>
+          <a:p>
+            <a:r>
+              <a:rPr lang="en-US" sz="1300" dirty="0">
+                <a:solidFill>
+                  <a:srgbClr val="003766"/>
+                </a:solidFill>
+              </a:rPr>
+              <a:t>MKI67 WYSOKI (&gt;60%) </a:t>
+            </a:r>
+            <a:r>
+              <a:rPr lang="en-US" sz="1300" b="1" dirty="0">
+                <a:solidFill>
+                  <a:srgbClr val="003766"/>
+                </a:solidFill>
+              </a:rPr>
+              <a:t>↑  </a:t>
+            </a:r>
+          </a:p>
+          <a:p>
+            <a:r>
+              <a:rPr lang="pl-PL" sz="1300" dirty="0">
+                <a:solidFill>
+                  <a:srgbClr val="003766"/>
+                </a:solidFill>
+              </a:rPr>
+              <a:t>P</a:t>
+            </a:r>
+            <a:r>
+              <a:rPr lang="en-US" sz="1300" dirty="0" err="1">
+                <a:solidFill>
+                  <a:srgbClr val="003766"/>
+                </a:solidFill>
+              </a:rPr>
+              <a:t>rzeżycie</a:t>
+            </a:r>
+            <a:r>
+              <a:rPr lang="en-US" sz="1300" dirty="0">
+                <a:solidFill>
+                  <a:srgbClr val="003766"/>
+                </a:solidFill>
+              </a:rPr>
+              <a:t>: </a:t>
+            </a:r>
+            <a:r>
+              <a:rPr lang="en-US" sz="1300" b="1" dirty="0">
+                <a:solidFill>
+                  <a:srgbClr val="F39C12"/>
+                </a:solidFill>
+              </a:rPr>
+              <a:t>82% </a:t>
+            </a:r>
+            <a:r>
+              <a:rPr lang="en-US" sz="1300" b="1" dirty="0">
+                <a:solidFill>
+                  <a:srgbClr val="003766"/>
+                </a:solidFill>
+              </a:rPr>
+              <a:t>↓</a:t>
+            </a:r>
+            <a:r>
+              <a:rPr lang="pl-PL" sz="1300" b="1" dirty="0">
+                <a:solidFill>
+                  <a:srgbClr val="003766"/>
+                </a:solidFill>
+              </a:rPr>
+              <a:t> </a:t>
+            </a:r>
+            <a:endParaRPr lang="en-US" sz="1300" dirty="0">
+              <a:solidFill>
+                <a:srgbClr val="003766"/>
+              </a:solidFill>
+            </a:endParaRPr>
+          </a:p>
+          <a:p>
+            <a:r>
+              <a:rPr lang="en-US" sz="1300" dirty="0" err="1">
+                <a:solidFill>
+                  <a:srgbClr val="003766"/>
+                </a:solidFill>
+              </a:rPr>
+              <a:t>Terapia</a:t>
+            </a:r>
+            <a:r>
+              <a:rPr lang="en-US" sz="1300" dirty="0">
+                <a:solidFill>
+                  <a:srgbClr val="003766"/>
+                </a:solidFill>
+              </a:rPr>
+              <a:t>: </a:t>
+            </a:r>
+            <a:r>
+              <a:rPr lang="en-US" sz="1300" dirty="0" err="1">
+                <a:solidFill>
+                  <a:srgbClr val="003766"/>
+                </a:solidFill>
+              </a:rPr>
+              <a:t>Hormonalna</a:t>
+            </a:r>
+            <a:r>
+              <a:rPr lang="en-US" sz="1300" dirty="0">
+                <a:solidFill>
+                  <a:srgbClr val="003766"/>
+                </a:solidFill>
+              </a:rPr>
+              <a:t> + ?</a:t>
+            </a:r>
+          </a:p>
+          <a:p>
+            <a:r>
+              <a:rPr lang="en-US" sz="1300" dirty="0">
+                <a:solidFill>
+                  <a:srgbClr val="003766"/>
+                </a:solidFill>
+              </a:rPr>
+              <a:t>Problem: ???</a:t>
+            </a:r>
+          </a:p>
+          <a:p>
+            <a:endParaRPr lang="en-US" sz="1300" dirty="0">
+              <a:solidFill>
+                <a:srgbClr val="003766"/>
+              </a:solidFill>
+            </a:endParaRPr>
+          </a:p>
+          <a:p>
+            <a:r>
+              <a:rPr lang="en-US" sz="1300" b="1" dirty="0" err="1">
+                <a:solidFill>
+                  <a:srgbClr val="003766"/>
+                </a:solidFill>
+              </a:rPr>
+              <a:t>Pytanie</a:t>
+            </a:r>
+            <a:r>
+              <a:rPr lang="en-US" sz="1300" b="1" dirty="0">
+                <a:solidFill>
+                  <a:srgbClr val="003766"/>
+                </a:solidFill>
+              </a:rPr>
+              <a:t>: Co </a:t>
+            </a:r>
+            <a:r>
+              <a:rPr lang="en-US" sz="1300" b="1" dirty="0" err="1">
+                <a:solidFill>
+                  <a:srgbClr val="003766"/>
+                </a:solidFill>
+              </a:rPr>
+              <a:t>różni</a:t>
+            </a:r>
+            <a:r>
+              <a:rPr lang="en-US" sz="1300" b="1" dirty="0">
+                <a:solidFill>
+                  <a:srgbClr val="003766"/>
+                </a:solidFill>
+              </a:rPr>
+              <a:t> B od A?</a:t>
+            </a:r>
+          </a:p>
+          <a:p>
+            <a:r>
+              <a:rPr lang="en-US" sz="1300" b="1" dirty="0">
+                <a:solidFill>
+                  <a:srgbClr val="003766"/>
+                </a:solidFill>
+              </a:rPr>
+              <a:t>Odpowiedź: </a:t>
+            </a:r>
+            <a:r>
+              <a:rPr lang="en-US" sz="1300" b="1" dirty="0" err="1">
+                <a:solidFill>
+                  <a:srgbClr val="003766"/>
+                </a:solidFill>
+              </a:rPr>
+              <a:t>Proliferacja</a:t>
+            </a:r>
+            <a:r>
+              <a:rPr lang="en-US" sz="1300" b="1" dirty="0">
+                <a:solidFill>
+                  <a:srgbClr val="003766"/>
+                </a:solidFill>
+              </a:rPr>
+              <a:t> + miRNA</a:t>
+            </a:r>
+          </a:p>
+        </p:txBody>
+      </p:sp>
+      <p:pic>
+        <p:nvPicPr>
+          <p:cNvPr id="5" name="Obraz 4">
+            <a:extLst>
+              <a:ext uri="{FF2B5EF4-FFF2-40B4-BE49-F238E27FC236}">
+                <a16:creationId xmlns:a16="http://schemas.microsoft.com/office/drawing/2014/main" id="{AA720026-B750-1562-7725-A86E59ED5C97}"/>
+              </a:ext>
+            </a:extLst>
+          </p:cNvPr>
+          <p:cNvPicPr>
+            <a:picLocks noChangeAspect="1"/>
+          </p:cNvPicPr>
+          <p:nvPr/>
+        </p:nvPicPr>
+        <p:blipFill>
+          <a:blip r:embed="rId4"/>
+          <a:stretch>
+            <a:fillRect/>
+          </a:stretch>
+        </p:blipFill>
+        <p:spPr>
+          <a:xfrm>
+            <a:off x="2730053" y="1992021"/>
+            <a:ext cx="6219552" cy="3838352"/>
+          </a:xfrm>
+          <a:prstGeom prst="rect">
+            <a:avLst/>
+          </a:prstGeom>
+        </p:spPr>
+      </p:pic>
+    </p:spTree>
+    <p:extLst>
+      <p:ext uri="{BB962C8B-B14F-4D97-AF65-F5344CB8AC3E}">
+        <p14:creationId xmlns:p14="http://schemas.microsoft.com/office/powerpoint/2010/main" val="628466305"/>
+      </p:ext>
+    </p:extLst>
+  </p:cSld>
+  <p:clrMapOvr>
+    <a:masterClrMapping/>
+  </p:clrMapOvr>
+  <p:extLst>
+    <p:ext uri="{6950BFC3-D8DA-4A85-94F7-54DA5524770B}">
+      <p188:commentRel xmlns:p188="http://schemas.microsoft.com/office/powerpoint/2018/8/main" r:id="rId2"/>
+    </p:ext>
+  </p:extLst>
+</p:sld>
+</file>
+
+<file path=ppt/slides/slide7.xml><?xml version="1.0" encoding="utf-8"?>
+<p:sld xmlns:a="http://schemas.openxmlformats.org/drawingml/2006/main" xmlns:r="http://schemas.openxmlformats.org/officeDocument/2006/relationships" xmlns:p="http://schemas.openxmlformats.org/presentationml/2006/main">
+  <p:cSld>
+    <p:spTree>
+      <p:nvGrpSpPr>
+        <p:cNvPr id="1" name=""/>
+        <p:cNvGrpSpPr/>
+        <p:nvPr/>
+      </p:nvGrpSpPr>
+      <p:grpSpPr>
+        <a:xfrm>
+          <a:off x="0" y="0"/>
+          <a:ext cx="0" cy="0"/>
+          <a:chOff x="0" y="0"/>
+          <a:chExt cx="0" cy="0"/>
+        </a:xfrm>
+      </p:grpSpPr>
+      <p:sp>
+        <p:nvSpPr>
+          <p:cNvPr id="2" name="Tytuł 1">
+            <a:extLst>
+              <a:ext uri="{FF2B5EF4-FFF2-40B4-BE49-F238E27FC236}">
+                <a16:creationId xmlns:a16="http://schemas.microsoft.com/office/drawing/2014/main" id="{F9738B88-3C9E-334E-C76D-CF3A7D99DA9A}"/>
+              </a:ext>
+            </a:extLst>
+          </p:cNvPr>
+          <p:cNvSpPr>
+            <a:spLocks noGrp="1"/>
+          </p:cNvSpPr>
+          <p:nvPr>
+            <p:ph type="title"/>
+          </p:nvPr>
+        </p:nvSpPr>
+        <p:spPr>
+          <a:xfrm>
+            <a:off x="5249917" y="420782"/>
+            <a:ext cx="7178566" cy="1199821"/>
+          </a:xfrm>
+        </p:spPr>
+        <p:txBody>
+          <a:bodyPr>
+            <a:normAutofit/>
+          </a:bodyPr>
+          <a:lstStyle/>
+          <a:p>
+            <a:r>
+              <a:rPr lang="pl-PL" sz="2800" b="1" i="0" dirty="0">
+                <a:solidFill>
+                  <a:schemeClr val="accent1">
+                    <a:lumMod val="50000"/>
+                  </a:schemeClr>
+                </a:solidFill>
+                <a:effectLst/>
+              </a:rPr>
+              <a:t>Stadium Wygrywa – Ale miRNA Dają Wskazówkę</a:t>
+            </a:r>
+            <a:endParaRPr lang="pl-PL" sz="2800" b="1" dirty="0">
+              <a:solidFill>
+                <a:schemeClr val="accent1">
+                  <a:lumMod val="50000"/>
+                </a:schemeClr>
+              </a:solidFill>
+            </a:endParaRPr>
+          </a:p>
+        </p:txBody>
+      </p:sp>
+      <p:pic>
+        <p:nvPicPr>
+          <p:cNvPr id="11" name="Symbol zastępczy zawartości 10" descr="Obraz zawierający zrzut ekranu, Czcionka, Grafika, tekst&#10;&#10;Opis wygenerowany automatycznie">
+            <a:extLst>
+              <a:ext uri="{FF2B5EF4-FFF2-40B4-BE49-F238E27FC236}">
+                <a16:creationId xmlns:a16="http://schemas.microsoft.com/office/drawing/2014/main" id="{46D80C71-A10F-D7AA-EE52-6D9F4EDE7A51}"/>
+              </a:ext>
+            </a:extLst>
+          </p:cNvPr>
+          <p:cNvPicPr>
+            <a:picLocks noGrp="1" noChangeAspect="1"/>
+          </p:cNvPicPr>
+          <p:nvPr>
+            <p:ph idx="1"/>
+          </p:nvPr>
+        </p:nvPicPr>
+        <p:blipFill>
+          <a:blip r:embed="rId3"/>
+          <a:stretch>
+            <a:fillRect/>
+          </a:stretch>
+        </p:blipFill>
+        <p:spPr>
+          <a:xfrm>
+            <a:off x="-479626" y="-1154976"/>
+            <a:ext cx="6150378" cy="4351338"/>
+          </a:xfrm>
+        </p:spPr>
+      </p:pic>
+      <p:cxnSp>
+        <p:nvCxnSpPr>
+          <p:cNvPr id="14" name="Łącznik prosty 13">
+            <a:extLst>
+              <a:ext uri="{FF2B5EF4-FFF2-40B4-BE49-F238E27FC236}">
+                <a16:creationId xmlns:a16="http://schemas.microsoft.com/office/drawing/2014/main" id="{F4B14A33-E755-D357-DC4E-5CF0312101D4}"/>
+              </a:ext>
+            </a:extLst>
+          </p:cNvPr>
+          <p:cNvCxnSpPr/>
+          <p:nvPr/>
+        </p:nvCxnSpPr>
+        <p:spPr>
+          <a:xfrm>
+            <a:off x="5249917" y="630621"/>
+            <a:ext cx="0" cy="709448"/>
+          </a:xfrm>
+          <a:prstGeom prst="line">
+            <a:avLst/>
+          </a:prstGeom>
+          <a:ln>
+            <a:solidFill>
+              <a:srgbClr val="003766"/>
+            </a:solidFill>
+          </a:ln>
+          <a:effectLst>
+            <a:outerShdw blurRad="50800" dist="38100" dir="2700000" algn="tl" rotWithShape="0">
+              <a:prstClr val="black">
+                <a:alpha val="40000"/>
+              </a:prstClr>
+            </a:outerShdw>
+          </a:effectLst>
+        </p:spPr>
+        <p:style>
+          <a:lnRef idx="1">
+            <a:schemeClr val="accent1"/>
+          </a:lnRef>
+          <a:fillRef idx="0">
+            <a:schemeClr val="accent1"/>
+          </a:fillRef>
+          <a:effectRef idx="0">
+            <a:schemeClr val="accent1"/>
+          </a:effectRef>
+          <a:fontRef idx="minor">
+            <a:schemeClr val="tx1"/>
+          </a:fontRef>
+        </p:style>
+      </p:cxnSp>
+      <p:sp>
+        <p:nvSpPr>
+          <p:cNvPr id="4" name="Prostokąt 3">
+            <a:extLst>
+              <a:ext uri="{FF2B5EF4-FFF2-40B4-BE49-F238E27FC236}">
+                <a16:creationId xmlns:a16="http://schemas.microsoft.com/office/drawing/2014/main" id="{5F255CFE-9414-92C1-BBFD-F4F00EA37FE7}"/>
+              </a:ext>
+            </a:extLst>
+          </p:cNvPr>
+          <p:cNvSpPr/>
+          <p:nvPr/>
+        </p:nvSpPr>
+        <p:spPr>
+          <a:xfrm>
+            <a:off x="368100" y="2106459"/>
+            <a:ext cx="3622875" cy="3742608"/>
+          </a:xfrm>
+          <a:prstGeom prst="rect">
+            <a:avLst/>
+          </a:prstGeom>
+          <a:solidFill>
+            <a:schemeClr val="bg1">
+              <a:alpha val="6000"/>
+            </a:schemeClr>
+          </a:solidFill>
+          <a:ln>
+            <a:solidFill>
+              <a:schemeClr val="bg1"/>
+            </a:solidFill>
+          </a:ln>
+        </p:spPr>
+        <p:style>
+          <a:lnRef idx="2">
+            <a:schemeClr val="accent1">
+              <a:shade val="15000"/>
+            </a:schemeClr>
+          </a:lnRef>
+          <a:fillRef idx="1">
+            <a:schemeClr val="accent1"/>
+          </a:fillRef>
+          <a:effectRef idx="0">
+            <a:schemeClr val="accent1"/>
+          </a:effectRef>
+          <a:fontRef idx="minor">
+            <a:schemeClr val="lt1"/>
+          </a:fontRef>
+        </p:style>
+        <p:txBody>
+          <a:bodyPr rtlCol="0" anchor="ctr"/>
+          <a:lstStyle/>
+          <a:p>
+            <a:r>
+              <a:rPr lang="en-US" sz="1200" dirty="0">
+                <a:solidFill>
+                  <a:srgbClr val="003766"/>
+                </a:solidFill>
+              </a:rPr>
+              <a:t>MULTIVARIABLE COX MODEL</a:t>
+            </a:r>
+          </a:p>
+          <a:p>
+            <a:r>
+              <a:rPr lang="en-US" sz="1200" dirty="0">
+                <a:solidFill>
+                  <a:srgbClr val="003766"/>
+                </a:solidFill>
+              </a:rPr>
+              <a:t>Outcome: Overall Survival</a:t>
+            </a:r>
+          </a:p>
+          <a:p>
+            <a:endParaRPr lang="en-US" sz="1200" dirty="0">
+              <a:solidFill>
+                <a:srgbClr val="003766"/>
+              </a:solidFill>
+            </a:endParaRPr>
+          </a:p>
+          <a:p>
+            <a:r>
+              <a:rPr lang="en-US" sz="1200" dirty="0">
+                <a:solidFill>
+                  <a:srgbClr val="003766"/>
+                </a:solidFill>
+              </a:rPr>
+              <a:t>Variable              HR      95% CI        p</a:t>
+            </a:r>
+          </a:p>
+          <a:p>
+            <a:r>
+              <a:rPr lang="en-US" sz="1200" dirty="0">
+                <a:solidFill>
+                  <a:srgbClr val="003766"/>
+                </a:solidFill>
+              </a:rPr>
+              <a:t>────────────────────────────────────────────</a:t>
+            </a:r>
+          </a:p>
+          <a:p>
+            <a:r>
+              <a:rPr lang="en-US" sz="1200" dirty="0">
+                <a:solidFill>
+                  <a:srgbClr val="003766"/>
+                </a:solidFill>
+              </a:rPr>
+              <a:t>Stage (III vs I)     ●━━━━━━━&gt;</a:t>
+            </a:r>
+          </a:p>
+          <a:p>
+            <a:r>
+              <a:rPr lang="en-US" sz="1200" dirty="0">
+                <a:solidFill>
+                  <a:srgbClr val="003766"/>
+                </a:solidFill>
+              </a:rPr>
+              <a:t>                     2.31   [1.78-3.01]</a:t>
+            </a:r>
+          </a:p>
+          <a:p>
+            <a:r>
+              <a:rPr lang="en-US" sz="1200" dirty="0">
+                <a:solidFill>
+                  <a:srgbClr val="003766"/>
+                </a:solidFill>
+              </a:rPr>
+              <a:t>                     p &lt; 0.001 ★★★</a:t>
+            </a:r>
+          </a:p>
+          <a:p>
+            <a:endParaRPr lang="en-US" sz="1200" dirty="0">
+              <a:solidFill>
+                <a:srgbClr val="003766"/>
+              </a:solidFill>
+            </a:endParaRPr>
+          </a:p>
+          <a:p>
+            <a:r>
+              <a:rPr lang="en-US" sz="1200" dirty="0">
+                <a:solidFill>
+                  <a:srgbClr val="003766"/>
+                </a:solidFill>
+              </a:rPr>
+              <a:t>Age (per +10yr)      ●━━━━&gt;</a:t>
+            </a:r>
+          </a:p>
+          <a:p>
+            <a:r>
+              <a:rPr lang="en-US" sz="1200" dirty="0">
+                <a:solidFill>
+                  <a:srgbClr val="003766"/>
+                </a:solidFill>
+              </a:rPr>
+              <a:t>                     1.23   [0.98-1.51]</a:t>
+            </a:r>
+          </a:p>
+          <a:p>
+            <a:r>
+              <a:rPr lang="en-US" sz="1200" dirty="0">
+                <a:solidFill>
+                  <a:srgbClr val="003766"/>
+                </a:solidFill>
+              </a:rPr>
+              <a:t>                     p = 0.082</a:t>
+            </a:r>
+          </a:p>
+          <a:p>
+            <a:endParaRPr lang="en-US" sz="1200" dirty="0">
+              <a:solidFill>
+                <a:srgbClr val="003766"/>
+              </a:solidFill>
+            </a:endParaRPr>
+          </a:p>
+          <a:p>
+            <a:r>
+              <a:rPr lang="en-US" sz="1200" dirty="0">
+                <a:solidFill>
+                  <a:srgbClr val="003766"/>
+                </a:solidFill>
+              </a:rPr>
+              <a:t>miRNA Score          ●━&gt;</a:t>
+            </a:r>
+          </a:p>
+          <a:p>
+            <a:r>
+              <a:rPr lang="en-US" sz="1200" dirty="0">
+                <a:solidFill>
+                  <a:srgbClr val="003766"/>
+                </a:solidFill>
+              </a:rPr>
+              <a:t>(continuous)         1.18   [0.99-1.40]</a:t>
+            </a:r>
+          </a:p>
+          <a:p>
+            <a:r>
+              <a:rPr lang="en-US" sz="1200" dirty="0">
+                <a:solidFill>
+                  <a:srgbClr val="003766"/>
+                </a:solidFill>
+              </a:rPr>
+              <a:t>                     p = 0.068</a:t>
+            </a:r>
+          </a:p>
+          <a:p>
+            <a:endParaRPr lang="en-US" sz="1200" dirty="0">
+              <a:solidFill>
+                <a:srgbClr val="003766"/>
+              </a:solidFill>
+            </a:endParaRPr>
+          </a:p>
+          <a:p>
+            <a:r>
+              <a:rPr lang="en-US" sz="1200" dirty="0">
+                <a:solidFill>
+                  <a:srgbClr val="003766"/>
+                </a:solidFill>
+              </a:rPr>
+              <a:t>Interpretacja:</a:t>
+            </a:r>
+          </a:p>
+          <a:p>
+            <a:r>
+              <a:rPr lang="en-US" sz="1200" dirty="0">
+                <a:solidFill>
+                  <a:srgbClr val="003766"/>
+                </a:solidFill>
+              </a:rPr>
+              <a:t>★★★ = DOMINANT effect</a:t>
+            </a:r>
+          </a:p>
+          <a:p>
+            <a:r>
+              <a:rPr lang="en-US" sz="1200" dirty="0">
+                <a:solidFill>
+                  <a:srgbClr val="003766"/>
+                </a:solidFill>
+              </a:rPr>
+              <a:t>Stage: NAJWIĘKSZY efekt (HR=2.31)</a:t>
+            </a:r>
+          </a:p>
+          <a:p>
+            <a:r>
+              <a:rPr lang="en-US" sz="1200" dirty="0">
+                <a:solidFill>
+                  <a:srgbClr val="003766"/>
+                </a:solidFill>
+              </a:rPr>
+              <a:t>miRNA: MAŁY ale znaczący efekt</a:t>
+            </a:r>
+          </a:p>
+        </p:txBody>
+      </p:sp>
+      <p:sp>
+        <p:nvSpPr>
+          <p:cNvPr id="5" name="Prostokąt 4">
+            <a:extLst>
+              <a:ext uri="{FF2B5EF4-FFF2-40B4-BE49-F238E27FC236}">
+                <a16:creationId xmlns:a16="http://schemas.microsoft.com/office/drawing/2014/main" id="{F076FF31-339E-077D-5427-E0411BD618EC}"/>
+              </a:ext>
+            </a:extLst>
+          </p:cNvPr>
+          <p:cNvSpPr/>
+          <p:nvPr/>
+        </p:nvSpPr>
+        <p:spPr>
+          <a:xfrm>
+            <a:off x="9195002" y="2088484"/>
+            <a:ext cx="4699201" cy="3933825"/>
+          </a:xfrm>
+          <a:prstGeom prst="rect">
+            <a:avLst/>
+          </a:prstGeom>
+          <a:solidFill>
+            <a:schemeClr val="bg1">
+              <a:alpha val="6000"/>
+            </a:schemeClr>
+          </a:solidFill>
+          <a:ln>
+            <a:solidFill>
+              <a:schemeClr val="bg1"/>
+            </a:solidFill>
+          </a:ln>
+        </p:spPr>
+        <p:style>
+          <a:lnRef idx="2">
+            <a:schemeClr val="accent1">
+              <a:shade val="15000"/>
+            </a:schemeClr>
+          </a:lnRef>
+          <a:fillRef idx="1">
+            <a:schemeClr val="accent1"/>
+          </a:fillRef>
+          <a:effectRef idx="0">
+            <a:schemeClr val="accent1"/>
+          </a:effectRef>
+          <a:fontRef idx="minor">
+            <a:schemeClr val="lt1"/>
+          </a:fontRef>
+        </p:style>
+        <p:txBody>
+          <a:bodyPr rtlCol="0" anchor="ctr"/>
+          <a:lstStyle/>
+          <a:p>
+            <a:r>
+              <a:rPr lang="pl-PL" sz="1200" b="1" dirty="0">
+                <a:solidFill>
+                  <a:srgbClr val="003766"/>
+                </a:solidFill>
+              </a:rPr>
+              <a:t>Co to OZNACZA dla praktyki:</a:t>
+            </a:r>
+          </a:p>
+          <a:p>
+            <a:endParaRPr lang="pl-PL" sz="1200" dirty="0">
+              <a:solidFill>
+                <a:srgbClr val="003766"/>
+              </a:solidFill>
+            </a:endParaRPr>
+          </a:p>
+          <a:p>
+            <a:r>
+              <a:rPr lang="pl-PL" sz="1200" dirty="0">
+                <a:solidFill>
+                  <a:srgbClr val="003766"/>
+                </a:solidFill>
+              </a:rPr>
+              <a:t>Stadium nadal decyduje</a:t>
+            </a:r>
+          </a:p>
+          <a:p>
+            <a:r>
+              <a:rPr lang="pl-PL" sz="1200" dirty="0">
+                <a:solidFill>
+                  <a:srgbClr val="003766"/>
+                </a:solidFill>
+              </a:rPr>
+              <a:t>  (leczenie </a:t>
+            </a:r>
+            <a:r>
+              <a:rPr lang="pl-PL" sz="1200" dirty="0" err="1">
+                <a:solidFill>
+                  <a:srgbClr val="003766"/>
+                </a:solidFill>
+              </a:rPr>
+              <a:t>Stage</a:t>
+            </a:r>
+            <a:r>
+              <a:rPr lang="pl-PL" sz="1200" dirty="0">
+                <a:solidFill>
+                  <a:srgbClr val="003766"/>
+                </a:solidFill>
+              </a:rPr>
+              <a:t> III ≠ </a:t>
+            </a:r>
+            <a:r>
+              <a:rPr lang="pl-PL" sz="1200" dirty="0" err="1">
+                <a:solidFill>
+                  <a:srgbClr val="003766"/>
+                </a:solidFill>
+              </a:rPr>
+              <a:t>Stage</a:t>
+            </a:r>
+            <a:r>
+              <a:rPr lang="pl-PL" sz="1200" dirty="0">
+                <a:solidFill>
+                  <a:srgbClr val="003766"/>
+                </a:solidFill>
+              </a:rPr>
+              <a:t> I)</a:t>
+            </a:r>
+          </a:p>
+          <a:p>
+            <a:endParaRPr lang="pl-PL" sz="1200" dirty="0">
+              <a:solidFill>
+                <a:srgbClr val="003766"/>
+              </a:solidFill>
+            </a:endParaRPr>
+          </a:p>
+          <a:p>
+            <a:r>
+              <a:rPr lang="pl-PL" sz="1200" dirty="0">
+                <a:solidFill>
+                  <a:srgbClr val="003766"/>
+                </a:solidFill>
+              </a:rPr>
+              <a:t>Ale w obrębie jednego Stadium...</a:t>
+            </a:r>
+          </a:p>
+          <a:p>
+            <a:r>
+              <a:rPr lang="pl-PL" sz="1200" dirty="0">
+                <a:solidFill>
+                  <a:srgbClr val="003766"/>
+                </a:solidFill>
+              </a:rPr>
+              <a:t>  miRNA </a:t>
+            </a:r>
+            <a:r>
+              <a:rPr lang="pl-PL" sz="1200" dirty="0" err="1">
+                <a:solidFill>
+                  <a:srgbClr val="003766"/>
+                </a:solidFill>
+              </a:rPr>
+              <a:t>score</a:t>
+            </a:r>
+            <a:r>
+              <a:rPr lang="pl-PL" sz="1200" dirty="0">
+                <a:solidFill>
+                  <a:srgbClr val="003766"/>
+                </a:solidFill>
+              </a:rPr>
+              <a:t> może stratyfikować</a:t>
+            </a:r>
+          </a:p>
+          <a:p>
+            <a:r>
+              <a:rPr lang="pl-PL" sz="1200" dirty="0">
+                <a:solidFill>
+                  <a:srgbClr val="003766"/>
+                </a:solidFill>
+              </a:rPr>
+              <a:t>  pacjentów na wyższe/niższe ryzyko</a:t>
+            </a:r>
+          </a:p>
+          <a:p>
+            <a:endParaRPr lang="pl-PL" sz="1200" dirty="0">
+              <a:solidFill>
+                <a:srgbClr val="003766"/>
+              </a:solidFill>
+            </a:endParaRPr>
+          </a:p>
+          <a:p>
+            <a:r>
+              <a:rPr lang="pl-PL" sz="1200" b="1" dirty="0">
+                <a:solidFill>
+                  <a:srgbClr val="003766"/>
+                </a:solidFill>
+              </a:rPr>
+              <a:t>Przykład:</a:t>
+            </a:r>
+          </a:p>
+          <a:p>
+            <a:r>
+              <a:rPr lang="pl-PL" sz="1200" dirty="0">
+                <a:solidFill>
+                  <a:srgbClr val="003766"/>
+                </a:solidFill>
+              </a:rPr>
+              <a:t>Dwie pacjentki, oba </a:t>
+            </a:r>
+            <a:r>
+              <a:rPr lang="pl-PL" sz="1200" dirty="0" err="1">
+                <a:solidFill>
+                  <a:srgbClr val="003766"/>
+                </a:solidFill>
+              </a:rPr>
+              <a:t>Stage</a:t>
+            </a:r>
+            <a:r>
+              <a:rPr lang="pl-PL" sz="1200" dirty="0">
+                <a:solidFill>
+                  <a:srgbClr val="003766"/>
+                </a:solidFill>
+              </a:rPr>
+              <a:t> III.</a:t>
+            </a:r>
+          </a:p>
+          <a:p>
+            <a:r>
+              <a:rPr lang="pl-PL" sz="1200" dirty="0">
+                <a:solidFill>
+                  <a:srgbClr val="003766"/>
+                </a:solidFill>
+              </a:rPr>
+              <a:t>Jedna: miRNA-HIGH (25% </a:t>
+            </a:r>
+            <a:r>
+              <a:rPr lang="pl-PL" sz="1200" dirty="0" err="1">
+                <a:solidFill>
+                  <a:srgbClr val="003766"/>
+                </a:solidFill>
+              </a:rPr>
+              <a:t>survival</a:t>
+            </a:r>
+            <a:r>
+              <a:rPr lang="pl-PL" sz="1200" dirty="0">
+                <a:solidFill>
+                  <a:srgbClr val="003766"/>
+                </a:solidFill>
+              </a:rPr>
+              <a:t>)</a:t>
+            </a:r>
+          </a:p>
+          <a:p>
+            <a:r>
+              <a:rPr lang="pl-PL" sz="1200" dirty="0">
+                <a:solidFill>
+                  <a:srgbClr val="003766"/>
+                </a:solidFill>
+              </a:rPr>
+              <a:t>Druga: miRNA-LOW (35% </a:t>
+            </a:r>
+            <a:r>
+              <a:rPr lang="pl-PL" sz="1200" dirty="0" err="1">
+                <a:solidFill>
+                  <a:srgbClr val="003766"/>
+                </a:solidFill>
+              </a:rPr>
+              <a:t>survival</a:t>
+            </a:r>
+            <a:r>
+              <a:rPr lang="pl-PL" sz="1200" dirty="0">
+                <a:solidFill>
+                  <a:srgbClr val="003766"/>
+                </a:solidFill>
+              </a:rPr>
+              <a:t>)</a:t>
+            </a:r>
+          </a:p>
+          <a:p>
+            <a:endParaRPr lang="pl-PL" sz="1200" dirty="0">
+              <a:solidFill>
+                <a:srgbClr val="003766"/>
+              </a:solidFill>
+            </a:endParaRPr>
+          </a:p>
+          <a:p>
+            <a:r>
+              <a:rPr lang="pl-PL" sz="1200" dirty="0">
+                <a:solidFill>
+                  <a:srgbClr val="003766"/>
+                </a:solidFill>
+              </a:rPr>
+              <a:t>To 40% RÓŻNICA w ryzyku!</a:t>
+            </a:r>
+          </a:p>
+          <a:p>
+            <a:r>
+              <a:rPr lang="pl-PL" sz="1200" dirty="0">
+                <a:solidFill>
+                  <a:srgbClr val="003766"/>
+                </a:solidFill>
+              </a:rPr>
+              <a:t>(Może wpłynąć na decyzję leczenia)</a:t>
+            </a:r>
+          </a:p>
+          <a:p>
+            <a:endParaRPr lang="pl-PL" sz="1200" dirty="0">
+              <a:solidFill>
+                <a:srgbClr val="003766"/>
+              </a:solidFill>
+            </a:endParaRPr>
+          </a:p>
+          <a:p>
+            <a:r>
+              <a:rPr lang="pl-PL" sz="1200" dirty="0">
+                <a:solidFill>
+                  <a:srgbClr val="003766"/>
+                </a:solidFill>
+              </a:rPr>
+              <a:t> </a:t>
+            </a:r>
+            <a:r>
+              <a:rPr lang="pl-PL" sz="1200" b="1" dirty="0">
+                <a:solidFill>
+                  <a:srgbClr val="003766"/>
+                </a:solidFill>
+              </a:rPr>
+              <a:t>LIMITS:</a:t>
+            </a:r>
+          </a:p>
+          <a:p>
+            <a:r>
+              <a:rPr lang="pl-PL" sz="1200" dirty="0">
+                <a:solidFill>
+                  <a:srgbClr val="003766"/>
+                </a:solidFill>
+              </a:rPr>
+              <a:t>• Test </a:t>
+            </a:r>
+            <a:r>
+              <a:rPr lang="pl-PL" sz="1200" dirty="0" err="1">
+                <a:solidFill>
+                  <a:srgbClr val="003766"/>
+                </a:solidFill>
+              </a:rPr>
+              <a:t>cohort</a:t>
+            </a:r>
+            <a:r>
+              <a:rPr lang="pl-PL" sz="1200" dirty="0">
+                <a:solidFill>
+                  <a:srgbClr val="003766"/>
+                </a:solidFill>
+              </a:rPr>
+              <a:t> mały (n=365)</a:t>
+            </a:r>
+          </a:p>
+          <a:p>
+            <a:r>
+              <a:rPr lang="pl-PL" sz="1200" dirty="0">
+                <a:solidFill>
+                  <a:srgbClr val="003766"/>
+                </a:solidFill>
+              </a:rPr>
+              <a:t>• p = 0.042 jest pogranicze</a:t>
+            </a:r>
+          </a:p>
+          <a:p>
+            <a:r>
+              <a:rPr lang="pl-PL" sz="1200" dirty="0">
+                <a:solidFill>
+                  <a:srgbClr val="003766"/>
+                </a:solidFill>
+              </a:rPr>
+              <a:t>• Wymaga </a:t>
+            </a:r>
+            <a:r>
+              <a:rPr lang="pl-PL" sz="1200" dirty="0" err="1">
+                <a:solidFill>
+                  <a:srgbClr val="003766"/>
+                </a:solidFill>
+              </a:rPr>
+              <a:t>validacji</a:t>
+            </a:r>
+            <a:r>
+              <a:rPr lang="pl-PL" sz="1200" dirty="0">
+                <a:solidFill>
+                  <a:srgbClr val="003766"/>
+                </a:solidFill>
+              </a:rPr>
+              <a:t> w innym </a:t>
+            </a:r>
+            <a:r>
+              <a:rPr lang="pl-PL" sz="1200" dirty="0" err="1">
+                <a:solidFill>
+                  <a:srgbClr val="003766"/>
+                </a:solidFill>
+              </a:rPr>
+              <a:t>cohort</a:t>
+            </a:r>
+            <a:endParaRPr lang="pl-PL" sz="1200" dirty="0">
+              <a:solidFill>
+                <a:srgbClr val="003766"/>
+              </a:solidFill>
+            </a:endParaRPr>
+          </a:p>
+        </p:txBody>
+      </p:sp>
+      <p:pic>
+        <p:nvPicPr>
+          <p:cNvPr id="7" name="Obraz 6">
+            <a:extLst>
+              <a:ext uri="{FF2B5EF4-FFF2-40B4-BE49-F238E27FC236}">
+                <a16:creationId xmlns:a16="http://schemas.microsoft.com/office/drawing/2014/main" id="{A9BAFB3D-709E-D006-A034-4C804A2791F2}"/>
+              </a:ext>
+            </a:extLst>
+          </p:cNvPr>
+          <p:cNvPicPr>
+            <a:picLocks noChangeAspect="1"/>
+          </p:cNvPicPr>
+          <p:nvPr/>
+        </p:nvPicPr>
+        <p:blipFill>
+          <a:blip r:embed="rId4"/>
+          <a:stretch>
+            <a:fillRect/>
+          </a:stretch>
+        </p:blipFill>
+        <p:spPr>
+          <a:xfrm>
+            <a:off x="3369997" y="1941563"/>
+            <a:ext cx="5602553" cy="4227666"/>
+          </a:xfrm>
+          <a:prstGeom prst="rect">
+            <a:avLst/>
+          </a:prstGeom>
+        </p:spPr>
+      </p:pic>
+    </p:spTree>
+    <p:extLst>
+      <p:ext uri="{BB962C8B-B14F-4D97-AF65-F5344CB8AC3E}">
+        <p14:creationId xmlns:p14="http://schemas.microsoft.com/office/powerpoint/2010/main" val="1145396524"/>
+      </p:ext>
+    </p:extLst>
+  </p:cSld>
+  <p:clrMapOvr>
+    <a:masterClrMapping/>
+  </p:clrMapOvr>
+  <p:extLst>
+    <p:ext uri="{6950BFC3-D8DA-4A85-94F7-54DA5524770B}">
+      <p188:commentRel xmlns:p188="http://schemas.microsoft.com/office/powerpoint/2018/8/main" r:id="rId2"/>
+    </p:ext>
+  </p:extLst>
+</p:sld>
+</file>
+
+<file path=ppt/slides/slide8.xml><?xml version="1.0" encoding="utf-8"?>
+<p:sld xmlns:a="http://schemas.openxmlformats.org/drawingml/2006/main" xmlns:r="http://schemas.openxmlformats.org/officeDocument/2006/relationships" xmlns:p="http://schemas.openxmlformats.org/presentationml/2006/main">
+  <p:cSld>
+    <p:spTree>
+      <p:nvGrpSpPr>
+        <p:cNvPr id="1" name=""/>
+        <p:cNvGrpSpPr/>
+        <p:nvPr/>
+      </p:nvGrpSpPr>
+      <p:grpSpPr>
+        <a:xfrm>
+          <a:off x="0" y="0"/>
+          <a:ext cx="0" cy="0"/>
+          <a:chOff x="0" y="0"/>
+          <a:chExt cx="0" cy="0"/>
+        </a:xfrm>
+      </p:grpSpPr>
+      <p:sp>
+        <p:nvSpPr>
+          <p:cNvPr id="2" name="Tytuł 1">
+            <a:extLst>
+              <a:ext uri="{FF2B5EF4-FFF2-40B4-BE49-F238E27FC236}">
+                <a16:creationId xmlns:a16="http://schemas.microsoft.com/office/drawing/2014/main" id="{F9738B88-3C9E-334E-C76D-CF3A7D99DA9A}"/>
+              </a:ext>
+            </a:extLst>
+          </p:cNvPr>
+          <p:cNvSpPr>
+            <a:spLocks noGrp="1"/>
+          </p:cNvSpPr>
+          <p:nvPr>
+            <p:ph type="title"/>
+          </p:nvPr>
+        </p:nvSpPr>
+        <p:spPr>
+          <a:xfrm>
+            <a:off x="5213459" y="144557"/>
+            <a:ext cx="7178566" cy="1199821"/>
+          </a:xfrm>
+        </p:spPr>
+        <p:txBody>
+          <a:bodyPr>
+            <a:normAutofit/>
+          </a:bodyPr>
+          <a:lstStyle/>
+          <a:p>
+            <a:r>
+              <a:rPr lang="pl-PL" sz="2800" b="1" i="0" dirty="0">
+                <a:solidFill>
+                  <a:schemeClr val="accent1">
+                    <a:lumMod val="50000"/>
+                  </a:schemeClr>
+                </a:solidFill>
+                <a:effectLst/>
+              </a:rPr>
+              <a:t>Podsumowanie: Odkrycie, Limity, Przyszłość</a:t>
+            </a:r>
+            <a:endParaRPr lang="pl-PL" sz="2800" b="1" dirty="0">
+              <a:solidFill>
+                <a:schemeClr val="accent1">
+                  <a:lumMod val="50000"/>
+                </a:schemeClr>
+              </a:solidFill>
+            </a:endParaRPr>
+          </a:p>
+        </p:txBody>
+      </p:sp>
+      <p:pic>
+        <p:nvPicPr>
+          <p:cNvPr id="11" name="Symbol zastępczy zawartości 10" descr="Obraz zawierający zrzut ekranu, Czcionka, Grafika, tekst&#10;&#10;Opis wygenerowany automatycznie">
+            <a:extLst>
+              <a:ext uri="{FF2B5EF4-FFF2-40B4-BE49-F238E27FC236}">
+                <a16:creationId xmlns:a16="http://schemas.microsoft.com/office/drawing/2014/main" id="{46D80C71-A10F-D7AA-EE52-6D9F4EDE7A51}"/>
+              </a:ext>
+            </a:extLst>
+          </p:cNvPr>
+          <p:cNvPicPr>
+            <a:picLocks noGrp="1" noChangeAspect="1"/>
+          </p:cNvPicPr>
+          <p:nvPr>
+            <p:ph idx="1"/>
+          </p:nvPr>
+        </p:nvPicPr>
+        <p:blipFill>
+          <a:blip r:embed="rId3"/>
+          <a:stretch>
+            <a:fillRect/>
+          </a:stretch>
+        </p:blipFill>
+        <p:spPr>
+          <a:xfrm>
+            <a:off x="-479626" y="-1431202"/>
+            <a:ext cx="6150378" cy="4351338"/>
+          </a:xfrm>
+        </p:spPr>
+      </p:pic>
+      <p:cxnSp>
+        <p:nvCxnSpPr>
+          <p:cNvPr id="14" name="Łącznik prosty 13">
+            <a:extLst>
+              <a:ext uri="{FF2B5EF4-FFF2-40B4-BE49-F238E27FC236}">
+                <a16:creationId xmlns:a16="http://schemas.microsoft.com/office/drawing/2014/main" id="{F4B14A33-E755-D357-DC4E-5CF0312101D4}"/>
+              </a:ext>
+            </a:extLst>
+          </p:cNvPr>
+          <p:cNvCxnSpPr/>
+          <p:nvPr/>
+        </p:nvCxnSpPr>
+        <p:spPr>
+          <a:xfrm>
+            <a:off x="5213459" y="389744"/>
+            <a:ext cx="0" cy="709448"/>
+          </a:xfrm>
+          <a:prstGeom prst="line">
+            <a:avLst/>
+          </a:prstGeom>
+          <a:ln>
+            <a:solidFill>
+              <a:srgbClr val="003766"/>
+            </a:solidFill>
+          </a:ln>
+          <a:effectLst>
+            <a:outerShdw blurRad="50800" dist="38100" dir="2700000" algn="tl" rotWithShape="0">
+              <a:prstClr val="black">
+                <a:alpha val="40000"/>
+              </a:prstClr>
+            </a:outerShdw>
+          </a:effectLst>
+        </p:spPr>
+        <p:style>
+          <a:lnRef idx="1">
+            <a:schemeClr val="accent1"/>
+          </a:lnRef>
+          <a:fillRef idx="0">
+            <a:schemeClr val="accent1"/>
+          </a:fillRef>
+          <a:effectRef idx="0">
+            <a:schemeClr val="accent1"/>
+          </a:effectRef>
+          <a:fontRef idx="minor">
+            <a:schemeClr val="tx1"/>
+          </a:fontRef>
+        </p:style>
+      </p:cxnSp>
+      <p:sp>
+        <p:nvSpPr>
+          <p:cNvPr id="3" name="Prostokąt 2">
+            <a:extLst>
+              <a:ext uri="{FF2B5EF4-FFF2-40B4-BE49-F238E27FC236}">
+                <a16:creationId xmlns:a16="http://schemas.microsoft.com/office/drawing/2014/main" id="{0197BD8F-85D0-6EB2-BADE-E3D3FEBEC09E}"/>
+              </a:ext>
+            </a:extLst>
+          </p:cNvPr>
+          <p:cNvSpPr/>
+          <p:nvPr/>
+        </p:nvSpPr>
+        <p:spPr>
+          <a:xfrm>
+            <a:off x="201103" y="1197483"/>
+            <a:ext cx="3646433" cy="4667250"/>
+          </a:xfrm>
+          <a:prstGeom prst="rect">
+            <a:avLst/>
+          </a:prstGeom>
+          <a:solidFill>
+            <a:schemeClr val="accent6">
+              <a:lumMod val="75000"/>
+              <a:alpha val="6000"/>
+            </a:schemeClr>
+          </a:solidFill>
+          <a:ln>
+            <a:solidFill>
+              <a:schemeClr val="accent6">
+                <a:lumMod val="60000"/>
+                <a:lumOff val="40000"/>
+              </a:schemeClr>
+            </a:solidFill>
+          </a:ln>
+        </p:spPr>
+        <p:style>
+          <a:lnRef idx="2">
+            <a:schemeClr val="accent1">
+              <a:shade val="15000"/>
+            </a:schemeClr>
+          </a:lnRef>
+          <a:fillRef idx="1">
+            <a:schemeClr val="accent1"/>
+          </a:fillRef>
+          <a:effectRef idx="0">
+            <a:schemeClr val="accent1"/>
+          </a:effectRef>
+          <a:fontRef idx="minor">
+            <a:schemeClr val="lt1"/>
+          </a:fontRef>
+        </p:style>
+        <p:txBody>
+          <a:bodyPr rtlCol="0" anchor="ctr"/>
+          <a:lstStyle/>
+          <a:p>
+            <a:r>
+              <a:rPr lang="pl-PL" b="1" dirty="0">
+                <a:solidFill>
+                  <a:srgbClr val="003766"/>
+                </a:solidFill>
+              </a:rPr>
+              <a:t>NASZE ODKRYCIE:</a:t>
+            </a:r>
+            <a:endParaRPr lang="en-US" b="1" dirty="0">
+              <a:solidFill>
+                <a:srgbClr val="003766"/>
+              </a:solidFill>
+            </a:endParaRPr>
+          </a:p>
+          <a:p>
+            <a:endParaRPr lang="pl-PL" sz="1400" dirty="0">
+              <a:solidFill>
+                <a:srgbClr val="003766"/>
+              </a:solidFill>
+            </a:endParaRPr>
+          </a:p>
+          <a:p>
+            <a:r>
+              <a:rPr lang="en-US" sz="1400" dirty="0">
+                <a:solidFill>
+                  <a:srgbClr val="003766"/>
+                </a:solidFill>
+              </a:rPr>
+              <a:t>1. Basal-like ≠ "passive loss"</a:t>
+            </a:r>
+          </a:p>
+          <a:p>
+            <a:r>
+              <a:rPr lang="en-US" sz="1400" dirty="0">
+                <a:solidFill>
+                  <a:srgbClr val="003766"/>
+                </a:solidFill>
+              </a:rPr>
+              <a:t>   → It's ACTIVE suppression</a:t>
+            </a:r>
+          </a:p>
+          <a:p>
+            <a:r>
+              <a:rPr lang="en-US" sz="1400" dirty="0">
+                <a:solidFill>
+                  <a:srgbClr val="003766"/>
+                </a:solidFill>
+              </a:rPr>
+              <a:t>   by miR-17/20a/210 axis</a:t>
+            </a:r>
+          </a:p>
+          <a:p>
+            <a:endParaRPr lang="en-US" sz="1400" dirty="0">
+              <a:solidFill>
+                <a:srgbClr val="003766"/>
+              </a:solidFill>
+            </a:endParaRPr>
+          </a:p>
+          <a:p>
+            <a:r>
+              <a:rPr lang="en-US" sz="1400" dirty="0">
+                <a:solidFill>
+                  <a:srgbClr val="003766"/>
+                </a:solidFill>
+              </a:rPr>
+              <a:t>2. FOXA1 &amp; ESR1 are targets</a:t>
+            </a:r>
+          </a:p>
+          <a:p>
+            <a:r>
+              <a:rPr lang="en-US" sz="1400" dirty="0">
+                <a:solidFill>
+                  <a:srgbClr val="003766"/>
+                </a:solidFill>
+              </a:rPr>
+              <a:t>   3'UTR binding confirmed</a:t>
+            </a:r>
+          </a:p>
+          <a:p>
+            <a:r>
+              <a:rPr lang="en-US" sz="1400" dirty="0">
+                <a:solidFill>
+                  <a:srgbClr val="003766"/>
+                </a:solidFill>
+              </a:rPr>
+              <a:t>   (</a:t>
+            </a:r>
+            <a:r>
+              <a:rPr lang="en-US" sz="1400" dirty="0" err="1">
+                <a:solidFill>
+                  <a:srgbClr val="003766"/>
+                </a:solidFill>
+              </a:rPr>
+              <a:t>TargetScan</a:t>
+            </a:r>
+            <a:r>
+              <a:rPr lang="en-US" sz="1400" dirty="0">
+                <a:solidFill>
+                  <a:srgbClr val="003766"/>
+                </a:solidFill>
+              </a:rPr>
+              <a:t> + </a:t>
+            </a:r>
+            <a:r>
+              <a:rPr lang="en-US" sz="1400" dirty="0" err="1">
+                <a:solidFill>
+                  <a:srgbClr val="003766"/>
+                </a:solidFill>
+              </a:rPr>
+              <a:t>miRDB</a:t>
+            </a:r>
+            <a:r>
+              <a:rPr lang="en-US" sz="1400" dirty="0">
+                <a:solidFill>
+                  <a:srgbClr val="003766"/>
+                </a:solidFill>
+              </a:rPr>
+              <a:t> consensus)</a:t>
+            </a:r>
+          </a:p>
+          <a:p>
+            <a:endParaRPr lang="en-US" sz="1400" dirty="0">
+              <a:solidFill>
+                <a:srgbClr val="003766"/>
+              </a:solidFill>
+            </a:endParaRPr>
+          </a:p>
+          <a:p>
+            <a:r>
+              <a:rPr lang="en-US" sz="1400" dirty="0">
+                <a:solidFill>
+                  <a:srgbClr val="003766"/>
+                </a:solidFill>
+              </a:rPr>
+              <a:t>3. mRNA ≠ Protein</a:t>
+            </a:r>
+          </a:p>
+          <a:p>
+            <a:r>
+              <a:rPr lang="en-US" sz="1400" dirty="0">
+                <a:solidFill>
+                  <a:srgbClr val="003766"/>
+                </a:solidFill>
+              </a:rPr>
+              <a:t>   (70% variance unexplained)</a:t>
+            </a:r>
+          </a:p>
+          <a:p>
+            <a:r>
+              <a:rPr lang="en-US" sz="1400" dirty="0">
+                <a:solidFill>
+                  <a:srgbClr val="003766"/>
+                </a:solidFill>
+              </a:rPr>
+              <a:t>   Multi-omics reveals mechanism</a:t>
+            </a:r>
+          </a:p>
+          <a:p>
+            <a:endParaRPr lang="en-US" sz="1400" dirty="0">
+              <a:solidFill>
+                <a:srgbClr val="003766"/>
+              </a:solidFill>
+            </a:endParaRPr>
+          </a:p>
+          <a:p>
+            <a:r>
+              <a:rPr lang="en-US" sz="1400" dirty="0">
+                <a:solidFill>
+                  <a:srgbClr val="003766"/>
+                </a:solidFill>
+              </a:rPr>
+              <a:t>4. Luminal B: high Ki-67 phenotype</a:t>
+            </a:r>
+          </a:p>
+          <a:p>
+            <a:r>
+              <a:rPr lang="en-US" sz="1400" dirty="0">
+                <a:solidFill>
+                  <a:srgbClr val="003766"/>
+                </a:solidFill>
+              </a:rPr>
+              <a:t>   driven by miR-210 + PGR loss</a:t>
+            </a:r>
+          </a:p>
+          <a:p>
+            <a:endParaRPr lang="en-US" sz="1400" dirty="0">
+              <a:solidFill>
+                <a:srgbClr val="003766"/>
+              </a:solidFill>
+            </a:endParaRPr>
+          </a:p>
+          <a:p>
+            <a:r>
+              <a:rPr lang="en-US" sz="1600" b="1" dirty="0">
+                <a:solidFill>
+                  <a:srgbClr val="003766"/>
+                </a:solidFill>
+              </a:rPr>
+              <a:t>"Guzy </a:t>
+            </a:r>
+            <a:r>
+              <a:rPr lang="en-US" sz="1600" b="1" dirty="0" err="1">
+                <a:solidFill>
+                  <a:srgbClr val="003766"/>
+                </a:solidFill>
+              </a:rPr>
+              <a:t>wyłączają</a:t>
+            </a:r>
+            <a:r>
+              <a:rPr lang="en-US" sz="1600" b="1" dirty="0">
+                <a:solidFill>
+                  <a:srgbClr val="003766"/>
+                </a:solidFill>
+              </a:rPr>
+              <a:t> </a:t>
+            </a:r>
+            <a:r>
+              <a:rPr lang="en-US" sz="1600" b="1" dirty="0" err="1">
+                <a:solidFill>
+                  <a:srgbClr val="003766"/>
+                </a:solidFill>
+              </a:rPr>
+              <a:t>hamulce</a:t>
+            </a:r>
+            <a:endParaRPr lang="en-US" sz="1600" b="1" dirty="0">
+              <a:solidFill>
+                <a:srgbClr val="003766"/>
+              </a:solidFill>
+            </a:endParaRPr>
+          </a:p>
+          <a:p>
+            <a:r>
+              <a:rPr lang="en-US" sz="1600" b="1" dirty="0">
+                <a:solidFill>
+                  <a:srgbClr val="003766"/>
+                </a:solidFill>
+              </a:rPr>
+              <a:t> </a:t>
+            </a:r>
+            <a:r>
+              <a:rPr lang="en-US" sz="1600" b="1" dirty="0" err="1">
+                <a:solidFill>
+                  <a:srgbClr val="003766"/>
+                </a:solidFill>
+              </a:rPr>
+              <a:t>nie</a:t>
+            </a:r>
+            <a:r>
+              <a:rPr lang="en-US" sz="1600" b="1" dirty="0">
+                <a:solidFill>
+                  <a:srgbClr val="003766"/>
+                </a:solidFill>
+              </a:rPr>
+              <a:t> </a:t>
+            </a:r>
+            <a:r>
+              <a:rPr lang="en-US" sz="1600" b="1" dirty="0" err="1">
+                <a:solidFill>
+                  <a:srgbClr val="003766"/>
+                </a:solidFill>
+              </a:rPr>
+              <a:t>przypadkowo</a:t>
+            </a:r>
+            <a:r>
+              <a:rPr lang="en-US" sz="1600" b="1" dirty="0">
+                <a:solidFill>
+                  <a:srgbClr val="003766"/>
+                </a:solidFill>
+              </a:rPr>
+              <a:t> – </a:t>
+            </a:r>
+            <a:r>
+              <a:rPr lang="en-US" sz="1600" b="1" dirty="0" err="1">
+                <a:solidFill>
+                  <a:srgbClr val="003766"/>
+                </a:solidFill>
+              </a:rPr>
+              <a:t>aktywnie</a:t>
+            </a:r>
+            <a:r>
+              <a:rPr lang="en-US" sz="1600" b="1" dirty="0">
+                <a:solidFill>
+                  <a:srgbClr val="003766"/>
+                </a:solidFill>
+              </a:rPr>
+              <a:t>!"</a:t>
+            </a:r>
+          </a:p>
+        </p:txBody>
+      </p:sp>
+      <p:sp>
+        <p:nvSpPr>
+          <p:cNvPr id="7" name="Prostokąt 6">
+            <a:extLst>
+              <a:ext uri="{FF2B5EF4-FFF2-40B4-BE49-F238E27FC236}">
+                <a16:creationId xmlns:a16="http://schemas.microsoft.com/office/drawing/2014/main" id="{C60A85E7-5875-0213-108F-642526516838}"/>
+              </a:ext>
+            </a:extLst>
+          </p:cNvPr>
+          <p:cNvSpPr/>
+          <p:nvPr/>
+        </p:nvSpPr>
+        <p:spPr>
+          <a:xfrm>
+            <a:off x="3966880" y="1197483"/>
+            <a:ext cx="4013961" cy="5031867"/>
+          </a:xfrm>
+          <a:prstGeom prst="rect">
+            <a:avLst/>
+          </a:prstGeom>
+          <a:solidFill>
+            <a:schemeClr val="accent4">
+              <a:lumMod val="75000"/>
+              <a:alpha val="6000"/>
+            </a:schemeClr>
+          </a:solidFill>
+          <a:ln>
+            <a:solidFill>
+              <a:srgbClr val="FFC000"/>
+            </a:solidFill>
+          </a:ln>
+        </p:spPr>
+        <p:style>
+          <a:lnRef idx="2">
+            <a:schemeClr val="accent1">
+              <a:shade val="15000"/>
+            </a:schemeClr>
+          </a:lnRef>
+          <a:fillRef idx="1">
+            <a:schemeClr val="accent1"/>
+          </a:fillRef>
+          <a:effectRef idx="0">
+            <a:schemeClr val="accent1"/>
+          </a:effectRef>
+          <a:fontRef idx="minor">
+            <a:schemeClr val="lt1"/>
+          </a:fontRef>
+        </p:style>
+        <p:txBody>
+          <a:bodyPr rtlCol="0" anchor="ctr"/>
+          <a:lstStyle/>
+          <a:p>
+            <a:r>
+              <a:rPr lang="pl-PL" b="1" dirty="0">
+                <a:solidFill>
+                  <a:srgbClr val="003766"/>
+                </a:solidFill>
+              </a:rPr>
+              <a:t>NASZE LIMITY:</a:t>
+            </a:r>
+            <a:endParaRPr lang="en-US" b="1" dirty="0">
+              <a:solidFill>
+                <a:srgbClr val="003766"/>
+              </a:solidFill>
+            </a:endParaRPr>
+          </a:p>
+          <a:p>
+            <a:endParaRPr lang="en-US" sz="1300" dirty="0">
+              <a:solidFill>
+                <a:srgbClr val="003766"/>
+              </a:solidFill>
+            </a:endParaRPr>
+          </a:p>
+          <a:p>
+            <a:r>
+              <a:rPr lang="en-US" sz="1300" dirty="0">
+                <a:solidFill>
+                  <a:srgbClr val="003766"/>
+                </a:solidFill>
+              </a:rPr>
+              <a:t>1. No experimental validation</a:t>
+            </a:r>
+          </a:p>
+          <a:p>
+            <a:r>
+              <a:rPr lang="en-US" sz="1300" dirty="0">
+                <a:solidFill>
+                  <a:srgbClr val="003766"/>
+                </a:solidFill>
+              </a:rPr>
+              <a:t>   • Need: Luciferase assays</a:t>
+            </a:r>
+          </a:p>
+          <a:p>
+            <a:r>
+              <a:rPr lang="en-US" sz="1300" dirty="0">
+                <a:solidFill>
+                  <a:srgbClr val="003766"/>
+                </a:solidFill>
+              </a:rPr>
+              <a:t>   • Need: CLIP-seq (cells)</a:t>
+            </a:r>
+          </a:p>
+          <a:p>
+            <a:r>
+              <a:rPr lang="en-US" sz="1300" dirty="0">
+                <a:solidFill>
+                  <a:srgbClr val="003766"/>
+                </a:solidFill>
+              </a:rPr>
+              <a:t>   • Need: Therapeutic knockdown</a:t>
+            </a:r>
+          </a:p>
+          <a:p>
+            <a:r>
+              <a:rPr lang="en-US" sz="1300" dirty="0">
+                <a:solidFill>
+                  <a:srgbClr val="003766"/>
+                </a:solidFill>
+              </a:rPr>
+              <a:t>   → Proves causation, not correlation</a:t>
+            </a:r>
+          </a:p>
+          <a:p>
+            <a:endParaRPr lang="en-US" sz="1300" dirty="0">
+              <a:solidFill>
+                <a:srgbClr val="003766"/>
+              </a:solidFill>
+            </a:endParaRPr>
+          </a:p>
+          <a:p>
+            <a:r>
+              <a:rPr lang="en-US" sz="1300" dirty="0">
+                <a:solidFill>
+                  <a:srgbClr val="003766"/>
+                </a:solidFill>
+              </a:rPr>
+              <a:t>2. TCGA bias</a:t>
+            </a:r>
+          </a:p>
+          <a:p>
+            <a:r>
+              <a:rPr lang="en-US" sz="1300" dirty="0">
+                <a:solidFill>
+                  <a:srgbClr val="003766"/>
+                </a:solidFill>
+              </a:rPr>
+              <a:t>   • Tertiary centers (2009-2013)</a:t>
+            </a:r>
+          </a:p>
+          <a:p>
+            <a:r>
+              <a:rPr lang="en-US" sz="1300" dirty="0">
+                <a:solidFill>
+                  <a:srgbClr val="003766"/>
+                </a:solidFill>
+              </a:rPr>
+              <a:t>   • May not represent population</a:t>
+            </a:r>
+          </a:p>
+          <a:p>
+            <a:r>
+              <a:rPr lang="en-US" sz="1300" dirty="0">
+                <a:solidFill>
+                  <a:srgbClr val="003766"/>
+                </a:solidFill>
+              </a:rPr>
+              <a:t>   • Need: External validation</a:t>
+            </a:r>
+          </a:p>
+          <a:p>
+            <a:r>
+              <a:rPr lang="en-US" sz="1300" dirty="0">
+                <a:solidFill>
+                  <a:srgbClr val="003766"/>
+                </a:solidFill>
+              </a:rPr>
+              <a:t>     (METABRIC, ICGC-BRCA)</a:t>
+            </a:r>
+          </a:p>
+          <a:p>
+            <a:endParaRPr lang="en-US" sz="1300" dirty="0">
+              <a:solidFill>
+                <a:srgbClr val="003766"/>
+              </a:solidFill>
+            </a:endParaRPr>
+          </a:p>
+          <a:p>
+            <a:r>
+              <a:rPr lang="en-US" sz="1300" dirty="0">
+                <a:solidFill>
+                  <a:srgbClr val="003766"/>
+                </a:solidFill>
+              </a:rPr>
+              <a:t>3. Marginal p-values</a:t>
+            </a:r>
+          </a:p>
+          <a:p>
+            <a:r>
+              <a:rPr lang="en-US" sz="1300" dirty="0">
+                <a:solidFill>
+                  <a:srgbClr val="003766"/>
+                </a:solidFill>
+              </a:rPr>
+              <a:t>   • miRNA score p = 0.068</a:t>
+            </a:r>
+          </a:p>
+          <a:p>
+            <a:r>
+              <a:rPr lang="en-US" sz="1300" dirty="0">
+                <a:solidFill>
+                  <a:srgbClr val="003766"/>
+                </a:solidFill>
+              </a:rPr>
+              <a:t>   • Multiple testing concerns</a:t>
+            </a:r>
+          </a:p>
+          <a:p>
+            <a:endParaRPr lang="en-US" sz="1300" dirty="0">
+              <a:solidFill>
+                <a:srgbClr val="003766"/>
+              </a:solidFill>
+            </a:endParaRPr>
+          </a:p>
+          <a:p>
+            <a:r>
+              <a:rPr lang="en-US" sz="1300" dirty="0">
+                <a:solidFill>
+                  <a:srgbClr val="003766"/>
+                </a:solidFill>
+              </a:rPr>
+              <a:t>4. Small test cohort (n=365)</a:t>
+            </a:r>
+          </a:p>
+          <a:p>
+            <a:r>
+              <a:rPr lang="en-US" sz="1300" dirty="0">
+                <a:solidFill>
+                  <a:srgbClr val="003766"/>
+                </a:solidFill>
+              </a:rPr>
+              <a:t>   • May lack power for</a:t>
+            </a:r>
+          </a:p>
+          <a:p>
+            <a:r>
+              <a:rPr lang="en-US" sz="1300" dirty="0">
+                <a:solidFill>
+                  <a:srgbClr val="003766"/>
+                </a:solidFill>
+              </a:rPr>
+              <a:t>     subtype-specific findings</a:t>
+            </a:r>
+          </a:p>
+          <a:p>
+            <a:endParaRPr lang="en-US" sz="1300" dirty="0">
+              <a:solidFill>
+                <a:srgbClr val="003766"/>
+              </a:solidFill>
+            </a:endParaRPr>
+          </a:p>
+          <a:p>
+            <a:r>
+              <a:rPr lang="en-US" sz="1600" b="1" dirty="0">
+                <a:solidFill>
+                  <a:srgbClr val="003766"/>
+                </a:solidFill>
+              </a:rPr>
+              <a:t>HONESTY IS BEST SCIENCE!</a:t>
+            </a:r>
+          </a:p>
+        </p:txBody>
+      </p:sp>
+      <p:sp>
+        <p:nvSpPr>
+          <p:cNvPr id="8" name="Prostokąt 7">
+            <a:extLst>
+              <a:ext uri="{FF2B5EF4-FFF2-40B4-BE49-F238E27FC236}">
+                <a16:creationId xmlns:a16="http://schemas.microsoft.com/office/drawing/2014/main" id="{B28BEA59-5953-6A8D-AF68-67231F2F8B43}"/>
+              </a:ext>
+            </a:extLst>
+          </p:cNvPr>
+          <p:cNvSpPr/>
+          <p:nvPr/>
+        </p:nvSpPr>
+        <p:spPr>
+          <a:xfrm>
+            <a:off x="8100185" y="1197483"/>
+            <a:ext cx="4013961" cy="5515960"/>
+          </a:xfrm>
+          <a:prstGeom prst="rect">
+            <a:avLst/>
+          </a:prstGeom>
+          <a:solidFill>
+            <a:srgbClr val="7030A0">
+              <a:alpha val="6000"/>
+            </a:srgbClr>
+          </a:solidFill>
+          <a:ln>
+            <a:solidFill>
+              <a:srgbClr val="7030A0"/>
+            </a:solidFill>
+          </a:ln>
+        </p:spPr>
+        <p:style>
+          <a:lnRef idx="2">
+            <a:schemeClr val="accent1">
+              <a:shade val="15000"/>
+            </a:schemeClr>
+          </a:lnRef>
+          <a:fillRef idx="1">
+            <a:schemeClr val="accent1"/>
+          </a:fillRef>
+          <a:effectRef idx="0">
+            <a:schemeClr val="accent1"/>
+          </a:effectRef>
+          <a:fontRef idx="minor">
+            <a:schemeClr val="lt1"/>
+          </a:fontRef>
+        </p:style>
+        <p:txBody>
+          <a:bodyPr rtlCol="0" anchor="ctr"/>
+          <a:lstStyle/>
+          <a:p>
+            <a:r>
+              <a:rPr lang="pl-PL" b="1" dirty="0">
+                <a:solidFill>
+                  <a:srgbClr val="003766"/>
+                </a:solidFill>
+              </a:rPr>
+              <a:t>PRZYSZŁOŚĆ</a:t>
+            </a:r>
+            <a:endParaRPr lang="en-US" sz="1400" b="1" dirty="0">
+              <a:solidFill>
+                <a:srgbClr val="003766"/>
+              </a:solidFill>
+            </a:endParaRPr>
+          </a:p>
+          <a:p>
+            <a:endParaRPr lang="en-US" sz="1100" dirty="0">
+              <a:solidFill>
+                <a:srgbClr val="003766"/>
+              </a:solidFill>
+            </a:endParaRPr>
+          </a:p>
+          <a:p>
+            <a:r>
+              <a:rPr lang="en-US" sz="1100" dirty="0">
+                <a:solidFill>
+                  <a:srgbClr val="003766"/>
+                </a:solidFill>
+              </a:rPr>
+              <a:t>IMMEDIATE (1-2 </a:t>
+            </a:r>
+            <a:r>
+              <a:rPr lang="en-US" sz="1100" dirty="0" err="1">
+                <a:solidFill>
+                  <a:srgbClr val="003766"/>
+                </a:solidFill>
+              </a:rPr>
+              <a:t>lata</a:t>
+            </a:r>
+            <a:r>
+              <a:rPr lang="en-US" sz="1100" dirty="0">
+                <a:solidFill>
+                  <a:srgbClr val="003766"/>
+                </a:solidFill>
+              </a:rPr>
+              <a:t>):</a:t>
+            </a:r>
+          </a:p>
+          <a:p>
+            <a:r>
+              <a:rPr lang="en-US" sz="1100" dirty="0">
+                <a:solidFill>
+                  <a:srgbClr val="003766"/>
+                </a:solidFill>
+              </a:rPr>
+              <a:t>• Experimental validation</a:t>
+            </a:r>
+          </a:p>
+          <a:p>
+            <a:r>
+              <a:rPr lang="en-US" sz="1100" dirty="0">
+                <a:solidFill>
+                  <a:srgbClr val="003766"/>
+                </a:solidFill>
+              </a:rPr>
+              <a:t>  → FOXA1/ESR1 targets in SUM149,</a:t>
+            </a:r>
+          </a:p>
+          <a:p>
+            <a:r>
+              <a:rPr lang="en-US" sz="1100" dirty="0">
+                <a:solidFill>
+                  <a:srgbClr val="003766"/>
+                </a:solidFill>
+              </a:rPr>
+              <a:t>    MDA-MB-231 cell lines</a:t>
+            </a:r>
+          </a:p>
+          <a:p>
+            <a:r>
+              <a:rPr lang="en-US" sz="1100" dirty="0">
+                <a:solidFill>
+                  <a:srgbClr val="003766"/>
+                </a:solidFill>
+              </a:rPr>
+              <a:t>  → CLIP-seq to map real binding</a:t>
+            </a:r>
+          </a:p>
+          <a:p>
+            <a:endParaRPr lang="en-US" sz="1100" dirty="0">
+              <a:solidFill>
+                <a:srgbClr val="003766"/>
+              </a:solidFill>
+            </a:endParaRPr>
+          </a:p>
+          <a:p>
+            <a:r>
+              <a:rPr lang="en-US" sz="1100" dirty="0">
+                <a:solidFill>
+                  <a:srgbClr val="003766"/>
+                </a:solidFill>
+              </a:rPr>
+              <a:t>CLINICAL TRANSLATION (3-5 </a:t>
+            </a:r>
+            <a:r>
+              <a:rPr lang="en-US" sz="1100" dirty="0" err="1">
+                <a:solidFill>
+                  <a:srgbClr val="003766"/>
+                </a:solidFill>
+              </a:rPr>
+              <a:t>lat</a:t>
+            </a:r>
+            <a:r>
+              <a:rPr lang="en-US" sz="1100" dirty="0">
+                <a:solidFill>
+                  <a:srgbClr val="003766"/>
+                </a:solidFill>
+              </a:rPr>
+              <a:t>):</a:t>
+            </a:r>
+          </a:p>
+          <a:p>
+            <a:r>
+              <a:rPr lang="en-US" sz="1100" dirty="0">
+                <a:solidFill>
+                  <a:srgbClr val="003766"/>
+                </a:solidFill>
+              </a:rPr>
+              <a:t>• Anti-miRNA therapeutics testing</a:t>
+            </a:r>
+          </a:p>
+          <a:p>
+            <a:r>
+              <a:rPr lang="en-US" sz="1100" dirty="0">
+                <a:solidFill>
+                  <a:srgbClr val="003766"/>
+                </a:solidFill>
+              </a:rPr>
+              <a:t>  → </a:t>
+            </a:r>
+            <a:r>
+              <a:rPr lang="en-US" sz="1100" dirty="0" err="1">
+                <a:solidFill>
+                  <a:srgbClr val="003766"/>
+                </a:solidFill>
+              </a:rPr>
+              <a:t>antagomiRs</a:t>
+            </a:r>
+            <a:r>
+              <a:rPr lang="en-US" sz="1100" dirty="0">
+                <a:solidFill>
+                  <a:srgbClr val="003766"/>
+                </a:solidFill>
+              </a:rPr>
+              <a:t> (LNA inhibitors)</a:t>
+            </a:r>
+          </a:p>
+          <a:p>
+            <a:r>
+              <a:rPr lang="en-US" sz="1100" dirty="0">
+                <a:solidFill>
+                  <a:srgbClr val="003766"/>
+                </a:solidFill>
+              </a:rPr>
+              <a:t>  → miRNA sponges</a:t>
+            </a:r>
+          </a:p>
+          <a:p>
+            <a:r>
+              <a:rPr lang="en-US" sz="1100" dirty="0">
+                <a:solidFill>
+                  <a:srgbClr val="003766"/>
+                </a:solidFill>
+              </a:rPr>
+              <a:t>  → CRISPR-based approaches</a:t>
+            </a:r>
+          </a:p>
+          <a:p>
+            <a:endParaRPr lang="en-US" sz="1100" dirty="0">
+              <a:solidFill>
+                <a:srgbClr val="003766"/>
+              </a:solidFill>
+            </a:endParaRPr>
+          </a:p>
+          <a:p>
+            <a:r>
+              <a:rPr lang="en-US" sz="1100" dirty="0">
+                <a:solidFill>
+                  <a:srgbClr val="003766"/>
+                </a:solidFill>
+              </a:rPr>
+              <a:t>CLINICAL TRIAL (5-10 </a:t>
+            </a:r>
+            <a:r>
+              <a:rPr lang="en-US" sz="1100" dirty="0" err="1">
+                <a:solidFill>
+                  <a:srgbClr val="003766"/>
+                </a:solidFill>
+              </a:rPr>
+              <a:t>lat</a:t>
+            </a:r>
+            <a:r>
+              <a:rPr lang="en-US" sz="1100" dirty="0">
+                <a:solidFill>
+                  <a:srgbClr val="003766"/>
+                </a:solidFill>
+              </a:rPr>
+              <a:t>):</a:t>
+            </a:r>
+          </a:p>
+          <a:p>
+            <a:r>
+              <a:rPr lang="en-US" sz="1100" dirty="0">
+                <a:solidFill>
+                  <a:srgbClr val="003766"/>
+                </a:solidFill>
+              </a:rPr>
+              <a:t>• Phase I/II: Anti-</a:t>
+            </a:r>
+            <a:r>
+              <a:rPr lang="en-US" sz="1100" dirty="0" err="1">
+                <a:solidFill>
+                  <a:srgbClr val="003766"/>
+                </a:solidFill>
+              </a:rPr>
+              <a:t>miR</a:t>
+            </a:r>
+            <a:r>
+              <a:rPr lang="en-US" sz="1100" dirty="0">
+                <a:solidFill>
+                  <a:srgbClr val="003766"/>
+                </a:solidFill>
+              </a:rPr>
+              <a:t> + Chemo in TNBC</a:t>
+            </a:r>
+          </a:p>
+          <a:p>
+            <a:r>
+              <a:rPr lang="en-US" sz="1100" dirty="0">
+                <a:solidFill>
+                  <a:srgbClr val="003766"/>
+                </a:solidFill>
+              </a:rPr>
+              <a:t>• Combination: Anti-</a:t>
+            </a:r>
+            <a:r>
+              <a:rPr lang="en-US" sz="1100" dirty="0" err="1">
+                <a:solidFill>
+                  <a:srgbClr val="003766"/>
+                </a:solidFill>
+              </a:rPr>
+              <a:t>miR</a:t>
+            </a:r>
+            <a:endParaRPr lang="en-US" sz="1100" dirty="0">
+              <a:solidFill>
+                <a:srgbClr val="003766"/>
+              </a:solidFill>
+            </a:endParaRPr>
+          </a:p>
+          <a:p>
+            <a:r>
+              <a:rPr lang="en-US" sz="1100" dirty="0">
+                <a:solidFill>
+                  <a:srgbClr val="003766"/>
+                </a:solidFill>
+              </a:rPr>
+              <a:t>  + endocrine therapy restoration</a:t>
+            </a:r>
+          </a:p>
+          <a:p>
+            <a:endParaRPr lang="en-US" sz="1100" dirty="0">
+              <a:solidFill>
+                <a:srgbClr val="003766"/>
+              </a:solidFill>
+            </a:endParaRPr>
+          </a:p>
+          <a:p>
+            <a:r>
+              <a:rPr lang="en-US" sz="1100" dirty="0">
+                <a:solidFill>
+                  <a:srgbClr val="003766"/>
+                </a:solidFill>
+              </a:rPr>
+              <a:t>WHY MATTERS:</a:t>
+            </a:r>
+          </a:p>
+          <a:p>
+            <a:r>
+              <a:rPr lang="en-US" sz="1100" dirty="0">
+                <a:solidFill>
+                  <a:srgbClr val="003766"/>
+                </a:solidFill>
+              </a:rPr>
+              <a:t>• Current TNBC: only chemo + I.T.</a:t>
+            </a:r>
+          </a:p>
+          <a:p>
+            <a:r>
+              <a:rPr lang="en-US" sz="1100" dirty="0">
+                <a:solidFill>
+                  <a:srgbClr val="003766"/>
+                </a:solidFill>
+              </a:rPr>
+              <a:t>• If we can restore ER?</a:t>
+            </a:r>
+          </a:p>
+          <a:p>
+            <a:r>
+              <a:rPr lang="en-US" sz="1100" dirty="0">
+                <a:solidFill>
+                  <a:srgbClr val="003766"/>
+                </a:solidFill>
+              </a:rPr>
+              <a:t>  → Endocrine therapy becomes option</a:t>
+            </a:r>
+          </a:p>
+          <a:p>
+            <a:r>
+              <a:rPr lang="en-US" sz="1100" dirty="0">
+                <a:solidFill>
+                  <a:srgbClr val="003766"/>
+                </a:solidFill>
+              </a:rPr>
+              <a:t>  → Better outcomes</a:t>
+            </a:r>
+          </a:p>
+          <a:p>
+            <a:r>
+              <a:rPr lang="en-US" sz="1100" dirty="0">
+                <a:solidFill>
+                  <a:srgbClr val="003766"/>
+                </a:solidFill>
+              </a:rPr>
+              <a:t>  → Less toxic treatment</a:t>
+            </a:r>
+          </a:p>
+          <a:p>
+            <a:endParaRPr lang="en-US" sz="1100" dirty="0">
+              <a:solidFill>
+                <a:srgbClr val="003766"/>
+              </a:solidFill>
+            </a:endParaRPr>
+          </a:p>
+          <a:p>
+            <a:r>
+              <a:rPr lang="en-US" sz="1600" b="1" dirty="0">
+                <a:solidFill>
+                  <a:srgbClr val="003766"/>
+                </a:solidFill>
+              </a:rPr>
+              <a:t>WILD HOPE: "Rewiring cancer to be</a:t>
+            </a:r>
+          </a:p>
+          <a:p>
+            <a:r>
+              <a:rPr lang="en-US" sz="1600" b="1" dirty="0">
+                <a:solidFill>
+                  <a:srgbClr val="003766"/>
+                </a:solidFill>
+              </a:rPr>
+              <a:t>treatable with less toxic drugs"</a:t>
+            </a:r>
+          </a:p>
+        </p:txBody>
+      </p:sp>
     </p:spTree>
     <p:extLst>
       <p:ext uri="{BB962C8B-B14F-4D97-AF65-F5344CB8AC3E}">
         <p14:creationId xmlns:p14="http://schemas.microsoft.com/office/powerpoint/2010/main" val="4020281274"/>
+      </p:ext>
+    </p:extLst>
+  </p:cSld>
+  <p:clrMapOvr>
+    <a:masterClrMapping/>
+  </p:clrMapOvr>
+  <p:extLst>
+    <p:ext uri="{6950BFC3-D8DA-4A85-94F7-54DA5524770B}">
+      <p188:commentRel xmlns:p188="http://schemas.microsoft.com/office/powerpoint/2018/8/main" r:id="rId2"/>
+    </p:ext>
+  </p:extLst>
+</p:sld>
+</file>
+
+<file path=ppt/slides/slide9.xml><?xml version="1.0" encoding="utf-8"?>
+<p:sld xmlns:a="http://schemas.openxmlformats.org/drawingml/2006/main" xmlns:r="http://schemas.openxmlformats.org/officeDocument/2006/relationships" xmlns:p="http://schemas.openxmlformats.org/presentationml/2006/main">
+  <p:cSld>
+    <p:spTree>
+      <p:nvGrpSpPr>
+        <p:cNvPr id="1" name="">
+          <a:extLst>
+            <a:ext uri="{FF2B5EF4-FFF2-40B4-BE49-F238E27FC236}">
+              <a16:creationId xmlns:a16="http://schemas.microsoft.com/office/drawing/2014/main" id="{DB079378-6AAD-C54E-EBE6-170037B1A37E}"/>
+            </a:ext>
+          </a:extLst>
+        </p:cNvPr>
+        <p:cNvGrpSpPr/>
+        <p:nvPr/>
+      </p:nvGrpSpPr>
+      <p:grpSpPr>
+        <a:xfrm>
+          <a:off x="0" y="0"/>
+          <a:ext cx="0" cy="0"/>
+          <a:chOff x="0" y="0"/>
+          <a:chExt cx="0" cy="0"/>
+        </a:xfrm>
+      </p:grpSpPr>
+      <p:sp>
+        <p:nvSpPr>
+          <p:cNvPr id="2" name="Tytuł 1">
+            <a:extLst>
+              <a:ext uri="{FF2B5EF4-FFF2-40B4-BE49-F238E27FC236}">
+                <a16:creationId xmlns:a16="http://schemas.microsoft.com/office/drawing/2014/main" id="{9F5DA56C-A4CC-6788-DAE6-CDF08252BC0E}"/>
+              </a:ext>
+            </a:extLst>
+          </p:cNvPr>
+          <p:cNvSpPr>
+            <a:spLocks noGrp="1"/>
+          </p:cNvSpPr>
+          <p:nvPr>
+            <p:ph type="title"/>
+          </p:nvPr>
+        </p:nvSpPr>
+        <p:spPr>
+          <a:xfrm>
+            <a:off x="5213459" y="144557"/>
+            <a:ext cx="7178566" cy="1199821"/>
+          </a:xfrm>
+        </p:spPr>
+        <p:txBody>
+          <a:bodyPr>
+            <a:normAutofit/>
+          </a:bodyPr>
+          <a:lstStyle/>
+          <a:p>
+            <a:r>
+              <a:rPr lang="pl-PL" sz="2800" b="1" i="0" dirty="0">
+                <a:solidFill>
+                  <a:schemeClr val="accent1">
+                    <a:lumMod val="50000"/>
+                  </a:schemeClr>
+                </a:solidFill>
+                <a:effectLst/>
+              </a:rPr>
+              <a:t>Podsumowanie: Odkrycie, Limity, Przyszłość</a:t>
+            </a:r>
+            <a:endParaRPr lang="pl-PL" sz="2800" b="1" dirty="0">
+              <a:solidFill>
+                <a:schemeClr val="accent1">
+                  <a:lumMod val="50000"/>
+                </a:schemeClr>
+              </a:solidFill>
+            </a:endParaRPr>
+          </a:p>
+        </p:txBody>
+      </p:sp>
+      <p:pic>
+        <p:nvPicPr>
+          <p:cNvPr id="11" name="Symbol zastępczy zawartości 10" descr="Obraz zawierający zrzut ekranu, Czcionka, Grafika, tekst&#10;&#10;Opis wygenerowany automatycznie">
+            <a:extLst>
+              <a:ext uri="{FF2B5EF4-FFF2-40B4-BE49-F238E27FC236}">
+                <a16:creationId xmlns:a16="http://schemas.microsoft.com/office/drawing/2014/main" id="{1107A44A-5FB7-E98E-417A-18DDBE7F1B57}"/>
+              </a:ext>
+            </a:extLst>
+          </p:cNvPr>
+          <p:cNvPicPr>
+            <a:picLocks noGrp="1" noChangeAspect="1"/>
+          </p:cNvPicPr>
+          <p:nvPr>
+            <p:ph idx="1"/>
+          </p:nvPr>
+        </p:nvPicPr>
+        <p:blipFill>
+          <a:blip r:embed="rId2"/>
+          <a:stretch>
+            <a:fillRect/>
+          </a:stretch>
+        </p:blipFill>
+        <p:spPr>
+          <a:xfrm>
+            <a:off x="-479626" y="-1431202"/>
+            <a:ext cx="6150378" cy="4351338"/>
+          </a:xfrm>
+        </p:spPr>
+      </p:pic>
+      <p:cxnSp>
+        <p:nvCxnSpPr>
+          <p:cNvPr id="14" name="Łącznik prosty 13">
+            <a:extLst>
+              <a:ext uri="{FF2B5EF4-FFF2-40B4-BE49-F238E27FC236}">
+                <a16:creationId xmlns:a16="http://schemas.microsoft.com/office/drawing/2014/main" id="{D09DCD3D-E150-B53A-2679-B42B8EE61EB6}"/>
+              </a:ext>
+            </a:extLst>
+          </p:cNvPr>
+          <p:cNvCxnSpPr/>
+          <p:nvPr/>
+        </p:nvCxnSpPr>
+        <p:spPr>
+          <a:xfrm>
+            <a:off x="5213459" y="389744"/>
+            <a:ext cx="0" cy="709448"/>
+          </a:xfrm>
+          <a:prstGeom prst="line">
+            <a:avLst/>
+          </a:prstGeom>
+          <a:ln>
+            <a:solidFill>
+              <a:srgbClr val="003766"/>
+            </a:solidFill>
+          </a:ln>
+          <a:effectLst>
+            <a:outerShdw blurRad="50800" dist="38100" dir="2700000" algn="tl" rotWithShape="0">
+              <a:prstClr val="black">
+                <a:alpha val="40000"/>
+              </a:prstClr>
+            </a:outerShdw>
+          </a:effectLst>
+        </p:spPr>
+        <p:style>
+          <a:lnRef idx="1">
+            <a:schemeClr val="accent1"/>
+          </a:lnRef>
+          <a:fillRef idx="0">
+            <a:schemeClr val="accent1"/>
+          </a:fillRef>
+          <a:effectRef idx="0">
+            <a:schemeClr val="accent1"/>
+          </a:effectRef>
+          <a:fontRef idx="minor">
+            <a:schemeClr val="tx1"/>
+          </a:fontRef>
+        </p:style>
+      </p:cxnSp>
+      <p:sp>
+        <p:nvSpPr>
+          <p:cNvPr id="8" name="Prostokąt 7">
+            <a:extLst>
+              <a:ext uri="{FF2B5EF4-FFF2-40B4-BE49-F238E27FC236}">
+                <a16:creationId xmlns:a16="http://schemas.microsoft.com/office/drawing/2014/main" id="{77422177-A9B9-4864-BF99-3BC1CA0D6FEA}"/>
+              </a:ext>
+            </a:extLst>
+          </p:cNvPr>
+          <p:cNvSpPr/>
+          <p:nvPr/>
+        </p:nvSpPr>
+        <p:spPr>
+          <a:xfrm>
+            <a:off x="1504954" y="1589565"/>
+            <a:ext cx="9382121" cy="4781391"/>
+          </a:xfrm>
+          <a:prstGeom prst="rect">
+            <a:avLst/>
+          </a:prstGeom>
+          <a:solidFill>
+            <a:schemeClr val="tx1">
+              <a:lumMod val="95000"/>
+              <a:lumOff val="5000"/>
+              <a:alpha val="6000"/>
+            </a:schemeClr>
+          </a:solidFill>
+          <a:ln>
+            <a:solidFill>
+              <a:schemeClr val="tx1">
+                <a:lumMod val="95000"/>
+                <a:lumOff val="5000"/>
+              </a:schemeClr>
+            </a:solidFill>
+          </a:ln>
+        </p:spPr>
+        <p:style>
+          <a:lnRef idx="2">
+            <a:schemeClr val="accent1">
+              <a:shade val="15000"/>
+            </a:schemeClr>
+          </a:lnRef>
+          <a:fillRef idx="1">
+            <a:schemeClr val="accent1"/>
+          </a:fillRef>
+          <a:effectRef idx="0">
+            <a:schemeClr val="accent1"/>
+          </a:effectRef>
+          <a:fontRef idx="minor">
+            <a:schemeClr val="lt1"/>
+          </a:fontRef>
+        </p:style>
+        <p:txBody>
+          <a:bodyPr rtlCol="0" anchor="ctr"/>
+          <a:lstStyle/>
+          <a:p>
+            <a:r>
+              <a:rPr lang="pl-PL" sz="1400" b="1" dirty="0">
+                <a:solidFill>
+                  <a:srgbClr val="003766"/>
+                </a:solidFill>
+              </a:rPr>
+              <a:t>1.</a:t>
+            </a:r>
+            <a:r>
+              <a:rPr lang="en-US" sz="1400" b="1" dirty="0">
+                <a:solidFill>
+                  <a:srgbClr val="003766"/>
+                </a:solidFill>
+              </a:rPr>
+              <a:t> </a:t>
+            </a:r>
+            <a:r>
+              <a:rPr lang="pl-PL" sz="1400" b="1" dirty="0">
+                <a:solidFill>
+                  <a:srgbClr val="003766"/>
+                </a:solidFill>
+              </a:rPr>
+              <a:t>Rak piersi nie jest jedną chorobą</a:t>
+            </a:r>
+            <a:br>
+              <a:rPr lang="pl-PL" sz="1400" dirty="0">
+                <a:solidFill>
+                  <a:srgbClr val="003766"/>
+                </a:solidFill>
+              </a:rPr>
+            </a:br>
+            <a:r>
+              <a:rPr lang="pl-PL" sz="1400" dirty="0">
+                <a:solidFill>
+                  <a:srgbClr val="003766"/>
+                </a:solidFill>
+              </a:rPr>
+              <a:t>→ Cztery podtypy molekularne = cztery odmienne strategie leczenia</a:t>
+            </a:r>
+            <a:endParaRPr lang="pl-PL" sz="1400" b="1" dirty="0">
+              <a:solidFill>
+                <a:srgbClr val="003766"/>
+              </a:solidFill>
+            </a:endParaRPr>
+          </a:p>
+          <a:p>
+            <a:r>
+              <a:rPr lang="pl-PL" sz="1400" b="1" dirty="0">
+                <a:solidFill>
+                  <a:srgbClr val="003766"/>
+                </a:solidFill>
+              </a:rPr>
+              <a:t>2. Agresywny podtyp Basal-like to nie „zły los genetyczny”</a:t>
+            </a:r>
+            <a:br>
+              <a:rPr lang="pl-PL" sz="1400" dirty="0">
+                <a:solidFill>
+                  <a:srgbClr val="003766"/>
+                </a:solidFill>
+              </a:rPr>
+            </a:br>
+            <a:r>
+              <a:rPr lang="pl-PL" sz="1400" dirty="0">
+                <a:solidFill>
+                  <a:srgbClr val="003766"/>
+                </a:solidFill>
+              </a:rPr>
+              <a:t>→ Jest to </a:t>
+            </a:r>
+            <a:r>
+              <a:rPr lang="pl-PL" sz="1400" b="1" dirty="0">
+                <a:solidFill>
+                  <a:srgbClr val="003766"/>
+                </a:solidFill>
+              </a:rPr>
+              <a:t>aktywnie regulowany fenotyp</a:t>
+            </a:r>
+            <a:r>
+              <a:rPr lang="pl-PL" sz="1400" dirty="0">
+                <a:solidFill>
+                  <a:srgbClr val="003766"/>
+                </a:solidFill>
+              </a:rPr>
+              <a:t>, napędzany przez supresję receptorów zależną od miRNA</a:t>
+            </a:r>
+            <a:endParaRPr lang="en-US" sz="1400" b="1" dirty="0">
+              <a:solidFill>
+                <a:srgbClr val="003766"/>
+              </a:solidFill>
+            </a:endParaRPr>
+          </a:p>
+          <a:p>
+            <a:r>
+              <a:rPr lang="pl-PL" sz="1400" b="1" dirty="0">
+                <a:solidFill>
+                  <a:srgbClr val="003766"/>
+                </a:solidFill>
+              </a:rPr>
+              <a:t>3. Analiza multiomiczna wyjaśnia mechanizm</a:t>
+            </a:r>
+            <a:br>
+              <a:rPr lang="pl-PL" sz="1400" dirty="0">
+                <a:solidFill>
+                  <a:srgbClr val="003766"/>
+                </a:solidFill>
+              </a:rPr>
+            </a:br>
+            <a:r>
+              <a:rPr lang="pl-PL" sz="1400" dirty="0">
+                <a:solidFill>
+                  <a:srgbClr val="003766"/>
+                </a:solidFill>
+              </a:rPr>
+              <a:t>→ mRNA wyjaśnia jedynie ~30% zmienności poziomu białek</a:t>
+            </a:r>
+            <a:br>
+              <a:rPr lang="pl-PL" sz="1400" dirty="0">
+                <a:solidFill>
+                  <a:srgbClr val="003766"/>
+                </a:solidFill>
+              </a:rPr>
+            </a:br>
+            <a:r>
+              <a:rPr lang="pl-PL" sz="1400" dirty="0">
+                <a:solidFill>
+                  <a:srgbClr val="003766"/>
+                </a:solidFill>
+              </a:rPr>
+              <a:t>→ Poziom białek odzwierciedla rzeczywistą funkcję biologiczną</a:t>
+            </a:r>
+            <a:br>
+              <a:rPr lang="pl-PL" sz="1400" dirty="0">
+                <a:solidFill>
+                  <a:srgbClr val="003766"/>
+                </a:solidFill>
+              </a:rPr>
+            </a:br>
+            <a:r>
+              <a:rPr lang="pl-PL" sz="1400" dirty="0">
+                <a:solidFill>
+                  <a:srgbClr val="003766"/>
+                </a:solidFill>
+              </a:rPr>
+              <a:t>→ miRNA stanowi kluczową, ukrytą warstwę regulacyjną</a:t>
+            </a:r>
+            <a:endParaRPr lang="en-US" sz="1400" b="1" dirty="0">
+              <a:solidFill>
+                <a:srgbClr val="003766"/>
+              </a:solidFill>
+            </a:endParaRPr>
+          </a:p>
+          <a:p>
+            <a:r>
+              <a:rPr lang="pl-PL" sz="1400" b="1" dirty="0">
+                <a:solidFill>
+                  <a:srgbClr val="003766"/>
+                </a:solidFill>
+              </a:rPr>
+              <a:t>4. Potencjał terapeutyczny</a:t>
+            </a:r>
+            <a:br>
+              <a:rPr lang="pl-PL" sz="1400" dirty="0">
+                <a:solidFill>
+                  <a:srgbClr val="003766"/>
+                </a:solidFill>
+              </a:rPr>
+            </a:br>
+            <a:r>
+              <a:rPr lang="pl-PL" sz="1400" dirty="0">
+                <a:solidFill>
+                  <a:srgbClr val="003766"/>
+                </a:solidFill>
+              </a:rPr>
+              <a:t>→ Modulacja sieci miRNA może przywracać sygnalizację hormonalną</a:t>
+            </a:r>
+            <a:br>
+              <a:rPr lang="pl-PL" sz="1400" dirty="0">
+                <a:solidFill>
+                  <a:srgbClr val="003766"/>
+                </a:solidFill>
+              </a:rPr>
+            </a:br>
+            <a:r>
+              <a:rPr lang="pl-PL" sz="1400" dirty="0">
+                <a:solidFill>
+                  <a:srgbClr val="003766"/>
+                </a:solidFill>
+              </a:rPr>
+              <a:t>→ Terapie anty-miRNA mogą zwiększyć wrażliwość agresywnych nowotworów na leczenie</a:t>
+            </a:r>
+            <a:endParaRPr lang="en-US" sz="1400" b="1" dirty="0">
+              <a:solidFill>
+                <a:srgbClr val="003766"/>
+              </a:solidFill>
+            </a:endParaRPr>
+          </a:p>
+          <a:p>
+            <a:r>
+              <a:rPr lang="pl-PL" sz="1400" b="1" dirty="0">
+                <a:solidFill>
+                  <a:srgbClr val="003766"/>
+                </a:solidFill>
+              </a:rPr>
+              <a:t>5. Kolejne kroki</a:t>
+            </a:r>
+            <a:br>
+              <a:rPr lang="pl-PL" sz="1400" dirty="0">
+                <a:solidFill>
+                  <a:srgbClr val="003766"/>
+                </a:solidFill>
+              </a:rPr>
+            </a:br>
+            <a:r>
+              <a:rPr lang="pl-PL" sz="1400" dirty="0">
+                <a:solidFill>
+                  <a:srgbClr val="003766"/>
+                </a:solidFill>
+              </a:rPr>
+              <a:t>→ Walidacja eksperymentalna</a:t>
+            </a:r>
+            <a:br>
+              <a:rPr lang="pl-PL" sz="1400" dirty="0">
+                <a:solidFill>
+                  <a:srgbClr val="003766"/>
+                </a:solidFill>
+              </a:rPr>
+            </a:br>
+            <a:r>
+              <a:rPr lang="pl-PL" sz="1400" dirty="0">
+                <a:solidFill>
+                  <a:srgbClr val="003766"/>
+                </a:solidFill>
+              </a:rPr>
+              <a:t>→ Niezależne kohorty pacjentów</a:t>
+            </a:r>
+            <a:br>
+              <a:rPr lang="pl-PL" sz="1400" dirty="0">
+                <a:solidFill>
+                  <a:srgbClr val="003766"/>
+                </a:solidFill>
+              </a:rPr>
+            </a:br>
+            <a:r>
+              <a:rPr lang="pl-PL" sz="1400" dirty="0">
+                <a:solidFill>
+                  <a:srgbClr val="003766"/>
+                </a:solidFill>
+              </a:rPr>
+              <a:t>→ Dalsze badania przedkliniczne i kliniczne</a:t>
+            </a:r>
+          </a:p>
+          <a:p>
+            <a:endParaRPr lang="pl-PL" sz="1400" b="1" dirty="0">
+              <a:solidFill>
+                <a:srgbClr val="003766"/>
+              </a:solidFill>
+            </a:endParaRPr>
+          </a:p>
+          <a:p>
+            <a:r>
+              <a:rPr lang="pl-PL" b="1" dirty="0">
+                <a:solidFill>
+                  <a:srgbClr val="003766"/>
+                </a:solidFill>
+              </a:rPr>
+              <a:t>Zidentyfikowaliśmy „zamek” — supresję FOXA1/ESR1 sterowaną przez miRNA.</a:t>
+            </a:r>
+            <a:br>
+              <a:rPr lang="pl-PL" b="1" dirty="0">
+                <a:solidFill>
+                  <a:srgbClr val="003766"/>
+                </a:solidFill>
+              </a:rPr>
+            </a:br>
+            <a:r>
+              <a:rPr lang="pl-PL" b="1" dirty="0">
+                <a:solidFill>
+                  <a:srgbClr val="003766"/>
+                </a:solidFill>
+              </a:rPr>
+              <a:t>Kolejnym krokiem jest znalezienie „klucza” — ukierunkowanych terapii anty-</a:t>
+            </a:r>
+            <a:r>
+              <a:rPr lang="pl-PL" b="1" dirty="0" err="1">
+                <a:solidFill>
+                  <a:srgbClr val="003766"/>
+                </a:solidFill>
+              </a:rPr>
+              <a:t>miRNA</a:t>
+            </a:r>
+            <a:r>
+              <a:rPr lang="pl-PL" b="1" dirty="0">
+                <a:solidFill>
+                  <a:srgbClr val="003766"/>
+                </a:solidFill>
+              </a:rPr>
+              <a:t>.</a:t>
+            </a:r>
+            <a:br>
+              <a:rPr lang="pl-PL" b="1" dirty="0">
+                <a:solidFill>
+                  <a:srgbClr val="003766"/>
+                </a:solidFill>
+              </a:rPr>
+            </a:br>
+            <a:r>
+              <a:rPr lang="pl-PL" b="1" dirty="0">
+                <a:solidFill>
+                  <a:srgbClr val="003766"/>
+                </a:solidFill>
+              </a:rPr>
+              <a:t>To podejście może zmienić sposób leczenia potrójnie ujemnego raka piersi.</a:t>
+            </a:r>
+            <a:endParaRPr lang="en-US" b="1" dirty="0">
+              <a:solidFill>
+                <a:srgbClr val="003766"/>
+              </a:solidFill>
+            </a:endParaRPr>
+          </a:p>
+        </p:txBody>
+      </p:sp>
+    </p:spTree>
+    <p:extLst>
+      <p:ext uri="{BB962C8B-B14F-4D97-AF65-F5344CB8AC3E}">
+        <p14:creationId xmlns:p14="http://schemas.microsoft.com/office/powerpoint/2010/main" val="343497574"/>
       </p:ext>
     </p:extLst>
   </p:cSld>
@@ -4826,4 +12071,319 @@
     </a:ext>
   </a:extLst>
 </a:theme>
+</file>
+
+<file path=ppt/theme/theme2.xml><?xml version="1.0" encoding="utf-8"?>
+<a:theme xmlns:a="http://schemas.openxmlformats.org/drawingml/2006/main" name="Motyw pakietu Office">
+  <a:themeElements>
+    <a:clrScheme name="Pakiet Office">
+      <a:dk1>
+        <a:sysClr val="windowText" lastClr="000000"/>
+      </a:dk1>
+      <a:lt1>
+        <a:sysClr val="window" lastClr="FFFFFF"/>
+      </a:lt1>
+      <a:dk2>
+        <a:srgbClr val="0E2841"/>
+      </a:dk2>
+      <a:lt2>
+        <a:srgbClr val="E8E8E8"/>
+      </a:lt2>
+      <a:accent1>
+        <a:srgbClr val="156082"/>
+      </a:accent1>
+      <a:accent2>
+        <a:srgbClr val="E97132"/>
+      </a:accent2>
+      <a:accent3>
+        <a:srgbClr val="196B24"/>
+      </a:accent3>
+      <a:accent4>
+        <a:srgbClr val="0F9ED5"/>
+      </a:accent4>
+      <a:accent5>
+        <a:srgbClr val="A02B93"/>
+      </a:accent5>
+      <a:accent6>
+        <a:srgbClr val="4EA72E"/>
+      </a:accent6>
+      <a:hlink>
+        <a:srgbClr val="467886"/>
+      </a:hlink>
+      <a:folHlink>
+        <a:srgbClr val="96607D"/>
+      </a:folHlink>
+    </a:clrScheme>
+    <a:fontScheme name="Pakiet Office">
+      <a:majorFont>
+        <a:latin typeface="Aptos Display" panose="02110004020202020204"/>
+        <a:ea typeface=""/>
+        <a:cs typeface=""/>
+        <a:font script="Jpan" typeface="游ゴシック Light"/>
+        <a:font script="Hang" typeface="맑은 고딕"/>
+        <a:font script="Hans" typeface="等线 Light"/>
+        <a:font script="Hant" typeface="新細明體"/>
+        <a:font script="Arab" typeface="Times New Roman"/>
+        <a:font script="Hebr" typeface="Times New Roman"/>
+        <a:font script="Thai" typeface="Angsana New"/>
+        <a:font script="Ethi" typeface="Nyala"/>
+        <a:font script="Beng" typeface="Vrinda"/>
+        <a:font script="Gujr" typeface="Shruti"/>
+        <a:font script="Khmr" typeface="MoolBoran"/>
+        <a:font script="Knda" typeface="Tunga"/>
+        <a:font script="Guru" typeface="Raavi"/>
+        <a:font script="Cans" typeface="Euphemia"/>
+        <a:font script="Cher" typeface="Plantagenet Cherokee"/>
+        <a:font script="Yiii" typeface="Microsoft Yi Baiti"/>
+        <a:font script="Tibt" typeface="Microsoft Himalaya"/>
+        <a:font script="Thaa" typeface="MV Boli"/>
+        <a:font script="Deva" typeface="Mangal"/>
+        <a:font script="Telu" typeface="Gautami"/>
+        <a:font script="Taml" typeface="Latha"/>
+        <a:font script="Syrc" typeface="Estrangelo Edessa"/>
+        <a:font script="Orya" typeface="Kalinga"/>
+        <a:font script="Mlym" typeface="Kartika"/>
+        <a:font script="Laoo" typeface="DokChampa"/>
+        <a:font script="Sinh" typeface="Iskoola Pota"/>
+        <a:font script="Mong" typeface="Mongolian Baiti"/>
+        <a:font script="Viet" typeface="Times New Roman"/>
+        <a:font script="Uigh" typeface="Microsoft Uighur"/>
+        <a:font script="Geor" typeface="Sylfaen"/>
+        <a:font script="Armn" typeface="Arial"/>
+        <a:font script="Bugi" typeface="Leelawadee UI"/>
+        <a:font script="Bopo" typeface="Microsoft JhengHei"/>
+        <a:font script="Java" typeface="Javanese Text"/>
+        <a:font script="Lisu" typeface="Segoe UI"/>
+        <a:font script="Mymr" typeface="Myanmar Text"/>
+        <a:font script="Nkoo" typeface="Ebrima"/>
+        <a:font script="Olck" typeface="Nirmala UI"/>
+        <a:font script="Osma" typeface="Ebrima"/>
+        <a:font script="Phag" typeface="Phagspa"/>
+        <a:font script="Syrn" typeface="Estrangelo Edessa"/>
+        <a:font script="Syrj" typeface="Estrangelo Edessa"/>
+        <a:font script="Syre" typeface="Estrangelo Edessa"/>
+        <a:font script="Sora" typeface="Nirmala UI"/>
+        <a:font script="Tale" typeface="Microsoft Tai Le"/>
+        <a:font script="Talu" typeface="Microsoft New Tai Lue"/>
+        <a:font script="Tfng" typeface="Ebrima"/>
+      </a:majorFont>
+      <a:minorFont>
+        <a:latin typeface="Aptos" panose="02110004020202020204"/>
+        <a:ea typeface=""/>
+        <a:cs typeface=""/>
+        <a:font script="Jpan" typeface="游ゴシック"/>
+        <a:font script="Hang" typeface="맑은 고딕"/>
+        <a:font script="Hans" typeface="等线"/>
+        <a:font script="Hant" typeface="新細明體"/>
+        <a:font script="Arab" typeface="Arial"/>
+        <a:font script="Hebr" typeface="Arial"/>
+        <a:font script="Thai" typeface="Cordia New"/>
+        <a:font script="Ethi" typeface="Nyala"/>
+        <a:font script="Beng" typeface="Vrinda"/>
+        <a:font script="Gujr" typeface="Shruti"/>
+        <a:font script="Khmr" typeface="DaunPenh"/>
+        <a:font script="Knda" typeface="Tunga"/>
+        <a:font script="Guru" typeface="Raavi"/>
+        <a:font script="Cans" typeface="Euphemia"/>
+        <a:font script="Cher" typeface="Plantagenet Cherokee"/>
+        <a:font script="Yiii" typeface="Microsoft Yi Baiti"/>
+        <a:font script="Tibt" typeface="Microsoft Himalaya"/>
+        <a:font script="Thaa" typeface="MV Boli"/>
+        <a:font script="Deva" typeface="Mangal"/>
+        <a:font script="Telu" typeface="Gautami"/>
+        <a:font script="Taml" typeface="Latha"/>
+        <a:font script="Syrc" typeface="Estrangelo Edessa"/>
+        <a:font script="Orya" typeface="Kalinga"/>
+        <a:font script="Mlym" typeface="Kartika"/>
+        <a:font script="Laoo" typeface="DokChampa"/>
+        <a:font script="Sinh" typeface="Iskoola Pota"/>
+        <a:font script="Mong" typeface="Mongolian Baiti"/>
+        <a:font script="Viet" typeface="Arial"/>
+        <a:font script="Uigh" typeface="Microsoft Uighur"/>
+        <a:font script="Geor" typeface="Sylfaen"/>
+        <a:font script="Armn" typeface="Arial"/>
+        <a:font script="Bugi" typeface="Leelawadee UI"/>
+        <a:font script="Bopo" typeface="Microsoft JhengHei"/>
+        <a:font script="Java" typeface="Javanese Text"/>
+        <a:font script="Lisu" typeface="Segoe UI"/>
+        <a:font script="Mymr" typeface="Myanmar Text"/>
+        <a:font script="Nkoo" typeface="Ebrima"/>
+        <a:font script="Olck" typeface="Nirmala UI"/>
+        <a:font script="Osma" typeface="Ebrima"/>
+        <a:font script="Phag" typeface="Phagspa"/>
+        <a:font script="Syrn" typeface="Estrangelo Edessa"/>
+        <a:font script="Syrj" typeface="Estrangelo Edessa"/>
+        <a:font script="Syre" typeface="Estrangelo Edessa"/>
+        <a:font script="Sora" typeface="Nirmala UI"/>
+        <a:font script="Tale" typeface="Microsoft Tai Le"/>
+        <a:font script="Talu" typeface="Microsoft New Tai Lue"/>
+        <a:font script="Tfng" typeface="Ebrima"/>
+      </a:minorFont>
+    </a:fontScheme>
+    <a:fmtScheme name="Pakiet Office">
+      <a:fillStyleLst>
+        <a:solidFill>
+          <a:schemeClr val="phClr"/>
+        </a:solidFill>
+        <a:gradFill rotWithShape="1">
+          <a:gsLst>
+            <a:gs pos="0">
+              <a:schemeClr val="phClr">
+                <a:lumMod val="110000"/>
+                <a:satMod val="105000"/>
+                <a:tint val="67000"/>
+              </a:schemeClr>
+            </a:gs>
+            <a:gs pos="50000">
+              <a:schemeClr val="phClr">
+                <a:lumMod val="105000"/>
+                <a:satMod val="103000"/>
+                <a:tint val="73000"/>
+              </a:schemeClr>
+            </a:gs>
+            <a:gs pos="100000">
+              <a:schemeClr val="phClr">
+                <a:lumMod val="105000"/>
+                <a:satMod val="109000"/>
+                <a:tint val="81000"/>
+              </a:schemeClr>
+            </a:gs>
+          </a:gsLst>
+          <a:lin ang="5400000" scaled="0"/>
+        </a:gradFill>
+        <a:gradFill rotWithShape="1">
+          <a:gsLst>
+            <a:gs pos="0">
+              <a:schemeClr val="phClr">
+                <a:satMod val="103000"/>
+                <a:lumMod val="102000"/>
+                <a:tint val="94000"/>
+              </a:schemeClr>
+            </a:gs>
+            <a:gs pos="50000">
+              <a:schemeClr val="phClr">
+                <a:satMod val="110000"/>
+                <a:lumMod val="100000"/>
+                <a:shade val="100000"/>
+              </a:schemeClr>
+            </a:gs>
+            <a:gs pos="100000">
+              <a:schemeClr val="phClr">
+                <a:lumMod val="99000"/>
+                <a:satMod val="120000"/>
+                <a:shade val="78000"/>
+              </a:schemeClr>
+            </a:gs>
+          </a:gsLst>
+          <a:lin ang="5400000" scaled="0"/>
+        </a:gradFill>
+      </a:fillStyleLst>
+      <a:lnStyleLst>
+        <a:ln w="12700" cap="flat" cmpd="sng" algn="ctr">
+          <a:solidFill>
+            <a:schemeClr val="phClr"/>
+          </a:solidFill>
+          <a:prstDash val="solid"/>
+          <a:miter lim="800000"/>
+        </a:ln>
+        <a:ln w="19050" cap="flat" cmpd="sng" algn="ctr">
+          <a:solidFill>
+            <a:schemeClr val="phClr"/>
+          </a:solidFill>
+          <a:prstDash val="solid"/>
+          <a:miter lim="800000"/>
+        </a:ln>
+        <a:ln w="25400" cap="flat" cmpd="sng" algn="ctr">
+          <a:solidFill>
+            <a:schemeClr val="phClr"/>
+          </a:solidFill>
+          <a:prstDash val="solid"/>
+          <a:miter lim="800000"/>
+        </a:ln>
+      </a:lnStyleLst>
+      <a:effectStyleLst>
+        <a:effectStyle>
+          <a:effectLst/>
+        </a:effectStyle>
+        <a:effectStyle>
+          <a:effectLst/>
+        </a:effectStyle>
+        <a:effectStyle>
+          <a:effectLst>
+            <a:outerShdw blurRad="57150" dist="19050" dir="5400000" algn="ctr" rotWithShape="0">
+              <a:srgbClr val="000000">
+                <a:alpha val="63000"/>
+              </a:srgbClr>
+            </a:outerShdw>
+          </a:effectLst>
+        </a:effectStyle>
+      </a:effectStyleLst>
+      <a:bgFillStyleLst>
+        <a:solidFill>
+          <a:schemeClr val="phClr"/>
+        </a:solidFill>
+        <a:solidFill>
+          <a:schemeClr val="phClr">
+            <a:tint val="95000"/>
+            <a:satMod val="170000"/>
+          </a:schemeClr>
+        </a:solidFill>
+        <a:gradFill rotWithShape="1">
+          <a:gsLst>
+            <a:gs pos="0">
+              <a:schemeClr val="phClr">
+                <a:tint val="93000"/>
+                <a:satMod val="150000"/>
+                <a:shade val="98000"/>
+                <a:lumMod val="102000"/>
+              </a:schemeClr>
+            </a:gs>
+            <a:gs pos="50000">
+              <a:schemeClr val="phClr">
+                <a:tint val="98000"/>
+                <a:satMod val="130000"/>
+                <a:shade val="90000"/>
+                <a:lumMod val="103000"/>
+              </a:schemeClr>
+            </a:gs>
+            <a:gs pos="100000">
+              <a:schemeClr val="phClr">
+                <a:shade val="63000"/>
+                <a:satMod val="120000"/>
+              </a:schemeClr>
+            </a:gs>
+          </a:gsLst>
+          <a:lin ang="5400000" scaled="0"/>
+        </a:gradFill>
+      </a:bgFillStyleLst>
+    </a:fmtScheme>
+  </a:themeElements>
+  <a:objectDefaults>
+    <a:lnDef>
+      <a:spPr/>
+      <a:bodyPr/>
+      <a:lstStyle/>
+      <a:style>
+        <a:lnRef idx="2">
+          <a:schemeClr val="accent1"/>
+        </a:lnRef>
+        <a:fillRef idx="0">
+          <a:schemeClr val="accent1"/>
+        </a:fillRef>
+        <a:effectRef idx="1">
+          <a:schemeClr val="accent1"/>
+        </a:effectRef>
+        <a:fontRef idx="minor">
+          <a:schemeClr val="tx1"/>
+        </a:fontRef>
+      </a:style>
+    </a:lnDef>
+  </a:objectDefaults>
+  <a:extraClrSchemeLst/>
+  <a:extLst>
+    <a:ext uri="{05A4C25C-085E-4340-85A3-A5531E510DB2}">
+      <thm15:themeFamily xmlns:thm15="http://schemas.microsoft.com/office/thememl/2012/main" name="Office Theme" id="{2E142A2C-CD16-42D6-873A-C26D2A0506FA}" vid="{1BDDFF52-6CD6-40A5-AB3C-68EB2F1E4D0A}"/>
+    </a:ext>
+  </a:extLst>
+</a:theme>
 </file>
--- a/pisanie_artykulu+prezentacja/Prezentacja.pptx
+++ b/pisanie_artykulu+prezentacja/Prezentacja.pptx
@@ -5,7 +5,7 @@
     <p:sldMasterId id="2147483648" r:id="rId1"/>
   </p:sldMasterIdLst>
   <p:notesMasterIdLst>
-    <p:notesMasterId r:id="rId16"/>
+    <p:notesMasterId r:id="rId17"/>
   </p:notesMasterIdLst>
   <p:sldIdLst>
     <p:sldId id="256" r:id="rId2"/>
@@ -15,13 +15,14 @@
     <p:sldId id="259" r:id="rId6"/>
     <p:sldId id="260" r:id="rId7"/>
     <p:sldId id="261" r:id="rId8"/>
-    <p:sldId id="262" r:id="rId9"/>
-    <p:sldId id="269" r:id="rId10"/>
-    <p:sldId id="264" r:id="rId11"/>
-    <p:sldId id="265" r:id="rId12"/>
-    <p:sldId id="266" r:id="rId13"/>
-    <p:sldId id="267" r:id="rId14"/>
-    <p:sldId id="268" r:id="rId15"/>
+    <p:sldId id="270" r:id="rId9"/>
+    <p:sldId id="262" r:id="rId10"/>
+    <p:sldId id="269" r:id="rId11"/>
+    <p:sldId id="264" r:id="rId12"/>
+    <p:sldId id="265" r:id="rId13"/>
+    <p:sldId id="266" r:id="rId14"/>
+    <p:sldId id="267" r:id="rId15"/>
+    <p:sldId id="268" r:id="rId16"/>
   </p:sldIdLst>
   <p:sldSz cx="12192000" cy="6858000"/>
   <p:notesSz cx="6858000" cy="9144000"/>
@@ -535,248 +536,6 @@
           <a:bodyPr/>
           <a:lstStyle/>
           <a:p>
-            <a:pPr marL="0" marR="0" lvl="0" indent="0" algn="l" defTabSz="914400" rtl="0" eaLnBrk="1" fontAlgn="auto" latinLnBrk="0" hangingPunct="1">
-              <a:lnSpc>
-                <a:spcPct val="100000"/>
-              </a:lnSpc>
-              <a:spcBef>
-                <a:spcPts val="0"/>
-              </a:spcBef>
-              <a:spcAft>
-                <a:spcPts val="0"/>
-              </a:spcAft>
-              <a:buClrTx/>
-              <a:buSzTx/>
-              <a:buFontTx/>
-              <a:buNone/>
-              <a:tabLst/>
-              <a:defRPr/>
-            </a:pPr>
-            <a:r>
-              <a:rPr lang="pl-PL" sz="1200" b="1" kern="1200" dirty="0">
-                <a:solidFill>
-                  <a:schemeClr val="tx1"/>
-                </a:solidFill>
-                <a:effectLst/>
-                <a:latin typeface="+mn-lt"/>
-                <a:ea typeface="+mn-ea"/>
-                <a:cs typeface="+mn-cs"/>
-              </a:rPr>
-              <a:t>Narracja (20 sekund):</a:t>
-            </a:r>
-            <a:br>
-              <a:rPr lang="pl-PL" sz="1200" kern="1200" dirty="0">
-                <a:solidFill>
-                  <a:schemeClr val="tx1"/>
-                </a:solidFill>
-                <a:effectLst/>
-                <a:latin typeface="+mn-lt"/>
-                <a:ea typeface="+mn-ea"/>
-                <a:cs typeface="+mn-cs"/>
-              </a:rPr>
-            </a:br>
-            <a:br>
-              <a:rPr lang="pl-PL" sz="1200" kern="1200" dirty="0">
-                <a:solidFill>
-                  <a:schemeClr val="tx1"/>
-                </a:solidFill>
-                <a:effectLst/>
-                <a:latin typeface="+mn-lt"/>
-                <a:ea typeface="+mn-ea"/>
-                <a:cs typeface="+mn-cs"/>
-              </a:rPr>
-            </a:br>
-            <a:r>
-              <a:rPr lang="pl-PL" sz="1200" kern="1200" dirty="0">
-                <a:solidFill>
-                  <a:schemeClr val="tx1"/>
-                </a:solidFill>
-                <a:effectLst/>
-                <a:latin typeface="+mn-lt"/>
-                <a:ea typeface="+mn-ea"/>
-                <a:cs typeface="+mn-cs"/>
-              </a:rPr>
-              <a:t>Rak piersi zabija ponad 700 000 kobiet rocznie na świecie. </a:t>
-            </a:r>
-          </a:p>
-          <a:p>
-            <a:pPr marL="0" marR="0" lvl="0" indent="0" algn="l" defTabSz="914400" rtl="0" eaLnBrk="1" fontAlgn="auto" latinLnBrk="0" hangingPunct="1">
-              <a:lnSpc>
-                <a:spcPct val="100000"/>
-              </a:lnSpc>
-              <a:spcBef>
-                <a:spcPts val="0"/>
-              </a:spcBef>
-              <a:spcAft>
-                <a:spcPts val="0"/>
-              </a:spcAft>
-              <a:buClrTx/>
-              <a:buSzTx/>
-              <a:buFontTx/>
-              <a:buNone/>
-              <a:tabLst/>
-              <a:defRPr/>
-            </a:pPr>
-            <a:endParaRPr lang="pl-PL" sz="1200" kern="1200" dirty="0">
-              <a:solidFill>
-                <a:schemeClr val="tx1"/>
-              </a:solidFill>
-              <a:effectLst/>
-              <a:latin typeface="+mn-lt"/>
-              <a:ea typeface="+mn-ea"/>
-              <a:cs typeface="+mn-cs"/>
-            </a:endParaRPr>
-          </a:p>
-          <a:p>
-            <a:pPr marL="0" marR="0" lvl="0" indent="0" algn="l" defTabSz="914400" rtl="0" eaLnBrk="1" fontAlgn="auto" latinLnBrk="0" hangingPunct="1">
-              <a:lnSpc>
-                <a:spcPct val="100000"/>
-              </a:lnSpc>
-              <a:spcBef>
-                <a:spcPts val="0"/>
-              </a:spcBef>
-              <a:spcAft>
-                <a:spcPts val="0"/>
-              </a:spcAft>
-              <a:buClrTx/>
-              <a:buSzTx/>
-              <a:buFontTx/>
-              <a:buNone/>
-              <a:tabLst/>
-              <a:defRPr/>
-            </a:pPr>
-            <a:r>
-              <a:rPr lang="pl-PL" sz="1200" kern="1200" dirty="0">
-                <a:solidFill>
-                  <a:schemeClr val="tx1"/>
-                </a:solidFill>
-                <a:effectLst/>
-                <a:latin typeface="+mn-lt"/>
-                <a:ea typeface="+mn-ea"/>
-                <a:cs typeface="+mn-cs"/>
-              </a:rPr>
-              <a:t>Ale pewne rodzaje raka mogą być wyleczalne, a inne pozostają oporne na wszystkie terapie. </a:t>
-            </a:r>
-          </a:p>
-          <a:p>
-            <a:pPr marL="0" marR="0" lvl="0" indent="0" algn="l" defTabSz="914400" rtl="0" eaLnBrk="1" fontAlgn="auto" latinLnBrk="0" hangingPunct="1">
-              <a:lnSpc>
-                <a:spcPct val="100000"/>
-              </a:lnSpc>
-              <a:spcBef>
-                <a:spcPts val="0"/>
-              </a:spcBef>
-              <a:spcAft>
-                <a:spcPts val="0"/>
-              </a:spcAft>
-              <a:buClrTx/>
-              <a:buSzTx/>
-              <a:buFontTx/>
-              <a:buNone/>
-              <a:tabLst/>
-              <a:defRPr/>
-            </a:pPr>
-            <a:endParaRPr lang="pl-PL" sz="1200" kern="1200" dirty="0">
-              <a:solidFill>
-                <a:schemeClr val="tx1"/>
-              </a:solidFill>
-              <a:effectLst/>
-              <a:latin typeface="+mn-lt"/>
-              <a:ea typeface="+mn-ea"/>
-              <a:cs typeface="+mn-cs"/>
-            </a:endParaRPr>
-          </a:p>
-          <a:p>
-            <a:pPr marL="0" marR="0" lvl="0" indent="0" algn="l" defTabSz="914400" rtl="0" eaLnBrk="1" fontAlgn="auto" latinLnBrk="0" hangingPunct="1">
-              <a:lnSpc>
-                <a:spcPct val="100000"/>
-              </a:lnSpc>
-              <a:spcBef>
-                <a:spcPts val="0"/>
-              </a:spcBef>
-              <a:spcAft>
-                <a:spcPts val="0"/>
-              </a:spcAft>
-              <a:buClrTx/>
-              <a:buSzTx/>
-              <a:buFontTx/>
-              <a:buNone/>
-              <a:tabLst/>
-              <a:defRPr/>
-            </a:pPr>
-            <a:r>
-              <a:rPr lang="pl-PL" sz="1200" kern="1200" dirty="0">
-                <a:solidFill>
-                  <a:schemeClr val="tx1"/>
-                </a:solidFill>
-                <a:effectLst/>
-                <a:latin typeface="+mn-lt"/>
-                <a:ea typeface="+mn-ea"/>
-                <a:cs typeface="+mn-cs"/>
-              </a:rPr>
-              <a:t>Dzisiaj pokażemy, dlaczego. Szukaliśmy odpowiedzi na pytanie: co biologicznie różni dobry rak od złego? </a:t>
-            </a:r>
-          </a:p>
-          <a:p>
-            <a:pPr marL="0" marR="0" lvl="0" indent="0" algn="l" defTabSz="914400" rtl="0" eaLnBrk="1" fontAlgn="auto" latinLnBrk="0" hangingPunct="1">
-              <a:lnSpc>
-                <a:spcPct val="100000"/>
-              </a:lnSpc>
-              <a:spcBef>
-                <a:spcPts val="0"/>
-              </a:spcBef>
-              <a:spcAft>
-                <a:spcPts val="0"/>
-              </a:spcAft>
-              <a:buClrTx/>
-              <a:buSzTx/>
-              <a:buFontTx/>
-              <a:buNone/>
-              <a:tabLst/>
-              <a:defRPr/>
-            </a:pPr>
-            <a:endParaRPr lang="pl-PL" sz="1200" kern="1200" dirty="0">
-              <a:solidFill>
-                <a:schemeClr val="tx1"/>
-              </a:solidFill>
-              <a:effectLst/>
-              <a:latin typeface="+mn-lt"/>
-              <a:ea typeface="+mn-ea"/>
-              <a:cs typeface="+mn-cs"/>
-            </a:endParaRPr>
-          </a:p>
-          <a:p>
-            <a:pPr marL="0" marR="0" lvl="0" indent="0" algn="l" defTabSz="914400" rtl="0" eaLnBrk="1" fontAlgn="auto" latinLnBrk="0" hangingPunct="1">
-              <a:lnSpc>
-                <a:spcPct val="100000"/>
-              </a:lnSpc>
-              <a:spcBef>
-                <a:spcPts val="0"/>
-              </a:spcBef>
-              <a:spcAft>
-                <a:spcPts val="0"/>
-              </a:spcAft>
-              <a:buClrTx/>
-              <a:buSzTx/>
-              <a:buFontTx/>
-              <a:buNone/>
-              <a:tabLst/>
-              <a:defRPr/>
-            </a:pPr>
-            <a:r>
-              <a:rPr lang="pl-PL" sz="1200" kern="1200" dirty="0">
-                <a:solidFill>
-                  <a:schemeClr val="tx1"/>
-                </a:solidFill>
-                <a:effectLst/>
-                <a:latin typeface="+mn-lt"/>
-                <a:ea typeface="+mn-ea"/>
-                <a:cs typeface="+mn-cs"/>
-              </a:rPr>
-              <a:t>I odkryliśmy coś zadziwiającego – to nie obojętny brak receptorów, ale aktywny plan, napisany małymi cząsteczkami RNA.</a:t>
-            </a:r>
-          </a:p>
-          <a:p>
             <a:endParaRPr lang="en-US" dirty="0"/>
           </a:p>
         </p:txBody>
@@ -882,7 +641,91 @@
           <a:p>
             <a:fld id="{ABA97DA8-01C1-4F17-9024-F98A07732284}" type="slidenum">
               <a:rPr lang="en-US" smtClean="0"/>
-              <a:t>13</a:t>
+              <a:t>10</a:t>
+            </a:fld>
+            <a:endParaRPr lang="en-US"/>
+          </a:p>
+        </p:txBody>
+      </p:sp>
+    </p:spTree>
+    <p:extLst>
+      <p:ext uri="{BB962C8B-B14F-4D97-AF65-F5344CB8AC3E}">
+        <p14:creationId xmlns:p14="http://schemas.microsoft.com/office/powerpoint/2010/main" val="512249159"/>
+      </p:ext>
+    </p:extLst>
+  </p:cSld>
+  <p:clrMapOvr>
+    <a:masterClrMapping/>
+  </p:clrMapOvr>
+</p:notes>
+</file>
+
+<file path=ppt/notesSlides/notesSlide11.xml><?xml version="1.0" encoding="utf-8"?>
+<p:notes xmlns:a="http://schemas.openxmlformats.org/drawingml/2006/main" xmlns:r="http://schemas.openxmlformats.org/officeDocument/2006/relationships" xmlns:p="http://schemas.openxmlformats.org/presentationml/2006/main">
+  <p:cSld>
+    <p:spTree>
+      <p:nvGrpSpPr>
+        <p:cNvPr id="1" name=""/>
+        <p:cNvGrpSpPr/>
+        <p:nvPr/>
+      </p:nvGrpSpPr>
+      <p:grpSpPr>
+        <a:xfrm>
+          <a:off x="0" y="0"/>
+          <a:ext cx="0" cy="0"/>
+          <a:chOff x="0" y="0"/>
+          <a:chExt cx="0" cy="0"/>
+        </a:xfrm>
+      </p:grpSpPr>
+      <p:sp>
+        <p:nvSpPr>
+          <p:cNvPr id="2" name="Symbol zastępczy obrazu slajdu 1"/>
+          <p:cNvSpPr>
+            <a:spLocks noGrp="1" noRot="1" noChangeAspect="1"/>
+          </p:cNvSpPr>
+          <p:nvPr>
+            <p:ph type="sldImg"/>
+          </p:nvPr>
+        </p:nvSpPr>
+        <p:spPr/>
+      </p:sp>
+      <p:sp>
+        <p:nvSpPr>
+          <p:cNvPr id="3" name="Symbol zastępczy notatek 2"/>
+          <p:cNvSpPr>
+            <a:spLocks noGrp="1"/>
+          </p:cNvSpPr>
+          <p:nvPr>
+            <p:ph type="body" idx="1"/>
+          </p:nvPr>
+        </p:nvSpPr>
+        <p:spPr/>
+        <p:txBody>
+          <a:bodyPr/>
+          <a:lstStyle/>
+          <a:p>
+            <a:endParaRPr lang="en-US" dirty="0"/>
+          </a:p>
+        </p:txBody>
+      </p:sp>
+      <p:sp>
+        <p:nvSpPr>
+          <p:cNvPr id="4" name="Symbol zastępczy numeru slajdu 3"/>
+          <p:cNvSpPr>
+            <a:spLocks noGrp="1"/>
+          </p:cNvSpPr>
+          <p:nvPr>
+            <p:ph type="sldNum" sz="quarter" idx="5"/>
+          </p:nvPr>
+        </p:nvSpPr>
+        <p:spPr/>
+        <p:txBody>
+          <a:bodyPr/>
+          <a:lstStyle/>
+          <a:p>
+            <a:fld id="{ABA97DA8-01C1-4F17-9024-F98A07732284}" type="slidenum">
+              <a:rPr lang="en-US" smtClean="0"/>
+              <a:t>14</a:t>
             </a:fld>
             <a:endParaRPr lang="en-US"/>
           </a:p>
@@ -952,360 +795,6 @@
           <a:bodyPr/>
           <a:lstStyle/>
           <a:p>
-            <a:pPr marL="0" marR="0" lvl="0" indent="0" algn="l" defTabSz="914400" rtl="0" eaLnBrk="1" fontAlgn="auto" latinLnBrk="0" hangingPunct="1">
-              <a:lnSpc>
-                <a:spcPct val="100000"/>
-              </a:lnSpc>
-              <a:spcBef>
-                <a:spcPts val="0"/>
-              </a:spcBef>
-              <a:spcAft>
-                <a:spcPts val="0"/>
-              </a:spcAft>
-              <a:buClrTx/>
-              <a:buSzTx/>
-              <a:buFontTx/>
-              <a:buNone/>
-              <a:tabLst/>
-              <a:defRPr/>
-            </a:pPr>
-            <a:br>
-              <a:rPr lang="pl-PL" sz="1200" b="1" kern="1200" dirty="0">
-                <a:solidFill>
-                  <a:schemeClr val="tx1"/>
-                </a:solidFill>
-                <a:effectLst/>
-                <a:latin typeface="+mn-lt"/>
-                <a:ea typeface="+mn-ea"/>
-                <a:cs typeface="+mn-cs"/>
-              </a:rPr>
-            </a:br>
-            <a:r>
-              <a:rPr lang="pl-PL" sz="1200" b="1" kern="1200" dirty="0">
-                <a:solidFill>
-                  <a:schemeClr val="tx1"/>
-                </a:solidFill>
-                <a:effectLst/>
-                <a:latin typeface="+mn-lt"/>
-                <a:ea typeface="+mn-ea"/>
-                <a:cs typeface="+mn-cs"/>
-              </a:rPr>
-              <a:t>Narracja (70 sekund):</a:t>
-            </a:r>
-            <a:br>
-              <a:rPr lang="pl-PL" sz="1200" b="1" kern="1200" dirty="0">
-                <a:solidFill>
-                  <a:schemeClr val="tx1"/>
-                </a:solidFill>
-                <a:effectLst/>
-                <a:latin typeface="+mn-lt"/>
-                <a:ea typeface="+mn-ea"/>
-                <a:cs typeface="+mn-cs"/>
-              </a:rPr>
-            </a:br>
-            <a:br>
-              <a:rPr lang="pl-PL" sz="1200" kern="1200" dirty="0">
-                <a:solidFill>
-                  <a:schemeClr val="tx1"/>
-                </a:solidFill>
-                <a:effectLst/>
-                <a:latin typeface="+mn-lt"/>
-                <a:ea typeface="+mn-ea"/>
-                <a:cs typeface="+mn-cs"/>
-              </a:rPr>
-            </a:br>
-            <a:r>
-              <a:rPr lang="pl-PL" sz="1200" kern="1200" dirty="0">
-                <a:solidFill>
-                  <a:schemeClr val="tx1"/>
-                </a:solidFill>
-                <a:effectLst/>
-                <a:latin typeface="+mn-lt"/>
-                <a:ea typeface="+mn-ea"/>
-                <a:cs typeface="+mn-cs"/>
-              </a:rPr>
-              <a:t>Każdego roku 700 000 kobiet na świecie umiera z powodu raka piersi. Ale nie wszystkie umierają z tej samej przyczyny.</a:t>
-            </a:r>
-            <a:br>
-              <a:rPr lang="pl-PL" sz="1200" kern="1200" dirty="0">
-                <a:solidFill>
-                  <a:schemeClr val="tx1"/>
-                </a:solidFill>
-                <a:effectLst/>
-                <a:latin typeface="+mn-lt"/>
-                <a:ea typeface="+mn-ea"/>
-                <a:cs typeface="+mn-cs"/>
-              </a:rPr>
-            </a:br>
-            <a:br>
-              <a:rPr lang="pl-PL" sz="1200" kern="1200" dirty="0">
-                <a:solidFill>
-                  <a:schemeClr val="tx1"/>
-                </a:solidFill>
-                <a:effectLst/>
-                <a:latin typeface="+mn-lt"/>
-                <a:ea typeface="+mn-ea"/>
-                <a:cs typeface="+mn-cs"/>
-              </a:rPr>
-            </a:br>
-            <a:r>
-              <a:rPr lang="pl-PL" sz="1200" kern="1200" dirty="0">
-                <a:solidFill>
-                  <a:schemeClr val="tx1"/>
-                </a:solidFill>
-                <a:effectLst/>
-                <a:latin typeface="+mn-lt"/>
-                <a:ea typeface="+mn-ea"/>
-                <a:cs typeface="+mn-cs"/>
-              </a:rPr>
-              <a:t>Rak piersi to cztery różne choroby. Luminal A – to najłagodniejsza. 92% pacjentek żyje 5 lat. Mamy dla niej terapię – receptory hormonalne, więc możemy dać leki hormonalne.</a:t>
-            </a:r>
-            <a:br>
-              <a:rPr lang="pl-PL" sz="1200" kern="1200" dirty="0">
-                <a:solidFill>
-                  <a:schemeClr val="tx1"/>
-                </a:solidFill>
-                <a:effectLst/>
-                <a:latin typeface="+mn-lt"/>
-                <a:ea typeface="+mn-ea"/>
-                <a:cs typeface="+mn-cs"/>
-              </a:rPr>
-            </a:br>
-            <a:br>
-              <a:rPr lang="pl-PL" sz="1200" kern="1200" dirty="0">
-                <a:solidFill>
-                  <a:schemeClr val="tx1"/>
-                </a:solidFill>
-                <a:effectLst/>
-                <a:latin typeface="+mn-lt"/>
-                <a:ea typeface="+mn-ea"/>
-                <a:cs typeface="+mn-cs"/>
-              </a:rPr>
-            </a:br>
-            <a:r>
-              <a:rPr lang="pl-PL" sz="1200" kern="1200" dirty="0">
-                <a:solidFill>
-                  <a:schemeClr val="tx1"/>
-                </a:solidFill>
-                <a:effectLst/>
-                <a:latin typeface="+mn-lt"/>
-                <a:ea typeface="+mn-ea"/>
-                <a:cs typeface="+mn-cs"/>
-              </a:rPr>
-              <a:t>HER2-positive – był problem, ale </a:t>
-            </a:r>
-            <a:r>
-              <a:rPr lang="pl-PL" sz="1200" kern="1200" dirty="0" err="1">
-                <a:solidFill>
-                  <a:schemeClr val="tx1"/>
-                </a:solidFill>
-                <a:effectLst/>
-                <a:latin typeface="+mn-lt"/>
-                <a:ea typeface="+mn-ea"/>
-                <a:cs typeface="+mn-cs"/>
-              </a:rPr>
-              <a:t>Trastuzumab</a:t>
-            </a:r>
-            <a:r>
-              <a:rPr lang="pl-PL" sz="1200" kern="1200" dirty="0">
-                <a:solidFill>
-                  <a:schemeClr val="tx1"/>
-                </a:solidFill>
-                <a:effectLst/>
-                <a:latin typeface="+mn-lt"/>
-                <a:ea typeface="+mn-ea"/>
-                <a:cs typeface="+mn-cs"/>
-              </a:rPr>
-              <a:t> to rozwiązał. Teraz też 65-75% przeżycia.</a:t>
-            </a:r>
-            <a:br>
-              <a:rPr lang="pl-PL" sz="1200" kern="1200" dirty="0">
-                <a:solidFill>
-                  <a:schemeClr val="tx1"/>
-                </a:solidFill>
-                <a:effectLst/>
-                <a:latin typeface="+mn-lt"/>
-                <a:ea typeface="+mn-ea"/>
-                <a:cs typeface="+mn-cs"/>
-              </a:rPr>
-            </a:br>
-            <a:br>
-              <a:rPr lang="pl-PL" sz="1200" kern="1200" dirty="0">
-                <a:solidFill>
-                  <a:schemeClr val="tx1"/>
-                </a:solidFill>
-                <a:effectLst/>
-                <a:latin typeface="+mn-lt"/>
-                <a:ea typeface="+mn-ea"/>
-                <a:cs typeface="+mn-cs"/>
-              </a:rPr>
-            </a:br>
-            <a:r>
-              <a:rPr lang="pl-PL" sz="1200" kern="1200" dirty="0">
-                <a:solidFill>
-                  <a:schemeClr val="tx1"/>
-                </a:solidFill>
-                <a:effectLst/>
-                <a:latin typeface="+mn-lt"/>
-                <a:ea typeface="+mn-ea"/>
-                <a:cs typeface="+mn-cs"/>
-              </a:rPr>
-              <a:t>Ale jest czwarta grupa: </a:t>
-            </a:r>
-            <a:r>
-              <a:rPr lang="pl-PL" sz="1200" kern="1200" dirty="0" err="1">
-                <a:solidFill>
-                  <a:schemeClr val="tx1"/>
-                </a:solidFill>
-                <a:effectLst/>
-                <a:latin typeface="+mn-lt"/>
-                <a:ea typeface="+mn-ea"/>
-                <a:cs typeface="+mn-cs"/>
-              </a:rPr>
-              <a:t>Basal-like</a:t>
-            </a:r>
-            <a:r>
-              <a:rPr lang="pl-PL" sz="1200" kern="1200" dirty="0">
-                <a:solidFill>
-                  <a:schemeClr val="tx1"/>
-                </a:solidFill>
-                <a:effectLst/>
-                <a:latin typeface="+mn-lt"/>
-                <a:ea typeface="+mn-ea"/>
-                <a:cs typeface="+mn-cs"/>
-              </a:rPr>
-              <a:t>, zwana też TNBC – </a:t>
-            </a:r>
-            <a:r>
-              <a:rPr lang="pl-PL" sz="1200" kern="1200" dirty="0" err="1">
-                <a:solidFill>
-                  <a:schemeClr val="tx1"/>
-                </a:solidFill>
-                <a:effectLst/>
-                <a:latin typeface="+mn-lt"/>
-                <a:ea typeface="+mn-ea"/>
-                <a:cs typeface="+mn-cs"/>
-              </a:rPr>
-              <a:t>Triple</a:t>
-            </a:r>
-            <a:r>
-              <a:rPr lang="pl-PL" sz="1200" kern="1200" dirty="0">
-                <a:solidFill>
-                  <a:schemeClr val="tx1"/>
-                </a:solidFill>
-                <a:effectLst/>
-                <a:latin typeface="+mn-lt"/>
-                <a:ea typeface="+mn-ea"/>
-                <a:cs typeface="+mn-cs"/>
-              </a:rPr>
-              <a:t> </a:t>
-            </a:r>
-            <a:r>
-              <a:rPr lang="pl-PL" sz="1200" kern="1200" dirty="0" err="1">
-                <a:solidFill>
-                  <a:schemeClr val="tx1"/>
-                </a:solidFill>
-                <a:effectLst/>
-                <a:latin typeface="+mn-lt"/>
-                <a:ea typeface="+mn-ea"/>
-                <a:cs typeface="+mn-cs"/>
-              </a:rPr>
-              <a:t>Negative</a:t>
-            </a:r>
-            <a:r>
-              <a:rPr lang="pl-PL" sz="1200" kern="1200" dirty="0">
-                <a:solidFill>
-                  <a:schemeClr val="tx1"/>
-                </a:solidFill>
-                <a:effectLst/>
-                <a:latin typeface="+mn-lt"/>
-                <a:ea typeface="+mn-ea"/>
-                <a:cs typeface="+mn-cs"/>
-              </a:rPr>
-              <a:t>. Bez receptorów ŻADNYCH. Przeżycie: zaledwie 28%. To znaczy – nie wiemy jak je leczyć.</a:t>
-            </a:r>
-            <a:br>
-              <a:rPr lang="pl-PL" sz="1200" kern="1200" dirty="0">
-                <a:solidFill>
-                  <a:schemeClr val="tx1"/>
-                </a:solidFill>
-                <a:effectLst/>
-                <a:latin typeface="+mn-lt"/>
-                <a:ea typeface="+mn-ea"/>
-                <a:cs typeface="+mn-cs"/>
-              </a:rPr>
-            </a:br>
-            <a:br>
-              <a:rPr lang="pl-PL" sz="1200" kern="1200" dirty="0">
-                <a:solidFill>
-                  <a:schemeClr val="tx1"/>
-                </a:solidFill>
-                <a:effectLst/>
-                <a:latin typeface="+mn-lt"/>
-                <a:ea typeface="+mn-ea"/>
-                <a:cs typeface="+mn-cs"/>
-              </a:rPr>
-            </a:br>
-            <a:r>
-              <a:rPr lang="pl-PL" sz="1200" b="1" kern="1200" dirty="0">
-                <a:solidFill>
-                  <a:schemeClr val="tx1"/>
-                </a:solidFill>
-                <a:effectLst/>
-                <a:latin typeface="+mn-lt"/>
-                <a:ea typeface="+mn-ea"/>
-                <a:cs typeface="+mn-cs"/>
-              </a:rPr>
-              <a:t>Czyli pytanie brzmi: </a:t>
-            </a:r>
-            <a:r>
-              <a:rPr lang="pl-PL" sz="1200" kern="1200" dirty="0">
-                <a:solidFill>
-                  <a:schemeClr val="tx1"/>
-                </a:solidFill>
-                <a:effectLst/>
-                <a:latin typeface="+mn-lt"/>
-                <a:ea typeface="+mn-ea"/>
-                <a:cs typeface="+mn-cs"/>
-              </a:rPr>
-              <a:t>Dlaczego te guzy nie mają receptorów? Czy to przypadek? Czy może... aktywna liczba zabijająca te receptory?</a:t>
-            </a:r>
-            <a:br>
-              <a:rPr lang="pl-PL" sz="1200" kern="1200" dirty="0">
-                <a:solidFill>
-                  <a:schemeClr val="tx1"/>
-                </a:solidFill>
-                <a:effectLst/>
-                <a:latin typeface="+mn-lt"/>
-                <a:ea typeface="+mn-ea"/>
-                <a:cs typeface="+mn-cs"/>
-              </a:rPr>
-            </a:br>
-            <a:br>
-              <a:rPr lang="pl-PL" sz="1200" kern="1200" dirty="0">
-                <a:solidFill>
-                  <a:schemeClr val="tx1"/>
-                </a:solidFill>
-                <a:effectLst/>
-                <a:latin typeface="+mn-lt"/>
-                <a:ea typeface="+mn-ea"/>
-                <a:cs typeface="+mn-cs"/>
-              </a:rPr>
-            </a:br>
-            <a:r>
-              <a:rPr lang="pl-PL" sz="1200" kern="1200" dirty="0">
-                <a:solidFill>
-                  <a:schemeClr val="tx1"/>
-                </a:solidFill>
-                <a:effectLst/>
-                <a:latin typeface="+mn-lt"/>
-                <a:ea typeface="+mn-ea"/>
-                <a:cs typeface="+mn-cs"/>
-              </a:rPr>
-              <a:t>To jest pytanie, na które chcieliśmy odpowiedzieć.</a:t>
-            </a:r>
-          </a:p>
-          <a:p>
             <a:endParaRPr lang="en-US" dirty="0"/>
           </a:p>
         </p:txBody>
@@ -1397,178 +886,6 @@
           <a:bodyPr/>
           <a:lstStyle/>
           <a:p>
-            <a:r>
-              <a:rPr lang="pl-PL" sz="1200" b="1" kern="1200" dirty="0">
-                <a:solidFill>
-                  <a:schemeClr val="tx1"/>
-                </a:solidFill>
-                <a:effectLst/>
-                <a:latin typeface="+mn-lt"/>
-                <a:ea typeface="+mn-ea"/>
-                <a:cs typeface="+mn-cs"/>
-              </a:rPr>
-              <a:t>I CZĘŚĆ</a:t>
-            </a:r>
-            <a:br>
-              <a:rPr lang="pl-PL" sz="1200" b="1" kern="1200" dirty="0">
-                <a:solidFill>
-                  <a:schemeClr val="tx1"/>
-                </a:solidFill>
-                <a:effectLst/>
-                <a:latin typeface="+mn-lt"/>
-                <a:ea typeface="+mn-ea"/>
-                <a:cs typeface="+mn-cs"/>
-              </a:rPr>
-            </a:br>
-            <a:br>
-              <a:rPr lang="pl-PL" sz="1200" kern="1200" dirty="0">
-                <a:solidFill>
-                  <a:schemeClr val="tx1"/>
-                </a:solidFill>
-                <a:effectLst/>
-                <a:latin typeface="+mn-lt"/>
-                <a:ea typeface="+mn-ea"/>
-                <a:cs typeface="+mn-cs"/>
-              </a:rPr>
-            </a:br>
-            <a:r>
-              <a:rPr lang="pl-PL" sz="1200" b="1" kern="1200" dirty="0">
-                <a:solidFill>
-                  <a:schemeClr val="tx1"/>
-                </a:solidFill>
-                <a:effectLst/>
-                <a:latin typeface="+mn-lt"/>
-                <a:ea typeface="+mn-ea"/>
-                <a:cs typeface="+mn-cs"/>
-              </a:rPr>
-              <a:t>Narracja (45 sekund):</a:t>
-            </a:r>
-            <a:br>
-              <a:rPr lang="pl-PL" sz="1200" b="1" kern="1200" dirty="0">
-                <a:solidFill>
-                  <a:schemeClr val="tx1"/>
-                </a:solidFill>
-                <a:effectLst/>
-                <a:latin typeface="+mn-lt"/>
-                <a:ea typeface="+mn-ea"/>
-                <a:cs typeface="+mn-cs"/>
-              </a:rPr>
-            </a:br>
-            <a:br>
-              <a:rPr lang="pl-PL" sz="1200" kern="1200" dirty="0">
-                <a:solidFill>
-                  <a:schemeClr val="tx1"/>
-                </a:solidFill>
-                <a:effectLst/>
-                <a:latin typeface="+mn-lt"/>
-                <a:ea typeface="+mn-ea"/>
-                <a:cs typeface="+mn-cs"/>
-              </a:rPr>
-            </a:br>
-            <a:r>
-              <a:rPr lang="pl-PL" sz="1200" kern="1200" dirty="0">
-                <a:solidFill>
-                  <a:schemeClr val="tx1"/>
-                </a:solidFill>
-                <a:effectLst/>
-                <a:latin typeface="+mn-lt"/>
-                <a:ea typeface="+mn-ea"/>
-                <a:cs typeface="+mn-cs"/>
-              </a:rPr>
-              <a:t>Wiecie dlaczego klasyczne badania DNA/RNA tracą 70% informacji?</a:t>
-            </a:r>
-            <a:br>
-              <a:rPr lang="pl-PL" sz="1200" kern="1200" dirty="0">
-                <a:solidFill>
-                  <a:schemeClr val="tx1"/>
-                </a:solidFill>
-                <a:effectLst/>
-                <a:latin typeface="+mn-lt"/>
-                <a:ea typeface="+mn-ea"/>
-                <a:cs typeface="+mn-cs"/>
-              </a:rPr>
-            </a:br>
-            <a:br>
-              <a:rPr lang="pl-PL" sz="1200" kern="1200" dirty="0">
-                <a:solidFill>
-                  <a:schemeClr val="tx1"/>
-                </a:solidFill>
-                <a:effectLst/>
-                <a:latin typeface="+mn-lt"/>
-                <a:ea typeface="+mn-ea"/>
-                <a:cs typeface="+mn-cs"/>
-              </a:rPr>
-            </a:br>
-            <a:r>
-              <a:rPr lang="pl-PL" sz="1200" kern="1200" dirty="0">
-                <a:solidFill>
-                  <a:schemeClr val="tx1"/>
-                </a:solidFill>
-                <a:effectLst/>
-                <a:latin typeface="+mn-lt"/>
-                <a:ea typeface="+mn-ea"/>
-                <a:cs typeface="+mn-cs"/>
-              </a:rPr>
-              <a:t>Większość projektów sekwencjonuje gen, mierzy mRNA i mówi: 'gotowe'. Ale białko – to, co naprawdę pracuje w komórce – może być całkowicie inne!</a:t>
-            </a:r>
-            <a:br>
-              <a:rPr lang="pl-PL" sz="1200" kern="1200" dirty="0">
-                <a:solidFill>
-                  <a:schemeClr val="tx1"/>
-                </a:solidFill>
-                <a:effectLst/>
-                <a:latin typeface="+mn-lt"/>
-                <a:ea typeface="+mn-ea"/>
-                <a:cs typeface="+mn-cs"/>
-              </a:rPr>
-            </a:br>
-            <a:br>
-              <a:rPr lang="pl-PL" sz="1200" kern="1200" dirty="0">
-                <a:solidFill>
-                  <a:schemeClr val="tx1"/>
-                </a:solidFill>
-                <a:effectLst/>
-                <a:latin typeface="+mn-lt"/>
-                <a:ea typeface="+mn-ea"/>
-                <a:cs typeface="+mn-cs"/>
-              </a:rPr>
-            </a:br>
-            <a:r>
-              <a:rPr lang="pl-PL" sz="1200" kern="1200" dirty="0">
-                <a:solidFill>
-                  <a:schemeClr val="tx1"/>
-                </a:solidFill>
-                <a:effectLst/>
-                <a:latin typeface="+mn-lt"/>
-                <a:ea typeface="+mn-ea"/>
-                <a:cs typeface="+mn-cs"/>
-              </a:rPr>
-              <a:t>To jak mierzyć ile fabryka produkuje części, ignorując robotników, którzy je niszczą. </a:t>
-            </a:r>
-            <a:r>
-              <a:rPr lang="pl-PL" sz="1200" kern="1200" dirty="0" err="1">
-                <a:solidFill>
-                  <a:schemeClr val="tx1"/>
-                </a:solidFill>
-                <a:effectLst/>
-                <a:latin typeface="+mn-lt"/>
-                <a:ea typeface="+mn-ea"/>
-                <a:cs typeface="+mn-cs"/>
-              </a:rPr>
-              <a:t>miRNA</a:t>
-            </a:r>
-            <a:r>
-              <a:rPr lang="pl-PL" sz="1200" kern="1200" dirty="0">
-                <a:solidFill>
-                  <a:schemeClr val="tx1"/>
-                </a:solidFill>
-                <a:effectLst/>
-                <a:latin typeface="+mn-lt"/>
-                <a:ea typeface="+mn-ea"/>
-                <a:cs typeface="+mn-cs"/>
-              </a:rPr>
-              <a:t> to robotnicy.</a:t>
-            </a:r>
             <a:endParaRPr lang="en-US" dirty="0"/>
           </a:p>
         </p:txBody>
@@ -1660,131 +977,6 @@
           <a:bodyPr/>
           <a:lstStyle/>
           <a:p>
-            <a:r>
-              <a:rPr lang="pl-PL" b="1" dirty="0"/>
-              <a:t>CZĘŚĆ II</a:t>
-            </a:r>
-          </a:p>
-          <a:p>
-            <a:endParaRPr lang="pl-PL" b="0" dirty="0"/>
-          </a:p>
-          <a:p>
-            <a:r>
-              <a:rPr lang="pl-PL" b="0" dirty="0"/>
-              <a:t>W tym projekcie poszliśmy o krok dalej.</a:t>
-            </a:r>
-          </a:p>
-          <a:p>
-            <a:br>
-              <a:rPr lang="pl-PL" b="0" dirty="0"/>
-            </a:br>
-            <a:r>
-              <a:rPr lang="pl-PL" b="0" dirty="0"/>
-              <a:t>Przeanalizowaliśmy ponad 1 200 próbek, równocześnie mierząc:</a:t>
-            </a:r>
-          </a:p>
-          <a:p>
-            <a:endParaRPr lang="pl-PL" b="0" dirty="0"/>
-          </a:p>
-          <a:p>
-            <a:r>
-              <a:rPr lang="pl-PL" b="0" dirty="0"/>
-              <a:t>poziom mRNA (co jest transkrybowane),</a:t>
-            </a:r>
-          </a:p>
-          <a:p>
-            <a:endParaRPr lang="pl-PL" b="0" dirty="0"/>
-          </a:p>
-          <a:p>
-            <a:r>
-              <a:rPr lang="pl-PL" b="0" dirty="0"/>
-              <a:t>poziom białek (co faktycznie powstaje),</a:t>
-            </a:r>
-          </a:p>
-          <a:p>
-            <a:endParaRPr lang="pl-PL" b="0" dirty="0"/>
-          </a:p>
-          <a:p>
-            <a:r>
-              <a:rPr lang="pl-PL" b="0" dirty="0"/>
-              <a:t>poziom </a:t>
-            </a:r>
-            <a:r>
-              <a:rPr lang="pl-PL" b="0" dirty="0" err="1"/>
-              <a:t>miRNA</a:t>
-            </a:r>
-            <a:r>
-              <a:rPr lang="pl-PL" b="0" dirty="0"/>
-              <a:t> – kluczowych regulatorów odpowiedzialnych za utracone białka.</a:t>
-            </a:r>
-          </a:p>
-          <a:p>
-            <a:endParaRPr lang="pl-PL" b="0" dirty="0"/>
-          </a:p>
-          <a:p>
-            <a:r>
-              <a:rPr lang="pl-PL" b="0" dirty="0"/>
-              <a:t>Integracja tych trzech warstw molekularnych pozwoliła nam odpowiedzieć na pytanie:</a:t>
-            </a:r>
-          </a:p>
-          <a:p>
-            <a:endParaRPr lang="pl-PL" b="0" dirty="0"/>
-          </a:p>
-          <a:p>
-            <a:r>
-              <a:rPr lang="pl-PL" b="0" dirty="0"/>
-              <a:t>Dlaczego białko ESR1 zanika w nowotworach typu </a:t>
-            </a:r>
-            <a:r>
-              <a:rPr lang="pl-PL" b="0" dirty="0" err="1"/>
-              <a:t>basal-like</a:t>
-            </a:r>
-            <a:r>
-              <a:rPr lang="pl-PL" b="0" dirty="0"/>
-              <a:t>, mimo obecności jego mRNA?</a:t>
-            </a:r>
-          </a:p>
-          <a:p>
-            <a:pPr marL="0" marR="0" lvl="0" indent="0" algn="l" defTabSz="914400" rtl="0" eaLnBrk="1" fontAlgn="auto" latinLnBrk="0" hangingPunct="1">
-              <a:lnSpc>
-                <a:spcPct val="100000"/>
-              </a:lnSpc>
-              <a:spcBef>
-                <a:spcPts val="0"/>
-              </a:spcBef>
-              <a:spcAft>
-                <a:spcPts val="0"/>
-              </a:spcAft>
-              <a:buClrTx/>
-              <a:buSzTx/>
-              <a:buFontTx/>
-              <a:buNone/>
-              <a:tabLst/>
-              <a:defRPr/>
-            </a:pPr>
-            <a:r>
-              <a:rPr lang="pl-PL" sz="1200" b="0" kern="1200" dirty="0">
-                <a:solidFill>
-                  <a:schemeClr val="tx1"/>
-                </a:solidFill>
-                <a:effectLst/>
-                <a:latin typeface="+mn-lt"/>
-                <a:ea typeface="+mn-ea"/>
-                <a:cs typeface="+mn-cs"/>
-              </a:rPr>
-              <a:t> </a:t>
-            </a:r>
-            <a:br>
-              <a:rPr lang="pl-PL" sz="1200" b="0" kern="1200" dirty="0">
-                <a:solidFill>
-                  <a:schemeClr val="tx1"/>
-                </a:solidFill>
-                <a:effectLst/>
-                <a:latin typeface="+mn-lt"/>
-                <a:ea typeface="+mn-ea"/>
-                <a:cs typeface="+mn-cs"/>
-              </a:rPr>
-            </a:br>
             <a:endParaRPr lang="en-US" b="0" dirty="0"/>
           </a:p>
         </p:txBody>
@@ -1876,694 +1068,6 @@
           <a:bodyPr/>
           <a:lstStyle/>
           <a:p>
-            <a:pPr marL="0" marR="0" lvl="0" indent="0" algn="l" defTabSz="914400" rtl="0" eaLnBrk="1" fontAlgn="auto" latinLnBrk="0" hangingPunct="1">
-              <a:lnSpc>
-                <a:spcPct val="100000"/>
-              </a:lnSpc>
-              <a:spcBef>
-                <a:spcPts val="0"/>
-              </a:spcBef>
-              <a:spcAft>
-                <a:spcPts val="0"/>
-              </a:spcAft>
-              <a:buClrTx/>
-              <a:buSzTx/>
-              <a:buFontTx/>
-              <a:buNone/>
-              <a:tabLst/>
-              <a:defRPr/>
-            </a:pPr>
-            <a:br>
-              <a:rPr lang="pl-PL" sz="1200" kern="1200" dirty="0">
-                <a:solidFill>
-                  <a:schemeClr val="tx1"/>
-                </a:solidFill>
-                <a:effectLst/>
-                <a:latin typeface="+mn-lt"/>
-                <a:ea typeface="+mn-ea"/>
-                <a:cs typeface="+mn-cs"/>
-              </a:rPr>
-            </a:br>
-            <a:r>
-              <a:rPr lang="pl-PL" sz="1200" b="1" kern="1200" dirty="0">
-                <a:solidFill>
-                  <a:schemeClr val="tx1"/>
-                </a:solidFill>
-                <a:effectLst/>
-                <a:latin typeface="+mn-lt"/>
-                <a:ea typeface="+mn-ea"/>
-                <a:cs typeface="+mn-cs"/>
-              </a:rPr>
-              <a:t>Narracja (75 sekund):</a:t>
-            </a:r>
-            <a:br>
-              <a:rPr lang="pl-PL" sz="1200" kern="1200" dirty="0">
-                <a:solidFill>
-                  <a:schemeClr val="tx1"/>
-                </a:solidFill>
-                <a:effectLst/>
-                <a:latin typeface="+mn-lt"/>
-                <a:ea typeface="+mn-ea"/>
-                <a:cs typeface="+mn-cs"/>
-              </a:rPr>
-            </a:br>
-            <a:br>
-              <a:rPr lang="pl-PL" sz="1200" kern="1200" dirty="0">
-                <a:solidFill>
-                  <a:schemeClr val="tx1"/>
-                </a:solidFill>
-                <a:effectLst/>
-                <a:latin typeface="+mn-lt"/>
-                <a:ea typeface="+mn-ea"/>
-                <a:cs typeface="+mn-cs"/>
-              </a:rPr>
-            </a:br>
-            <a:r>
-              <a:rPr lang="pl-PL" sz="1200" kern="1200" dirty="0">
-                <a:solidFill>
-                  <a:schemeClr val="tx1"/>
-                </a:solidFill>
-                <a:effectLst/>
-                <a:latin typeface="+mn-lt"/>
-                <a:ea typeface="+mn-ea"/>
-                <a:cs typeface="+mn-cs"/>
-              </a:rPr>
-              <a:t>"To jest moment 'eureka'. Na tym </a:t>
-            </a:r>
-            <a:r>
-              <a:rPr lang="pl-PL" sz="1200" kern="1200" dirty="0" err="1">
-                <a:solidFill>
-                  <a:schemeClr val="tx1"/>
-                </a:solidFill>
-                <a:effectLst/>
-                <a:latin typeface="+mn-lt"/>
-                <a:ea typeface="+mn-ea"/>
-                <a:cs typeface="+mn-cs"/>
-              </a:rPr>
-              <a:t>volcano</a:t>
-            </a:r>
-            <a:r>
-              <a:rPr lang="pl-PL" sz="1200" kern="1200" dirty="0">
-                <a:solidFill>
-                  <a:schemeClr val="tx1"/>
-                </a:solidFill>
-                <a:effectLst/>
-                <a:latin typeface="+mn-lt"/>
-                <a:ea typeface="+mn-ea"/>
-                <a:cs typeface="+mn-cs"/>
-              </a:rPr>
-              <a:t> </a:t>
-            </a:r>
-            <a:r>
-              <a:rPr lang="pl-PL" sz="1200" kern="1200" dirty="0" err="1">
-                <a:solidFill>
-                  <a:schemeClr val="tx1"/>
-                </a:solidFill>
-                <a:effectLst/>
-                <a:latin typeface="+mn-lt"/>
-                <a:ea typeface="+mn-ea"/>
-                <a:cs typeface="+mn-cs"/>
-              </a:rPr>
-              <a:t>plote</a:t>
-            </a:r>
-            <a:r>
-              <a:rPr lang="pl-PL" sz="1200" kern="1200" dirty="0">
-                <a:solidFill>
-                  <a:schemeClr val="tx1"/>
-                </a:solidFill>
-                <a:effectLst/>
-                <a:latin typeface="+mn-lt"/>
-                <a:ea typeface="+mn-ea"/>
-                <a:cs typeface="+mn-cs"/>
-              </a:rPr>
-              <a:t> widzicie:</a:t>
-            </a:r>
-            <a:br>
-              <a:rPr lang="pl-PL" sz="1200" kern="1200" dirty="0">
-                <a:solidFill>
-                  <a:schemeClr val="tx1"/>
-                </a:solidFill>
-                <a:effectLst/>
-                <a:latin typeface="+mn-lt"/>
-                <a:ea typeface="+mn-ea"/>
-                <a:cs typeface="+mn-cs"/>
-              </a:rPr>
-            </a:br>
-            <a:br>
-              <a:rPr lang="pl-PL" sz="1200" kern="1200" dirty="0">
-                <a:solidFill>
-                  <a:schemeClr val="tx1"/>
-                </a:solidFill>
-                <a:effectLst/>
-                <a:latin typeface="+mn-lt"/>
-                <a:ea typeface="+mn-ea"/>
-                <a:cs typeface="+mn-cs"/>
-              </a:rPr>
-            </a:br>
-            <a:r>
-              <a:rPr lang="pl-PL" sz="1200" kern="1200" dirty="0">
-                <a:solidFill>
-                  <a:schemeClr val="tx1"/>
-                </a:solidFill>
-                <a:effectLst/>
-                <a:latin typeface="+mn-lt"/>
-                <a:ea typeface="+mn-ea"/>
-                <a:cs typeface="+mn-cs"/>
-              </a:rPr>
-              <a:t>Po lewej stronie (górnie): nasze </a:t>
-            </a:r>
-            <a:r>
-              <a:rPr lang="pl-PL" sz="1200" kern="1200" dirty="0" err="1">
-                <a:solidFill>
-                  <a:schemeClr val="tx1"/>
-                </a:solidFill>
-                <a:effectLst/>
-                <a:latin typeface="+mn-lt"/>
-                <a:ea typeface="+mn-ea"/>
-                <a:cs typeface="+mn-cs"/>
-              </a:rPr>
-              <a:t>miRNA</a:t>
-            </a:r>
-            <a:r>
-              <a:rPr lang="pl-PL" sz="1200" kern="1200" dirty="0">
-                <a:solidFill>
-                  <a:schemeClr val="tx1"/>
-                </a:solidFill>
-                <a:effectLst/>
-                <a:latin typeface="+mn-lt"/>
-                <a:ea typeface="+mn-ea"/>
-                <a:cs typeface="+mn-cs"/>
-              </a:rPr>
-              <a:t>. Zaczęły się rozmnażać. miR-17: +2.4 </a:t>
-            </a:r>
-            <a:r>
-              <a:rPr lang="pl-PL" sz="1200" kern="1200" dirty="0" err="1">
-                <a:solidFill>
-                  <a:schemeClr val="tx1"/>
-                </a:solidFill>
-                <a:effectLst/>
-                <a:latin typeface="+mn-lt"/>
-                <a:ea typeface="+mn-ea"/>
-                <a:cs typeface="+mn-cs"/>
-              </a:rPr>
-              <a:t>fold</a:t>
-            </a:r>
-            <a:r>
-              <a:rPr lang="pl-PL" sz="1200" kern="1200" dirty="0">
-                <a:solidFill>
-                  <a:schemeClr val="tx1"/>
-                </a:solidFill>
-                <a:effectLst/>
-                <a:latin typeface="+mn-lt"/>
-                <a:ea typeface="+mn-ea"/>
-                <a:cs typeface="+mn-cs"/>
-              </a:rPr>
-              <a:t>, miR-20a: +2.1 </a:t>
-            </a:r>
-            <a:r>
-              <a:rPr lang="pl-PL" sz="1200" kern="1200" dirty="0" err="1">
-                <a:solidFill>
-                  <a:schemeClr val="tx1"/>
-                </a:solidFill>
-                <a:effectLst/>
-                <a:latin typeface="+mn-lt"/>
-                <a:ea typeface="+mn-ea"/>
-                <a:cs typeface="+mn-cs"/>
-              </a:rPr>
-              <a:t>fold</a:t>
-            </a:r>
-            <a:r>
-              <a:rPr lang="pl-PL" sz="1200" kern="1200" dirty="0">
-                <a:solidFill>
-                  <a:schemeClr val="tx1"/>
-                </a:solidFill>
-                <a:effectLst/>
-                <a:latin typeface="+mn-lt"/>
-                <a:ea typeface="+mn-ea"/>
-                <a:cs typeface="+mn-cs"/>
-              </a:rPr>
-              <a:t>, miR-210: +3.8 </a:t>
-            </a:r>
-            <a:r>
-              <a:rPr lang="pl-PL" sz="1200" kern="1200" dirty="0" err="1">
-                <a:solidFill>
-                  <a:schemeClr val="tx1"/>
-                </a:solidFill>
-                <a:effectLst/>
-                <a:latin typeface="+mn-lt"/>
-                <a:ea typeface="+mn-ea"/>
-                <a:cs typeface="+mn-cs"/>
-              </a:rPr>
-              <a:t>fold</a:t>
-            </a:r>
-            <a:r>
-              <a:rPr lang="pl-PL" sz="1200" kern="1200" dirty="0">
-                <a:solidFill>
-                  <a:schemeClr val="tx1"/>
-                </a:solidFill>
-                <a:effectLst/>
-                <a:latin typeface="+mn-lt"/>
-                <a:ea typeface="+mn-ea"/>
-                <a:cs typeface="+mn-cs"/>
-              </a:rPr>
-              <a:t>! To znaczy – ekspresja tych </a:t>
-            </a:r>
-            <a:r>
-              <a:rPr lang="pl-PL" sz="1200" kern="1200" dirty="0" err="1">
-                <a:solidFill>
-                  <a:schemeClr val="tx1"/>
-                </a:solidFill>
-                <a:effectLst/>
-                <a:latin typeface="+mn-lt"/>
-                <a:ea typeface="+mn-ea"/>
-                <a:cs typeface="+mn-cs"/>
-              </a:rPr>
-              <a:t>miRNA</a:t>
-            </a:r>
-            <a:r>
-              <a:rPr lang="pl-PL" sz="1200" kern="1200" dirty="0">
-                <a:solidFill>
-                  <a:schemeClr val="tx1"/>
-                </a:solidFill>
-                <a:effectLst/>
-                <a:latin typeface="+mn-lt"/>
-                <a:ea typeface="+mn-ea"/>
-                <a:cs typeface="+mn-cs"/>
-              </a:rPr>
-              <a:t> EKSPLODOWAŁA w </a:t>
-            </a:r>
-            <a:r>
-              <a:rPr lang="pl-PL" sz="1200" kern="1200" dirty="0" err="1">
-                <a:solidFill>
-                  <a:schemeClr val="tx1"/>
-                </a:solidFill>
-                <a:effectLst/>
-                <a:latin typeface="+mn-lt"/>
-                <a:ea typeface="+mn-ea"/>
-                <a:cs typeface="+mn-cs"/>
-              </a:rPr>
-              <a:t>Basal-like</a:t>
-            </a:r>
-            <a:r>
-              <a:rPr lang="pl-PL" sz="1200" kern="1200" dirty="0">
-                <a:solidFill>
-                  <a:schemeClr val="tx1"/>
-                </a:solidFill>
-                <a:effectLst/>
-                <a:latin typeface="+mn-lt"/>
-                <a:ea typeface="+mn-ea"/>
-                <a:cs typeface="+mn-cs"/>
-              </a:rPr>
-              <a:t>.</a:t>
-            </a:r>
-            <a:br>
-              <a:rPr lang="pl-PL" sz="1200" kern="1200" dirty="0">
-                <a:solidFill>
-                  <a:schemeClr val="tx1"/>
-                </a:solidFill>
-                <a:effectLst/>
-                <a:latin typeface="+mn-lt"/>
-                <a:ea typeface="+mn-ea"/>
-                <a:cs typeface="+mn-cs"/>
-              </a:rPr>
-            </a:br>
-            <a:br>
-              <a:rPr lang="pl-PL" sz="1200" kern="1200" dirty="0">
-                <a:solidFill>
-                  <a:schemeClr val="tx1"/>
-                </a:solidFill>
-                <a:effectLst/>
-                <a:latin typeface="+mn-lt"/>
-                <a:ea typeface="+mn-ea"/>
-                <a:cs typeface="+mn-cs"/>
-              </a:rPr>
-            </a:br>
-            <a:r>
-              <a:rPr lang="pl-PL" sz="1200" kern="1200" dirty="0">
-                <a:solidFill>
-                  <a:schemeClr val="tx1"/>
-                </a:solidFill>
-                <a:effectLst/>
-                <a:latin typeface="+mn-lt"/>
-                <a:ea typeface="+mn-ea"/>
-                <a:cs typeface="+mn-cs"/>
-              </a:rPr>
-              <a:t>Po prawej stronie (</a:t>
-            </a:r>
-            <a:r>
-              <a:rPr lang="pl-PL" sz="1200" kern="1200" dirty="0" err="1">
-                <a:solidFill>
-                  <a:schemeClr val="tx1"/>
-                </a:solidFill>
-                <a:effectLst/>
-                <a:latin typeface="+mn-lt"/>
-                <a:ea typeface="+mn-ea"/>
-                <a:cs typeface="+mn-cs"/>
-              </a:rPr>
-              <a:t>dolnie</a:t>
-            </a:r>
-            <a:r>
-              <a:rPr lang="pl-PL" sz="1200" kern="1200" dirty="0">
-                <a:solidFill>
-                  <a:schemeClr val="tx1"/>
-                </a:solidFill>
-                <a:effectLst/>
-                <a:latin typeface="+mn-lt"/>
-                <a:ea typeface="+mn-ea"/>
-                <a:cs typeface="+mn-cs"/>
-              </a:rPr>
-              <a:t>): receptory. Zaczęły znikać. ESR1: −1.8 </a:t>
-            </a:r>
-            <a:r>
-              <a:rPr lang="pl-PL" sz="1200" kern="1200" dirty="0" err="1">
-                <a:solidFill>
-                  <a:schemeClr val="tx1"/>
-                </a:solidFill>
-                <a:effectLst/>
-                <a:latin typeface="+mn-lt"/>
-                <a:ea typeface="+mn-ea"/>
-                <a:cs typeface="+mn-cs"/>
-              </a:rPr>
-              <a:t>fold</a:t>
-            </a:r>
-            <a:r>
-              <a:rPr lang="pl-PL" sz="1200" kern="1200" dirty="0">
-                <a:solidFill>
-                  <a:schemeClr val="tx1"/>
-                </a:solidFill>
-                <a:effectLst/>
-                <a:latin typeface="+mn-lt"/>
-                <a:ea typeface="+mn-ea"/>
-                <a:cs typeface="+mn-cs"/>
-              </a:rPr>
-              <a:t> (zmniejszona o połowę) FOXA1: −2.1 </a:t>
-            </a:r>
-            <a:r>
-              <a:rPr lang="pl-PL" sz="1200" kern="1200" dirty="0" err="1">
-                <a:solidFill>
-                  <a:schemeClr val="tx1"/>
-                </a:solidFill>
-                <a:effectLst/>
-                <a:latin typeface="+mn-lt"/>
-                <a:ea typeface="+mn-ea"/>
-                <a:cs typeface="+mn-cs"/>
-              </a:rPr>
-              <a:t>fold</a:t>
-            </a:r>
-            <a:r>
-              <a:rPr lang="pl-PL" sz="1200" kern="1200" dirty="0">
-                <a:solidFill>
-                  <a:schemeClr val="tx1"/>
-                </a:solidFill>
-                <a:effectLst/>
-                <a:latin typeface="+mn-lt"/>
-                <a:ea typeface="+mn-ea"/>
-                <a:cs typeface="+mn-cs"/>
-              </a:rPr>
-              <a:t> (zmniejszona niemal trzykrotnie!)</a:t>
-            </a:r>
-            <a:br>
-              <a:rPr lang="pl-PL" sz="1200" kern="1200" dirty="0">
-                <a:solidFill>
-                  <a:schemeClr val="tx1"/>
-                </a:solidFill>
-                <a:effectLst/>
-                <a:latin typeface="+mn-lt"/>
-                <a:ea typeface="+mn-ea"/>
-                <a:cs typeface="+mn-cs"/>
-              </a:rPr>
-            </a:br>
-            <a:br>
-              <a:rPr lang="pl-PL" sz="1200" kern="1200" dirty="0">
-                <a:solidFill>
-                  <a:schemeClr val="tx1"/>
-                </a:solidFill>
-                <a:effectLst/>
-                <a:latin typeface="+mn-lt"/>
-                <a:ea typeface="+mn-ea"/>
-                <a:cs typeface="+mn-cs"/>
-              </a:rPr>
-            </a:br>
-            <a:r>
-              <a:rPr lang="pl-PL" sz="1200" kern="1200" dirty="0">
-                <a:solidFill>
-                  <a:schemeClr val="tx1"/>
-                </a:solidFill>
-                <a:effectLst/>
-                <a:latin typeface="+mn-lt"/>
-                <a:ea typeface="+mn-ea"/>
-                <a:cs typeface="+mn-cs"/>
-              </a:rPr>
-              <a:t>Ale czekajcie. Może to zbieg okoliczności? Może ESR1 mRNA jest tam, a białko jakoś naturalnie się rozkłada?</a:t>
-            </a:r>
-            <a:br>
-              <a:rPr lang="pl-PL" sz="1200" kern="1200" dirty="0">
-                <a:solidFill>
-                  <a:schemeClr val="tx1"/>
-                </a:solidFill>
-                <a:effectLst/>
-                <a:latin typeface="+mn-lt"/>
-                <a:ea typeface="+mn-ea"/>
-                <a:cs typeface="+mn-cs"/>
-              </a:rPr>
-            </a:br>
-            <a:br>
-              <a:rPr lang="pl-PL" sz="1200" kern="1200" dirty="0">
-                <a:solidFill>
-                  <a:schemeClr val="tx1"/>
-                </a:solidFill>
-                <a:effectLst/>
-                <a:latin typeface="+mn-lt"/>
-                <a:ea typeface="+mn-ea"/>
-                <a:cs typeface="+mn-cs"/>
-              </a:rPr>
-            </a:br>
-            <a:r>
-              <a:rPr lang="pl-PL" sz="1200" kern="1200" dirty="0">
-                <a:solidFill>
-                  <a:schemeClr val="tx1"/>
-                </a:solidFill>
-                <a:effectLst/>
-                <a:latin typeface="+mn-lt"/>
-                <a:ea typeface="+mn-ea"/>
-                <a:cs typeface="+mn-cs"/>
-              </a:rPr>
-              <a:t>PANEL B pokazuje: NIE. To nie zbieg. </a:t>
-            </a:r>
-            <a:r>
-              <a:rPr lang="pl-PL" sz="1200" kern="1200" dirty="0" err="1">
-                <a:solidFill>
-                  <a:schemeClr val="tx1"/>
-                </a:solidFill>
-                <a:effectLst/>
-                <a:latin typeface="+mn-lt"/>
-                <a:ea typeface="+mn-ea"/>
-                <a:cs typeface="+mn-cs"/>
-              </a:rPr>
-              <a:t>miRNA</a:t>
-            </a:r>
-            <a:r>
-              <a:rPr lang="pl-PL" sz="1200" kern="1200" dirty="0">
-                <a:solidFill>
-                  <a:schemeClr val="tx1"/>
-                </a:solidFill>
-                <a:effectLst/>
-                <a:latin typeface="+mn-lt"/>
-                <a:ea typeface="+mn-ea"/>
-                <a:cs typeface="+mn-cs"/>
-              </a:rPr>
-              <a:t> NAPRAWDĘ tłumią białka. Widzicie: gdzie </a:t>
-            </a:r>
-            <a:r>
-              <a:rPr lang="pl-PL" sz="1200" kern="1200" dirty="0" err="1">
-                <a:solidFill>
-                  <a:schemeClr val="tx1"/>
-                </a:solidFill>
-                <a:effectLst/>
-                <a:latin typeface="+mn-lt"/>
-                <a:ea typeface="+mn-ea"/>
-                <a:cs typeface="+mn-cs"/>
-              </a:rPr>
-              <a:t>miRNA</a:t>
-            </a:r>
-            <a:r>
-              <a:rPr lang="pl-PL" sz="1200" kern="1200" dirty="0">
-                <a:solidFill>
-                  <a:schemeClr val="tx1"/>
-                </a:solidFill>
-                <a:effectLst/>
-                <a:latin typeface="+mn-lt"/>
-                <a:ea typeface="+mn-ea"/>
-                <a:cs typeface="+mn-cs"/>
-              </a:rPr>
-              <a:t> wysoki (</a:t>
-            </a:r>
-            <a:r>
-              <a:rPr lang="pl-PL" sz="1200" kern="1200" dirty="0" err="1">
-                <a:solidFill>
-                  <a:schemeClr val="tx1"/>
-                </a:solidFill>
-                <a:effectLst/>
-                <a:latin typeface="+mn-lt"/>
-                <a:ea typeface="+mn-ea"/>
-                <a:cs typeface="+mn-cs"/>
-              </a:rPr>
-              <a:t>Basal</a:t>
-            </a:r>
-            <a:r>
-              <a:rPr lang="pl-PL" sz="1200" kern="1200" dirty="0">
-                <a:solidFill>
-                  <a:schemeClr val="tx1"/>
-                </a:solidFill>
-                <a:effectLst/>
-                <a:latin typeface="+mn-lt"/>
-                <a:ea typeface="+mn-ea"/>
-                <a:cs typeface="+mn-cs"/>
-              </a:rPr>
-              <a:t> – wiersze na górze), tam protein niski (kolory niebieskie). To jest AKTYWNA SUPRESJA. To jest jak 'hamulec' naciskany przez </a:t>
-            </a:r>
-            <a:r>
-              <a:rPr lang="pl-PL" sz="1200" kern="1200" dirty="0" err="1">
-                <a:solidFill>
-                  <a:schemeClr val="tx1"/>
-                </a:solidFill>
-                <a:effectLst/>
-                <a:latin typeface="+mn-lt"/>
-                <a:ea typeface="+mn-ea"/>
-                <a:cs typeface="+mn-cs"/>
-              </a:rPr>
-              <a:t>miRNA</a:t>
-            </a:r>
-            <a:r>
-              <a:rPr lang="pl-PL" sz="1200" kern="1200" dirty="0">
-                <a:solidFill>
-                  <a:schemeClr val="tx1"/>
-                </a:solidFill>
-                <a:effectLst/>
-                <a:latin typeface="+mn-lt"/>
-                <a:ea typeface="+mn-ea"/>
-                <a:cs typeface="+mn-cs"/>
-              </a:rPr>
-              <a:t>.</a:t>
-            </a:r>
-            <a:br>
-              <a:rPr lang="pl-PL" sz="1200" kern="1200" dirty="0">
-                <a:solidFill>
-                  <a:schemeClr val="tx1"/>
-                </a:solidFill>
-                <a:effectLst/>
-                <a:latin typeface="+mn-lt"/>
-                <a:ea typeface="+mn-ea"/>
-                <a:cs typeface="+mn-cs"/>
-              </a:rPr>
-            </a:br>
-            <a:br>
-              <a:rPr lang="pl-PL" sz="1200" kern="1200" dirty="0">
-                <a:solidFill>
-                  <a:schemeClr val="tx1"/>
-                </a:solidFill>
-                <a:effectLst/>
-                <a:latin typeface="+mn-lt"/>
-                <a:ea typeface="+mn-ea"/>
-                <a:cs typeface="+mn-cs"/>
-              </a:rPr>
-            </a:br>
-            <a:r>
-              <a:rPr lang="pl-PL" sz="1200" kern="1200" dirty="0">
-                <a:solidFill>
-                  <a:schemeClr val="tx1"/>
-                </a:solidFill>
-                <a:effectLst/>
-                <a:latin typeface="+mn-lt"/>
-                <a:ea typeface="+mn-ea"/>
-                <a:cs typeface="+mn-cs"/>
-              </a:rPr>
-              <a:t>PANEL C to mechanizm. W normalnym raku (Luminal A) FOXA1 i ESR1 pracują. Receptory sterują transkrypcją. Guz jest kontrolowany.</a:t>
-            </a:r>
-            <a:br>
-              <a:rPr lang="pl-PL" sz="1200" kern="1200" dirty="0">
-                <a:solidFill>
-                  <a:schemeClr val="tx1"/>
-                </a:solidFill>
-                <a:effectLst/>
-                <a:latin typeface="+mn-lt"/>
-                <a:ea typeface="+mn-ea"/>
-                <a:cs typeface="+mn-cs"/>
-              </a:rPr>
-            </a:br>
-            <a:br>
-              <a:rPr lang="pl-PL" sz="1200" kern="1200" dirty="0">
-                <a:solidFill>
-                  <a:schemeClr val="tx1"/>
-                </a:solidFill>
-                <a:effectLst/>
-                <a:latin typeface="+mn-lt"/>
-                <a:ea typeface="+mn-ea"/>
-                <a:cs typeface="+mn-cs"/>
-              </a:rPr>
-            </a:br>
-            <a:r>
-              <a:rPr lang="pl-PL" sz="1200" kern="1200" dirty="0">
-                <a:solidFill>
-                  <a:schemeClr val="tx1"/>
-                </a:solidFill>
-                <a:effectLst/>
-                <a:latin typeface="+mn-lt"/>
-                <a:ea typeface="+mn-ea"/>
-                <a:cs typeface="+mn-cs"/>
-              </a:rPr>
-              <a:t>Ale w </a:t>
-            </a:r>
-            <a:r>
-              <a:rPr lang="pl-PL" sz="1200" kern="1200" dirty="0" err="1">
-                <a:solidFill>
-                  <a:schemeClr val="tx1"/>
-                </a:solidFill>
-                <a:effectLst/>
-                <a:latin typeface="+mn-lt"/>
-                <a:ea typeface="+mn-ea"/>
-                <a:cs typeface="+mn-cs"/>
-              </a:rPr>
-              <a:t>Basal-like</a:t>
-            </a:r>
-            <a:r>
-              <a:rPr lang="pl-PL" sz="1200" kern="1200" dirty="0">
-                <a:solidFill>
-                  <a:schemeClr val="tx1"/>
-                </a:solidFill>
-                <a:effectLst/>
-                <a:latin typeface="+mn-lt"/>
-                <a:ea typeface="+mn-ea"/>
-                <a:cs typeface="+mn-cs"/>
-              </a:rPr>
-              <a:t>? </a:t>
-            </a:r>
-            <a:r>
-              <a:rPr lang="pl-PL" sz="1200" kern="1200" dirty="0" err="1">
-                <a:solidFill>
-                  <a:schemeClr val="tx1"/>
-                </a:solidFill>
-                <a:effectLst/>
-                <a:latin typeface="+mn-lt"/>
-                <a:ea typeface="+mn-ea"/>
-                <a:cs typeface="+mn-cs"/>
-              </a:rPr>
-              <a:t>miRNA</a:t>
-            </a:r>
-            <a:r>
-              <a:rPr lang="pl-PL" sz="1200" kern="1200" dirty="0">
-                <a:solidFill>
-                  <a:schemeClr val="tx1"/>
-                </a:solidFill>
-                <a:effectLst/>
-                <a:latin typeface="+mn-lt"/>
-                <a:ea typeface="+mn-ea"/>
-                <a:cs typeface="+mn-cs"/>
-              </a:rPr>
-              <a:t> 17/20a zabija ESR1. Brak FOXA1 = brak dostępu do DNA. Brak ER = brak terapii. Brak kontroli = guz rośnie agresywnie</a:t>
-            </a:r>
-          </a:p>
-          <a:p>
             <a:endParaRPr lang="en-US" dirty="0"/>
           </a:p>
         </p:txBody>
@@ -2655,391 +1159,6 @@
           <a:bodyPr/>
           <a:lstStyle/>
           <a:p>
-            <a:pPr marL="0" marR="0" lvl="0" indent="0" algn="l" defTabSz="914400" rtl="0" eaLnBrk="1" fontAlgn="auto" latinLnBrk="0" hangingPunct="1">
-              <a:lnSpc>
-                <a:spcPct val="100000"/>
-              </a:lnSpc>
-              <a:spcBef>
-                <a:spcPts val="0"/>
-              </a:spcBef>
-              <a:spcAft>
-                <a:spcPts val="0"/>
-              </a:spcAft>
-              <a:buClrTx/>
-              <a:buSzTx/>
-              <a:buFontTx/>
-              <a:buNone/>
-              <a:tabLst/>
-              <a:defRPr/>
-            </a:pPr>
-            <a:r>
-              <a:rPr lang="pl-PL" sz="1200" b="1" kern="1200" dirty="0">
-                <a:solidFill>
-                  <a:schemeClr val="tx1"/>
-                </a:solidFill>
-                <a:effectLst/>
-                <a:latin typeface="+mn-lt"/>
-                <a:ea typeface="+mn-ea"/>
-                <a:cs typeface="+mn-cs"/>
-              </a:rPr>
-              <a:t>Narracja (60 sekund):</a:t>
-            </a:r>
-            <a:br>
-              <a:rPr lang="pl-PL" sz="1200" kern="1200" dirty="0">
-                <a:solidFill>
-                  <a:schemeClr val="tx1"/>
-                </a:solidFill>
-                <a:effectLst/>
-                <a:latin typeface="+mn-lt"/>
-                <a:ea typeface="+mn-ea"/>
-                <a:cs typeface="+mn-cs"/>
-              </a:rPr>
-            </a:br>
-            <a:br>
-              <a:rPr lang="pl-PL" sz="1200" kern="1200" dirty="0">
-                <a:solidFill>
-                  <a:schemeClr val="tx1"/>
-                </a:solidFill>
-                <a:effectLst/>
-                <a:latin typeface="+mn-lt"/>
-                <a:ea typeface="+mn-ea"/>
-                <a:cs typeface="+mn-cs"/>
-              </a:rPr>
-            </a:br>
-            <a:r>
-              <a:rPr lang="pl-PL" sz="1200" kern="1200" dirty="0">
-                <a:solidFill>
-                  <a:schemeClr val="tx1"/>
-                </a:solidFill>
-                <a:effectLst/>
-                <a:latin typeface="+mn-lt"/>
-                <a:ea typeface="+mn-ea"/>
-                <a:cs typeface="+mn-cs"/>
-              </a:rPr>
-              <a:t>"Ale czekajcie – odkryliśmy coś dziwnego.</a:t>
-            </a:r>
-            <a:br>
-              <a:rPr lang="pl-PL" sz="1200" kern="1200" dirty="0">
-                <a:solidFill>
-                  <a:schemeClr val="tx1"/>
-                </a:solidFill>
-                <a:effectLst/>
-                <a:latin typeface="+mn-lt"/>
-                <a:ea typeface="+mn-ea"/>
-                <a:cs typeface="+mn-cs"/>
-              </a:rPr>
-            </a:br>
-            <a:br>
-              <a:rPr lang="pl-PL" sz="1200" kern="1200" dirty="0">
-                <a:solidFill>
-                  <a:schemeClr val="tx1"/>
-                </a:solidFill>
-                <a:effectLst/>
-                <a:latin typeface="+mn-lt"/>
-                <a:ea typeface="+mn-ea"/>
-                <a:cs typeface="+mn-cs"/>
-              </a:rPr>
-            </a:br>
-            <a:r>
-              <a:rPr lang="pl-PL" sz="1200" kern="1200" dirty="0">
-                <a:solidFill>
-                  <a:schemeClr val="tx1"/>
-                </a:solidFill>
-                <a:effectLst/>
-                <a:latin typeface="+mn-lt"/>
-                <a:ea typeface="+mn-ea"/>
-                <a:cs typeface="+mn-cs"/>
-              </a:rPr>
-              <a:t>Luminal B ma receptory. Dokładnie jak Luminal A. Więc czemu pacjentki gorzej przeżywają?</a:t>
-            </a:r>
-            <a:br>
-              <a:rPr lang="pl-PL" sz="1200" kern="1200" dirty="0">
-                <a:solidFill>
-                  <a:schemeClr val="tx1"/>
-                </a:solidFill>
-                <a:effectLst/>
-                <a:latin typeface="+mn-lt"/>
-                <a:ea typeface="+mn-ea"/>
-                <a:cs typeface="+mn-cs"/>
-              </a:rPr>
-            </a:br>
-            <a:br>
-              <a:rPr lang="pl-PL" sz="1200" kern="1200" dirty="0">
-                <a:solidFill>
-                  <a:schemeClr val="tx1"/>
-                </a:solidFill>
-                <a:effectLst/>
-                <a:latin typeface="+mn-lt"/>
-                <a:ea typeface="+mn-ea"/>
-                <a:cs typeface="+mn-cs"/>
-              </a:rPr>
-            </a:br>
-            <a:r>
-              <a:rPr lang="pl-PL" sz="1200" kern="1200" dirty="0">
-                <a:solidFill>
-                  <a:schemeClr val="tx1"/>
-                </a:solidFill>
-                <a:effectLst/>
-                <a:latin typeface="+mn-lt"/>
-                <a:ea typeface="+mn-ea"/>
-                <a:cs typeface="+mn-cs"/>
-              </a:rPr>
-              <a:t>Odpowiedź: to nie jest czystość receptorów. To TEMPO wzrostu.</a:t>
-            </a:r>
-            <a:br>
-              <a:rPr lang="pl-PL" sz="1200" kern="1200" dirty="0">
-                <a:solidFill>
-                  <a:schemeClr val="tx1"/>
-                </a:solidFill>
-                <a:effectLst/>
-                <a:latin typeface="+mn-lt"/>
-                <a:ea typeface="+mn-ea"/>
-                <a:cs typeface="+mn-cs"/>
-              </a:rPr>
-            </a:br>
-            <a:br>
-              <a:rPr lang="pl-PL" sz="1200" kern="1200" dirty="0">
-                <a:solidFill>
-                  <a:schemeClr val="tx1"/>
-                </a:solidFill>
-                <a:effectLst/>
-                <a:latin typeface="+mn-lt"/>
-                <a:ea typeface="+mn-ea"/>
-                <a:cs typeface="+mn-cs"/>
-              </a:rPr>
-            </a:br>
-            <a:r>
-              <a:rPr lang="pl-PL" sz="1200" kern="1200" dirty="0">
-                <a:solidFill>
-                  <a:schemeClr val="tx1"/>
-                </a:solidFill>
-                <a:effectLst/>
-                <a:latin typeface="+mn-lt"/>
-                <a:ea typeface="+mn-ea"/>
-                <a:cs typeface="+mn-cs"/>
-              </a:rPr>
-              <a:t>Spójrzcie na </a:t>
-            </a:r>
-            <a:r>
-              <a:rPr lang="pl-PL" sz="1200" kern="1200" dirty="0" err="1">
-                <a:solidFill>
-                  <a:schemeClr val="tx1"/>
-                </a:solidFill>
-                <a:effectLst/>
-                <a:latin typeface="+mn-lt"/>
-                <a:ea typeface="+mn-ea"/>
-                <a:cs typeface="+mn-cs"/>
-              </a:rPr>
-              <a:t>Boxplot</a:t>
-            </a:r>
-            <a:r>
-              <a:rPr lang="pl-PL" sz="1200" kern="1200" dirty="0">
-                <a:solidFill>
-                  <a:schemeClr val="tx1"/>
-                </a:solidFill>
-                <a:effectLst/>
-                <a:latin typeface="+mn-lt"/>
-                <a:ea typeface="+mn-ea"/>
-                <a:cs typeface="+mn-cs"/>
-              </a:rPr>
-              <a:t>: Luminal A ma niski Ki-67 (marker proliferacji). Guzy rosną powoli. Są 'leniwą'. Receptory je hamują.</a:t>
-            </a:r>
-            <a:br>
-              <a:rPr lang="pl-PL" sz="1200" kern="1200" dirty="0">
-                <a:solidFill>
-                  <a:schemeClr val="tx1"/>
-                </a:solidFill>
-                <a:effectLst/>
-                <a:latin typeface="+mn-lt"/>
-                <a:ea typeface="+mn-ea"/>
-                <a:cs typeface="+mn-cs"/>
-              </a:rPr>
-            </a:br>
-            <a:br>
-              <a:rPr lang="pl-PL" sz="1200" kern="1200" dirty="0">
-                <a:solidFill>
-                  <a:schemeClr val="tx1"/>
-                </a:solidFill>
-                <a:effectLst/>
-                <a:latin typeface="+mn-lt"/>
-                <a:ea typeface="+mn-ea"/>
-                <a:cs typeface="+mn-cs"/>
-              </a:rPr>
-            </a:br>
-            <a:r>
-              <a:rPr lang="pl-PL" sz="1200" kern="1200" dirty="0">
-                <a:solidFill>
-                  <a:schemeClr val="tx1"/>
-                </a:solidFill>
-                <a:effectLst/>
-                <a:latin typeface="+mn-lt"/>
-                <a:ea typeface="+mn-ea"/>
-                <a:cs typeface="+mn-cs"/>
-              </a:rPr>
-              <a:t>Luminal B? Ki-67 jest bardzo wysoki! To znaczy – guzy rosną szybko. Tak szybko, że zanim hormonalna terapia zadziała, guz już się rozprzestrzeniła.</a:t>
-            </a:r>
-            <a:br>
-              <a:rPr lang="pl-PL" sz="1200" kern="1200" dirty="0">
-                <a:solidFill>
-                  <a:schemeClr val="tx1"/>
-                </a:solidFill>
-                <a:effectLst/>
-                <a:latin typeface="+mn-lt"/>
-                <a:ea typeface="+mn-ea"/>
-                <a:cs typeface="+mn-cs"/>
-              </a:rPr>
-            </a:br>
-            <a:br>
-              <a:rPr lang="pl-PL" sz="1200" kern="1200" dirty="0">
-                <a:solidFill>
-                  <a:schemeClr val="tx1"/>
-                </a:solidFill>
-                <a:effectLst/>
-                <a:latin typeface="+mn-lt"/>
-                <a:ea typeface="+mn-ea"/>
-                <a:cs typeface="+mn-cs"/>
-              </a:rPr>
-            </a:br>
-            <a:r>
-              <a:rPr lang="pl-PL" sz="1200" kern="1200" dirty="0">
-                <a:solidFill>
-                  <a:schemeClr val="tx1"/>
-                </a:solidFill>
-                <a:effectLst/>
-                <a:latin typeface="+mn-lt"/>
-                <a:ea typeface="+mn-ea"/>
-                <a:cs typeface="+mn-cs"/>
-              </a:rPr>
-              <a:t>Dlaczego Ki-67 jest na takim poziomie w Luminal B? Nasza analiza mówi: miR-210.</a:t>
-            </a:r>
-            <a:br>
-              <a:rPr lang="pl-PL" sz="1200" kern="1200" dirty="0">
-                <a:solidFill>
-                  <a:schemeClr val="tx1"/>
-                </a:solidFill>
-                <a:effectLst/>
-                <a:latin typeface="+mn-lt"/>
-                <a:ea typeface="+mn-ea"/>
-                <a:cs typeface="+mn-cs"/>
-              </a:rPr>
-            </a:br>
-            <a:br>
-              <a:rPr lang="pl-PL" sz="1200" kern="1200" dirty="0">
-                <a:solidFill>
-                  <a:schemeClr val="tx1"/>
-                </a:solidFill>
-                <a:effectLst/>
-                <a:latin typeface="+mn-lt"/>
-                <a:ea typeface="+mn-ea"/>
-                <a:cs typeface="+mn-cs"/>
-              </a:rPr>
-            </a:br>
-            <a:r>
-              <a:rPr lang="pl-PL" sz="1200" kern="1200" dirty="0">
-                <a:solidFill>
-                  <a:schemeClr val="tx1"/>
-                </a:solidFill>
-                <a:effectLst/>
-                <a:latin typeface="+mn-lt"/>
-                <a:ea typeface="+mn-ea"/>
-                <a:cs typeface="+mn-cs"/>
-              </a:rPr>
-              <a:t>miR-210 to </a:t>
-            </a:r>
-            <a:r>
-              <a:rPr lang="pl-PL" sz="1200" kern="1200" dirty="0" err="1">
-                <a:solidFill>
-                  <a:schemeClr val="tx1"/>
-                </a:solidFill>
-                <a:effectLst/>
-                <a:latin typeface="+mn-lt"/>
-                <a:ea typeface="+mn-ea"/>
-                <a:cs typeface="+mn-cs"/>
-              </a:rPr>
-              <a:t>miRNA-responsive</a:t>
-            </a:r>
-            <a:r>
-              <a:rPr lang="pl-PL" sz="1200" kern="1200" dirty="0">
-                <a:solidFill>
-                  <a:schemeClr val="tx1"/>
-                </a:solidFill>
-                <a:effectLst/>
-                <a:latin typeface="+mn-lt"/>
-                <a:ea typeface="+mn-ea"/>
-                <a:cs typeface="+mn-cs"/>
-              </a:rPr>
-              <a:t> na niedotlenienie. To marker 'głodnych' guzów, które rosną szybko bez tlenu.</a:t>
-            </a:r>
-            <a:br>
-              <a:rPr lang="pl-PL" sz="1200" kern="1200" dirty="0">
-                <a:solidFill>
-                  <a:schemeClr val="tx1"/>
-                </a:solidFill>
-                <a:effectLst/>
-                <a:latin typeface="+mn-lt"/>
-                <a:ea typeface="+mn-ea"/>
-                <a:cs typeface="+mn-cs"/>
-              </a:rPr>
-            </a:br>
-            <a:br>
-              <a:rPr lang="pl-PL" sz="1200" kern="1200" dirty="0">
-                <a:solidFill>
-                  <a:schemeClr val="tx1"/>
-                </a:solidFill>
-                <a:effectLst/>
-                <a:latin typeface="+mn-lt"/>
-                <a:ea typeface="+mn-ea"/>
-                <a:cs typeface="+mn-cs"/>
-              </a:rPr>
-            </a:br>
-            <a:r>
-              <a:rPr lang="pl-PL" sz="1200" kern="1200" dirty="0">
-                <a:solidFill>
-                  <a:schemeClr val="tx1"/>
-                </a:solidFill>
-                <a:effectLst/>
-                <a:latin typeface="+mn-lt"/>
-                <a:ea typeface="+mn-ea"/>
-                <a:cs typeface="+mn-cs"/>
-              </a:rPr>
-              <a:t>Ta miR-210 zabija receptor progesteronu (PGR). Bez PGR? Brak hamowania proliferacji. Guz robi co chce.</a:t>
-            </a:r>
-            <a:br>
-              <a:rPr lang="pl-PL" sz="1200" kern="1200" dirty="0">
-                <a:solidFill>
-                  <a:schemeClr val="tx1"/>
-                </a:solidFill>
-                <a:effectLst/>
-                <a:latin typeface="+mn-lt"/>
-                <a:ea typeface="+mn-ea"/>
-                <a:cs typeface="+mn-cs"/>
-              </a:rPr>
-            </a:br>
-            <a:br>
-              <a:rPr lang="pl-PL" sz="1200" kern="1200" dirty="0">
-                <a:solidFill>
-                  <a:schemeClr val="tx1"/>
-                </a:solidFill>
-                <a:effectLst/>
-                <a:latin typeface="+mn-lt"/>
-                <a:ea typeface="+mn-ea"/>
-                <a:cs typeface="+mn-cs"/>
-              </a:rPr>
-            </a:br>
-            <a:r>
-              <a:rPr lang="pl-PL" sz="1200" kern="1200" dirty="0">
-                <a:solidFill>
-                  <a:schemeClr val="tx1"/>
-                </a:solidFill>
-                <a:effectLst/>
-                <a:latin typeface="+mn-lt"/>
-                <a:ea typeface="+mn-ea"/>
-                <a:cs typeface="+mn-cs"/>
-              </a:rPr>
-              <a:t>To jest 'dobry rak z złą osobowością'. Luminal B: 'Mam receptory, ale brakuje mi hamulców!'"</a:t>
-            </a:r>
-          </a:p>
-          <a:p>
             <a:endParaRPr lang="en-US" dirty="0"/>
           </a:p>
         </p:txBody>
@@ -3131,647 +1250,6 @@
           <a:bodyPr/>
           <a:lstStyle/>
           <a:p>
-            <a:pPr marL="0" marR="0" lvl="0" indent="0" algn="l" defTabSz="914400" rtl="0" eaLnBrk="1" fontAlgn="auto" latinLnBrk="0" hangingPunct="1">
-              <a:lnSpc>
-                <a:spcPct val="100000"/>
-              </a:lnSpc>
-              <a:spcBef>
-                <a:spcPts val="0"/>
-              </a:spcBef>
-              <a:spcAft>
-                <a:spcPts val="0"/>
-              </a:spcAft>
-              <a:buClrTx/>
-              <a:buSzTx/>
-              <a:buFontTx/>
-              <a:buNone/>
-              <a:tabLst/>
-              <a:defRPr/>
-            </a:pPr>
-            <a:r>
-              <a:rPr lang="pl-PL" sz="1200" b="1" kern="1200" dirty="0">
-                <a:solidFill>
-                  <a:schemeClr val="tx1"/>
-                </a:solidFill>
-                <a:effectLst/>
-                <a:latin typeface="+mn-lt"/>
-                <a:ea typeface="+mn-ea"/>
-                <a:cs typeface="+mn-cs"/>
-              </a:rPr>
-              <a:t>Narracja (60 sekund):</a:t>
-            </a:r>
-            <a:br>
-              <a:rPr lang="pl-PL" sz="1200" kern="1200" dirty="0">
-                <a:solidFill>
-                  <a:schemeClr val="tx1"/>
-                </a:solidFill>
-                <a:effectLst/>
-                <a:latin typeface="+mn-lt"/>
-                <a:ea typeface="+mn-ea"/>
-                <a:cs typeface="+mn-cs"/>
-              </a:rPr>
-            </a:br>
-            <a:br>
-              <a:rPr lang="pl-PL" sz="1200" kern="1200" dirty="0">
-                <a:solidFill>
-                  <a:schemeClr val="tx1"/>
-                </a:solidFill>
-                <a:effectLst/>
-                <a:latin typeface="+mn-lt"/>
-                <a:ea typeface="+mn-ea"/>
-                <a:cs typeface="+mn-cs"/>
-              </a:rPr>
-            </a:br>
-            <a:r>
-              <a:rPr lang="pl-PL" sz="1200" kern="1200" dirty="0">
-                <a:solidFill>
-                  <a:schemeClr val="tx1"/>
-                </a:solidFill>
-                <a:effectLst/>
-                <a:latin typeface="+mn-lt"/>
-                <a:ea typeface="+mn-ea"/>
-                <a:cs typeface="+mn-cs"/>
-              </a:rPr>
-              <a:t>"No dobrze, teoria. Ale czy to faktycznie przewiduje przeżycie?</a:t>
-            </a:r>
-            <a:br>
-              <a:rPr lang="pl-PL" sz="1200" kern="1200" dirty="0">
-                <a:solidFill>
-                  <a:schemeClr val="tx1"/>
-                </a:solidFill>
-                <a:effectLst/>
-                <a:latin typeface="+mn-lt"/>
-                <a:ea typeface="+mn-ea"/>
-                <a:cs typeface="+mn-cs"/>
-              </a:rPr>
-            </a:br>
-            <a:br>
-              <a:rPr lang="pl-PL" sz="1200" kern="1200" dirty="0">
-                <a:solidFill>
-                  <a:schemeClr val="tx1"/>
-                </a:solidFill>
-                <a:effectLst/>
-                <a:latin typeface="+mn-lt"/>
-                <a:ea typeface="+mn-ea"/>
-                <a:cs typeface="+mn-cs"/>
-              </a:rPr>
-            </a:br>
-            <a:r>
-              <a:rPr lang="pl-PL" sz="1200" kern="1200" dirty="0">
-                <a:solidFill>
-                  <a:schemeClr val="tx1"/>
-                </a:solidFill>
-                <a:effectLst/>
-                <a:latin typeface="+mn-lt"/>
-                <a:ea typeface="+mn-ea"/>
-                <a:cs typeface="+mn-cs"/>
-              </a:rPr>
-              <a:t>I to udało nam się sprawdzić. </a:t>
-            </a:r>
-          </a:p>
-          <a:p>
-            <a:pPr marL="0" marR="0" lvl="0" indent="0" algn="l" defTabSz="914400" rtl="0" eaLnBrk="1" fontAlgn="auto" latinLnBrk="0" hangingPunct="1">
-              <a:lnSpc>
-                <a:spcPct val="100000"/>
-              </a:lnSpc>
-              <a:spcBef>
-                <a:spcPts val="0"/>
-              </a:spcBef>
-              <a:spcAft>
-                <a:spcPts val="0"/>
-              </a:spcAft>
-              <a:buClrTx/>
-              <a:buSzTx/>
-              <a:buFontTx/>
-              <a:buNone/>
-              <a:tabLst/>
-              <a:defRPr/>
-            </a:pPr>
-            <a:br>
-              <a:rPr lang="pl-PL" sz="1200" kern="1200" dirty="0">
-                <a:solidFill>
-                  <a:schemeClr val="tx1"/>
-                </a:solidFill>
-                <a:effectLst/>
-                <a:latin typeface="+mn-lt"/>
-                <a:ea typeface="+mn-ea"/>
-                <a:cs typeface="+mn-cs"/>
-              </a:rPr>
-            </a:br>
-            <a:r>
-              <a:rPr lang="pl-PL" sz="1200" kern="1200" dirty="0" err="1">
-                <a:solidFill>
-                  <a:schemeClr val="tx1"/>
-                </a:solidFill>
-                <a:effectLst/>
-                <a:latin typeface="+mn-lt"/>
-                <a:ea typeface="+mn-ea"/>
-                <a:cs typeface="+mn-cs"/>
-              </a:rPr>
-              <a:t>Forest</a:t>
-            </a:r>
-            <a:r>
-              <a:rPr lang="pl-PL" sz="1200" kern="1200" dirty="0">
-                <a:solidFill>
-                  <a:schemeClr val="tx1"/>
-                </a:solidFill>
-                <a:effectLst/>
-                <a:latin typeface="+mn-lt"/>
-                <a:ea typeface="+mn-ea"/>
-                <a:cs typeface="+mn-cs"/>
-              </a:rPr>
-              <a:t> Plot – to Model </a:t>
-            </a:r>
-            <a:r>
-              <a:rPr lang="pl-PL" sz="1200" kern="1200" dirty="0" err="1">
-                <a:solidFill>
-                  <a:schemeClr val="tx1"/>
-                </a:solidFill>
-                <a:effectLst/>
-                <a:latin typeface="+mn-lt"/>
-                <a:ea typeface="+mn-ea"/>
-                <a:cs typeface="+mn-cs"/>
-              </a:rPr>
-              <a:t>Coxa</a:t>
-            </a:r>
-            <a:r>
-              <a:rPr lang="pl-PL" sz="1200" kern="1200" dirty="0">
-                <a:solidFill>
-                  <a:schemeClr val="tx1"/>
-                </a:solidFill>
-                <a:effectLst/>
-                <a:latin typeface="+mn-lt"/>
-                <a:ea typeface="+mn-ea"/>
-                <a:cs typeface="+mn-cs"/>
-              </a:rPr>
-              <a:t>. Zamieściliśmy tutaj: stadium, wiek, PAM50 </a:t>
-            </a:r>
-            <a:r>
-              <a:rPr lang="pl-PL" sz="1200" kern="1200" dirty="0" err="1">
-                <a:solidFill>
-                  <a:schemeClr val="tx1"/>
-                </a:solidFill>
-                <a:effectLst/>
-                <a:latin typeface="+mn-lt"/>
-                <a:ea typeface="+mn-ea"/>
-                <a:cs typeface="+mn-cs"/>
-              </a:rPr>
-              <a:t>subtype</a:t>
-            </a:r>
-            <a:r>
-              <a:rPr lang="pl-PL" sz="1200" kern="1200" dirty="0">
-                <a:solidFill>
-                  <a:schemeClr val="tx1"/>
-                </a:solidFill>
-                <a:effectLst/>
-                <a:latin typeface="+mn-lt"/>
-                <a:ea typeface="+mn-ea"/>
-                <a:cs typeface="+mn-cs"/>
-              </a:rPr>
-              <a:t>, nasz </a:t>
-            </a:r>
-            <a:r>
-              <a:rPr lang="pl-PL" sz="1200" kern="1200" dirty="0" err="1">
-                <a:solidFill>
-                  <a:schemeClr val="tx1"/>
-                </a:solidFill>
-                <a:effectLst/>
-                <a:latin typeface="+mn-lt"/>
-                <a:ea typeface="+mn-ea"/>
-                <a:cs typeface="+mn-cs"/>
-              </a:rPr>
-              <a:t>miRNA</a:t>
-            </a:r>
-            <a:r>
-              <a:rPr lang="pl-PL" sz="1200" kern="1200" dirty="0">
-                <a:solidFill>
-                  <a:schemeClr val="tx1"/>
-                </a:solidFill>
-                <a:effectLst/>
-                <a:latin typeface="+mn-lt"/>
-                <a:ea typeface="+mn-ea"/>
-                <a:cs typeface="+mn-cs"/>
-              </a:rPr>
-              <a:t> </a:t>
-            </a:r>
-            <a:r>
-              <a:rPr lang="pl-PL" sz="1200" kern="1200" dirty="0" err="1">
-                <a:solidFill>
-                  <a:schemeClr val="tx1"/>
-                </a:solidFill>
-                <a:effectLst/>
-                <a:latin typeface="+mn-lt"/>
-                <a:ea typeface="+mn-ea"/>
-                <a:cs typeface="+mn-cs"/>
-              </a:rPr>
-              <a:t>score</a:t>
-            </a:r>
-            <a:r>
-              <a:rPr lang="pl-PL" sz="1200" kern="1200" dirty="0">
-                <a:solidFill>
-                  <a:schemeClr val="tx1"/>
-                </a:solidFill>
-                <a:effectLst/>
-                <a:latin typeface="+mn-lt"/>
-                <a:ea typeface="+mn-ea"/>
-                <a:cs typeface="+mn-cs"/>
-              </a:rPr>
-              <a:t>.</a:t>
-            </a:r>
-            <a:br>
-              <a:rPr lang="pl-PL" sz="1200" kern="1200" dirty="0">
-                <a:solidFill>
-                  <a:schemeClr val="tx1"/>
-                </a:solidFill>
-                <a:effectLst/>
-                <a:latin typeface="+mn-lt"/>
-                <a:ea typeface="+mn-ea"/>
-                <a:cs typeface="+mn-cs"/>
-              </a:rPr>
-            </a:br>
-            <a:br>
-              <a:rPr lang="pl-PL" sz="1200" kern="1200" dirty="0">
-                <a:solidFill>
-                  <a:schemeClr val="tx1"/>
-                </a:solidFill>
-                <a:effectLst/>
-                <a:latin typeface="+mn-lt"/>
-                <a:ea typeface="+mn-ea"/>
-                <a:cs typeface="+mn-cs"/>
-              </a:rPr>
-            </a:br>
-            <a:r>
-              <a:rPr lang="pl-PL" sz="1200" kern="1200" dirty="0">
-                <a:solidFill>
-                  <a:schemeClr val="tx1"/>
-                </a:solidFill>
-                <a:effectLst/>
-                <a:latin typeface="+mn-lt"/>
-                <a:ea typeface="+mn-ea"/>
-                <a:cs typeface="+mn-cs"/>
-              </a:rPr>
-              <a:t>Rezultat? Stadium wygrywa. HR = 2.31. To znaczy: pacjentka ze stopniem zaawansowania III ma dwa razy wyższe ryzyko zgonu niż stan I. </a:t>
-            </a:r>
-          </a:p>
-          <a:p>
-            <a:pPr marL="0" marR="0" lvl="0" indent="0" algn="l" defTabSz="914400" rtl="0" eaLnBrk="1" fontAlgn="auto" latinLnBrk="0" hangingPunct="1">
-              <a:lnSpc>
-                <a:spcPct val="100000"/>
-              </a:lnSpc>
-              <a:spcBef>
-                <a:spcPts val="0"/>
-              </a:spcBef>
-              <a:spcAft>
-                <a:spcPts val="0"/>
-              </a:spcAft>
-              <a:buClrTx/>
-              <a:buSzTx/>
-              <a:buFontTx/>
-              <a:buNone/>
-              <a:tabLst/>
-              <a:defRPr/>
-            </a:pPr>
-            <a:br>
-              <a:rPr lang="pl-PL" sz="1200" kern="1200" dirty="0">
-                <a:solidFill>
-                  <a:schemeClr val="tx1"/>
-                </a:solidFill>
-                <a:effectLst/>
-                <a:latin typeface="+mn-lt"/>
-                <a:ea typeface="+mn-ea"/>
-                <a:cs typeface="+mn-cs"/>
-              </a:rPr>
-            </a:br>
-            <a:r>
-              <a:rPr lang="pl-PL" sz="1200" kern="1200" dirty="0" err="1">
-                <a:solidFill>
-                  <a:schemeClr val="tx1"/>
-                </a:solidFill>
-                <a:effectLst/>
-                <a:latin typeface="+mn-lt"/>
-                <a:ea typeface="+mn-ea"/>
-                <a:cs typeface="+mn-cs"/>
-              </a:rPr>
-              <a:t>miRNA</a:t>
-            </a:r>
-            <a:r>
-              <a:rPr lang="pl-PL" sz="1200" kern="1200" dirty="0">
-                <a:solidFill>
-                  <a:schemeClr val="tx1"/>
-                </a:solidFill>
-                <a:effectLst/>
-                <a:latin typeface="+mn-lt"/>
-                <a:ea typeface="+mn-ea"/>
-                <a:cs typeface="+mn-cs"/>
-              </a:rPr>
-              <a:t> </a:t>
-            </a:r>
-            <a:r>
-              <a:rPr lang="pl-PL" sz="1200" kern="1200" dirty="0" err="1">
-                <a:solidFill>
-                  <a:schemeClr val="tx1"/>
-                </a:solidFill>
-                <a:effectLst/>
-                <a:latin typeface="+mn-lt"/>
-                <a:ea typeface="+mn-ea"/>
-                <a:cs typeface="+mn-cs"/>
-              </a:rPr>
-              <a:t>score</a:t>
-            </a:r>
-            <a:r>
-              <a:rPr lang="pl-PL" sz="1200" kern="1200" dirty="0">
-                <a:solidFill>
-                  <a:schemeClr val="tx1"/>
-                </a:solidFill>
-                <a:effectLst/>
-                <a:latin typeface="+mn-lt"/>
-                <a:ea typeface="+mn-ea"/>
-                <a:cs typeface="+mn-cs"/>
-              </a:rPr>
-              <a:t>? HR = 1.18. To jest mniejszy efekt. Ale nie zero. To jest MARGINALNIE istotne (p = 0.068). Na granicy.</a:t>
-            </a:r>
-            <a:br>
-              <a:rPr lang="pl-PL" sz="1200" kern="1200" dirty="0">
-                <a:solidFill>
-                  <a:schemeClr val="tx1"/>
-                </a:solidFill>
-                <a:effectLst/>
-                <a:latin typeface="+mn-lt"/>
-                <a:ea typeface="+mn-ea"/>
-                <a:cs typeface="+mn-cs"/>
-              </a:rPr>
-            </a:br>
-            <a:br>
-              <a:rPr lang="pl-PL" sz="1200" kern="1200" dirty="0">
-                <a:solidFill>
-                  <a:schemeClr val="tx1"/>
-                </a:solidFill>
-                <a:effectLst/>
-                <a:latin typeface="+mn-lt"/>
-                <a:ea typeface="+mn-ea"/>
-                <a:cs typeface="+mn-cs"/>
-              </a:rPr>
-            </a:br>
-            <a:r>
-              <a:rPr lang="pl-PL" sz="1200" kern="1200" dirty="0">
-                <a:solidFill>
-                  <a:schemeClr val="tx1"/>
-                </a:solidFill>
-                <a:effectLst/>
-                <a:latin typeface="+mn-lt"/>
-                <a:ea typeface="+mn-ea"/>
-                <a:cs typeface="+mn-cs"/>
-              </a:rPr>
-              <a:t>Teraz Kaplan-</a:t>
-            </a:r>
-            <a:r>
-              <a:rPr lang="pl-PL" sz="1200" kern="1200" dirty="0" err="1">
-                <a:solidFill>
-                  <a:schemeClr val="tx1"/>
-                </a:solidFill>
-                <a:effectLst/>
-                <a:latin typeface="+mn-lt"/>
-                <a:ea typeface="+mn-ea"/>
-                <a:cs typeface="+mn-cs"/>
-              </a:rPr>
-              <a:t>Meier</a:t>
-            </a:r>
-            <a:r>
-              <a:rPr lang="pl-PL" sz="1200" kern="1200" dirty="0">
-                <a:solidFill>
-                  <a:schemeClr val="tx1"/>
-                </a:solidFill>
-                <a:effectLst/>
-                <a:latin typeface="+mn-lt"/>
-                <a:ea typeface="+mn-ea"/>
-                <a:cs typeface="+mn-cs"/>
-              </a:rPr>
-              <a:t>. Górna krzywa – stratyfikacja po Stadium. DRAMATYCZNA różnica. To jest co wiemy od 20 lat. Stadium działa.</a:t>
-            </a:r>
-            <a:br>
-              <a:rPr lang="pl-PL" sz="1200" kern="1200" dirty="0">
-                <a:solidFill>
-                  <a:schemeClr val="tx1"/>
-                </a:solidFill>
-                <a:effectLst/>
-                <a:latin typeface="+mn-lt"/>
-                <a:ea typeface="+mn-ea"/>
-                <a:cs typeface="+mn-cs"/>
-              </a:rPr>
-            </a:br>
-            <a:br>
-              <a:rPr lang="pl-PL" sz="1200" kern="1200" dirty="0">
-                <a:solidFill>
-                  <a:schemeClr val="tx1"/>
-                </a:solidFill>
-                <a:effectLst/>
-                <a:latin typeface="+mn-lt"/>
-                <a:ea typeface="+mn-ea"/>
-                <a:cs typeface="+mn-cs"/>
-              </a:rPr>
-            </a:br>
-            <a:r>
-              <a:rPr lang="pl-PL" sz="1200" kern="1200" dirty="0">
-                <a:solidFill>
-                  <a:schemeClr val="tx1"/>
-                </a:solidFill>
-                <a:effectLst/>
-                <a:latin typeface="+mn-lt"/>
-                <a:ea typeface="+mn-ea"/>
-                <a:cs typeface="+mn-cs"/>
-              </a:rPr>
-              <a:t>Dolna krzywa – ale to ciekawe. Jeśli patrzmy TYLKO na pacjentki z TNBC i stratyfikujemy po </a:t>
-            </a:r>
-            <a:r>
-              <a:rPr lang="pl-PL" sz="1200" kern="1200" dirty="0" err="1">
-                <a:solidFill>
-                  <a:schemeClr val="tx1"/>
-                </a:solidFill>
-                <a:effectLst/>
-                <a:latin typeface="+mn-lt"/>
-                <a:ea typeface="+mn-ea"/>
-                <a:cs typeface="+mn-cs"/>
-              </a:rPr>
-              <a:t>miRNA</a:t>
-            </a:r>
-            <a:r>
-              <a:rPr lang="pl-PL" sz="1200" kern="1200" dirty="0">
-                <a:solidFill>
-                  <a:schemeClr val="tx1"/>
-                </a:solidFill>
-                <a:effectLst/>
-                <a:latin typeface="+mn-lt"/>
-                <a:ea typeface="+mn-ea"/>
-                <a:cs typeface="+mn-cs"/>
-              </a:rPr>
-              <a:t> </a:t>
-            </a:r>
-            <a:r>
-              <a:rPr lang="pl-PL" sz="1200" kern="1200" dirty="0" err="1">
-                <a:solidFill>
-                  <a:schemeClr val="tx1"/>
-                </a:solidFill>
-                <a:effectLst/>
-                <a:latin typeface="+mn-lt"/>
-                <a:ea typeface="+mn-ea"/>
-                <a:cs typeface="+mn-cs"/>
-              </a:rPr>
-              <a:t>score</a:t>
-            </a:r>
-            <a:r>
-              <a:rPr lang="pl-PL" sz="1200" kern="1200" dirty="0">
-                <a:solidFill>
-                  <a:schemeClr val="tx1"/>
-                </a:solidFill>
-                <a:effectLst/>
-                <a:latin typeface="+mn-lt"/>
-                <a:ea typeface="+mn-ea"/>
-                <a:cs typeface="+mn-cs"/>
-              </a:rPr>
-              <a:t>? Jest różnica. p = 0.042.</a:t>
-            </a:r>
-            <a:br>
-              <a:rPr lang="pl-PL" sz="1200" kern="1200" dirty="0">
-                <a:solidFill>
-                  <a:schemeClr val="tx1"/>
-                </a:solidFill>
-                <a:effectLst/>
-                <a:latin typeface="+mn-lt"/>
-                <a:ea typeface="+mn-ea"/>
-                <a:cs typeface="+mn-cs"/>
-              </a:rPr>
-            </a:br>
-            <a:br>
-              <a:rPr lang="pl-PL" sz="1200" kern="1200" dirty="0">
-                <a:solidFill>
-                  <a:schemeClr val="tx1"/>
-                </a:solidFill>
-                <a:effectLst/>
-                <a:latin typeface="+mn-lt"/>
-                <a:ea typeface="+mn-ea"/>
-                <a:cs typeface="+mn-cs"/>
-              </a:rPr>
-            </a:br>
-            <a:r>
-              <a:rPr lang="pl-PL" sz="1200" kern="1200" dirty="0">
-                <a:solidFill>
-                  <a:schemeClr val="tx1"/>
-                </a:solidFill>
-                <a:effectLst/>
-                <a:latin typeface="+mn-lt"/>
-                <a:ea typeface="+mn-ea"/>
-                <a:cs typeface="+mn-cs"/>
-              </a:rPr>
-              <a:t>Co to oznacza? Że w raku już wykrytym, </a:t>
-            </a:r>
-            <a:r>
-              <a:rPr lang="pl-PL" sz="1200" kern="1200" dirty="0" err="1">
-                <a:solidFill>
-                  <a:schemeClr val="tx1"/>
-                </a:solidFill>
-                <a:effectLst/>
-                <a:latin typeface="+mn-lt"/>
-                <a:ea typeface="+mn-ea"/>
-                <a:cs typeface="+mn-cs"/>
-              </a:rPr>
-              <a:t>miRNA</a:t>
-            </a:r>
-            <a:r>
-              <a:rPr lang="pl-PL" sz="1200" kern="1200" dirty="0">
-                <a:solidFill>
-                  <a:schemeClr val="tx1"/>
-                </a:solidFill>
-                <a:effectLst/>
-                <a:latin typeface="+mn-lt"/>
-                <a:ea typeface="+mn-ea"/>
-                <a:cs typeface="+mn-cs"/>
-              </a:rPr>
-              <a:t> mogą dać dodatkową wskazówkę. Dwie pacjentki o tym samym stadium – ale różny </a:t>
-            </a:r>
-            <a:r>
-              <a:rPr lang="pl-PL" sz="1200" kern="1200" dirty="0" err="1">
-                <a:solidFill>
-                  <a:schemeClr val="tx1"/>
-                </a:solidFill>
-                <a:effectLst/>
-                <a:latin typeface="+mn-lt"/>
-                <a:ea typeface="+mn-ea"/>
-                <a:cs typeface="+mn-cs"/>
-              </a:rPr>
-              <a:t>miRNA</a:t>
-            </a:r>
-            <a:r>
-              <a:rPr lang="pl-PL" sz="1200" kern="1200" dirty="0">
-                <a:solidFill>
-                  <a:schemeClr val="tx1"/>
-                </a:solidFill>
-                <a:effectLst/>
-                <a:latin typeface="+mn-lt"/>
-                <a:ea typeface="+mn-ea"/>
-                <a:cs typeface="+mn-cs"/>
-              </a:rPr>
-              <a:t> </a:t>
-            </a:r>
-            <a:r>
-              <a:rPr lang="pl-PL" sz="1200" kern="1200" dirty="0" err="1">
-                <a:solidFill>
-                  <a:schemeClr val="tx1"/>
-                </a:solidFill>
-                <a:effectLst/>
-                <a:latin typeface="+mn-lt"/>
-                <a:ea typeface="+mn-ea"/>
-                <a:cs typeface="+mn-cs"/>
-              </a:rPr>
-              <a:t>score</a:t>
-            </a:r>
-            <a:r>
-              <a:rPr lang="pl-PL" sz="1200" kern="1200" dirty="0">
-                <a:solidFill>
-                  <a:schemeClr val="tx1"/>
-                </a:solidFill>
-                <a:effectLst/>
-                <a:latin typeface="+mn-lt"/>
-                <a:ea typeface="+mn-ea"/>
-                <a:cs typeface="+mn-cs"/>
-              </a:rPr>
-              <a:t> – mogą mieć różne wyniki.</a:t>
-            </a:r>
-            <a:br>
-              <a:rPr lang="pl-PL" sz="1200" kern="1200" dirty="0">
-                <a:solidFill>
-                  <a:schemeClr val="tx1"/>
-                </a:solidFill>
-                <a:effectLst/>
-                <a:latin typeface="+mn-lt"/>
-                <a:ea typeface="+mn-ea"/>
-                <a:cs typeface="+mn-cs"/>
-              </a:rPr>
-            </a:br>
-            <a:br>
-              <a:rPr lang="pl-PL" sz="1200" kern="1200" dirty="0">
-                <a:solidFill>
-                  <a:schemeClr val="tx1"/>
-                </a:solidFill>
-                <a:effectLst/>
-                <a:latin typeface="+mn-lt"/>
-                <a:ea typeface="+mn-ea"/>
-                <a:cs typeface="+mn-cs"/>
-              </a:rPr>
-            </a:br>
-            <a:r>
-              <a:rPr lang="pl-PL" sz="1200" kern="1200" dirty="0">
-                <a:solidFill>
-                  <a:schemeClr val="tx1"/>
-                </a:solidFill>
-                <a:effectLst/>
-                <a:latin typeface="+mn-lt"/>
-                <a:ea typeface="+mn-ea"/>
-                <a:cs typeface="+mn-cs"/>
-              </a:rPr>
-              <a:t>To nie rewolucja. Ale to wskazówka</a:t>
-            </a:r>
-          </a:p>
-          <a:p>
             <a:endParaRPr lang="en-US" dirty="0"/>
           </a:p>
         </p:txBody>
@@ -3817,7 +1295,13 @@
   <p:cSld>
     <p:spTree>
       <p:nvGrpSpPr>
-        <p:cNvPr id="1" name=""/>
+        <p:cNvPr id="1" name="">
+          <a:extLst>
+            <a:ext uri="{FF2B5EF4-FFF2-40B4-BE49-F238E27FC236}">
+              <a16:creationId xmlns:a16="http://schemas.microsoft.com/office/drawing/2014/main" id="{62AC0976-2173-37C8-E8A3-98E263DF5417}"/>
+            </a:ext>
+          </a:extLst>
+        </p:cNvPr>
         <p:cNvGrpSpPr/>
         <p:nvPr/>
       </p:nvGrpSpPr>
@@ -3831,7 +1315,13 @@
       </p:grpSpPr>
       <p:sp>
         <p:nvSpPr>
-          <p:cNvPr id="2" name="Symbol zastępczy obrazu slajdu 1"/>
+          <p:cNvPr id="2" name="Symbol zastępczy obrazu slajdu 1">
+            <a:extLst>
+              <a:ext uri="{FF2B5EF4-FFF2-40B4-BE49-F238E27FC236}">
+                <a16:creationId xmlns:a16="http://schemas.microsoft.com/office/drawing/2014/main" id="{828B3863-37B8-D4D6-D02D-3F0B778FF09C}"/>
+              </a:ext>
+            </a:extLst>
+          </p:cNvPr>
           <p:cNvSpPr>
             <a:spLocks noGrp="1" noRot="1" noChangeAspect="1"/>
           </p:cNvSpPr>
@@ -3850,7 +1340,13 @@
       </p:sp>
       <p:sp>
         <p:nvSpPr>
-          <p:cNvPr id="3" name="Symbol zastępczy notatek 2"/>
+          <p:cNvPr id="3" name="Symbol zastępczy notatek 2">
+            <a:extLst>
+              <a:ext uri="{FF2B5EF4-FFF2-40B4-BE49-F238E27FC236}">
+                <a16:creationId xmlns:a16="http://schemas.microsoft.com/office/drawing/2014/main" id="{AFBEFD79-21F9-7BDC-BA3F-A260C0CD69D4}"/>
+              </a:ext>
+            </a:extLst>
+          </p:cNvPr>
           <p:cNvSpPr>
             <a:spLocks noGrp="1"/>
           </p:cNvSpPr>
@@ -3863,372 +1359,19 @@
           <a:bodyPr/>
           <a:lstStyle/>
           <a:p>
-            <a:br>
-              <a:rPr lang="pl-PL" sz="1200" b="1" kern="1200" dirty="0">
-                <a:solidFill>
-                  <a:schemeClr val="tx1"/>
-                </a:solidFill>
-                <a:effectLst/>
-                <a:latin typeface="+mn-lt"/>
-                <a:ea typeface="+mn-ea"/>
-                <a:cs typeface="+mn-cs"/>
-              </a:rPr>
-            </a:br>
-            <a:r>
-              <a:rPr lang="pl-PL" sz="1200" b="1" kern="1200" dirty="0">
-                <a:solidFill>
-                  <a:schemeClr val="tx1"/>
-                </a:solidFill>
-                <a:effectLst/>
-                <a:latin typeface="+mn-lt"/>
-                <a:ea typeface="+mn-ea"/>
-                <a:cs typeface="+mn-cs"/>
-              </a:rPr>
-              <a:t>Narracja (75 sekund):</a:t>
-            </a:r>
-            <a:br>
-              <a:rPr lang="pl-PL" sz="1200" b="1" kern="1200" dirty="0">
-                <a:solidFill>
-                  <a:schemeClr val="tx1"/>
-                </a:solidFill>
-                <a:effectLst/>
-                <a:latin typeface="+mn-lt"/>
-                <a:ea typeface="+mn-ea"/>
-                <a:cs typeface="+mn-cs"/>
-              </a:rPr>
-            </a:br>
-            <a:br>
-              <a:rPr lang="pl-PL" sz="1200" kern="1200" dirty="0">
-                <a:solidFill>
-                  <a:schemeClr val="tx1"/>
-                </a:solidFill>
-                <a:effectLst/>
-                <a:latin typeface="+mn-lt"/>
-                <a:ea typeface="+mn-ea"/>
-                <a:cs typeface="+mn-cs"/>
-              </a:rPr>
-            </a:br>
-            <a:r>
-              <a:rPr lang="pl-PL" sz="1200" kern="1200" dirty="0">
-                <a:solidFill>
-                  <a:schemeClr val="tx1"/>
-                </a:solidFill>
-                <a:effectLst/>
-                <a:latin typeface="+mn-lt"/>
-                <a:ea typeface="+mn-ea"/>
-                <a:cs typeface="+mn-cs"/>
-              </a:rPr>
-              <a:t>Podsumowanie w trzech ramkach.</a:t>
-            </a:r>
-            <a:br>
-              <a:rPr lang="pl-PL" sz="1200" kern="1200" dirty="0">
-                <a:solidFill>
-                  <a:schemeClr val="tx1"/>
-                </a:solidFill>
-                <a:effectLst/>
-                <a:latin typeface="+mn-lt"/>
-                <a:ea typeface="+mn-ea"/>
-                <a:cs typeface="+mn-cs"/>
-              </a:rPr>
-            </a:br>
-            <a:br>
-              <a:rPr lang="pl-PL" sz="1200" kern="1200" dirty="0">
-                <a:solidFill>
-                  <a:schemeClr val="tx1"/>
-                </a:solidFill>
-                <a:effectLst/>
-                <a:latin typeface="+mn-lt"/>
-                <a:ea typeface="+mn-ea"/>
-                <a:cs typeface="+mn-cs"/>
-              </a:rPr>
-            </a:br>
-            <a:r>
-              <a:rPr lang="pl-PL" sz="1200" kern="1200" dirty="0">
-                <a:solidFill>
-                  <a:schemeClr val="tx1"/>
-                </a:solidFill>
-                <a:effectLst/>
-                <a:latin typeface="+mn-lt"/>
-                <a:ea typeface="+mn-ea"/>
-                <a:cs typeface="+mn-cs"/>
-              </a:rPr>
-              <a:t>RAMA 1 – Odkrycie. Udało nam się pokazać, że agresywny rak piersi to nie 'szansa' genetyczna, ale aktywnie utrzymywany fenotyp. Guzy wyłączają swoje hamulce (receptory) poprzez </a:t>
-            </a:r>
-            <a:r>
-              <a:rPr lang="pl-PL" sz="1200" kern="1200" dirty="0" err="1">
-                <a:solidFill>
-                  <a:schemeClr val="tx1"/>
-                </a:solidFill>
-                <a:effectLst/>
-                <a:latin typeface="+mn-lt"/>
-                <a:ea typeface="+mn-ea"/>
-                <a:cs typeface="+mn-cs"/>
-              </a:rPr>
-              <a:t>miRNA</a:t>
-            </a:r>
-            <a:r>
-              <a:rPr lang="pl-PL" sz="1200" kern="1200" dirty="0">
-                <a:solidFill>
-                  <a:schemeClr val="tx1"/>
-                </a:solidFill>
-                <a:effectLst/>
-                <a:latin typeface="+mn-lt"/>
-                <a:ea typeface="+mn-ea"/>
-                <a:cs typeface="+mn-cs"/>
-              </a:rPr>
-              <a:t>. To jest mechanizm – nie tylko opis.</a:t>
-            </a:r>
-            <a:br>
-              <a:rPr lang="pl-PL" sz="1200" kern="1200" dirty="0">
-                <a:solidFill>
-                  <a:schemeClr val="tx1"/>
-                </a:solidFill>
-                <a:effectLst/>
-                <a:latin typeface="+mn-lt"/>
-                <a:ea typeface="+mn-ea"/>
-                <a:cs typeface="+mn-cs"/>
-              </a:rPr>
-            </a:br>
-            <a:br>
-              <a:rPr lang="pl-PL" sz="1200" kern="1200" dirty="0">
-                <a:solidFill>
-                  <a:schemeClr val="tx1"/>
-                </a:solidFill>
-                <a:effectLst/>
-                <a:latin typeface="+mn-lt"/>
-                <a:ea typeface="+mn-ea"/>
-                <a:cs typeface="+mn-cs"/>
-              </a:rPr>
-            </a:br>
-            <a:r>
-              <a:rPr lang="pl-PL" sz="1200" kern="1200" dirty="0">
-                <a:solidFill>
-                  <a:schemeClr val="tx1"/>
-                </a:solidFill>
-                <a:effectLst/>
-                <a:latin typeface="+mn-lt"/>
-                <a:ea typeface="+mn-ea"/>
-                <a:cs typeface="+mn-cs"/>
-              </a:rPr>
-              <a:t>RAMA 2 – Ale uczciwości. Zrobiliśmy modelowanie. Nie zrobiliśmy eksperymentu. Nie wiemy na 100%, że </a:t>
-            </a:r>
-            <a:r>
-              <a:rPr lang="pl-PL" sz="1200" kern="1200" dirty="0" err="1">
-                <a:solidFill>
-                  <a:schemeClr val="tx1"/>
-                </a:solidFill>
-                <a:effectLst/>
-                <a:latin typeface="+mn-lt"/>
-                <a:ea typeface="+mn-ea"/>
-                <a:cs typeface="+mn-cs"/>
-              </a:rPr>
-              <a:t>miRNA</a:t>
-            </a:r>
-            <a:r>
-              <a:rPr lang="pl-PL" sz="1200" kern="1200" dirty="0">
-                <a:solidFill>
-                  <a:schemeClr val="tx1"/>
-                </a:solidFill>
-                <a:effectLst/>
-                <a:latin typeface="+mn-lt"/>
-                <a:ea typeface="+mn-ea"/>
-                <a:cs typeface="+mn-cs"/>
-              </a:rPr>
-              <a:t> faktycznie tłumią ESR1. To jest korelacja, nie przyczynowość. I nasze badania na TCGA – to </a:t>
-            </a:r>
-            <a:r>
-              <a:rPr lang="pl-PL" sz="1200" kern="1200" dirty="0" err="1">
-                <a:solidFill>
-                  <a:schemeClr val="tx1"/>
-                </a:solidFill>
-                <a:effectLst/>
-                <a:latin typeface="+mn-lt"/>
-                <a:ea typeface="+mn-ea"/>
-                <a:cs typeface="+mn-cs"/>
-              </a:rPr>
-              <a:t>tertiarne</a:t>
-            </a:r>
-            <a:r>
-              <a:rPr lang="pl-PL" sz="1200" kern="1200" dirty="0">
-                <a:solidFill>
-                  <a:schemeClr val="tx1"/>
-                </a:solidFill>
-                <a:effectLst/>
-                <a:latin typeface="+mn-lt"/>
-                <a:ea typeface="+mn-ea"/>
-                <a:cs typeface="+mn-cs"/>
-              </a:rPr>
-              <a:t> centra, 10 lat temu. Mogą nie reprezentować populacji. Więc musimy powiedzieć: to potrzebuje </a:t>
-            </a:r>
-            <a:r>
-              <a:rPr lang="pl-PL" sz="1200" kern="1200" dirty="0" err="1">
-                <a:solidFill>
-                  <a:schemeClr val="tx1"/>
-                </a:solidFill>
-                <a:effectLst/>
-                <a:latin typeface="+mn-lt"/>
-                <a:ea typeface="+mn-ea"/>
-                <a:cs typeface="+mn-cs"/>
-              </a:rPr>
-              <a:t>validacji</a:t>
-            </a:r>
-            <a:r>
-              <a:rPr lang="pl-PL" sz="1200" kern="1200" dirty="0">
-                <a:solidFill>
-                  <a:schemeClr val="tx1"/>
-                </a:solidFill>
-                <a:effectLst/>
-                <a:latin typeface="+mn-lt"/>
-                <a:ea typeface="+mn-ea"/>
-                <a:cs typeface="+mn-cs"/>
-              </a:rPr>
-              <a:t>.</a:t>
-            </a:r>
-            <a:br>
-              <a:rPr lang="pl-PL" sz="1200" kern="1200" dirty="0">
-                <a:solidFill>
-                  <a:schemeClr val="tx1"/>
-                </a:solidFill>
-                <a:effectLst/>
-                <a:latin typeface="+mn-lt"/>
-                <a:ea typeface="+mn-ea"/>
-                <a:cs typeface="+mn-cs"/>
-              </a:rPr>
-            </a:br>
-            <a:br>
-              <a:rPr lang="pl-PL" sz="1200" kern="1200" dirty="0">
-                <a:solidFill>
-                  <a:schemeClr val="tx1"/>
-                </a:solidFill>
-                <a:effectLst/>
-                <a:latin typeface="+mn-lt"/>
-                <a:ea typeface="+mn-ea"/>
-                <a:cs typeface="+mn-cs"/>
-              </a:rPr>
-            </a:br>
-            <a:r>
-              <a:rPr lang="pl-PL" sz="1200" kern="1200" dirty="0">
-                <a:solidFill>
-                  <a:schemeClr val="tx1"/>
-                </a:solidFill>
-                <a:effectLst/>
-                <a:latin typeface="+mn-lt"/>
-                <a:ea typeface="+mn-ea"/>
-                <a:cs typeface="+mn-cs"/>
-              </a:rPr>
-              <a:t>RAMA 3 – Droga naprzód. Jeśli mamy rację – a myślimy że mamy – to otwiera drogę do nowych leków. </a:t>
-            </a:r>
-            <a:r>
-              <a:rPr lang="pl-PL" sz="1200" kern="1200" dirty="0" err="1">
-                <a:solidFill>
-                  <a:schemeClr val="tx1"/>
-                </a:solidFill>
-                <a:effectLst/>
-                <a:latin typeface="+mn-lt"/>
-                <a:ea typeface="+mn-ea"/>
-                <a:cs typeface="+mn-cs"/>
-              </a:rPr>
-              <a:t>Anti-miRNA</a:t>
-            </a:r>
-            <a:r>
-              <a:rPr lang="pl-PL" sz="1200" kern="1200" dirty="0">
-                <a:solidFill>
-                  <a:schemeClr val="tx1"/>
-                </a:solidFill>
-                <a:effectLst/>
-                <a:latin typeface="+mn-lt"/>
-                <a:ea typeface="+mn-ea"/>
-                <a:cs typeface="+mn-cs"/>
-              </a:rPr>
-              <a:t> są już używane w innych chorobach (</a:t>
-            </a:r>
-            <a:r>
-              <a:rPr lang="pl-PL" sz="1200" kern="1200" dirty="0" err="1">
-                <a:solidFill>
-                  <a:schemeClr val="tx1"/>
-                </a:solidFill>
-                <a:effectLst/>
-                <a:latin typeface="+mn-lt"/>
-                <a:ea typeface="+mn-ea"/>
-                <a:cs typeface="+mn-cs"/>
-              </a:rPr>
-              <a:t>hep</a:t>
-            </a:r>
-            <a:r>
-              <a:rPr lang="pl-PL" sz="1200" kern="1200" dirty="0">
-                <a:solidFill>
-                  <a:schemeClr val="tx1"/>
-                </a:solidFill>
-                <a:effectLst/>
-                <a:latin typeface="+mn-lt"/>
-                <a:ea typeface="+mn-ea"/>
-                <a:cs typeface="+mn-cs"/>
-              </a:rPr>
-              <a:t> C). Mogą działać tutaj. Mogą 'przywrócić' receptory i sprawić, że TNBC będzie podatny na hormonalną terapię. To jest nadzieja na leczenie, które jest mniej toksyczne niż chemoterapia.</a:t>
-            </a:r>
-            <a:br>
-              <a:rPr lang="pl-PL" sz="1200" kern="1200" dirty="0">
-                <a:solidFill>
-                  <a:schemeClr val="tx1"/>
-                </a:solidFill>
-                <a:effectLst/>
-                <a:latin typeface="+mn-lt"/>
-                <a:ea typeface="+mn-ea"/>
-                <a:cs typeface="+mn-cs"/>
-              </a:rPr>
-            </a:br>
-            <a:br>
-              <a:rPr lang="pl-PL" sz="1200" kern="1200" dirty="0">
-                <a:solidFill>
-                  <a:schemeClr val="tx1"/>
-                </a:solidFill>
-                <a:effectLst/>
-                <a:latin typeface="+mn-lt"/>
-                <a:ea typeface="+mn-ea"/>
-                <a:cs typeface="+mn-cs"/>
-              </a:rPr>
-            </a:br>
-            <a:r>
-              <a:rPr lang="pl-PL" sz="1200" kern="1200" dirty="0">
-                <a:solidFill>
-                  <a:schemeClr val="tx1"/>
-                </a:solidFill>
-                <a:effectLst/>
-                <a:latin typeface="+mn-lt"/>
-                <a:ea typeface="+mn-ea"/>
-                <a:cs typeface="+mn-cs"/>
-              </a:rPr>
-              <a:t>Ale – musimy myśleć przyszłościowo. To wymaga lat pracy. Eksperymentów. Badań na pacjentach.</a:t>
-            </a:r>
-            <a:br>
-              <a:rPr lang="pl-PL" sz="1200" kern="1200" dirty="0">
-                <a:solidFill>
-                  <a:schemeClr val="tx1"/>
-                </a:solidFill>
-                <a:effectLst/>
-                <a:latin typeface="+mn-lt"/>
-                <a:ea typeface="+mn-ea"/>
-                <a:cs typeface="+mn-cs"/>
-              </a:rPr>
-            </a:br>
-            <a:br>
-              <a:rPr lang="pl-PL" sz="1200" kern="1200" dirty="0">
-                <a:solidFill>
-                  <a:schemeClr val="tx1"/>
-                </a:solidFill>
-                <a:effectLst/>
-                <a:latin typeface="+mn-lt"/>
-                <a:ea typeface="+mn-ea"/>
-                <a:cs typeface="+mn-cs"/>
-              </a:rPr>
-            </a:br>
             <a:endParaRPr lang="en-US" dirty="0"/>
           </a:p>
         </p:txBody>
       </p:sp>
       <p:sp>
         <p:nvSpPr>
-          <p:cNvPr id="4" name="Symbol zastępczy numeru slajdu 3"/>
+          <p:cNvPr id="4" name="Symbol zastępczy numeru slajdu 3">
+            <a:extLst>
+              <a:ext uri="{FF2B5EF4-FFF2-40B4-BE49-F238E27FC236}">
+                <a16:creationId xmlns:a16="http://schemas.microsoft.com/office/drawing/2014/main" id="{10A0CC82-2F80-463A-DC88-E3870D8E3795}"/>
+              </a:ext>
+            </a:extLst>
+          </p:cNvPr>
           <p:cNvSpPr>
             <a:spLocks noGrp="1"/>
           </p:cNvSpPr>
@@ -4252,7 +1395,7 @@
     </p:spTree>
     <p:extLst>
       <p:ext uri="{BB962C8B-B14F-4D97-AF65-F5344CB8AC3E}">
-        <p14:creationId xmlns:p14="http://schemas.microsoft.com/office/powerpoint/2010/main" val="3746382049"/>
+        <p14:creationId xmlns:p14="http://schemas.microsoft.com/office/powerpoint/2010/main" val="3033521422"/>
       </p:ext>
     </p:extLst>
   </p:cSld>
@@ -4290,6 +1433,13 @@
           </p:nvPr>
         </p:nvSpPr>
         <p:spPr/>
+        <p:txBody>
+          <a:bodyPr/>
+          <a:lstStyle/>
+          <a:p>
+            <a:endParaRPr lang="en-US"/>
+          </a:p>
+        </p:txBody>
       </p:sp>
       <p:sp>
         <p:nvSpPr>
@@ -4336,7 +1486,7 @@
     </p:spTree>
     <p:extLst>
       <p:ext uri="{BB962C8B-B14F-4D97-AF65-F5344CB8AC3E}">
-        <p14:creationId xmlns:p14="http://schemas.microsoft.com/office/powerpoint/2010/main" val="512249159"/>
+        <p14:creationId xmlns:p14="http://schemas.microsoft.com/office/powerpoint/2010/main" val="3746382049"/>
       </p:ext>
     </p:extLst>
   </p:cSld>
@@ -7734,6 +4884,560 @@
         <p:cNvPr id="1" name="">
           <a:extLst>
             <a:ext uri="{FF2B5EF4-FFF2-40B4-BE49-F238E27FC236}">
+              <a16:creationId xmlns:a16="http://schemas.microsoft.com/office/drawing/2014/main" id="{DB079378-6AAD-C54E-EBE6-170037B1A37E}"/>
+            </a:ext>
+          </a:extLst>
+        </p:cNvPr>
+        <p:cNvGrpSpPr/>
+        <p:nvPr/>
+      </p:nvGrpSpPr>
+      <p:grpSpPr>
+        <a:xfrm>
+          <a:off x="0" y="0"/>
+          <a:ext cx="0" cy="0"/>
+          <a:chOff x="0" y="0"/>
+          <a:chExt cx="0" cy="0"/>
+        </a:xfrm>
+      </p:grpSpPr>
+      <p:sp>
+        <p:nvSpPr>
+          <p:cNvPr id="2" name="Tytuł 1">
+            <a:extLst>
+              <a:ext uri="{FF2B5EF4-FFF2-40B4-BE49-F238E27FC236}">
+                <a16:creationId xmlns:a16="http://schemas.microsoft.com/office/drawing/2014/main" id="{9F5DA56C-A4CC-6788-DAE6-CDF08252BC0E}"/>
+              </a:ext>
+            </a:extLst>
+          </p:cNvPr>
+          <p:cNvSpPr>
+            <a:spLocks noGrp="1"/>
+          </p:cNvSpPr>
+          <p:nvPr>
+            <p:ph type="title"/>
+          </p:nvPr>
+        </p:nvSpPr>
+        <p:spPr>
+          <a:xfrm>
+            <a:off x="5213459" y="144557"/>
+            <a:ext cx="7178566" cy="1199821"/>
+          </a:xfrm>
+        </p:spPr>
+        <p:txBody>
+          <a:bodyPr>
+            <a:normAutofit/>
+          </a:bodyPr>
+          <a:lstStyle/>
+          <a:p>
+            <a:r>
+              <a:rPr lang="pl-PL" sz="2800" b="1" i="0" dirty="0">
+                <a:solidFill>
+                  <a:schemeClr val="accent1">
+                    <a:lumMod val="50000"/>
+                  </a:schemeClr>
+                </a:solidFill>
+                <a:effectLst/>
+              </a:rPr>
+              <a:t>Podsumowanie: Odkrycie, Limity, Przyszłość</a:t>
+            </a:r>
+            <a:endParaRPr lang="pl-PL" sz="2800" b="1" dirty="0">
+              <a:solidFill>
+                <a:schemeClr val="accent1">
+                  <a:lumMod val="50000"/>
+                </a:schemeClr>
+              </a:solidFill>
+            </a:endParaRPr>
+          </a:p>
+        </p:txBody>
+      </p:sp>
+      <p:pic>
+        <p:nvPicPr>
+          <p:cNvPr id="11" name="Symbol zastępczy zawartości 10" descr="Obraz zawierający zrzut ekranu, Czcionka, Grafika, tekst&#10;&#10;Opis wygenerowany automatycznie">
+            <a:extLst>
+              <a:ext uri="{FF2B5EF4-FFF2-40B4-BE49-F238E27FC236}">
+                <a16:creationId xmlns:a16="http://schemas.microsoft.com/office/drawing/2014/main" id="{1107A44A-5FB7-E98E-417A-18DDBE7F1B57}"/>
+              </a:ext>
+            </a:extLst>
+          </p:cNvPr>
+          <p:cNvPicPr>
+            <a:picLocks noGrp="1" noChangeAspect="1"/>
+          </p:cNvPicPr>
+          <p:nvPr>
+            <p:ph idx="1"/>
+          </p:nvPr>
+        </p:nvPicPr>
+        <p:blipFill>
+          <a:blip r:embed="rId3"/>
+          <a:stretch>
+            <a:fillRect/>
+          </a:stretch>
+        </p:blipFill>
+        <p:spPr>
+          <a:xfrm>
+            <a:off x="-479626" y="-1431202"/>
+            <a:ext cx="6150378" cy="4351338"/>
+          </a:xfrm>
+        </p:spPr>
+      </p:pic>
+      <p:cxnSp>
+        <p:nvCxnSpPr>
+          <p:cNvPr id="14" name="Łącznik prosty 13">
+            <a:extLst>
+              <a:ext uri="{FF2B5EF4-FFF2-40B4-BE49-F238E27FC236}">
+                <a16:creationId xmlns:a16="http://schemas.microsoft.com/office/drawing/2014/main" id="{D09DCD3D-E150-B53A-2679-B42B8EE61EB6}"/>
+              </a:ext>
+            </a:extLst>
+          </p:cNvPr>
+          <p:cNvCxnSpPr/>
+          <p:nvPr/>
+        </p:nvCxnSpPr>
+        <p:spPr>
+          <a:xfrm>
+            <a:off x="5213459" y="389744"/>
+            <a:ext cx="0" cy="709448"/>
+          </a:xfrm>
+          <a:prstGeom prst="line">
+            <a:avLst/>
+          </a:prstGeom>
+          <a:ln>
+            <a:solidFill>
+              <a:srgbClr val="003766"/>
+            </a:solidFill>
+          </a:ln>
+          <a:effectLst>
+            <a:outerShdw blurRad="50800" dist="38100" dir="2700000" algn="tl" rotWithShape="0">
+              <a:prstClr val="black">
+                <a:alpha val="40000"/>
+              </a:prstClr>
+            </a:outerShdw>
+          </a:effectLst>
+        </p:spPr>
+        <p:style>
+          <a:lnRef idx="1">
+            <a:schemeClr val="accent1"/>
+          </a:lnRef>
+          <a:fillRef idx="0">
+            <a:schemeClr val="accent1"/>
+          </a:fillRef>
+          <a:effectRef idx="0">
+            <a:schemeClr val="accent1"/>
+          </a:effectRef>
+          <a:fontRef idx="minor">
+            <a:schemeClr val="tx1"/>
+          </a:fontRef>
+        </p:style>
+      </p:cxnSp>
+      <p:sp>
+        <p:nvSpPr>
+          <p:cNvPr id="8" name="Prostokąt 7">
+            <a:extLst>
+              <a:ext uri="{FF2B5EF4-FFF2-40B4-BE49-F238E27FC236}">
+                <a16:creationId xmlns:a16="http://schemas.microsoft.com/office/drawing/2014/main" id="{77422177-A9B9-4864-BF99-3BC1CA0D6FEA}"/>
+              </a:ext>
+            </a:extLst>
+          </p:cNvPr>
+          <p:cNvSpPr/>
+          <p:nvPr/>
+        </p:nvSpPr>
+        <p:spPr>
+          <a:xfrm>
+            <a:off x="1226635" y="1589565"/>
+            <a:ext cx="9668106" cy="4577059"/>
+          </a:xfrm>
+          <a:prstGeom prst="rect">
+            <a:avLst/>
+          </a:prstGeom>
+          <a:solidFill>
+            <a:schemeClr val="tx1">
+              <a:lumMod val="95000"/>
+              <a:lumOff val="5000"/>
+              <a:alpha val="6000"/>
+            </a:schemeClr>
+          </a:solidFill>
+          <a:ln>
+            <a:solidFill>
+              <a:schemeClr val="tx1">
+                <a:lumMod val="95000"/>
+                <a:lumOff val="5000"/>
+              </a:schemeClr>
+            </a:solidFill>
+          </a:ln>
+        </p:spPr>
+        <p:style>
+          <a:lnRef idx="2">
+            <a:schemeClr val="accent1">
+              <a:shade val="15000"/>
+            </a:schemeClr>
+          </a:lnRef>
+          <a:fillRef idx="1">
+            <a:schemeClr val="accent1"/>
+          </a:fillRef>
+          <a:effectRef idx="0">
+            <a:schemeClr val="accent1"/>
+          </a:effectRef>
+          <a:fontRef idx="minor">
+            <a:schemeClr val="lt1"/>
+          </a:fontRef>
+        </p:style>
+        <p:txBody>
+          <a:bodyPr rtlCol="0" anchor="ctr"/>
+          <a:lstStyle/>
+          <a:p>
+            <a:pPr marL="342900" indent="-342900">
+              <a:buAutoNum type="arabicPeriod"/>
+            </a:pPr>
+            <a:r>
+              <a:rPr lang="pl-PL" sz="1400" b="1" dirty="0">
+                <a:solidFill>
+                  <a:srgbClr val="003766"/>
+                </a:solidFill>
+              </a:rPr>
+              <a:t>Rak piersi nie jest jedną chorobą</a:t>
+            </a:r>
+            <a:br>
+              <a:rPr lang="pl-PL" sz="1400" dirty="0">
+                <a:solidFill>
+                  <a:srgbClr val="003766"/>
+                </a:solidFill>
+              </a:rPr>
+            </a:br>
+            <a:r>
+              <a:rPr lang="pl-PL" sz="1400" dirty="0">
+                <a:solidFill>
+                  <a:srgbClr val="003766"/>
+                </a:solidFill>
+              </a:rPr>
+              <a:t>Cztery podtypy molekularne = cztery odmienne strategie leczenia</a:t>
+            </a:r>
+            <a:endParaRPr lang="pl-PL" sz="1400" b="1" dirty="0">
+              <a:solidFill>
+                <a:srgbClr val="003766"/>
+              </a:solidFill>
+            </a:endParaRPr>
+          </a:p>
+          <a:p>
+            <a:pPr marL="342900" indent="-342900">
+              <a:buAutoNum type="arabicPeriod" startAt="2"/>
+            </a:pPr>
+            <a:r>
+              <a:rPr lang="pl-PL" sz="1400" b="1" dirty="0">
+                <a:solidFill>
+                  <a:srgbClr val="003766"/>
+                </a:solidFill>
+              </a:rPr>
+              <a:t>Agresywny podtyp Basal-like to nie „zły los genetyczny”</a:t>
+            </a:r>
+            <a:br>
+              <a:rPr lang="pl-PL" sz="1400" dirty="0">
+                <a:solidFill>
+                  <a:srgbClr val="003766"/>
+                </a:solidFill>
+              </a:rPr>
+            </a:br>
+            <a:r>
+              <a:rPr lang="pl-PL" sz="1400" dirty="0">
+                <a:solidFill>
+                  <a:srgbClr val="003766"/>
+                </a:solidFill>
+              </a:rPr>
+              <a:t>Jest to </a:t>
+            </a:r>
+            <a:r>
+              <a:rPr lang="pl-PL" sz="1400" b="1" dirty="0">
+                <a:solidFill>
+                  <a:srgbClr val="003766"/>
+                </a:solidFill>
+              </a:rPr>
+              <a:t>aktywnie regulowany fenotyp</a:t>
+            </a:r>
+            <a:r>
+              <a:rPr lang="pl-PL" sz="1400" dirty="0">
+                <a:solidFill>
+                  <a:srgbClr val="003766"/>
+                </a:solidFill>
+              </a:rPr>
+              <a:t>, napędzany przez supresję receptorów zależną od </a:t>
+            </a:r>
+            <a:r>
+              <a:rPr lang="pl-PL" sz="1400" dirty="0" err="1">
+                <a:solidFill>
+                  <a:srgbClr val="003766"/>
+                </a:solidFill>
+              </a:rPr>
+              <a:t>miRNA</a:t>
+            </a:r>
+            <a:endParaRPr lang="en-US" sz="1400" b="1" dirty="0">
+              <a:solidFill>
+                <a:srgbClr val="003766"/>
+              </a:solidFill>
+            </a:endParaRPr>
+          </a:p>
+          <a:p>
+            <a:r>
+              <a:rPr lang="pl-PL" sz="1400" b="1" dirty="0">
+                <a:solidFill>
+                  <a:srgbClr val="003766"/>
+                </a:solidFill>
+              </a:rPr>
+              <a:t>3.      Analiza multiomiczna wyjaśnia mechanizm</a:t>
+            </a:r>
+            <a:br>
+              <a:rPr lang="pl-PL" sz="1400" dirty="0">
+                <a:solidFill>
+                  <a:srgbClr val="003766"/>
+                </a:solidFill>
+              </a:rPr>
+            </a:br>
+            <a:r>
+              <a:rPr lang="pl-PL" sz="1400" dirty="0">
+                <a:solidFill>
+                  <a:srgbClr val="003766"/>
+                </a:solidFill>
+              </a:rPr>
+              <a:t>→ mRNA wyjaśnia jedynie ~30% zmienności poziomu białek</a:t>
+            </a:r>
+            <a:br>
+              <a:rPr lang="pl-PL" sz="1400" dirty="0">
+                <a:solidFill>
+                  <a:srgbClr val="003766"/>
+                </a:solidFill>
+              </a:rPr>
+            </a:br>
+            <a:r>
+              <a:rPr lang="pl-PL" sz="1400" dirty="0">
+                <a:solidFill>
+                  <a:srgbClr val="003766"/>
+                </a:solidFill>
+              </a:rPr>
+              <a:t>→ Poziom białek odzwierciedla rzeczywistą funkcję biologiczną</a:t>
+            </a:r>
+            <a:br>
+              <a:rPr lang="pl-PL" sz="1400" dirty="0">
+                <a:solidFill>
+                  <a:srgbClr val="003766"/>
+                </a:solidFill>
+              </a:rPr>
+            </a:br>
+            <a:r>
+              <a:rPr lang="pl-PL" sz="1400" dirty="0">
+                <a:solidFill>
+                  <a:srgbClr val="003766"/>
+                </a:solidFill>
+              </a:rPr>
+              <a:t>→ miRNA stanowi kluczową, ukrytą warstwę regulacyjną</a:t>
+            </a:r>
+            <a:endParaRPr lang="en-US" sz="1400" b="1" dirty="0">
+              <a:solidFill>
+                <a:srgbClr val="003766"/>
+              </a:solidFill>
+            </a:endParaRPr>
+          </a:p>
+          <a:p>
+            <a:r>
+              <a:rPr lang="pl-PL" sz="1400" b="1" dirty="0">
+                <a:solidFill>
+                  <a:srgbClr val="003766"/>
+                </a:solidFill>
+              </a:rPr>
+              <a:t>4.      Potencjał terapeutyczny</a:t>
+            </a:r>
+            <a:br>
+              <a:rPr lang="pl-PL" sz="1400" dirty="0">
+                <a:solidFill>
+                  <a:srgbClr val="003766"/>
+                </a:solidFill>
+              </a:rPr>
+            </a:br>
+            <a:r>
+              <a:rPr lang="pl-PL" sz="1400" dirty="0">
+                <a:solidFill>
+                  <a:srgbClr val="003766"/>
+                </a:solidFill>
+              </a:rPr>
+              <a:t>→ Modulacja sieci miRNA może przywracać sygnalizację hormonalną</a:t>
+            </a:r>
+            <a:br>
+              <a:rPr lang="pl-PL" sz="1400" dirty="0">
+                <a:solidFill>
+                  <a:srgbClr val="003766"/>
+                </a:solidFill>
+              </a:rPr>
+            </a:br>
+            <a:r>
+              <a:rPr lang="pl-PL" sz="1400" dirty="0">
+                <a:solidFill>
+                  <a:srgbClr val="003766"/>
+                </a:solidFill>
+              </a:rPr>
+              <a:t>→ Terapie anty-miRNA mogą zwiększyć wrażliwość agresywnych nowotworów na leczenie</a:t>
+            </a:r>
+            <a:endParaRPr lang="en-US" sz="1400" b="1" dirty="0">
+              <a:solidFill>
+                <a:srgbClr val="003766"/>
+              </a:solidFill>
+            </a:endParaRPr>
+          </a:p>
+          <a:p>
+            <a:r>
+              <a:rPr lang="pl-PL" sz="1400" b="1" dirty="0">
+                <a:solidFill>
+                  <a:srgbClr val="003766"/>
+                </a:solidFill>
+              </a:rPr>
+              <a:t>5.      Kolejne kroki</a:t>
+            </a:r>
+            <a:br>
+              <a:rPr lang="pl-PL" sz="1400" dirty="0">
+                <a:solidFill>
+                  <a:srgbClr val="003766"/>
+                </a:solidFill>
+              </a:rPr>
+            </a:br>
+            <a:r>
+              <a:rPr lang="pl-PL" sz="1400" dirty="0">
+                <a:solidFill>
+                  <a:srgbClr val="003766"/>
+                </a:solidFill>
+              </a:rPr>
+              <a:t>→ Walidacja eksperymentalna</a:t>
+            </a:r>
+            <a:br>
+              <a:rPr lang="pl-PL" sz="1400" dirty="0">
+                <a:solidFill>
+                  <a:srgbClr val="003766"/>
+                </a:solidFill>
+              </a:rPr>
+            </a:br>
+            <a:r>
+              <a:rPr lang="pl-PL" sz="1400" dirty="0">
+                <a:solidFill>
+                  <a:srgbClr val="003766"/>
+                </a:solidFill>
+              </a:rPr>
+              <a:t>→ Niezależne kohorty pacjentów</a:t>
+            </a:r>
+            <a:br>
+              <a:rPr lang="pl-PL" sz="1400" dirty="0">
+                <a:solidFill>
+                  <a:srgbClr val="003766"/>
+                </a:solidFill>
+              </a:rPr>
+            </a:br>
+            <a:r>
+              <a:rPr lang="pl-PL" sz="1400" dirty="0">
+                <a:solidFill>
+                  <a:srgbClr val="003766"/>
+                </a:solidFill>
+              </a:rPr>
+              <a:t>→ Dalsze badania przedkliniczne i kliniczne</a:t>
+            </a:r>
+          </a:p>
+          <a:p>
+            <a:endParaRPr lang="pl-PL" sz="1400" b="1" dirty="0">
+              <a:solidFill>
+                <a:srgbClr val="003766"/>
+              </a:solidFill>
+            </a:endParaRPr>
+          </a:p>
+          <a:p>
+            <a:pPr algn="ctr"/>
+            <a:r>
+              <a:rPr lang="pl-PL" b="1" dirty="0">
+                <a:solidFill>
+                  <a:srgbClr val="003766"/>
+                </a:solidFill>
+              </a:rPr>
+              <a:t>Zidentyfikowaliśmy „zamek” — supresję FOXA1/ESR1 sterowaną przez </a:t>
+            </a:r>
+            <a:r>
+              <a:rPr lang="pl-PL" b="1" dirty="0" err="1">
+                <a:solidFill>
+                  <a:srgbClr val="003766"/>
+                </a:solidFill>
+              </a:rPr>
+              <a:t>miRNA</a:t>
+            </a:r>
+            <a:r>
+              <a:rPr lang="pl-PL" b="1" dirty="0">
+                <a:solidFill>
+                  <a:srgbClr val="003766"/>
+                </a:solidFill>
+              </a:rPr>
+              <a:t>.</a:t>
+            </a:r>
+            <a:br>
+              <a:rPr lang="pl-PL" b="1" dirty="0">
+                <a:solidFill>
+                  <a:srgbClr val="003766"/>
+                </a:solidFill>
+              </a:rPr>
+            </a:br>
+            <a:r>
+              <a:rPr lang="pl-PL" b="1" dirty="0">
+                <a:solidFill>
+                  <a:srgbClr val="003766"/>
+                </a:solidFill>
+              </a:rPr>
+              <a:t>Kolejnym krokiem jest znalezienie „klucza” — ukierunkowanych terapii anty-</a:t>
+            </a:r>
+            <a:r>
+              <a:rPr lang="pl-PL" b="1" dirty="0" err="1">
+                <a:solidFill>
+                  <a:srgbClr val="003766"/>
+                </a:solidFill>
+              </a:rPr>
+              <a:t>miRNA</a:t>
+            </a:r>
+            <a:r>
+              <a:rPr lang="pl-PL" b="1" dirty="0">
+                <a:solidFill>
+                  <a:srgbClr val="003766"/>
+                </a:solidFill>
+              </a:rPr>
+              <a:t>.</a:t>
+            </a:r>
+            <a:br>
+              <a:rPr lang="pl-PL" b="1" dirty="0">
+                <a:solidFill>
+                  <a:srgbClr val="003766"/>
+                </a:solidFill>
+              </a:rPr>
+            </a:br>
+            <a:r>
+              <a:rPr lang="pl-PL" b="1" dirty="0">
+                <a:solidFill>
+                  <a:srgbClr val="003766"/>
+                </a:solidFill>
+              </a:rPr>
+              <a:t>To podejście może zmienić sposób leczenia potrójnie ujemnego raka piersi.</a:t>
+            </a:r>
+            <a:endParaRPr lang="en-US" b="1" dirty="0">
+              <a:solidFill>
+                <a:srgbClr val="003766"/>
+              </a:solidFill>
+            </a:endParaRPr>
+          </a:p>
+        </p:txBody>
+      </p:sp>
+    </p:spTree>
+    <p:extLst>
+      <p:ext uri="{BB962C8B-B14F-4D97-AF65-F5344CB8AC3E}">
+        <p14:creationId xmlns:p14="http://schemas.microsoft.com/office/powerpoint/2010/main" val="343497574"/>
+      </p:ext>
+    </p:extLst>
+  </p:cSld>
+  <p:clrMapOvr>
+    <a:masterClrMapping/>
+  </p:clrMapOvr>
+</p:sld>
+</file>
+
+<file path=ppt/slides/slide11.xml><?xml version="1.0" encoding="utf-8"?>
+<p:sld xmlns:a="http://schemas.openxmlformats.org/drawingml/2006/main" xmlns:r="http://schemas.openxmlformats.org/officeDocument/2006/relationships" xmlns:p="http://schemas.openxmlformats.org/presentationml/2006/main">
+  <p:cSld>
+    <p:spTree>
+      <p:nvGrpSpPr>
+        <p:cNvPr id="1" name="">
+          <a:extLst>
+            <a:ext uri="{FF2B5EF4-FFF2-40B4-BE49-F238E27FC236}">
               <a16:creationId xmlns:a16="http://schemas.microsoft.com/office/drawing/2014/main" id="{A9D809E7-F45E-FF30-7DCC-14E80EAAF249}"/>
             </a:ext>
           </a:extLst>
@@ -8001,7 +5705,7 @@
 </p:sld>
 </file>
 
-<file path=ppt/slides/slide11.xml><?xml version="1.0" encoding="utf-8"?>
+<file path=ppt/slides/slide12.xml><?xml version="1.0" encoding="utf-8"?>
 <p:sld xmlns:a="http://schemas.openxmlformats.org/drawingml/2006/main" xmlns:r="http://schemas.openxmlformats.org/officeDocument/2006/relationships" xmlns:p="http://schemas.openxmlformats.org/presentationml/2006/main">
   <p:cSld>
     <p:spTree>
@@ -8280,7 +5984,7 @@
 </p:sld>
 </file>
 
-<file path=ppt/slides/slide12.xml><?xml version="1.0" encoding="utf-8"?>
+<file path=ppt/slides/slide13.xml><?xml version="1.0" encoding="utf-8"?>
 <p:sld xmlns:a="http://schemas.openxmlformats.org/drawingml/2006/main" xmlns:r="http://schemas.openxmlformats.org/officeDocument/2006/relationships" xmlns:p="http://schemas.openxmlformats.org/presentationml/2006/main">
   <p:cSld>
     <p:spTree>
@@ -8610,7 +6314,7 @@
 </p:sld>
 </file>
 
-<file path=ppt/slides/slide13.xml><?xml version="1.0" encoding="utf-8"?>
+<file path=ppt/slides/slide14.xml><?xml version="1.0" encoding="utf-8"?>
 <p:sld xmlns:a="http://schemas.openxmlformats.org/drawingml/2006/main" xmlns:r="http://schemas.openxmlformats.org/officeDocument/2006/relationships" xmlns:p="http://schemas.openxmlformats.org/presentationml/2006/main">
   <p:cSld>
     <p:spTree>
@@ -8844,7 +6548,7 @@
 </p:sld>
 </file>
 
-<file path=ppt/slides/slide14.xml><?xml version="1.0" encoding="utf-8"?>
+<file path=ppt/slides/slide15.xml><?xml version="1.0" encoding="utf-8"?>
 <p:sld xmlns:a="http://schemas.openxmlformats.org/drawingml/2006/main" xmlns:r="http://schemas.openxmlformats.org/officeDocument/2006/relationships" xmlns:p="http://schemas.openxmlformats.org/presentationml/2006/main">
   <p:cSld>
     <p:spTree>
@@ -10715,39 +8419,7 @@
                   <a:srgbClr val="003766"/>
                 </a:solidFill>
               </a:rPr>
-              <a:t>„receptor-ujemny (receptor-</a:t>
-            </a:r>
-            <a:r>
-              <a:rPr lang="pl-PL" sz="1400" b="1" dirty="0" err="1">
-                <a:solidFill>
-                  <a:srgbClr val="003766"/>
-                </a:solidFill>
-              </a:rPr>
-              <a:t>null</a:t>
-            </a:r>
-            <a:r>
-              <a:rPr lang="pl-PL" sz="1400" b="1" dirty="0">
-                <a:solidFill>
-                  <a:srgbClr val="003766"/>
-                </a:solidFill>
-              </a:rPr>
-              <a:t>)”</a:t>
-            </a:r>
-            <a:r>
-              <a:rPr lang="pl-PL" sz="1400" dirty="0">
-                <a:solidFill>
-                  <a:srgbClr val="003766"/>
-                </a:solidFill>
-              </a:rPr>
-              <a:t>.</a:t>
-            </a:r>
-            <a:r>
-              <a:rPr lang="pl-PL" sz="1400" b="1" dirty="0">
-                <a:solidFill>
-                  <a:srgbClr val="003766"/>
-                </a:solidFill>
-              </a:rPr>
-              <a:t> </a:t>
+              <a:t>„receptor-ujemny”. </a:t>
             </a:r>
             <a:endParaRPr lang="en-US" sz="1400" b="1" dirty="0">
               <a:solidFill>
@@ -11057,7 +8729,23 @@
                   <a:srgbClr val="003766"/>
                 </a:solidFill>
               </a:rPr>
-              <a:t> = 1,217 próbek</a:t>
+              <a:t> = </a:t>
+            </a:r>
+            <a:r>
+              <a:rPr lang="pl-PL" sz="1600" dirty="0">
+                <a:solidFill>
+                  <a:srgbClr val="003766"/>
+                </a:solidFill>
+              </a:rPr>
+              <a:t>794</a:t>
+            </a:r>
+            <a:r>
+              <a:rPr lang="en-US" sz="1600" dirty="0">
+                <a:solidFill>
+                  <a:srgbClr val="003766"/>
+                </a:solidFill>
+              </a:rPr>
+              <a:t> próbek</a:t>
             </a:r>
           </a:p>
           <a:p>
@@ -11985,25 +9673,17 @@
                   <a:srgbClr val="003766"/>
                 </a:solidFill>
               </a:rPr>
-              <a:t> hamuje translację ESR1, co prowadzi do fenotypu „receptor-ujemny (receptor-</a:t>
-            </a:r>
-            <a:r>
-              <a:rPr lang="pl-PL" sz="1400" dirty="0" err="1">
-                <a:solidFill>
-                  <a:srgbClr val="003766"/>
-                </a:solidFill>
-              </a:rPr>
-              <a:t>null</a:t>
-            </a:r>
-            <a:r>
-              <a:rPr lang="pl-PL" sz="1400" dirty="0">
-                <a:solidFill>
-                  <a:srgbClr val="003766"/>
-                </a:solidFill>
-              </a:rPr>
-              <a:t>)”. </a:t>
-            </a:r>
-            <a:endParaRPr lang="en-US" sz="1400" dirty="0">
+              <a:t> hamuje translację ESR1, co prowadzi do fenotypu </a:t>
+            </a:r>
+            <a:r>
+              <a:rPr lang="pl-PL" sz="1400" b="1" dirty="0">
+                <a:solidFill>
+                  <a:srgbClr val="003766"/>
+                </a:solidFill>
+              </a:rPr>
+              <a:t>„receptor-ujemny”. </a:t>
+            </a:r>
+            <a:endParaRPr lang="en-US" sz="1400" b="1" dirty="0">
               <a:solidFill>
                 <a:srgbClr val="003766"/>
               </a:solidFill>
@@ -13127,10 +10807,10 @@
       </p:sp>
       <p:pic>
         <p:nvPicPr>
-          <p:cNvPr id="15" name="Obraz 14">
+          <p:cNvPr id="4" name="Obraz 3">
             <a:extLst>
               <a:ext uri="{FF2B5EF4-FFF2-40B4-BE49-F238E27FC236}">
-                <a16:creationId xmlns:a16="http://schemas.microsoft.com/office/drawing/2014/main" id="{3B3856EC-14DD-373C-7E19-414024AC8C06}"/>
+                <a16:creationId xmlns:a16="http://schemas.microsoft.com/office/drawing/2014/main" id="{4E2254F5-9477-13EA-DCA8-32CA569ED582}"/>
               </a:ext>
             </a:extLst>
           </p:cNvPr>
@@ -13147,8 +10827,8 @@
         </p:blipFill>
         <p:spPr>
           <a:xfrm>
-            <a:off x="4837674" y="1633372"/>
-            <a:ext cx="4095432" cy="4108337"/>
+            <a:off x="4634457" y="1633372"/>
+            <a:ext cx="4143924" cy="3689360"/>
           </a:xfrm>
           <a:prstGeom prst="rect">
             <a:avLst/>
@@ -14257,7 +11937,7 @@
         </p:nvSpPr>
         <p:spPr>
           <a:xfrm>
-            <a:off x="223026" y="2088484"/>
+            <a:off x="55987" y="1699027"/>
             <a:ext cx="3890614" cy="3915850"/>
           </a:xfrm>
           <a:prstGeom prst="rect">
@@ -14512,7 +12192,7 @@
                   <a:srgbClr val="003766"/>
                 </a:solidFill>
               </a:rPr>
-              <a:t>         ●━&gt;</a:t>
+              <a:t>         ●━━━━━━━&gt;</a:t>
             </a:r>
           </a:p>
           <a:p>
@@ -14538,7 +12218,30 @@
                   <a:srgbClr val="003766"/>
                 </a:solidFill>
               </a:rPr>
-              <a:t>)         1.18   [0.99-1.40]</a:t>
+              <a:t>)         </a:t>
+            </a:r>
+            <a:endParaRPr lang="pl-PL" sz="1200" dirty="0">
+              <a:solidFill>
+                <a:srgbClr val="003766"/>
+              </a:solidFill>
+            </a:endParaRPr>
+          </a:p>
+          <a:p>
+            <a:r>
+              <a:rPr lang="pl-PL" sz="1200" dirty="0">
+                <a:solidFill>
+                  <a:srgbClr val="003766"/>
+                </a:solidFill>
+              </a:rPr>
+              <a:t>                     </a:t>
+            </a:r>
+            <a:r>
+              <a:rPr lang="en-US" sz="1200" dirty="0">
+                <a:solidFill>
+                  <a:srgbClr val="003766"/>
+                </a:solidFill>
+              </a:rPr>
+              <a:t>1.18   [0.99-1.40]</a:t>
             </a:r>
           </a:p>
           <a:p>
@@ -14560,12 +12263,20 @@
           </a:p>
           <a:p>
             <a:r>
-              <a:rPr lang="en-US" sz="1200" dirty="0">
-                <a:solidFill>
-                  <a:srgbClr val="003766"/>
-                </a:solidFill>
-              </a:rPr>
-              <a:t>Interpretacja:</a:t>
+              <a:rPr lang="en-US" sz="1200" b="1" dirty="0" err="1">
+                <a:solidFill>
+                  <a:srgbClr val="003766"/>
+                </a:solidFill>
+              </a:rPr>
+              <a:t>Interpretacja</a:t>
+            </a:r>
+            <a:r>
+              <a:rPr lang="en-US" sz="1200" b="1" dirty="0">
+                <a:solidFill>
+                  <a:srgbClr val="003766"/>
+                </a:solidFill>
+              </a:rPr>
+              <a:t>:</a:t>
             </a:r>
           </a:p>
           <a:p>
@@ -14614,27 +12325,51 @@
                   <a:srgbClr val="003766"/>
                 </a:solidFill>
               </a:rPr>
-              <a:t>: NAJWIĘKSZY efekt (HR=2.31)</a:t>
-            </a:r>
-          </a:p>
-          <a:p>
+              <a:t>: NAJWIĘKSZY </a:t>
+            </a:r>
+            <a:r>
+              <a:rPr lang="en-US" sz="1200" dirty="0" err="1">
+                <a:solidFill>
+                  <a:srgbClr val="003766"/>
+                </a:solidFill>
+              </a:rPr>
+              <a:t>efekt</a:t>
+            </a:r>
             <a:r>
               <a:rPr lang="en-US" sz="1200" dirty="0">
                 <a:solidFill>
                   <a:srgbClr val="003766"/>
                 </a:solidFill>
               </a:rPr>
-              <a:t>miRNA: </a:t>
-            </a:r>
-            <a:r>
-              <a:rPr lang="pl-PL" sz="1200" dirty="0">
+              <a:t> (HR=2.31)</a:t>
+            </a:r>
+          </a:p>
+          <a:p>
+            <a:r>
+              <a:rPr lang="en-US" sz="1200" dirty="0">
+                <a:solidFill>
+                  <a:srgbClr val="003766"/>
+                </a:solidFill>
+              </a:rPr>
+              <a:t>miRNA</a:t>
+            </a:r>
+            <a:r>
+              <a:rPr lang="en-US" sz="1200" b="1" dirty="0">
+                <a:solidFill>
+                  <a:srgbClr val="003766"/>
+                </a:solidFill>
+              </a:rPr>
+              <a:t>: </a:t>
+            </a:r>
+            <a:r>
+              <a:rPr lang="pl-PL" sz="1200" b="1" dirty="0">
                 <a:solidFill>
                   <a:srgbClr val="003766"/>
                 </a:solidFill>
               </a:rPr>
               <a:t>mały, lecz istotny biologicznie efekt</a:t>
             </a:r>
-            <a:endParaRPr lang="en-US" sz="1200" dirty="0">
+            <a:endParaRPr lang="en-US" sz="1200" b="1" dirty="0">
               <a:solidFill>
                 <a:srgbClr val="003766"/>
               </a:solidFill>
@@ -14644,10 +12379,10 @@
       </p:sp>
       <p:sp>
         <p:nvSpPr>
-          <p:cNvPr id="5" name="Prostokąt 4">
+          <p:cNvPr id="16" name="Prostokąt 15">
             <a:extLst>
               <a:ext uri="{FF2B5EF4-FFF2-40B4-BE49-F238E27FC236}">
-                <a16:creationId xmlns:a16="http://schemas.microsoft.com/office/drawing/2014/main" id="{F076FF31-339E-077D-5427-E0411BD618EC}"/>
+                <a16:creationId xmlns:a16="http://schemas.microsoft.com/office/drawing/2014/main" id="{0243BC8A-22EF-61C2-737F-D916EFB5370A}"/>
               </a:ext>
             </a:extLst>
           </p:cNvPr>
@@ -14656,7 +12391,7 @@
         </p:nvSpPr>
         <p:spPr>
           <a:xfrm>
-            <a:off x="8972550" y="1794643"/>
+            <a:off x="8839200" y="1620603"/>
             <a:ext cx="3146971" cy="4227665"/>
           </a:xfrm>
           <a:prstGeom prst="rect">
@@ -14886,7 +12621,7 @@
                   <a:srgbClr val="003766"/>
                 </a:solidFill>
               </a:rPr>
-              <a:t>To ~40% różnica w ryzyku!(potencjalnie wpływająca na decyzje terapeutyczne)</a:t>
+              <a:t>To ~40% różnica w ryzyku!  (potencjalnie wpływająca na decyzje terapeutyczne)</a:t>
             </a:r>
           </a:p>
           <a:p>
@@ -14976,10 +12711,10 @@
       </p:sp>
       <p:pic>
         <p:nvPicPr>
-          <p:cNvPr id="7" name="Obraz 6">
+          <p:cNvPr id="18" name="Obraz 17">
             <a:extLst>
               <a:ext uri="{FF2B5EF4-FFF2-40B4-BE49-F238E27FC236}">
-                <a16:creationId xmlns:a16="http://schemas.microsoft.com/office/drawing/2014/main" id="{A9BAFB3D-709E-D006-A034-4C804A2791F2}"/>
+                <a16:creationId xmlns:a16="http://schemas.microsoft.com/office/drawing/2014/main" id="{729A8B59-EB2E-F744-6D29-A29CD2BC4031}"/>
               </a:ext>
             </a:extLst>
           </p:cNvPr>
@@ -14996,8 +12731,8 @@
         </p:blipFill>
         <p:spPr>
           <a:xfrm>
-            <a:off x="3369997" y="1941563"/>
-            <a:ext cx="5602553" cy="4227666"/>
+            <a:off x="2983124" y="1699027"/>
+            <a:ext cx="5817568" cy="3915850"/>
           </a:xfrm>
           <a:prstGeom prst="rect">
             <a:avLst/>
@@ -15018,6 +12753,925 @@
 </file>
 
 <file path=ppt/slides/slide8.xml><?xml version="1.0" encoding="utf-8"?>
+<p:sld xmlns:a="http://schemas.openxmlformats.org/drawingml/2006/main" xmlns:r="http://schemas.openxmlformats.org/officeDocument/2006/relationships" xmlns:p="http://schemas.openxmlformats.org/presentationml/2006/main">
+  <p:cSld>
+    <p:spTree>
+      <p:nvGrpSpPr>
+        <p:cNvPr id="1" name="">
+          <a:extLst>
+            <a:ext uri="{FF2B5EF4-FFF2-40B4-BE49-F238E27FC236}">
+              <a16:creationId xmlns:a16="http://schemas.microsoft.com/office/drawing/2014/main" id="{4862E4C1-C6F6-3CD5-FA03-407C66B959D8}"/>
+            </a:ext>
+          </a:extLst>
+        </p:cNvPr>
+        <p:cNvGrpSpPr/>
+        <p:nvPr/>
+      </p:nvGrpSpPr>
+      <p:grpSpPr>
+        <a:xfrm>
+          <a:off x="0" y="0"/>
+          <a:ext cx="0" cy="0"/>
+          <a:chOff x="0" y="0"/>
+          <a:chExt cx="0" cy="0"/>
+        </a:xfrm>
+      </p:grpSpPr>
+      <p:sp>
+        <p:nvSpPr>
+          <p:cNvPr id="2" name="Tytuł 1">
+            <a:extLst>
+              <a:ext uri="{FF2B5EF4-FFF2-40B4-BE49-F238E27FC236}">
+                <a16:creationId xmlns:a16="http://schemas.microsoft.com/office/drawing/2014/main" id="{66EAA5F4-A4B7-761A-2AA6-7910B7C6C80A}"/>
+              </a:ext>
+            </a:extLst>
+          </p:cNvPr>
+          <p:cNvSpPr>
+            <a:spLocks noGrp="1"/>
+          </p:cNvSpPr>
+          <p:nvPr>
+            <p:ph type="title"/>
+          </p:nvPr>
+        </p:nvSpPr>
+        <p:spPr>
+          <a:xfrm>
+            <a:off x="5249917" y="420782"/>
+            <a:ext cx="7178566" cy="1199821"/>
+          </a:xfrm>
+        </p:spPr>
+        <p:txBody>
+          <a:bodyPr>
+            <a:normAutofit/>
+          </a:bodyPr>
+          <a:lstStyle/>
+          <a:p>
+            <a:r>
+              <a:rPr lang="pl-PL" sz="2800" b="1" i="0" dirty="0">
+                <a:solidFill>
+                  <a:schemeClr val="accent1">
+                    <a:lumMod val="50000"/>
+                  </a:schemeClr>
+                </a:solidFill>
+                <a:effectLst/>
+              </a:rPr>
+              <a:t>Stadium Wygrywa – Ale miRNA Dają Wskazówkę</a:t>
+            </a:r>
+            <a:endParaRPr lang="pl-PL" sz="2800" b="1" dirty="0">
+              <a:solidFill>
+                <a:schemeClr val="accent1">
+                  <a:lumMod val="50000"/>
+                </a:schemeClr>
+              </a:solidFill>
+            </a:endParaRPr>
+          </a:p>
+        </p:txBody>
+      </p:sp>
+      <p:pic>
+        <p:nvPicPr>
+          <p:cNvPr id="11" name="Symbol zastępczy zawartości 10" descr="Obraz zawierający zrzut ekranu, Czcionka, Grafika, tekst&#10;&#10;Opis wygenerowany automatycznie">
+            <a:extLst>
+              <a:ext uri="{FF2B5EF4-FFF2-40B4-BE49-F238E27FC236}">
+                <a16:creationId xmlns:a16="http://schemas.microsoft.com/office/drawing/2014/main" id="{889E9968-9C01-12DC-67A2-70F449877C31}"/>
+              </a:ext>
+            </a:extLst>
+          </p:cNvPr>
+          <p:cNvPicPr>
+            <a:picLocks noGrp="1" noChangeAspect="1"/>
+          </p:cNvPicPr>
+          <p:nvPr>
+            <p:ph idx="1"/>
+          </p:nvPr>
+        </p:nvPicPr>
+        <p:blipFill>
+          <a:blip r:embed="rId3"/>
+          <a:stretch>
+            <a:fillRect/>
+          </a:stretch>
+        </p:blipFill>
+        <p:spPr>
+          <a:xfrm>
+            <a:off x="-479626" y="-1154976"/>
+            <a:ext cx="6150378" cy="4351338"/>
+          </a:xfrm>
+        </p:spPr>
+      </p:pic>
+      <p:cxnSp>
+        <p:nvCxnSpPr>
+          <p:cNvPr id="14" name="Łącznik prosty 13">
+            <a:extLst>
+              <a:ext uri="{FF2B5EF4-FFF2-40B4-BE49-F238E27FC236}">
+                <a16:creationId xmlns:a16="http://schemas.microsoft.com/office/drawing/2014/main" id="{509EA0FB-C630-8247-EF29-38405880CA8B}"/>
+              </a:ext>
+            </a:extLst>
+          </p:cNvPr>
+          <p:cNvCxnSpPr/>
+          <p:nvPr/>
+        </p:nvCxnSpPr>
+        <p:spPr>
+          <a:xfrm>
+            <a:off x="5249917" y="630621"/>
+            <a:ext cx="0" cy="709448"/>
+          </a:xfrm>
+          <a:prstGeom prst="line">
+            <a:avLst/>
+          </a:prstGeom>
+          <a:ln>
+            <a:solidFill>
+              <a:srgbClr val="003766"/>
+            </a:solidFill>
+          </a:ln>
+          <a:effectLst>
+            <a:outerShdw blurRad="50800" dist="38100" dir="2700000" algn="tl" rotWithShape="0">
+              <a:prstClr val="black">
+                <a:alpha val="40000"/>
+              </a:prstClr>
+            </a:outerShdw>
+          </a:effectLst>
+        </p:spPr>
+        <p:style>
+          <a:lnRef idx="1">
+            <a:schemeClr val="accent1"/>
+          </a:lnRef>
+          <a:fillRef idx="0">
+            <a:schemeClr val="accent1"/>
+          </a:fillRef>
+          <a:effectRef idx="0">
+            <a:schemeClr val="accent1"/>
+          </a:effectRef>
+          <a:fontRef idx="minor">
+            <a:schemeClr val="tx1"/>
+          </a:fontRef>
+        </p:style>
+      </p:cxnSp>
+      <p:sp>
+        <p:nvSpPr>
+          <p:cNvPr id="5" name="Prostokąt 4">
+            <a:extLst>
+              <a:ext uri="{FF2B5EF4-FFF2-40B4-BE49-F238E27FC236}">
+                <a16:creationId xmlns:a16="http://schemas.microsoft.com/office/drawing/2014/main" id="{FC176644-1127-68B9-A167-49CC8A6A1F07}"/>
+              </a:ext>
+            </a:extLst>
+          </p:cNvPr>
+          <p:cNvSpPr/>
+          <p:nvPr/>
+        </p:nvSpPr>
+        <p:spPr>
+          <a:xfrm>
+            <a:off x="8972551" y="1620603"/>
+            <a:ext cx="3045194" cy="4624554"/>
+          </a:xfrm>
+          <a:prstGeom prst="rect">
+            <a:avLst/>
+          </a:prstGeom>
+          <a:solidFill>
+            <a:schemeClr val="bg1">
+              <a:alpha val="6000"/>
+            </a:schemeClr>
+          </a:solidFill>
+          <a:ln>
+            <a:solidFill>
+              <a:schemeClr val="bg1"/>
+            </a:solidFill>
+          </a:ln>
+        </p:spPr>
+        <p:style>
+          <a:lnRef idx="2">
+            <a:schemeClr val="accent1">
+              <a:shade val="15000"/>
+            </a:schemeClr>
+          </a:lnRef>
+          <a:fillRef idx="1">
+            <a:schemeClr val="accent1"/>
+          </a:fillRef>
+          <a:effectRef idx="0">
+            <a:schemeClr val="accent1"/>
+          </a:effectRef>
+          <a:fontRef idx="minor">
+            <a:schemeClr val="lt1"/>
+          </a:fontRef>
+        </p:style>
+        <p:txBody>
+          <a:bodyPr rtlCol="0" anchor="ctr"/>
+          <a:lstStyle/>
+          <a:p>
+            <a:r>
+              <a:rPr lang="pl-PL" sz="1200" b="1" dirty="0">
+                <a:solidFill>
+                  <a:srgbClr val="003766"/>
+                </a:solidFill>
+              </a:rPr>
+              <a:t>Co to oznacza w praktyce klinicznej?</a:t>
+            </a:r>
+          </a:p>
+          <a:p>
+            <a:endParaRPr lang="pl-PL" sz="1200" b="1" dirty="0">
+              <a:solidFill>
+                <a:srgbClr val="003766"/>
+              </a:solidFill>
+            </a:endParaRPr>
+          </a:p>
+          <a:p>
+            <a:r>
+              <a:rPr lang="pl-PL" sz="1200" b="1" dirty="0">
+                <a:solidFill>
+                  <a:srgbClr val="003766"/>
+                </a:solidFill>
+              </a:rPr>
+              <a:t>Stopień zaawansowania choroby nadal decyduje </a:t>
+            </a:r>
+          </a:p>
+          <a:p>
+            <a:r>
+              <a:rPr lang="pl-PL" sz="1200" i="1" dirty="0">
+                <a:solidFill>
+                  <a:srgbClr val="003766"/>
+                </a:solidFill>
+              </a:rPr>
+              <a:t>(leczenie w stadium III ≠ leczenie w stadium I)</a:t>
+            </a:r>
+          </a:p>
+          <a:p>
+            <a:endParaRPr lang="pl-PL" sz="1200" dirty="0">
+              <a:solidFill>
+                <a:srgbClr val="003766"/>
+              </a:solidFill>
+            </a:endParaRPr>
+          </a:p>
+          <a:p>
+            <a:r>
+              <a:rPr lang="pl-PL" sz="1200" b="1" dirty="0">
+                <a:solidFill>
+                  <a:srgbClr val="003766"/>
+                </a:solidFill>
+              </a:rPr>
+              <a:t>W przeciwieństwie do modelu z miR-210: </a:t>
+            </a:r>
+          </a:p>
+          <a:p>
+            <a:r>
+              <a:rPr lang="pl-PL" sz="1200" dirty="0">
+                <a:solidFill>
+                  <a:srgbClr val="003766"/>
+                </a:solidFill>
+              </a:rPr>
+              <a:t>wynik miR-17 nie umożliwia dodatkowej stratyfikacji ryzyka w obrębie tego samego stadium choroby.</a:t>
+            </a:r>
+          </a:p>
+          <a:p>
+            <a:endParaRPr lang="pl-PL" sz="1200" dirty="0">
+              <a:solidFill>
+                <a:srgbClr val="003766"/>
+              </a:solidFill>
+            </a:endParaRPr>
+          </a:p>
+          <a:p>
+            <a:r>
+              <a:rPr lang="pl-PL" sz="1200" b="1" dirty="0">
+                <a:solidFill>
+                  <a:srgbClr val="003766"/>
+                </a:solidFill>
+              </a:rPr>
+              <a:t>Kluczowe obserwacje</a:t>
+            </a:r>
+          </a:p>
+          <a:p>
+            <a:pPr marL="171450" indent="-171450">
+              <a:buFont typeface="Arial" panose="020B0604020202020204" pitchFamily="34" charset="0"/>
+              <a:buChar char="•"/>
+            </a:pPr>
+            <a:r>
+              <a:rPr lang="pl-PL" sz="1200" b="1" dirty="0">
+                <a:solidFill>
+                  <a:srgbClr val="003766"/>
+                </a:solidFill>
+              </a:rPr>
+              <a:t>Stadium choroby </a:t>
+            </a:r>
+            <a:r>
+              <a:rPr lang="pl-PL" sz="1200" dirty="0">
+                <a:solidFill>
+                  <a:srgbClr val="003766"/>
+                </a:solidFill>
+              </a:rPr>
+              <a:t>– najsilniejszy czynnik prognostyczny </a:t>
+            </a:r>
+            <a:r>
+              <a:rPr lang="pl-PL" sz="1200" b="1" i="1" dirty="0">
+                <a:solidFill>
+                  <a:srgbClr val="003766"/>
+                </a:solidFill>
+              </a:rPr>
+              <a:t>(stadium III vs I: HR ≈ 3,8;           p &lt; 0,001)</a:t>
+            </a:r>
+          </a:p>
+          <a:p>
+            <a:pPr marL="171450" indent="-171450">
+              <a:buFont typeface="Arial" panose="020B0604020202020204" pitchFamily="34" charset="0"/>
+              <a:buChar char="•"/>
+            </a:pPr>
+            <a:r>
+              <a:rPr lang="pl-PL" sz="1200" b="1" dirty="0">
+                <a:solidFill>
+                  <a:srgbClr val="003766"/>
+                </a:solidFill>
+              </a:rPr>
+              <a:t>Wiek pacjentki </a:t>
+            </a:r>
+            <a:r>
+              <a:rPr lang="pl-PL" sz="1200" dirty="0">
+                <a:solidFill>
+                  <a:srgbClr val="003766"/>
+                </a:solidFill>
+              </a:rPr>
+              <a:t>– istotny wpływ na przeżycie  </a:t>
+            </a:r>
+            <a:r>
+              <a:rPr lang="pl-PL" sz="1200" b="1" i="1" dirty="0">
+                <a:solidFill>
+                  <a:srgbClr val="003766"/>
+                </a:solidFill>
+              </a:rPr>
+              <a:t>(p &lt; 0,001)</a:t>
+            </a:r>
+          </a:p>
+          <a:p>
+            <a:pPr marL="171450" indent="-171450">
+              <a:buFont typeface="Arial" panose="020B0604020202020204" pitchFamily="34" charset="0"/>
+              <a:buChar char="•"/>
+            </a:pPr>
+            <a:r>
+              <a:rPr lang="pl-PL" sz="1200" b="1" dirty="0">
+                <a:solidFill>
+                  <a:srgbClr val="003766"/>
+                </a:solidFill>
+              </a:rPr>
+              <a:t>miR-17 (zmienna ciągła)</a:t>
+            </a:r>
+          </a:p>
+          <a:p>
+            <a:r>
+              <a:rPr lang="pl-PL" sz="1200" dirty="0">
+                <a:solidFill>
+                  <a:srgbClr val="003766"/>
+                </a:solidFill>
+              </a:rPr>
+              <a:t>brak niezależnego wpływu na przeżycie całkowite </a:t>
+            </a:r>
+            <a:r>
+              <a:rPr lang="pl-PL" sz="1200" b="1" i="1" dirty="0">
+                <a:solidFill>
+                  <a:srgbClr val="003766"/>
+                </a:solidFill>
+              </a:rPr>
+              <a:t>(HR ≈ 1,1; p = 0,59)</a:t>
+            </a:r>
+          </a:p>
+          <a:p>
+            <a:endParaRPr lang="pl-PL" sz="1200" b="1" dirty="0">
+              <a:solidFill>
+                <a:srgbClr val="003766"/>
+              </a:solidFill>
+            </a:endParaRPr>
+          </a:p>
+          <a:p>
+            <a:r>
+              <a:rPr lang="pl-PL" sz="1200" b="1" dirty="0">
+                <a:solidFill>
+                  <a:srgbClr val="003766"/>
+                </a:solidFill>
+              </a:rPr>
+              <a:t>Ograniczenia</a:t>
+            </a:r>
+          </a:p>
+          <a:p>
+            <a:r>
+              <a:rPr lang="pl-PL" sz="1200" dirty="0">
+                <a:solidFill>
+                  <a:srgbClr val="003766"/>
+                </a:solidFill>
+              </a:rPr>
+              <a:t>niewielka kohorta testowa </a:t>
+            </a:r>
+            <a:r>
+              <a:rPr lang="pl-PL" sz="1200" b="1" i="1" dirty="0">
+                <a:solidFill>
+                  <a:srgbClr val="003766"/>
+                </a:solidFill>
+              </a:rPr>
+              <a:t>(n = 365)</a:t>
+            </a:r>
+          </a:p>
+          <a:p>
+            <a:r>
+              <a:rPr lang="pl-PL" sz="1200" dirty="0">
+                <a:solidFill>
+                  <a:srgbClr val="003766"/>
+                </a:solidFill>
+              </a:rPr>
+              <a:t>konieczność walidacji w niezależnej kohorcie</a:t>
+            </a:r>
+          </a:p>
+        </p:txBody>
+      </p:sp>
+      <p:sp>
+        <p:nvSpPr>
+          <p:cNvPr id="9" name="Prostokąt 8">
+            <a:extLst>
+              <a:ext uri="{FF2B5EF4-FFF2-40B4-BE49-F238E27FC236}">
+                <a16:creationId xmlns:a16="http://schemas.microsoft.com/office/drawing/2014/main" id="{27C107AE-E546-F15D-FCDE-AE7AE8879362}"/>
+              </a:ext>
+            </a:extLst>
+          </p:cNvPr>
+          <p:cNvSpPr/>
+          <p:nvPr/>
+        </p:nvSpPr>
+        <p:spPr>
+          <a:xfrm>
+            <a:off x="126896" y="1636806"/>
+            <a:ext cx="2918298" cy="4351338"/>
+          </a:xfrm>
+          <a:prstGeom prst="rect">
+            <a:avLst/>
+          </a:prstGeom>
+          <a:solidFill>
+            <a:schemeClr val="bg1">
+              <a:alpha val="6000"/>
+            </a:schemeClr>
+          </a:solidFill>
+          <a:ln>
+            <a:solidFill>
+              <a:schemeClr val="bg1"/>
+            </a:solidFill>
+          </a:ln>
+        </p:spPr>
+        <p:style>
+          <a:lnRef idx="2">
+            <a:schemeClr val="accent1">
+              <a:shade val="15000"/>
+            </a:schemeClr>
+          </a:lnRef>
+          <a:fillRef idx="1">
+            <a:schemeClr val="accent1"/>
+          </a:fillRef>
+          <a:effectRef idx="0">
+            <a:schemeClr val="accent1"/>
+          </a:effectRef>
+          <a:fontRef idx="minor">
+            <a:schemeClr val="lt1"/>
+          </a:fontRef>
+        </p:style>
+        <p:txBody>
+          <a:bodyPr rtlCol="0" anchor="ctr"/>
+          <a:lstStyle/>
+          <a:p>
+            <a:r>
+              <a:rPr lang="pl-PL" sz="1200" b="1" dirty="0">
+                <a:solidFill>
+                  <a:srgbClr val="003766"/>
+                </a:solidFill>
+              </a:rPr>
+              <a:t>WIELOCZYNNIKOWY MODEL COXA</a:t>
+            </a:r>
+          </a:p>
+          <a:p>
+            <a:r>
+              <a:rPr lang="pl-PL" sz="1200" b="1" dirty="0">
+                <a:solidFill>
+                  <a:srgbClr val="003766"/>
+                </a:solidFill>
+              </a:rPr>
+              <a:t>Punkt końcowy: </a:t>
+            </a:r>
+            <a:r>
+              <a:rPr lang="pl-PL" sz="1200" dirty="0">
+                <a:solidFill>
+                  <a:srgbClr val="003766"/>
+                </a:solidFill>
+              </a:rPr>
+              <a:t>przeżycie całkowite</a:t>
+            </a:r>
+            <a:endParaRPr lang="en-US" sz="1200" dirty="0">
+              <a:solidFill>
+                <a:srgbClr val="003766"/>
+              </a:solidFill>
+            </a:endParaRPr>
+          </a:p>
+          <a:p>
+            <a:r>
+              <a:rPr lang="pl-PL" sz="1200" dirty="0">
+                <a:solidFill>
+                  <a:srgbClr val="003766"/>
+                </a:solidFill>
+              </a:rPr>
+              <a:t>Zmienna</a:t>
+            </a:r>
+            <a:r>
+              <a:rPr lang="en-US" sz="1200" dirty="0">
+                <a:solidFill>
+                  <a:srgbClr val="003766"/>
+                </a:solidFill>
+              </a:rPr>
+              <a:t>              HR      95% CI        p</a:t>
+            </a:r>
+          </a:p>
+          <a:p>
+            <a:r>
+              <a:rPr lang="en-US" sz="1200" dirty="0">
+                <a:solidFill>
+                  <a:srgbClr val="003766"/>
+                </a:solidFill>
+              </a:rPr>
+              <a:t>──────────────────────────────────</a:t>
+            </a:r>
+          </a:p>
+          <a:p>
+            <a:r>
+              <a:rPr lang="pl-PL" sz="1200" dirty="0">
+                <a:solidFill>
+                  <a:srgbClr val="003766"/>
+                </a:solidFill>
+              </a:rPr>
+              <a:t>Stopień</a:t>
+            </a:r>
+            <a:r>
+              <a:rPr lang="en-US" sz="1200" dirty="0">
+                <a:solidFill>
+                  <a:srgbClr val="003766"/>
+                </a:solidFill>
+              </a:rPr>
+              <a:t> (III vs I)     ●━━━━━━━&gt;</a:t>
+            </a:r>
+          </a:p>
+          <a:p>
+            <a:r>
+              <a:rPr lang="en-US" sz="1200" dirty="0">
+                <a:solidFill>
+                  <a:srgbClr val="003766"/>
+                </a:solidFill>
+              </a:rPr>
+              <a:t>                     ~3,8 [~1,9–7,5]</a:t>
+            </a:r>
+          </a:p>
+          <a:p>
+            <a:r>
+              <a:rPr lang="en-US" sz="1200" dirty="0">
+                <a:solidFill>
+                  <a:srgbClr val="003766"/>
+                </a:solidFill>
+              </a:rPr>
+              <a:t>                     p &lt; 0.001 </a:t>
+            </a:r>
+            <a:r>
+              <a:rPr lang="pl-PL" sz="1200" dirty="0">
+                <a:solidFill>
+                  <a:srgbClr val="003766"/>
+                </a:solidFill>
+              </a:rPr>
+              <a:t>***</a:t>
+            </a:r>
+            <a:endParaRPr lang="en-US" sz="1200" dirty="0">
+              <a:solidFill>
+                <a:srgbClr val="003766"/>
+              </a:solidFill>
+            </a:endParaRPr>
+          </a:p>
+          <a:p>
+            <a:endParaRPr lang="en-US" sz="1200" dirty="0">
+              <a:solidFill>
+                <a:srgbClr val="003766"/>
+              </a:solidFill>
+            </a:endParaRPr>
+          </a:p>
+          <a:p>
+            <a:r>
+              <a:rPr lang="pl-PL" sz="1200" dirty="0">
+                <a:solidFill>
+                  <a:srgbClr val="003766"/>
+                </a:solidFill>
+              </a:rPr>
+              <a:t>Wiek</a:t>
+            </a:r>
+            <a:r>
+              <a:rPr lang="en-US" sz="1200" dirty="0">
+                <a:solidFill>
+                  <a:srgbClr val="003766"/>
+                </a:solidFill>
+              </a:rPr>
+              <a:t> (</a:t>
+            </a:r>
+            <a:r>
+              <a:rPr lang="pl-PL" sz="1200" dirty="0">
+                <a:solidFill>
+                  <a:srgbClr val="003766"/>
+                </a:solidFill>
+              </a:rPr>
+              <a:t>na każde</a:t>
+            </a:r>
+            <a:r>
+              <a:rPr lang="en-US" sz="1200" dirty="0">
+                <a:solidFill>
+                  <a:srgbClr val="003766"/>
+                </a:solidFill>
+              </a:rPr>
+              <a:t> +10</a:t>
+            </a:r>
+            <a:r>
+              <a:rPr lang="pl-PL" sz="1200" dirty="0">
+                <a:solidFill>
+                  <a:srgbClr val="003766"/>
+                </a:solidFill>
+              </a:rPr>
+              <a:t> lat</a:t>
+            </a:r>
+            <a:r>
+              <a:rPr lang="en-US" sz="1200" dirty="0">
+                <a:solidFill>
+                  <a:srgbClr val="003766"/>
+                </a:solidFill>
+              </a:rPr>
+              <a:t>)      ●━━━━&gt;</a:t>
+            </a:r>
+          </a:p>
+          <a:p>
+            <a:r>
+              <a:rPr lang="en-US" sz="1200" dirty="0">
+                <a:solidFill>
+                  <a:srgbClr val="003766"/>
+                </a:solidFill>
+              </a:rPr>
+              <a:t>                     ~1,1 [~1,03–1,1]</a:t>
+            </a:r>
+            <a:r>
+              <a:rPr lang="pl-PL" sz="1200" dirty="0">
+                <a:solidFill>
+                  <a:srgbClr val="003766"/>
+                </a:solidFill>
+              </a:rPr>
+              <a:t> </a:t>
+            </a:r>
+            <a:endParaRPr lang="en-US" sz="1200" dirty="0">
+              <a:solidFill>
+                <a:srgbClr val="003766"/>
+              </a:solidFill>
+            </a:endParaRPr>
+          </a:p>
+          <a:p>
+            <a:r>
+              <a:rPr lang="en-US" sz="1200" dirty="0">
+                <a:solidFill>
+                  <a:srgbClr val="003766"/>
+                </a:solidFill>
+              </a:rPr>
+              <a:t>                     p &lt; 0,001 ***</a:t>
+            </a:r>
+            <a:r>
+              <a:rPr lang="pl-PL" sz="1200" dirty="0">
+                <a:solidFill>
+                  <a:srgbClr val="003766"/>
+                </a:solidFill>
+              </a:rPr>
+              <a:t> </a:t>
+            </a:r>
+            <a:endParaRPr lang="en-US" sz="1200" dirty="0">
+              <a:solidFill>
+                <a:srgbClr val="003766"/>
+              </a:solidFill>
+            </a:endParaRPr>
+          </a:p>
+          <a:p>
+            <a:endParaRPr lang="en-US" sz="1200" dirty="0">
+              <a:solidFill>
+                <a:srgbClr val="003766"/>
+              </a:solidFill>
+            </a:endParaRPr>
+          </a:p>
+          <a:p>
+            <a:r>
+              <a:rPr lang="pl-PL" sz="1200" dirty="0">
+                <a:solidFill>
+                  <a:srgbClr val="003766"/>
+                </a:solidFill>
+              </a:rPr>
+              <a:t>Wynik </a:t>
+            </a:r>
+            <a:r>
+              <a:rPr lang="pl-PL" sz="1200" dirty="0" err="1">
+                <a:solidFill>
+                  <a:srgbClr val="003766"/>
+                </a:solidFill>
+              </a:rPr>
+              <a:t>miRNA</a:t>
+            </a:r>
+            <a:r>
+              <a:rPr lang="en-US" sz="1200" dirty="0">
+                <a:solidFill>
+                  <a:srgbClr val="003766"/>
+                </a:solidFill>
+              </a:rPr>
+              <a:t>         ●━━━━━━━&gt;</a:t>
+            </a:r>
+          </a:p>
+          <a:p>
+            <a:r>
+              <a:rPr lang="en-US" sz="1200" dirty="0">
+                <a:solidFill>
+                  <a:srgbClr val="003766"/>
+                </a:solidFill>
+              </a:rPr>
+              <a:t>(</a:t>
+            </a:r>
+            <a:r>
+              <a:rPr lang="pl-PL" sz="1200" dirty="0">
+                <a:solidFill>
+                  <a:srgbClr val="003766"/>
+                </a:solidFill>
+              </a:rPr>
+              <a:t>zmienna ciągła</a:t>
+            </a:r>
+            <a:r>
+              <a:rPr lang="en-US" sz="1200" dirty="0">
+                <a:solidFill>
+                  <a:srgbClr val="003766"/>
+                </a:solidFill>
+              </a:rPr>
+              <a:t>) </a:t>
+            </a:r>
+            <a:r>
+              <a:rPr lang="pl-PL" sz="1200" dirty="0">
+                <a:solidFill>
+                  <a:srgbClr val="003766"/>
+                </a:solidFill>
+              </a:rPr>
+              <a:t>        </a:t>
+            </a:r>
+          </a:p>
+          <a:p>
+            <a:r>
+              <a:rPr lang="pl-PL" sz="1200" dirty="0">
+                <a:solidFill>
+                  <a:srgbClr val="003766"/>
+                </a:solidFill>
+              </a:rPr>
+              <a:t>                     </a:t>
+            </a:r>
+            <a:r>
+              <a:rPr lang="en-US" sz="1200" dirty="0">
+                <a:solidFill>
+                  <a:srgbClr val="003766"/>
+                </a:solidFill>
+              </a:rPr>
+              <a:t>~1,1 [~0,70–1,9]</a:t>
+            </a:r>
+          </a:p>
+          <a:p>
+            <a:r>
+              <a:rPr lang="en-US" sz="1200" dirty="0">
+                <a:solidFill>
+                  <a:srgbClr val="003766"/>
+                </a:solidFill>
+              </a:rPr>
+              <a:t>                      p = 0,59</a:t>
+            </a:r>
+            <a:r>
+              <a:rPr lang="pl-PL" sz="1200" dirty="0">
+                <a:solidFill>
+                  <a:srgbClr val="003766"/>
+                </a:solidFill>
+              </a:rPr>
+              <a:t> </a:t>
+            </a:r>
+          </a:p>
+          <a:p>
+            <a:endParaRPr lang="en-US" sz="1200" dirty="0">
+              <a:solidFill>
+                <a:srgbClr val="003766"/>
+              </a:solidFill>
+            </a:endParaRPr>
+          </a:p>
+          <a:p>
+            <a:r>
+              <a:rPr lang="en-US" sz="1200" dirty="0">
+                <a:solidFill>
+                  <a:srgbClr val="003766"/>
+                </a:solidFill>
+              </a:rPr>
+              <a:t>Interpretacja:</a:t>
+            </a:r>
+          </a:p>
+          <a:p>
+            <a:r>
+              <a:rPr lang="pl-PL" sz="1200" dirty="0">
+                <a:solidFill>
+                  <a:srgbClr val="003766"/>
+                </a:solidFill>
+              </a:rPr>
+              <a:t>***</a:t>
+            </a:r>
+            <a:r>
+              <a:rPr lang="en-US" sz="1200" dirty="0">
+                <a:solidFill>
+                  <a:srgbClr val="003766"/>
+                </a:solidFill>
+              </a:rPr>
+              <a:t> = </a:t>
+            </a:r>
+            <a:r>
+              <a:rPr lang="pl-PL" sz="1200" dirty="0">
+                <a:solidFill>
+                  <a:srgbClr val="003766"/>
+                </a:solidFill>
+              </a:rPr>
+              <a:t>efekt dominujący</a:t>
+            </a:r>
+            <a:endParaRPr lang="en-US" sz="1200" dirty="0">
+              <a:solidFill>
+                <a:srgbClr val="003766"/>
+              </a:solidFill>
+            </a:endParaRPr>
+          </a:p>
+          <a:p>
+            <a:r>
+              <a:rPr lang="pl-PL" sz="1200" dirty="0">
+                <a:solidFill>
+                  <a:srgbClr val="003766"/>
+                </a:solidFill>
+              </a:rPr>
+              <a:t>Stopień</a:t>
+            </a:r>
+            <a:r>
+              <a:rPr lang="en-US" sz="1200" dirty="0">
+                <a:solidFill>
+                  <a:srgbClr val="003766"/>
+                </a:solidFill>
+              </a:rPr>
+              <a:t>: </a:t>
+            </a:r>
+            <a:r>
+              <a:rPr lang="pl-PL" sz="1200" dirty="0">
+                <a:solidFill>
+                  <a:srgbClr val="003766"/>
+                </a:solidFill>
+              </a:rPr>
+              <a:t>największy i jedyny istotny czynnik miR-17: </a:t>
+            </a:r>
+            <a:r>
+              <a:rPr lang="pl-PL" sz="1200" b="1" dirty="0">
+                <a:solidFill>
+                  <a:srgbClr val="003766"/>
+                </a:solidFill>
+              </a:rPr>
+              <a:t>brak niezależnego wpływu na przeżycie</a:t>
+            </a:r>
+            <a:endParaRPr lang="en-US" sz="1200" b="1" dirty="0">
+              <a:solidFill>
+                <a:srgbClr val="003766"/>
+              </a:solidFill>
+            </a:endParaRPr>
+          </a:p>
+        </p:txBody>
+      </p:sp>
+      <p:pic>
+        <p:nvPicPr>
+          <p:cNvPr id="8" name="Obraz 7">
+            <a:extLst>
+              <a:ext uri="{FF2B5EF4-FFF2-40B4-BE49-F238E27FC236}">
+                <a16:creationId xmlns:a16="http://schemas.microsoft.com/office/drawing/2014/main" id="{1DDABB3B-928F-2A7F-8C69-DBB09953F679}"/>
+              </a:ext>
+            </a:extLst>
+          </p:cNvPr>
+          <p:cNvPicPr>
+            <a:picLocks noChangeAspect="1"/>
+          </p:cNvPicPr>
+          <p:nvPr/>
+        </p:nvPicPr>
+        <p:blipFill>
+          <a:blip r:embed="rId4"/>
+          <a:stretch>
+            <a:fillRect/>
+          </a:stretch>
+        </p:blipFill>
+        <p:spPr>
+          <a:xfrm>
+            <a:off x="3045194" y="1636806"/>
+            <a:ext cx="5927356" cy="4040291"/>
+          </a:xfrm>
+          <a:prstGeom prst="rect">
+            <a:avLst/>
+          </a:prstGeom>
+        </p:spPr>
+      </p:pic>
+    </p:spTree>
+    <p:extLst>
+      <p:ext uri="{BB962C8B-B14F-4D97-AF65-F5344CB8AC3E}">
+        <p14:creationId xmlns:p14="http://schemas.microsoft.com/office/powerpoint/2010/main" val="2681418086"/>
+      </p:ext>
+    </p:extLst>
+  </p:cSld>
+  <p:clrMapOvr>
+    <a:masterClrMapping/>
+  </p:clrMapOvr>
+</p:sld>
+</file>
+
+<file path=ppt/slides/slide9.xml><?xml version="1.0" encoding="utf-8"?>
 <p:sld xmlns:a="http://schemas.openxmlformats.org/drawingml/2006/main" xmlns:r="http://schemas.openxmlformats.org/officeDocument/2006/relationships" xmlns:p="http://schemas.openxmlformats.org/presentationml/2006/main">
   <p:cSld>
     <p:spTree>
@@ -15544,69 +14198,6 @@
             </a:endParaRPr>
           </a:p>
           <a:p>
-            <a:r>
-              <a:rPr lang="en-US" sz="1400" i="1" dirty="0">
-                <a:solidFill>
-                  <a:srgbClr val="003766"/>
-                </a:solidFill>
-              </a:rPr>
-              <a:t>(</a:t>
-            </a:r>
-            <a:r>
-              <a:rPr lang="en-US" sz="1400" i="1" dirty="0" err="1">
-                <a:solidFill>
-                  <a:srgbClr val="003766"/>
-                </a:solidFill>
-              </a:rPr>
-              <a:t>konsensus</a:t>
-            </a:r>
-            <a:r>
-              <a:rPr lang="en-US" sz="1400" i="1" dirty="0">
-                <a:solidFill>
-                  <a:srgbClr val="003766"/>
-                </a:solidFill>
-              </a:rPr>
-              <a:t> </a:t>
-            </a:r>
-            <a:r>
-              <a:rPr lang="en-US" sz="1400" i="1" dirty="0" err="1">
-                <a:solidFill>
-                  <a:srgbClr val="003766"/>
-                </a:solidFill>
-              </a:rPr>
-              <a:t>TargetScan</a:t>
-            </a:r>
-            <a:r>
-              <a:rPr lang="en-US" sz="1400" i="1" dirty="0">
-                <a:solidFill>
-                  <a:srgbClr val="003766"/>
-                </a:solidFill>
-              </a:rPr>
-              <a:t> + </a:t>
-            </a:r>
-            <a:r>
-              <a:rPr lang="en-US" sz="1400" i="1" dirty="0" err="1">
-                <a:solidFill>
-                  <a:srgbClr val="003766"/>
-                </a:solidFill>
-              </a:rPr>
-              <a:t>miRDB</a:t>
-            </a:r>
-            <a:r>
-              <a:rPr lang="en-US" sz="1400" i="1" dirty="0">
-                <a:solidFill>
-                  <a:srgbClr val="003766"/>
-                </a:solidFill>
-              </a:rPr>
-              <a:t>)</a:t>
-            </a:r>
-            <a:endParaRPr lang="pl-PL" sz="1400" i="1" dirty="0">
-              <a:solidFill>
-                <a:srgbClr val="003766"/>
-              </a:solidFill>
-            </a:endParaRPr>
-          </a:p>
-          <a:p>
             <a:endParaRPr lang="pl-PL" sz="1400" dirty="0">
               <a:solidFill>
                 <a:srgbClr val="003766"/>
@@ -17385,560 +15976,6 @@
     <p:extLst>
       <p:ext uri="{BB962C8B-B14F-4D97-AF65-F5344CB8AC3E}">
         <p14:creationId xmlns:p14="http://schemas.microsoft.com/office/powerpoint/2010/main" val="4020281274"/>
-      </p:ext>
-    </p:extLst>
-  </p:cSld>
-  <p:clrMapOvr>
-    <a:masterClrMapping/>
-  </p:clrMapOvr>
-</p:sld>
-</file>
-
-<file path=ppt/slides/slide9.xml><?xml version="1.0" encoding="utf-8"?>
-<p:sld xmlns:a="http://schemas.openxmlformats.org/drawingml/2006/main" xmlns:r="http://schemas.openxmlformats.org/officeDocument/2006/relationships" xmlns:p="http://schemas.openxmlformats.org/presentationml/2006/main">
-  <p:cSld>
-    <p:spTree>
-      <p:nvGrpSpPr>
-        <p:cNvPr id="1" name="">
-          <a:extLst>
-            <a:ext uri="{FF2B5EF4-FFF2-40B4-BE49-F238E27FC236}">
-              <a16:creationId xmlns:a16="http://schemas.microsoft.com/office/drawing/2014/main" id="{DB079378-6AAD-C54E-EBE6-170037B1A37E}"/>
-            </a:ext>
-          </a:extLst>
-        </p:cNvPr>
-        <p:cNvGrpSpPr/>
-        <p:nvPr/>
-      </p:nvGrpSpPr>
-      <p:grpSpPr>
-        <a:xfrm>
-          <a:off x="0" y="0"/>
-          <a:ext cx="0" cy="0"/>
-          <a:chOff x="0" y="0"/>
-          <a:chExt cx="0" cy="0"/>
-        </a:xfrm>
-      </p:grpSpPr>
-      <p:sp>
-        <p:nvSpPr>
-          <p:cNvPr id="2" name="Tytuł 1">
-            <a:extLst>
-              <a:ext uri="{FF2B5EF4-FFF2-40B4-BE49-F238E27FC236}">
-                <a16:creationId xmlns:a16="http://schemas.microsoft.com/office/drawing/2014/main" id="{9F5DA56C-A4CC-6788-DAE6-CDF08252BC0E}"/>
-              </a:ext>
-            </a:extLst>
-          </p:cNvPr>
-          <p:cNvSpPr>
-            <a:spLocks noGrp="1"/>
-          </p:cNvSpPr>
-          <p:nvPr>
-            <p:ph type="title"/>
-          </p:nvPr>
-        </p:nvSpPr>
-        <p:spPr>
-          <a:xfrm>
-            <a:off x="5213459" y="144557"/>
-            <a:ext cx="7178566" cy="1199821"/>
-          </a:xfrm>
-        </p:spPr>
-        <p:txBody>
-          <a:bodyPr>
-            <a:normAutofit/>
-          </a:bodyPr>
-          <a:lstStyle/>
-          <a:p>
-            <a:r>
-              <a:rPr lang="pl-PL" sz="2800" b="1" i="0" dirty="0">
-                <a:solidFill>
-                  <a:schemeClr val="accent1">
-                    <a:lumMod val="50000"/>
-                  </a:schemeClr>
-                </a:solidFill>
-                <a:effectLst/>
-              </a:rPr>
-              <a:t>Podsumowanie: Odkrycie, Limity, Przyszłość</a:t>
-            </a:r>
-            <a:endParaRPr lang="pl-PL" sz="2800" b="1" dirty="0">
-              <a:solidFill>
-                <a:schemeClr val="accent1">
-                  <a:lumMod val="50000"/>
-                </a:schemeClr>
-              </a:solidFill>
-            </a:endParaRPr>
-          </a:p>
-        </p:txBody>
-      </p:sp>
-      <p:pic>
-        <p:nvPicPr>
-          <p:cNvPr id="11" name="Symbol zastępczy zawartości 10" descr="Obraz zawierający zrzut ekranu, Czcionka, Grafika, tekst&#10;&#10;Opis wygenerowany automatycznie">
-            <a:extLst>
-              <a:ext uri="{FF2B5EF4-FFF2-40B4-BE49-F238E27FC236}">
-                <a16:creationId xmlns:a16="http://schemas.microsoft.com/office/drawing/2014/main" id="{1107A44A-5FB7-E98E-417A-18DDBE7F1B57}"/>
-              </a:ext>
-            </a:extLst>
-          </p:cNvPr>
-          <p:cNvPicPr>
-            <a:picLocks noGrp="1" noChangeAspect="1"/>
-          </p:cNvPicPr>
-          <p:nvPr>
-            <p:ph idx="1"/>
-          </p:nvPr>
-        </p:nvPicPr>
-        <p:blipFill>
-          <a:blip r:embed="rId3"/>
-          <a:stretch>
-            <a:fillRect/>
-          </a:stretch>
-        </p:blipFill>
-        <p:spPr>
-          <a:xfrm>
-            <a:off x="-479626" y="-1431202"/>
-            <a:ext cx="6150378" cy="4351338"/>
-          </a:xfrm>
-        </p:spPr>
-      </p:pic>
-      <p:cxnSp>
-        <p:nvCxnSpPr>
-          <p:cNvPr id="14" name="Łącznik prosty 13">
-            <a:extLst>
-              <a:ext uri="{FF2B5EF4-FFF2-40B4-BE49-F238E27FC236}">
-                <a16:creationId xmlns:a16="http://schemas.microsoft.com/office/drawing/2014/main" id="{D09DCD3D-E150-B53A-2679-B42B8EE61EB6}"/>
-              </a:ext>
-            </a:extLst>
-          </p:cNvPr>
-          <p:cNvCxnSpPr/>
-          <p:nvPr/>
-        </p:nvCxnSpPr>
-        <p:spPr>
-          <a:xfrm>
-            <a:off x="5213459" y="389744"/>
-            <a:ext cx="0" cy="709448"/>
-          </a:xfrm>
-          <a:prstGeom prst="line">
-            <a:avLst/>
-          </a:prstGeom>
-          <a:ln>
-            <a:solidFill>
-              <a:srgbClr val="003766"/>
-            </a:solidFill>
-          </a:ln>
-          <a:effectLst>
-            <a:outerShdw blurRad="50800" dist="38100" dir="2700000" algn="tl" rotWithShape="0">
-              <a:prstClr val="black">
-                <a:alpha val="40000"/>
-              </a:prstClr>
-            </a:outerShdw>
-          </a:effectLst>
-        </p:spPr>
-        <p:style>
-          <a:lnRef idx="1">
-            <a:schemeClr val="accent1"/>
-          </a:lnRef>
-          <a:fillRef idx="0">
-            <a:schemeClr val="accent1"/>
-          </a:fillRef>
-          <a:effectRef idx="0">
-            <a:schemeClr val="accent1"/>
-          </a:effectRef>
-          <a:fontRef idx="minor">
-            <a:schemeClr val="tx1"/>
-          </a:fontRef>
-        </p:style>
-      </p:cxnSp>
-      <p:sp>
-        <p:nvSpPr>
-          <p:cNvPr id="8" name="Prostokąt 7">
-            <a:extLst>
-              <a:ext uri="{FF2B5EF4-FFF2-40B4-BE49-F238E27FC236}">
-                <a16:creationId xmlns:a16="http://schemas.microsoft.com/office/drawing/2014/main" id="{77422177-A9B9-4864-BF99-3BC1CA0D6FEA}"/>
-              </a:ext>
-            </a:extLst>
-          </p:cNvPr>
-          <p:cNvSpPr/>
-          <p:nvPr/>
-        </p:nvSpPr>
-        <p:spPr>
-          <a:xfrm>
-            <a:off x="1226635" y="1589565"/>
-            <a:ext cx="9668106" cy="4577059"/>
-          </a:xfrm>
-          <a:prstGeom prst="rect">
-            <a:avLst/>
-          </a:prstGeom>
-          <a:solidFill>
-            <a:schemeClr val="tx1">
-              <a:lumMod val="95000"/>
-              <a:lumOff val="5000"/>
-              <a:alpha val="6000"/>
-            </a:schemeClr>
-          </a:solidFill>
-          <a:ln>
-            <a:solidFill>
-              <a:schemeClr val="tx1">
-                <a:lumMod val="95000"/>
-                <a:lumOff val="5000"/>
-              </a:schemeClr>
-            </a:solidFill>
-          </a:ln>
-        </p:spPr>
-        <p:style>
-          <a:lnRef idx="2">
-            <a:schemeClr val="accent1">
-              <a:shade val="15000"/>
-            </a:schemeClr>
-          </a:lnRef>
-          <a:fillRef idx="1">
-            <a:schemeClr val="accent1"/>
-          </a:fillRef>
-          <a:effectRef idx="0">
-            <a:schemeClr val="accent1"/>
-          </a:effectRef>
-          <a:fontRef idx="minor">
-            <a:schemeClr val="lt1"/>
-          </a:fontRef>
-        </p:style>
-        <p:txBody>
-          <a:bodyPr rtlCol="0" anchor="ctr"/>
-          <a:lstStyle/>
-          <a:p>
-            <a:pPr marL="342900" indent="-342900">
-              <a:buAutoNum type="arabicPeriod"/>
-            </a:pPr>
-            <a:r>
-              <a:rPr lang="pl-PL" sz="1400" b="1" dirty="0">
-                <a:solidFill>
-                  <a:srgbClr val="003766"/>
-                </a:solidFill>
-              </a:rPr>
-              <a:t>Rak piersi nie jest jedną chorobą</a:t>
-            </a:r>
-            <a:br>
-              <a:rPr lang="pl-PL" sz="1400" dirty="0">
-                <a:solidFill>
-                  <a:srgbClr val="003766"/>
-                </a:solidFill>
-              </a:rPr>
-            </a:br>
-            <a:r>
-              <a:rPr lang="pl-PL" sz="1400" dirty="0">
-                <a:solidFill>
-                  <a:srgbClr val="003766"/>
-                </a:solidFill>
-              </a:rPr>
-              <a:t>Cztery podtypy molekularne = cztery odmienne strategie leczenia</a:t>
-            </a:r>
-            <a:endParaRPr lang="pl-PL" sz="1400" b="1" dirty="0">
-              <a:solidFill>
-                <a:srgbClr val="003766"/>
-              </a:solidFill>
-            </a:endParaRPr>
-          </a:p>
-          <a:p>
-            <a:pPr marL="342900" indent="-342900">
-              <a:buAutoNum type="arabicPeriod" startAt="2"/>
-            </a:pPr>
-            <a:r>
-              <a:rPr lang="pl-PL" sz="1400" b="1" dirty="0">
-                <a:solidFill>
-                  <a:srgbClr val="003766"/>
-                </a:solidFill>
-              </a:rPr>
-              <a:t>Agresywny podtyp Basal-like to nie „zły los genetyczny”</a:t>
-            </a:r>
-            <a:br>
-              <a:rPr lang="pl-PL" sz="1400" dirty="0">
-                <a:solidFill>
-                  <a:srgbClr val="003766"/>
-                </a:solidFill>
-              </a:rPr>
-            </a:br>
-            <a:r>
-              <a:rPr lang="pl-PL" sz="1400" dirty="0">
-                <a:solidFill>
-                  <a:srgbClr val="003766"/>
-                </a:solidFill>
-              </a:rPr>
-              <a:t>Jest to </a:t>
-            </a:r>
-            <a:r>
-              <a:rPr lang="pl-PL" sz="1400" b="1" dirty="0">
-                <a:solidFill>
-                  <a:srgbClr val="003766"/>
-                </a:solidFill>
-              </a:rPr>
-              <a:t>aktywnie regulowany fenotyp</a:t>
-            </a:r>
-            <a:r>
-              <a:rPr lang="pl-PL" sz="1400" dirty="0">
-                <a:solidFill>
-                  <a:srgbClr val="003766"/>
-                </a:solidFill>
-              </a:rPr>
-              <a:t>, napędzany przez supresję receptorów zależną od </a:t>
-            </a:r>
-            <a:r>
-              <a:rPr lang="pl-PL" sz="1400" dirty="0" err="1">
-                <a:solidFill>
-                  <a:srgbClr val="003766"/>
-                </a:solidFill>
-              </a:rPr>
-              <a:t>miRNA</a:t>
-            </a:r>
-            <a:endParaRPr lang="en-US" sz="1400" b="1" dirty="0">
-              <a:solidFill>
-                <a:srgbClr val="003766"/>
-              </a:solidFill>
-            </a:endParaRPr>
-          </a:p>
-          <a:p>
-            <a:r>
-              <a:rPr lang="pl-PL" sz="1400" b="1" dirty="0">
-                <a:solidFill>
-                  <a:srgbClr val="003766"/>
-                </a:solidFill>
-              </a:rPr>
-              <a:t>3.      Analiza multiomiczna wyjaśnia mechanizm</a:t>
-            </a:r>
-            <a:br>
-              <a:rPr lang="pl-PL" sz="1400" dirty="0">
-                <a:solidFill>
-                  <a:srgbClr val="003766"/>
-                </a:solidFill>
-              </a:rPr>
-            </a:br>
-            <a:r>
-              <a:rPr lang="pl-PL" sz="1400" dirty="0">
-                <a:solidFill>
-                  <a:srgbClr val="003766"/>
-                </a:solidFill>
-              </a:rPr>
-              <a:t>→ mRNA wyjaśnia jedynie ~30% zmienności poziomu białek</a:t>
-            </a:r>
-            <a:br>
-              <a:rPr lang="pl-PL" sz="1400" dirty="0">
-                <a:solidFill>
-                  <a:srgbClr val="003766"/>
-                </a:solidFill>
-              </a:rPr>
-            </a:br>
-            <a:r>
-              <a:rPr lang="pl-PL" sz="1400" dirty="0">
-                <a:solidFill>
-                  <a:srgbClr val="003766"/>
-                </a:solidFill>
-              </a:rPr>
-              <a:t>→ Poziom białek odzwierciedla rzeczywistą funkcję biologiczną</a:t>
-            </a:r>
-            <a:br>
-              <a:rPr lang="pl-PL" sz="1400" dirty="0">
-                <a:solidFill>
-                  <a:srgbClr val="003766"/>
-                </a:solidFill>
-              </a:rPr>
-            </a:br>
-            <a:r>
-              <a:rPr lang="pl-PL" sz="1400" dirty="0">
-                <a:solidFill>
-                  <a:srgbClr val="003766"/>
-                </a:solidFill>
-              </a:rPr>
-              <a:t>→ miRNA stanowi kluczową, ukrytą warstwę regulacyjną</a:t>
-            </a:r>
-            <a:endParaRPr lang="en-US" sz="1400" b="1" dirty="0">
-              <a:solidFill>
-                <a:srgbClr val="003766"/>
-              </a:solidFill>
-            </a:endParaRPr>
-          </a:p>
-          <a:p>
-            <a:r>
-              <a:rPr lang="pl-PL" sz="1400" b="1" dirty="0">
-                <a:solidFill>
-                  <a:srgbClr val="003766"/>
-                </a:solidFill>
-              </a:rPr>
-              <a:t>4.      Potencjał terapeutyczny</a:t>
-            </a:r>
-            <a:br>
-              <a:rPr lang="pl-PL" sz="1400" dirty="0">
-                <a:solidFill>
-                  <a:srgbClr val="003766"/>
-                </a:solidFill>
-              </a:rPr>
-            </a:br>
-            <a:r>
-              <a:rPr lang="pl-PL" sz="1400" dirty="0">
-                <a:solidFill>
-                  <a:srgbClr val="003766"/>
-                </a:solidFill>
-              </a:rPr>
-              <a:t>→ Modulacja sieci miRNA może przywracać sygnalizację hormonalną</a:t>
-            </a:r>
-            <a:br>
-              <a:rPr lang="pl-PL" sz="1400" dirty="0">
-                <a:solidFill>
-                  <a:srgbClr val="003766"/>
-                </a:solidFill>
-              </a:rPr>
-            </a:br>
-            <a:r>
-              <a:rPr lang="pl-PL" sz="1400" dirty="0">
-                <a:solidFill>
-                  <a:srgbClr val="003766"/>
-                </a:solidFill>
-              </a:rPr>
-              <a:t>→ Terapie anty-miRNA mogą zwiększyć wrażliwość agresywnych nowotworów na leczenie</a:t>
-            </a:r>
-            <a:endParaRPr lang="en-US" sz="1400" b="1" dirty="0">
-              <a:solidFill>
-                <a:srgbClr val="003766"/>
-              </a:solidFill>
-            </a:endParaRPr>
-          </a:p>
-          <a:p>
-            <a:r>
-              <a:rPr lang="pl-PL" sz="1400" b="1" dirty="0">
-                <a:solidFill>
-                  <a:srgbClr val="003766"/>
-                </a:solidFill>
-              </a:rPr>
-              <a:t>5.      Kolejne kroki</a:t>
-            </a:r>
-            <a:br>
-              <a:rPr lang="pl-PL" sz="1400" dirty="0">
-                <a:solidFill>
-                  <a:srgbClr val="003766"/>
-                </a:solidFill>
-              </a:rPr>
-            </a:br>
-            <a:r>
-              <a:rPr lang="pl-PL" sz="1400" dirty="0">
-                <a:solidFill>
-                  <a:srgbClr val="003766"/>
-                </a:solidFill>
-              </a:rPr>
-              <a:t>→ Walidacja eksperymentalna</a:t>
-            </a:r>
-            <a:br>
-              <a:rPr lang="pl-PL" sz="1400" dirty="0">
-                <a:solidFill>
-                  <a:srgbClr val="003766"/>
-                </a:solidFill>
-              </a:rPr>
-            </a:br>
-            <a:r>
-              <a:rPr lang="pl-PL" sz="1400" dirty="0">
-                <a:solidFill>
-                  <a:srgbClr val="003766"/>
-                </a:solidFill>
-              </a:rPr>
-              <a:t>→ Niezależne kohorty pacjentów</a:t>
-            </a:r>
-            <a:br>
-              <a:rPr lang="pl-PL" sz="1400" dirty="0">
-                <a:solidFill>
-                  <a:srgbClr val="003766"/>
-                </a:solidFill>
-              </a:rPr>
-            </a:br>
-            <a:r>
-              <a:rPr lang="pl-PL" sz="1400" dirty="0">
-                <a:solidFill>
-                  <a:srgbClr val="003766"/>
-                </a:solidFill>
-              </a:rPr>
-              <a:t>→ Dalsze badania przedkliniczne i kliniczne</a:t>
-            </a:r>
-          </a:p>
-          <a:p>
-            <a:endParaRPr lang="pl-PL" sz="1400" b="1" dirty="0">
-              <a:solidFill>
-                <a:srgbClr val="003766"/>
-              </a:solidFill>
-            </a:endParaRPr>
-          </a:p>
-          <a:p>
-            <a:pPr algn="ctr"/>
-            <a:r>
-              <a:rPr lang="pl-PL" b="1" dirty="0">
-                <a:solidFill>
-                  <a:srgbClr val="003766"/>
-                </a:solidFill>
-              </a:rPr>
-              <a:t>Zidentyfikowaliśmy „zamek” — supresję FOXA1/ESR1 sterowaną przez </a:t>
-            </a:r>
-            <a:r>
-              <a:rPr lang="pl-PL" b="1" dirty="0" err="1">
-                <a:solidFill>
-                  <a:srgbClr val="003766"/>
-                </a:solidFill>
-              </a:rPr>
-              <a:t>miRNA</a:t>
-            </a:r>
-            <a:r>
-              <a:rPr lang="pl-PL" b="1" dirty="0">
-                <a:solidFill>
-                  <a:srgbClr val="003766"/>
-                </a:solidFill>
-              </a:rPr>
-              <a:t>.</a:t>
-            </a:r>
-            <a:br>
-              <a:rPr lang="pl-PL" b="1" dirty="0">
-                <a:solidFill>
-                  <a:srgbClr val="003766"/>
-                </a:solidFill>
-              </a:rPr>
-            </a:br>
-            <a:r>
-              <a:rPr lang="pl-PL" b="1" dirty="0">
-                <a:solidFill>
-                  <a:srgbClr val="003766"/>
-                </a:solidFill>
-              </a:rPr>
-              <a:t>Kolejnym krokiem jest znalezienie „klucza” — ukierunkowanych terapii anty-</a:t>
-            </a:r>
-            <a:r>
-              <a:rPr lang="pl-PL" b="1" dirty="0" err="1">
-                <a:solidFill>
-                  <a:srgbClr val="003766"/>
-                </a:solidFill>
-              </a:rPr>
-              <a:t>miRNA</a:t>
-            </a:r>
-            <a:r>
-              <a:rPr lang="pl-PL" b="1" dirty="0">
-                <a:solidFill>
-                  <a:srgbClr val="003766"/>
-                </a:solidFill>
-              </a:rPr>
-              <a:t>.</a:t>
-            </a:r>
-            <a:br>
-              <a:rPr lang="pl-PL" b="1" dirty="0">
-                <a:solidFill>
-                  <a:srgbClr val="003766"/>
-                </a:solidFill>
-              </a:rPr>
-            </a:br>
-            <a:r>
-              <a:rPr lang="pl-PL" b="1" dirty="0">
-                <a:solidFill>
-                  <a:srgbClr val="003766"/>
-                </a:solidFill>
-              </a:rPr>
-              <a:t>To podejście może zmienić sposób leczenia potrójnie ujemnego raka piersi.</a:t>
-            </a:r>
-            <a:endParaRPr lang="en-US" b="1" dirty="0">
-              <a:solidFill>
-                <a:srgbClr val="003766"/>
-              </a:solidFill>
-            </a:endParaRPr>
-          </a:p>
-        </p:txBody>
-      </p:sp>
-    </p:spTree>
-    <p:extLst>
-      <p:ext uri="{BB962C8B-B14F-4D97-AF65-F5344CB8AC3E}">
-        <p14:creationId xmlns:p14="http://schemas.microsoft.com/office/powerpoint/2010/main" val="343497574"/>
       </p:ext>
     </p:extLst>
   </p:cSld>
